--- a/IntroToUnixHPC/03 HPC - Slides.pptx
+++ b/IntroToUnixHPC/03 HPC - Slides.pptx
@@ -34,26 +34,26 @@
     <p:sldId id="270" r:id="rId25"/>
     <p:sldId id="268" r:id="rId26"/>
     <p:sldId id="269" r:id="rId27"/>
-    <p:sldId id="305" r:id="rId28"/>
-    <p:sldId id="307" r:id="rId29"/>
-    <p:sldId id="271" r:id="rId30"/>
-    <p:sldId id="272" r:id="rId31"/>
-    <p:sldId id="273" r:id="rId32"/>
-    <p:sldId id="292" r:id="rId33"/>
-    <p:sldId id="293" r:id="rId34"/>
-    <p:sldId id="294" r:id="rId35"/>
-    <p:sldId id="310" r:id="rId36"/>
-    <p:sldId id="274" r:id="rId37"/>
-    <p:sldId id="303" r:id="rId38"/>
-    <p:sldId id="291" r:id="rId39"/>
-    <p:sldId id="275" r:id="rId40"/>
-    <p:sldId id="276" r:id="rId41"/>
-    <p:sldId id="277" r:id="rId42"/>
-    <p:sldId id="278" r:id="rId43"/>
-    <p:sldId id="279" r:id="rId44"/>
-    <p:sldId id="295" r:id="rId45"/>
-    <p:sldId id="282" r:id="rId46"/>
-    <p:sldId id="297" r:id="rId47"/>
+    <p:sldId id="312" r:id="rId28"/>
+    <p:sldId id="305" r:id="rId29"/>
+    <p:sldId id="307" r:id="rId30"/>
+    <p:sldId id="271" r:id="rId31"/>
+    <p:sldId id="272" r:id="rId32"/>
+    <p:sldId id="273" r:id="rId33"/>
+    <p:sldId id="292" r:id="rId34"/>
+    <p:sldId id="293" r:id="rId35"/>
+    <p:sldId id="294" r:id="rId36"/>
+    <p:sldId id="310" r:id="rId37"/>
+    <p:sldId id="274" r:id="rId38"/>
+    <p:sldId id="303" r:id="rId39"/>
+    <p:sldId id="291" r:id="rId40"/>
+    <p:sldId id="275" r:id="rId41"/>
+    <p:sldId id="276" r:id="rId42"/>
+    <p:sldId id="277" r:id="rId43"/>
+    <p:sldId id="278" r:id="rId44"/>
+    <p:sldId id="279" r:id="rId45"/>
+    <p:sldId id="295" r:id="rId46"/>
+    <p:sldId id="282" r:id="rId47"/>
     <p:sldId id="298" r:id="rId48"/>
     <p:sldId id="281" r:id="rId49"/>
     <p:sldId id="311" r:id="rId50"/>
@@ -240,7 +240,7 @@
           <a:p>
             <a:fld id="{F167A06E-FC55-4DFE-AD6E-1F136BE63A54}" type="datetimeFigureOut">
               <a:rPr lang="en-AU" smtClean="0"/>
-              <a:t>15/04/2014</a:t>
+              <a:t>28/09/15</a:t>
             </a:fld>
             <a:endParaRPr lang="en-AU"/>
           </a:p>
@@ -825,7 +825,7 @@
           <a:p>
             <a:fld id="{A8BA27FE-A543-409E-87F4-98DE1AAACD32}" type="slidenum">
               <a:rPr lang="en-AU" smtClean="0"/>
-              <a:t>32</a:t>
+              <a:t>27</a:t>
             </a:fld>
             <a:endParaRPr lang="en-AU"/>
           </a:p>
@@ -834,7 +834,7 @@
     </p:spTree>
     <p:extLst>
       <p:ext uri="{BB962C8B-B14F-4D97-AF65-F5344CB8AC3E}">
-        <p14:creationId xmlns:p14="http://schemas.microsoft.com/office/powerpoint/2010/main" val="203725576"/>
+        <p14:creationId xmlns:p14="http://schemas.microsoft.com/office/powerpoint/2010/main" val="3111138738"/>
       </p:ext>
     </p:extLst>
   </p:cSld>
@@ -909,7 +909,7 @@
           <a:p>
             <a:fld id="{A8BA27FE-A543-409E-87F4-98DE1AAACD32}" type="slidenum">
               <a:rPr lang="en-AU" smtClean="0"/>
-              <a:t>34</a:t>
+              <a:t>33</a:t>
             </a:fld>
             <a:endParaRPr lang="en-AU"/>
           </a:p>
@@ -918,7 +918,7 @@
     </p:spTree>
     <p:extLst>
       <p:ext uri="{BB962C8B-B14F-4D97-AF65-F5344CB8AC3E}">
-        <p14:creationId xmlns:p14="http://schemas.microsoft.com/office/powerpoint/2010/main" val="645760442"/>
+        <p14:creationId xmlns:p14="http://schemas.microsoft.com/office/powerpoint/2010/main" val="203725576"/>
       </p:ext>
     </p:extLst>
   </p:cSld>
@@ -1086,7 +1086,7 @@
     </p:spTree>
     <p:extLst>
       <p:ext uri="{BB962C8B-B14F-4D97-AF65-F5344CB8AC3E}">
-        <p14:creationId xmlns:p14="http://schemas.microsoft.com/office/powerpoint/2010/main" val="2328808354"/>
+        <p14:creationId xmlns:p14="http://schemas.microsoft.com/office/powerpoint/2010/main" val="645760442"/>
       </p:ext>
     </p:extLst>
   </p:cSld>
@@ -1245,7 +1245,7 @@
           <a:p>
             <a:fld id="{A8BA27FE-A543-409E-87F4-98DE1AAACD32}" type="slidenum">
               <a:rPr lang="en-AU" smtClean="0"/>
-              <a:t>39</a:t>
+              <a:t>38</a:t>
             </a:fld>
             <a:endParaRPr lang="en-AU"/>
           </a:p>
@@ -1254,7 +1254,7 @@
     </p:spTree>
     <p:extLst>
       <p:ext uri="{BB962C8B-B14F-4D97-AF65-F5344CB8AC3E}">
-        <p14:creationId xmlns:p14="http://schemas.microsoft.com/office/powerpoint/2010/main" val="953867665"/>
+        <p14:creationId xmlns:p14="http://schemas.microsoft.com/office/powerpoint/2010/main" val="2328808354"/>
       </p:ext>
     </p:extLst>
   </p:cSld>
@@ -1338,7 +1338,7 @@
     </p:spTree>
     <p:extLst>
       <p:ext uri="{BB962C8B-B14F-4D97-AF65-F5344CB8AC3E}">
-        <p14:creationId xmlns:p14="http://schemas.microsoft.com/office/powerpoint/2010/main" val="892794754"/>
+        <p14:creationId xmlns:p14="http://schemas.microsoft.com/office/powerpoint/2010/main" val="953867665"/>
       </p:ext>
     </p:extLst>
   </p:cSld>
@@ -1413,7 +1413,7 @@
           <a:p>
             <a:fld id="{A8BA27FE-A543-409E-87F4-98DE1AAACD32}" type="slidenum">
               <a:rPr lang="en-AU" smtClean="0"/>
-              <a:t>43</a:t>
+              <a:t>41</a:t>
             </a:fld>
             <a:endParaRPr lang="en-AU"/>
           </a:p>
@@ -1422,7 +1422,7 @@
     </p:spTree>
     <p:extLst>
       <p:ext uri="{BB962C8B-B14F-4D97-AF65-F5344CB8AC3E}">
-        <p14:creationId xmlns:p14="http://schemas.microsoft.com/office/powerpoint/2010/main" val="2040970987"/>
+        <p14:creationId xmlns:p14="http://schemas.microsoft.com/office/powerpoint/2010/main" val="892794754"/>
       </p:ext>
     </p:extLst>
   </p:cSld>
@@ -1662,7 +1662,7 @@
     </p:spTree>
     <p:extLst>
       <p:ext uri="{BB962C8B-B14F-4D97-AF65-F5344CB8AC3E}">
-        <p14:creationId xmlns:p14="http://schemas.microsoft.com/office/powerpoint/2010/main" val="1305115633"/>
+        <p14:creationId xmlns:p14="http://schemas.microsoft.com/office/powerpoint/2010/main" val="2040970987"/>
       </p:ext>
     </p:extLst>
   </p:cSld>
@@ -1716,193 +1716,7 @@
           <a:bodyPr/>
           <a:lstStyle/>
           <a:p>
-            <a:pPr marL="0" indent="0">
-              <a:buFont typeface="Arial" pitchFamily="34" charset="0"/>
-              <a:buNone/>
-            </a:pPr>
-            <a:r>
-              <a:rPr lang="en-AU" sz="1200" b="1" dirty="0" smtClean="0">
-                <a:latin typeface="Tahoma" pitchFamily="34" charset="0"/>
-                <a:ea typeface="Tahoma" pitchFamily="34" charset="0"/>
-                <a:cs typeface="Tahoma" pitchFamily="34" charset="0"/>
-              </a:rPr>
-              <a:t>TRAINER TO DO</a:t>
-            </a:r>
-          </a:p>
-          <a:p>
-            <a:pPr marL="457200" indent="-457200">
-              <a:buFont typeface="Arial" pitchFamily="34" charset="0"/>
-              <a:buChar char="•"/>
-            </a:pPr>
-            <a:r>
-              <a:rPr lang="en-AU" sz="1200" dirty="0" smtClean="0">
-                <a:latin typeface="Tahoma" pitchFamily="34" charset="0"/>
-                <a:ea typeface="Tahoma" pitchFamily="34" charset="0"/>
-                <a:cs typeface="Tahoma" pitchFamily="34" charset="0"/>
-              </a:rPr>
-              <a:t>Show them the form to add accounts to an</a:t>
-            </a:r>
-            <a:r>
-              <a:rPr lang="en-AU" sz="1200" baseline="0" dirty="0" smtClean="0">
-                <a:latin typeface="Tahoma" pitchFamily="34" charset="0"/>
-                <a:ea typeface="Tahoma" pitchFamily="34" charset="0"/>
-                <a:cs typeface="Tahoma" pitchFamily="34" charset="0"/>
-              </a:rPr>
-              <a:t> existing project</a:t>
-            </a:r>
-            <a:endParaRPr lang="en-AU" sz="1200" dirty="0" smtClean="0">
-              <a:latin typeface="Tahoma" pitchFamily="34" charset="0"/>
-              <a:ea typeface="Tahoma" pitchFamily="34" charset="0"/>
-              <a:cs typeface="Tahoma" pitchFamily="34" charset="0"/>
-            </a:endParaRPr>
-          </a:p>
-          <a:p>
-            <a:pPr marL="0" indent="0">
-              <a:buFont typeface="Arial" pitchFamily="34" charset="0"/>
-              <a:buNone/>
-            </a:pPr>
-            <a:endParaRPr lang="en-AU" sz="1200" dirty="0" smtClean="0">
-              <a:solidFill>
-                <a:srgbClr val="000000"/>
-              </a:solidFill>
-              <a:latin typeface="Tahoma" pitchFamily="34" charset="0"/>
-              <a:ea typeface="Tahoma" pitchFamily="34" charset="0"/>
-              <a:cs typeface="Tahoma" pitchFamily="34" charset="0"/>
-            </a:endParaRPr>
-          </a:p>
-          <a:p>
-            <a:pPr marL="0" indent="0">
-              <a:buFont typeface="Arial" pitchFamily="34" charset="0"/>
-              <a:buNone/>
-            </a:pPr>
-            <a:r>
-              <a:rPr lang="en-AU" sz="1200" dirty="0" smtClean="0">
-                <a:solidFill>
-                  <a:srgbClr val="000000"/>
-                </a:solidFill>
-                <a:latin typeface="Tahoma" pitchFamily="34" charset="0"/>
-                <a:ea typeface="Tahoma" pitchFamily="34" charset="0"/>
-                <a:cs typeface="Tahoma" pitchFamily="34" charset="0"/>
-              </a:rPr>
-              <a:t>Notes to</a:t>
-            </a:r>
-            <a:r>
-              <a:rPr lang="en-AU" sz="1200" baseline="0" dirty="0" smtClean="0">
-                <a:solidFill>
-                  <a:srgbClr val="000000"/>
-                </a:solidFill>
-                <a:latin typeface="Tahoma" pitchFamily="34" charset="0"/>
-                <a:ea typeface="Tahoma" pitchFamily="34" charset="0"/>
-                <a:cs typeface="Tahoma" pitchFamily="34" charset="0"/>
-              </a:rPr>
-              <a:t> Students</a:t>
-            </a:r>
-            <a:endParaRPr lang="en-AU" sz="1200" dirty="0" smtClean="0">
-              <a:solidFill>
-                <a:srgbClr val="000000"/>
-              </a:solidFill>
-              <a:latin typeface="Tahoma" pitchFamily="34" charset="0"/>
-              <a:ea typeface="Tahoma" pitchFamily="34" charset="0"/>
-              <a:cs typeface="Tahoma" pitchFamily="34" charset="0"/>
-            </a:endParaRPr>
-          </a:p>
-          <a:p>
-            <a:pPr marL="457200" indent="-457200">
-              <a:buFont typeface="Arial" pitchFamily="34" charset="0"/>
-              <a:buChar char="•"/>
-            </a:pPr>
-            <a:r>
-              <a:rPr lang="en-AU" sz="1200" dirty="0" smtClean="0">
-                <a:solidFill>
-                  <a:srgbClr val="000000"/>
-                </a:solidFill>
-                <a:latin typeface="Tahoma" pitchFamily="34" charset="0"/>
-                <a:ea typeface="Tahoma" pitchFamily="34" charset="0"/>
-                <a:cs typeface="Tahoma" pitchFamily="34" charset="0"/>
-              </a:rPr>
-              <a:t>P</a:t>
-            </a:r>
-            <a:r>
-              <a:rPr lang="en-AU" sz="1200" dirty="0" smtClean="0">
-                <a:latin typeface="Tahoma" pitchFamily="34" charset="0"/>
-                <a:ea typeface="Tahoma" pitchFamily="34" charset="0"/>
-                <a:cs typeface="Tahoma" pitchFamily="34" charset="0"/>
-              </a:rPr>
-              <a:t>ick INTERSECT under partner/scheme on the first page of the project registration form or else you won’t get access to Orange</a:t>
-            </a:r>
-          </a:p>
-          <a:p>
-            <a:pPr marL="457200" indent="-457200">
-              <a:buFont typeface="Arial" pitchFamily="34" charset="0"/>
-              <a:buChar char="•"/>
-            </a:pPr>
-            <a:r>
-              <a:rPr lang="en-AU" sz="1200" dirty="0" smtClean="0">
-                <a:latin typeface="Tahoma" pitchFamily="34" charset="0"/>
-                <a:ea typeface="Tahoma" pitchFamily="34" charset="0"/>
-                <a:cs typeface="Tahoma" pitchFamily="34" charset="0"/>
-              </a:rPr>
-              <a:t>Mention Orange in the 1</a:t>
-            </a:r>
-            <a:r>
-              <a:rPr lang="en-AU" sz="1200" baseline="30000" dirty="0" smtClean="0">
-                <a:latin typeface="Tahoma" pitchFamily="34" charset="0"/>
-                <a:ea typeface="Tahoma" pitchFamily="34" charset="0"/>
-                <a:cs typeface="Tahoma" pitchFamily="34" charset="0"/>
-              </a:rPr>
-              <a:t>st</a:t>
-            </a:r>
-            <a:r>
-              <a:rPr lang="en-AU" sz="1200" dirty="0" smtClean="0">
-                <a:latin typeface="Tahoma" pitchFamily="34" charset="0"/>
-                <a:ea typeface="Tahoma" pitchFamily="34" charset="0"/>
-                <a:cs typeface="Tahoma" pitchFamily="34" charset="0"/>
-              </a:rPr>
-              <a:t> line of the description field</a:t>
-            </a:r>
-          </a:p>
-          <a:p>
-            <a:pPr marL="457200" indent="-457200">
-              <a:buFont typeface="Arial" pitchFamily="34" charset="0"/>
-              <a:buChar char="•"/>
-            </a:pPr>
-            <a:r>
-              <a:rPr lang="en-AU" sz="1200" dirty="0" smtClean="0">
-                <a:latin typeface="Tahoma" pitchFamily="34" charset="0"/>
-                <a:ea typeface="Tahoma" pitchFamily="34" charset="0"/>
-                <a:cs typeface="Tahoma" pitchFamily="34" charset="0"/>
-              </a:rPr>
-              <a:t>If you are unsure about which machine to use, email </a:t>
-            </a:r>
-            <a:r>
-              <a:rPr lang="en-AU" sz="1200" dirty="0" err="1" smtClean="0">
-                <a:latin typeface="Tahoma" pitchFamily="34" charset="0"/>
-                <a:ea typeface="Tahoma" pitchFamily="34" charset="0"/>
-                <a:cs typeface="Tahoma" pitchFamily="34" charset="0"/>
-              </a:rPr>
-              <a:t>hpc_support</a:t>
-            </a:r>
-            <a:r>
-              <a:rPr lang="en-AU" sz="1200" dirty="0" smtClean="0">
-                <a:latin typeface="Tahoma" pitchFamily="34" charset="0"/>
-                <a:ea typeface="Tahoma" pitchFamily="34" charset="0"/>
-                <a:cs typeface="Tahoma" pitchFamily="34" charset="0"/>
-              </a:rPr>
-              <a:t> first as they can </a:t>
-            </a:r>
-            <a:r>
-              <a:rPr lang="en-AU" sz="1200" dirty="0" err="1" smtClean="0">
-                <a:latin typeface="Tahoma" pitchFamily="34" charset="0"/>
-                <a:ea typeface="Tahoma" pitchFamily="34" charset="0"/>
-                <a:cs typeface="Tahoma" pitchFamily="34" charset="0"/>
-              </a:rPr>
-              <a:t>advi</a:t>
-            </a:r>
-            <a:endParaRPr lang="en-AU" sz="1200" dirty="0" smtClean="0">
-              <a:latin typeface="Tahoma" pitchFamily="34" charset="0"/>
-              <a:ea typeface="Tahoma" pitchFamily="34" charset="0"/>
-              <a:cs typeface="Tahoma" pitchFamily="34" charset="0"/>
-            </a:endParaRPr>
+            <a:endParaRPr lang="en-AU" dirty="0"/>
           </a:p>
         </p:txBody>
       </p:sp>
@@ -1923,7 +1737,7 @@
           <a:p>
             <a:fld id="{A8BA27FE-A543-409E-87F4-98DE1AAACD32}" type="slidenum">
               <a:rPr lang="en-AU" smtClean="0"/>
-              <a:t>46</a:t>
+              <a:t>45</a:t>
             </a:fld>
             <a:endParaRPr lang="en-AU"/>
           </a:p>
@@ -1932,7 +1746,7 @@
     </p:spTree>
     <p:extLst>
       <p:ext uri="{BB962C8B-B14F-4D97-AF65-F5344CB8AC3E}">
-        <p14:creationId xmlns:p14="http://schemas.microsoft.com/office/powerpoint/2010/main" val="2818914519"/>
+        <p14:creationId xmlns:p14="http://schemas.microsoft.com/office/powerpoint/2010/main" val="1305115633"/>
       </p:ext>
     </p:extLst>
   </p:cSld>
@@ -4414,7 +4228,7 @@
   <p:timing>
     <p:tnLst>
       <p:par>
-        <p:cTn id="1" dur="indefinite" restart="never" nodeType="tmRoot"/>
+        <p:cTn xmlns:p14="http://schemas.microsoft.com/office/powerpoint/2010/main" id="1" dur="indefinite" restart="never" nodeType="tmRoot"/>
       </p:par>
     </p:tnLst>
   </p:timing>
@@ -5020,7 +4834,7 @@
   <p:timing>
     <p:tnLst>
       <p:par>
-        <p:cTn id="1" dur="indefinite" restart="never" nodeType="tmRoot"/>
+        <p:cTn xmlns:p14="http://schemas.microsoft.com/office/powerpoint/2010/main" id="1" dur="indefinite" restart="never" nodeType="tmRoot"/>
       </p:par>
     </p:tnLst>
   </p:timing>
@@ -5052,7 +4866,7 @@
   <p:timing>
     <p:tnLst>
       <p:par>
-        <p:cTn id="1" dur="indefinite" restart="never" nodeType="tmRoot"/>
+        <p:cTn xmlns:p14="http://schemas.microsoft.com/office/powerpoint/2010/main" id="1" dur="indefinite" restart="never" nodeType="tmRoot"/>
       </p:par>
     </p:tnLst>
   </p:timing>
@@ -5289,7 +5103,7 @@
   <p:timing>
     <p:tnLst>
       <p:par>
-        <p:cTn id="1" dur="indefinite" restart="never" nodeType="tmRoot"/>
+        <p:cTn xmlns:p14="http://schemas.microsoft.com/office/powerpoint/2010/main" id="1" dur="indefinite" restart="never" nodeType="tmRoot"/>
       </p:par>
     </p:tnLst>
   </p:timing>
@@ -5849,7 +5663,7 @@
   <p:timing>
     <p:tnLst>
       <p:par>
-        <p:cTn id="1" dur="indefinite" restart="never" nodeType="tmRoot"/>
+        <p:cTn xmlns:p14="http://schemas.microsoft.com/office/powerpoint/2010/main" id="1" dur="indefinite" restart="never" nodeType="tmRoot"/>
       </p:par>
     </p:tnLst>
   </p:timing>
@@ -6045,14 +5859,14 @@
             <a:noFill/>
           </a:ln>
           <a:extLst>
-            <a:ext uri="{909E8E84-426E-40DD-AFC4-6F175D3DCCD1}">
+            <a:ext uri="{909E8E84-426E-40dd-AFC4-6F175D3DCCD1}">
               <a14:hiddenFill xmlns:a14="http://schemas.microsoft.com/office/drawing/2010/main">
                 <a:solidFill>
                   <a:schemeClr val="accent1"/>
                 </a:solidFill>
               </a14:hiddenFill>
             </a:ext>
-            <a:ext uri="{91240B29-F687-4F45-9708-019B960494DF}">
+            <a:ext uri="{91240B29-F687-4f45-9708-019B960494DF}">
               <a14:hiddenLine xmlns:a14="http://schemas.microsoft.com/office/drawing/2010/main" w="9525">
                 <a:solidFill>
                   <a:schemeClr val="tx1"/>
@@ -6357,14 +6171,14 @@
             <a:noFill/>
           </a:ln>
           <a:extLst>
-            <a:ext uri="{909E8E84-426E-40DD-AFC4-6F175D3DCCD1}">
+            <a:ext uri="{909E8E84-426E-40dd-AFC4-6F175D3DCCD1}">
               <a14:hiddenFill xmlns:a14="http://schemas.microsoft.com/office/drawing/2010/main">
                 <a:solidFill>
                   <a:schemeClr val="accent1"/>
                 </a:solidFill>
               </a14:hiddenFill>
             </a:ext>
-            <a:ext uri="{91240B29-F687-4F45-9708-019B960494DF}">
+            <a:ext uri="{91240B29-F687-4f45-9708-019B960494DF}">
               <a14:hiddenLine xmlns:a14="http://schemas.microsoft.com/office/drawing/2010/main" w="9525">
                 <a:solidFill>
                   <a:schemeClr val="tx1"/>
@@ -6525,7 +6339,7 @@
         <p:spPr>
           <a:xfrm>
             <a:off x="611560" y="1596015"/>
-            <a:ext cx="7848872" cy="4893647"/>
+            <a:ext cx="7848872" cy="4493538"/>
           </a:xfrm>
           <a:prstGeom prst="rect">
             <a:avLst/>
@@ -6636,31 +6450,25 @@
             </a:r>
           </a:p>
           <a:p>
-            <a:pPr marL="742950" lvl="1" indent="-285750">
-              <a:buFont typeface="Arial" pitchFamily="34" charset="0"/>
-              <a:buChar char="•"/>
-            </a:pPr>
-            <a:r>
-              <a:rPr lang="en-AU" sz="2600" dirty="0" smtClean="0">
-                <a:latin typeface="Tahoma" pitchFamily="34" charset="0"/>
-                <a:ea typeface="Tahoma" pitchFamily="34" charset="0"/>
-                <a:cs typeface="Tahoma" pitchFamily="34" charset="0"/>
-              </a:rPr>
-              <a:t>ANU PBS</a:t>
-            </a:r>
-          </a:p>
-          <a:p>
             <a:pPr marL="285750" indent="-285750">
               <a:buFont typeface="Arial" pitchFamily="34" charset="0"/>
               <a:buChar char="•"/>
             </a:pPr>
             <a:r>
+              <a:rPr lang="en-AU" sz="2600" dirty="0" smtClean="0">
+                <a:latin typeface="Tahoma" pitchFamily="34" charset="0"/>
+                <a:ea typeface="Tahoma" pitchFamily="34" charset="0"/>
+                <a:cs typeface="Tahoma" pitchFamily="34" charset="0"/>
+              </a:rPr>
+              <a:t>Guide </a:t>
+            </a:r>
+            <a:r>
               <a:rPr lang="en-AU" sz="2600" dirty="0">
                 <a:latin typeface="Tahoma" pitchFamily="34" charset="0"/>
                 <a:ea typeface="Tahoma" pitchFamily="34" charset="0"/>
                 <a:cs typeface="Tahoma" pitchFamily="34" charset="0"/>
               </a:rPr>
-              <a:t>Guide to PBS: </a:t>
+              <a:t>to PBS: </a:t>
             </a:r>
             <a:r>
               <a:rPr lang="en-AU" sz="2600" dirty="0">
@@ -7038,27 +6846,7 @@
                 <a:latin typeface="Tahoma"/>
                 <a:ea typeface="ＭＳ Ｐゴシック"/>
               </a:rPr>
-              <a:t>ANU PBS </a:t>
-            </a:r>
-            <a:r>
-              <a:rPr lang="en-US" sz="4400" dirty="0" err="1" smtClean="0">
-                <a:solidFill>
-                  <a:srgbClr val="E46C0A"/>
-                </a:solidFill>
-                <a:latin typeface="Tahoma"/>
-                <a:ea typeface="ＭＳ Ｐゴシック"/>
-              </a:rPr>
-              <a:t>vs</a:t>
-            </a:r>
-            <a:r>
-              <a:rPr lang="en-US" sz="4400" dirty="0" smtClean="0">
-                <a:solidFill>
-                  <a:srgbClr val="E46C0A"/>
-                </a:solidFill>
-                <a:latin typeface="Tahoma"/>
-                <a:ea typeface="ＭＳ Ｐゴシック"/>
-              </a:rPr>
-              <a:t> PBS Pro</a:t>
+              <a:t>PBS Pro</a:t>
             </a:r>
             <a:endParaRPr dirty="0"/>
           </a:p>
@@ -7072,7 +6860,7 @@
         </p:nvSpPr>
         <p:spPr>
           <a:xfrm>
-            <a:off x="683568" y="1600200"/>
+            <a:off x="683568" y="1639744"/>
             <a:ext cx="8002872" cy="4525560"/>
           </a:xfrm>
           <a:prstGeom prst="rect">
@@ -7181,14 +6969,14 @@
           <p:nvPr>
             <p:extLst>
               <p:ext uri="{D42A27DB-BD31-4B8C-83A1-F6EECF244321}">
-                <p14:modId xmlns:p14="http://schemas.microsoft.com/office/powerpoint/2010/main" val="3437968250"/>
+                <p14:modId xmlns:p14="http://schemas.microsoft.com/office/powerpoint/2010/main" val="3120520413"/>
               </p:ext>
             </p:extLst>
           </p:nvPr>
         </p:nvGraphicFramePr>
         <p:xfrm>
-          <a:off x="1084603" y="3676530"/>
-          <a:ext cx="7200801" cy="2168360"/>
+          <a:off x="899592" y="3861048"/>
+          <a:ext cx="7128792" cy="2168360"/>
         </p:xfrm>
         <a:graphic>
           <a:graphicData uri="http://schemas.openxmlformats.org/drawingml/2006/table">
@@ -7198,8 +6986,7 @@
               </a:tblPr>
               <a:tblGrid>
                 <a:gridCol w="2400267"/>
-                <a:gridCol w="2400267"/>
-                <a:gridCol w="2400267"/>
+                <a:gridCol w="4728525"/>
               </a:tblGrid>
               <a:tr h="542090">
                 <a:tc>
@@ -7212,20 +6999,6 @@
                         <a:t>Batch System</a:t>
                       </a:r>
                       <a:endParaRPr lang="en-AU" sz="2400" b="1" dirty="0"/>
-                    </a:p>
-                  </a:txBody>
-                  <a:tcPr/>
-                </a:tc>
-                <a:tc>
-                  <a:txBody>
-                    <a:bodyPr/>
-                    <a:lstStyle/>
-                    <a:p>
-                      <a:r>
-                        <a:rPr lang="en-AU" sz="2400" dirty="0" smtClean="0"/>
-                        <a:t>ANU PBS</a:t>
-                      </a:r>
-                      <a:endParaRPr lang="en-AU" sz="2400" dirty="0"/>
                     </a:p>
                   </a:txBody>
                   <a:tcPr/>
@@ -7266,22 +7039,20 @@
                     <a:lstStyle/>
                     <a:p>
                       <a:r>
+                        <a:rPr lang="en-AU" sz="2400" dirty="0" smtClean="0"/>
+                        <a:t>Orange,</a:t>
+                      </a:r>
+                      <a:r>
                         <a:rPr lang="en-AU" sz="2400" baseline="0" dirty="0" smtClean="0"/>
+                        <a:t> </a:t>
+                      </a:r>
+                      <a:r>
+                        <a:rPr lang="en-AU" sz="2400" dirty="0" smtClean="0"/>
+                        <a:t>Octane, </a:t>
+                      </a:r>
+                      <a:r>
+                        <a:rPr lang="en-AU" sz="2400" dirty="0" err="1" smtClean="0"/>
                         <a:t>Raijin</a:t>
-                      </a:r>
-                      <a:endParaRPr lang="en-AU" sz="2400" dirty="0"/>
-                    </a:p>
-                  </a:txBody>
-                  <a:tcPr/>
-                </a:tc>
-                <a:tc>
-                  <a:txBody>
-                    <a:bodyPr/>
-                    <a:lstStyle/>
-                    <a:p>
-                      <a:r>
-                        <a:rPr lang="en-AU" sz="2400" dirty="0" smtClean="0"/>
-                        <a:t>Orange &amp; Octane</a:t>
                       </a:r>
                       <a:endParaRPr lang="en-AU" sz="2400" dirty="0"/>
                     </a:p>
@@ -7310,24 +7081,6 @@
                     <a:lstStyle/>
                     <a:p>
                       <a:r>
-                        <a:rPr lang="en-AU" sz="2400" dirty="0" err="1" smtClean="0"/>
-                        <a:t>OpenPBS</a:t>
-                      </a:r>
-                      <a:r>
-                        <a:rPr lang="en-AU" sz="2400" dirty="0" smtClean="0"/>
-                        <a:t> 2.3</a:t>
-                      </a:r>
-                      <a:endParaRPr lang="en-AU" sz="2400" dirty="0"/>
-                    </a:p>
-                  </a:txBody>
-                  <a:tcPr/>
-                </a:tc>
-                <a:tc>
-                  <a:txBody>
-                    <a:bodyPr/>
-                    <a:lstStyle/>
-                    <a:p>
-                      <a:r>
                         <a:rPr lang="en-AU" sz="2400" dirty="0" smtClean="0"/>
                         <a:t>PBS Professional</a:t>
                       </a:r>
@@ -7348,20 +7101,6 @@
                         <a:t>Licence</a:t>
                       </a:r>
                       <a:endParaRPr lang="en-AU" sz="2400" b="1" dirty="0"/>
-                    </a:p>
-                  </a:txBody>
-                  <a:tcPr/>
-                </a:tc>
-                <a:tc>
-                  <a:txBody>
-                    <a:bodyPr/>
-                    <a:lstStyle/>
-                    <a:p>
-                      <a:r>
-                        <a:rPr lang="en-AU" sz="2400" dirty="0" smtClean="0"/>
-                        <a:t>ANU Licence</a:t>
-                      </a:r>
-                      <a:endParaRPr lang="en-AU" sz="2400" dirty="0"/>
                     </a:p>
                   </a:txBody>
                   <a:tcPr/>
@@ -7401,8 +7140,8 @@
         </p:nvSpPr>
         <p:spPr>
           <a:xfrm>
-            <a:off x="586737" y="1620572"/>
-            <a:ext cx="7848872" cy="1938992"/>
+            <a:off x="683568" y="1340768"/>
+            <a:ext cx="7848872" cy="2677656"/>
           </a:xfrm>
           <a:prstGeom prst="rect">
             <a:avLst/>
@@ -7414,49 +7153,13 @@
           </a:bodyPr>
           <a:lstStyle/>
           <a:p>
-            <a:pPr marL="285750" indent="-285750">
-              <a:buFont typeface="Arial" pitchFamily="34" charset="0"/>
-              <a:buChar char="•"/>
-            </a:pPr>
-            <a:r>
-              <a:rPr lang="en-AU" sz="2400" dirty="0">
-                <a:latin typeface="Tahoma" pitchFamily="34" charset="0"/>
-                <a:ea typeface="Tahoma" pitchFamily="34" charset="0"/>
-                <a:cs typeface="Tahoma" pitchFamily="34" charset="0"/>
-              </a:rPr>
-              <a:t>ANU PBS is a </a:t>
-            </a:r>
-            <a:r>
-              <a:rPr lang="en-AU" sz="2400" b="1" u="sng" dirty="0">
-                <a:latin typeface="Tahoma" pitchFamily="34" charset="0"/>
-                <a:ea typeface="Tahoma" pitchFamily="34" charset="0"/>
-                <a:cs typeface="Tahoma" pitchFamily="34" charset="0"/>
-              </a:rPr>
-              <a:t>customised version of PBS based on </a:t>
-            </a:r>
-            <a:r>
-              <a:rPr lang="en-AU" sz="2400" b="1" u="sng" dirty="0" err="1">
-                <a:latin typeface="Tahoma" pitchFamily="34" charset="0"/>
-                <a:ea typeface="Tahoma" pitchFamily="34" charset="0"/>
-                <a:cs typeface="Tahoma" pitchFamily="34" charset="0"/>
-              </a:rPr>
-              <a:t>OpenPBS</a:t>
-            </a:r>
-            <a:r>
-              <a:rPr lang="en-AU" sz="2400" b="1" u="sng" dirty="0">
-                <a:latin typeface="Tahoma" pitchFamily="34" charset="0"/>
-                <a:ea typeface="Tahoma" pitchFamily="34" charset="0"/>
-                <a:cs typeface="Tahoma" pitchFamily="34" charset="0"/>
-              </a:rPr>
-              <a:t> </a:t>
-            </a:r>
-            <a:r>
-              <a:rPr lang="en-AU" sz="2400" b="1" u="sng" dirty="0" smtClean="0">
-                <a:latin typeface="Tahoma" pitchFamily="34" charset="0"/>
-                <a:ea typeface="Tahoma" pitchFamily="34" charset="0"/>
-                <a:cs typeface="Tahoma" pitchFamily="34" charset="0"/>
-              </a:rPr>
-              <a:t>2.3 </a:t>
+            <a:r>
+              <a:rPr lang="en-AU" sz="2400" b="1" dirty="0" smtClean="0">
+                <a:latin typeface="Tahoma" pitchFamily="34" charset="0"/>
+                <a:ea typeface="Tahoma" pitchFamily="34" charset="0"/>
+                <a:cs typeface="Tahoma" pitchFamily="34" charset="0"/>
+              </a:rPr>
+              <a:t>PBS Pro </a:t>
             </a:r>
             <a:r>
               <a:rPr lang="en-AU" sz="2400" dirty="0" smtClean="0">
@@ -7464,16 +7167,18 @@
                 <a:ea typeface="Tahoma" pitchFamily="34" charset="0"/>
                 <a:cs typeface="Tahoma" pitchFamily="34" charset="0"/>
               </a:rPr>
-              <a:t>maintained by ANU</a:t>
-            </a:r>
-            <a:endParaRPr lang="en-AU" sz="2400" dirty="0">
+              <a:t>is the batch system used on all three systems available through your Intersect membership:</a:t>
+            </a:r>
+          </a:p>
+          <a:p>
+            <a:endParaRPr lang="en-AU" sz="2400" dirty="0" smtClean="0">
               <a:latin typeface="Tahoma" pitchFamily="34" charset="0"/>
               <a:ea typeface="Tahoma" pitchFamily="34" charset="0"/>
               <a:cs typeface="Tahoma" pitchFamily="34" charset="0"/>
             </a:endParaRPr>
           </a:p>
           <a:p>
-            <a:pPr marL="285750" indent="-285750">
+            <a:pPr marL="742950" lvl="1" indent="-285750">
               <a:buFont typeface="Arial" pitchFamily="34" charset="0"/>
               <a:buChar char="•"/>
             </a:pPr>
@@ -7483,46 +7188,50 @@
                 <a:ea typeface="Tahoma" pitchFamily="34" charset="0"/>
                 <a:cs typeface="Tahoma" pitchFamily="34" charset="0"/>
               </a:rPr>
-              <a:t>Details of ANU PBS modifications are found here:</a:t>
-            </a:r>
-          </a:p>
-          <a:p>
-            <a:pPr lvl="1"/>
+              <a:t>Octane (training machine)</a:t>
+            </a:r>
+          </a:p>
+          <a:p>
+            <a:pPr marL="742950" lvl="1" indent="-285750">
+              <a:buFont typeface="Arial" pitchFamily="34" charset="0"/>
+              <a:buChar char="•"/>
+            </a:pPr>
             <a:r>
               <a:rPr lang="en-AU" sz="2400" dirty="0" smtClean="0">
                 <a:latin typeface="Tahoma" pitchFamily="34" charset="0"/>
                 <a:ea typeface="Tahoma" pitchFamily="34" charset="0"/>
                 <a:cs typeface="Tahoma" pitchFamily="34" charset="0"/>
-                <a:hlinkClick r:id="rId3"/>
-              </a:rPr>
-              <a:t>http</a:t>
-            </a:r>
-            <a:r>
-              <a:rPr lang="en-AU" sz="2400" dirty="0">
-                <a:latin typeface="Tahoma" pitchFamily="34" charset="0"/>
-                <a:ea typeface="Tahoma" pitchFamily="34" charset="0"/>
-                <a:cs typeface="Tahoma" pitchFamily="34" charset="0"/>
-                <a:hlinkClick r:id="rId3"/>
-              </a:rPr>
-              <a:t>://anusf.anu.edu.au/~</a:t>
+              </a:rPr>
+              <a:t>Orange</a:t>
+            </a:r>
+          </a:p>
+          <a:p>
+            <a:pPr marL="742950" lvl="1" indent="-285750">
+              <a:buFont typeface="Arial" pitchFamily="34" charset="0"/>
+              <a:buChar char="•"/>
+            </a:pPr>
+            <a:r>
+              <a:rPr lang="en-AU" sz="2400" dirty="0" err="1" smtClean="0">
+                <a:latin typeface="Tahoma" pitchFamily="34" charset="0"/>
+                <a:ea typeface="Tahoma" pitchFamily="34" charset="0"/>
+                <a:cs typeface="Tahoma" pitchFamily="34" charset="0"/>
+              </a:rPr>
+              <a:t>Raijin</a:t>
             </a:r>
             <a:r>
               <a:rPr lang="en-AU" sz="2400" dirty="0" smtClean="0">
                 <a:latin typeface="Tahoma" pitchFamily="34" charset="0"/>
                 <a:ea typeface="Tahoma" pitchFamily="34" charset="0"/>
                 <a:cs typeface="Tahoma" pitchFamily="34" charset="0"/>
-                <a:hlinkClick r:id="rId3"/>
-              </a:rPr>
-              <a:t>dbs900/PBS/local_modifications.html</a:t>
-            </a:r>
-            <a:r>
-              <a:rPr lang="en-AU" sz="2400" dirty="0" smtClean="0">
-                <a:latin typeface="Tahoma" pitchFamily="34" charset="0"/>
-                <a:ea typeface="Tahoma" pitchFamily="34" charset="0"/>
-                <a:cs typeface="Tahoma" pitchFamily="34" charset="0"/>
-              </a:rPr>
-              <a:t> </a:t>
-            </a:r>
+              </a:rPr>
+              <a:t>(NCI)</a:t>
+            </a:r>
+          </a:p>
+          <a:p>
+            <a:pPr marL="742950" lvl="1" indent="-285750">
+              <a:buFont typeface="Arial" pitchFamily="34" charset="0"/>
+              <a:buChar char="•"/>
+            </a:pPr>
             <a:endParaRPr lang="en-AU" sz="2400" dirty="0">
               <a:latin typeface="Tahoma" pitchFamily="34" charset="0"/>
               <a:ea typeface="Tahoma" pitchFamily="34" charset="0"/>
@@ -8816,14 +8525,14 @@
           <p:nvPr>
             <p:extLst>
               <p:ext uri="{D42A27DB-BD31-4B8C-83A1-F6EECF244321}">
-                <p14:modId xmlns:p14="http://schemas.microsoft.com/office/powerpoint/2010/main" val="1264856247"/>
+                <p14:modId xmlns:p14="http://schemas.microsoft.com/office/powerpoint/2010/main" val="477177820"/>
               </p:ext>
             </p:extLst>
           </p:nvPr>
         </p:nvGraphicFramePr>
         <p:xfrm>
           <a:off x="381000" y="1783080"/>
-          <a:ext cx="8458200" cy="2123440"/>
+          <a:ext cx="8458200" cy="1483360"/>
         </p:xfrm>
         <a:graphic>
           <a:graphicData uri="http://schemas.openxmlformats.org/drawingml/2006/table">
@@ -9017,63 +8726,6 @@
                       <a:r>
                         <a:rPr lang="en-AU" dirty="0"/>
                         <a:t>Show detailed information about a job</a:t>
-                      </a:r>
-                      <a:endParaRPr dirty="0"/>
-                    </a:p>
-                  </a:txBody>
-                  <a:tcPr/>
-                </a:tc>
-              </a:tr>
-              <a:tr h="370840">
-                <a:tc>
-                  <a:txBody>
-                    <a:bodyPr/>
-                    <a:lstStyle/>
-                    <a:p>
-                      <a:pPr>
-                        <a:lnSpc>
-                          <a:spcPct val="100000"/>
-                        </a:lnSpc>
-                      </a:pPr>
-                      <a:r>
-                        <a:rPr lang="en-AU" b="1" dirty="0" err="1" smtClean="0">
-                          <a:latin typeface="Courier New" pitchFamily="49" charset="0"/>
-                          <a:cs typeface="Courier New" pitchFamily="49" charset="0"/>
-                        </a:rPr>
-                        <a:t>nqstat</a:t>
-                      </a:r>
-                      <a:endParaRPr b="1" dirty="0">
-                        <a:latin typeface="Courier New" pitchFamily="49" charset="0"/>
-                        <a:cs typeface="Courier New" pitchFamily="49" charset="0"/>
-                      </a:endParaRPr>
-                    </a:p>
-                  </a:txBody>
-                  <a:tcPr/>
-                </a:tc>
-                <a:tc>
-                  <a:txBody>
-                    <a:bodyPr/>
-                    <a:lstStyle/>
-                    <a:p>
-                      <a:pPr>
-                        <a:lnSpc>
-                          <a:spcPct val="100000"/>
-                        </a:lnSpc>
-                      </a:pPr>
-                      <a:r>
-                        <a:rPr lang="en-AU" dirty="0" smtClean="0"/>
-                        <a:t>ANU PBS only!</a:t>
-                      </a:r>
-                    </a:p>
-                    <a:p>
-                      <a:pPr>
-                        <a:lnSpc>
-                          <a:spcPct val="100000"/>
-                        </a:lnSpc>
-                      </a:pPr>
-                      <a:r>
-                        <a:rPr lang="en-AU" dirty="0" smtClean="0"/>
-                        <a:t>Shows detailed information about all jobs</a:t>
                       </a:r>
                       <a:endParaRPr dirty="0"/>
                     </a:p>
@@ -9098,7 +8750,7 @@
   <p:timing>
     <p:tnLst>
       <p:par>
-        <p:cTn id="1" dur="indefinite" restart="never" nodeType="tmRoot"/>
+        <p:cTn xmlns:p14="http://schemas.microsoft.com/office/powerpoint/2010/main" id="1" dur="indefinite" restart="never" nodeType="tmRoot"/>
       </p:par>
     </p:tnLst>
   </p:timing>
@@ -9508,7 +9160,7 @@
   <p:timing>
     <p:tnLst>
       <p:par>
-        <p:cTn id="1" dur="indefinite" restart="never" nodeType="tmRoot">
+        <p:cTn xmlns:p14="http://schemas.microsoft.com/office/powerpoint/2010/main" id="1" dur="indefinite" restart="never" nodeType="tmRoot">
           <p:childTnLst>
             <p:seq>
               <p:cTn id="2" nodeType="mainSeq">
@@ -10325,7 +9977,7 @@
         </p:nvGraphicFramePr>
         <p:xfrm>
           <a:off x="971600" y="1700808"/>
-          <a:ext cx="7416824" cy="2980536"/>
+          <a:ext cx="7416824" cy="2980535"/>
         </p:xfrm>
         <a:graphic>
           <a:graphicData uri="http://schemas.openxmlformats.org/drawingml/2006/table">
@@ -11144,7 +10796,7 @@
   <p:timing>
     <p:tnLst>
       <p:par>
-        <p:cTn id="1" dur="indefinite" restart="never" nodeType="tmRoot">
+        <p:cTn xmlns:p14="http://schemas.microsoft.com/office/powerpoint/2010/main" id="1" dur="indefinite" restart="never" nodeType="tmRoot">
           <p:childTnLst>
             <p:seq>
               <p:cTn id="2" nodeType="mainSeq">
@@ -11513,8 +11165,8 @@
         </p:nvSpPr>
         <p:spPr>
           <a:xfrm>
-            <a:off x="457200" y="274680"/>
-            <a:ext cx="8229240" cy="1142640"/>
+            <a:off x="179512" y="274680"/>
+            <a:ext cx="8784976" cy="1142640"/>
           </a:xfrm>
           <a:prstGeom prst="rect">
             <a:avLst/>
@@ -11537,7 +11189,7 @@
                 <a:latin typeface="Tahoma"/>
                 <a:ea typeface="ＭＳ Ｐゴシック"/>
               </a:rPr>
-              <a:t>A sample PBS job script</a:t>
+              <a:t>A sample PBS job script for Octane</a:t>
             </a:r>
             <a:endParaRPr dirty="0"/>
           </a:p>
@@ -11646,7 +11298,27 @@
                 <a:latin typeface="Courier New"/>
                 <a:ea typeface="ＭＳ Ｐゴシック"/>
               </a:rPr>
-              <a:t>#PBS -l </a:t>
+              <a:t>#PBS </a:t>
+            </a:r>
+            <a:r>
+              <a:rPr lang="en-AU" b="1" dirty="0">
+                <a:solidFill>
+                  <a:srgbClr val="FF0000"/>
+                </a:solidFill>
+                <a:latin typeface="Courier New"/>
+                <a:ea typeface="ＭＳ Ｐゴシック"/>
+              </a:rPr>
+              <a:t>-l</a:t>
+            </a:r>
+            <a:r>
+              <a:rPr lang="en-AU" b="1" dirty="0">
+                <a:solidFill>
+                  <a:srgbClr val="000000"/>
+                </a:solidFill>
+                <a:latin typeface="Courier New"/>
+                <a:ea typeface="ＭＳ Ｐゴシック"/>
+              </a:rPr>
+              <a:t> </a:t>
             </a:r>
             <a:r>
               <a:rPr lang="en-AU" b="1" dirty="0" err="1">
@@ -11687,6 +11359,77 @@
             </a:r>
           </a:p>
           <a:p>
+            <a:r>
+              <a:rPr lang="en-AU" b="1" dirty="0">
+                <a:solidFill>
+                  <a:srgbClr val="000000"/>
+                </a:solidFill>
+                <a:latin typeface="Courier New"/>
+                <a:ea typeface="ＭＳ Ｐゴシック"/>
+              </a:rPr>
+              <a:t>#PBS </a:t>
+            </a:r>
+            <a:r>
+              <a:rPr lang="en-AU" b="1" dirty="0" smtClean="0">
+                <a:solidFill>
+                  <a:srgbClr val="FF0000"/>
+                </a:solidFill>
+                <a:latin typeface="Courier New"/>
+                <a:ea typeface="ＭＳ Ｐゴシック"/>
+              </a:rPr>
+              <a:t>–l</a:t>
+            </a:r>
+            <a:r>
+              <a:rPr lang="en-AU" b="1" dirty="0" smtClean="0">
+                <a:solidFill>
+                  <a:srgbClr val="000000"/>
+                </a:solidFill>
+                <a:latin typeface="Courier New"/>
+                <a:ea typeface="ＭＳ Ｐゴシック"/>
+              </a:rPr>
+              <a:t> select=1:ncpus=</a:t>
+            </a:r>
+            <a:r>
+              <a:rPr lang="en-AU" b="1" dirty="0" smtClean="0">
+                <a:solidFill>
+                  <a:srgbClr val="000000"/>
+                </a:solidFill>
+                <a:latin typeface="Courier New"/>
+                <a:ea typeface="ＭＳ Ｐゴシック"/>
+              </a:rPr>
+              <a:t>1</a:t>
+            </a:r>
+            <a:endParaRPr lang="en-AU" b="1" dirty="0" smtClean="0">
+              <a:solidFill>
+                <a:srgbClr val="000000"/>
+              </a:solidFill>
+              <a:latin typeface="Courier New"/>
+              <a:ea typeface="ＭＳ Ｐゴシック"/>
+            </a:endParaRPr>
+          </a:p>
+          <a:p>
+            <a:r>
+              <a:rPr lang="en-AU" dirty="0" smtClean="0">
+                <a:solidFill>
+                  <a:srgbClr val="000000"/>
+                </a:solidFill>
+                <a:latin typeface="Courier New"/>
+                <a:ea typeface="ＭＳ Ｐゴシック"/>
+              </a:rPr>
+              <a:t># </a:t>
+            </a:r>
+            <a:r>
+              <a:rPr lang="en-AU" dirty="0">
+                <a:solidFill>
+                  <a:srgbClr val="000000"/>
+                </a:solidFill>
+                <a:latin typeface="Courier New"/>
+                <a:ea typeface="ＭＳ Ｐゴシック"/>
+              </a:rPr>
+              <a:t>* 100 megabytes physical memory allocated to job</a:t>
+            </a:r>
+          </a:p>
+          <a:p>
             <a:pPr>
               <a:lnSpc>
                 <a:spcPct val="100000"/>
@@ -11700,32 +11443,18 @@
                 <a:latin typeface="Courier New"/>
                 <a:ea typeface="ＭＳ Ｐゴシック"/>
               </a:rPr>
-              <a:t>#PBS -l nodes=1:ppn=1</a:t>
-            </a:r>
-          </a:p>
-          <a:p>
-            <a:pPr>
-              <a:lnSpc>
-                <a:spcPct val="100000"/>
-              </a:lnSpc>
-            </a:pPr>
-            <a:r>
-              <a:rPr lang="en-AU" dirty="0">
-                <a:solidFill>
-                  <a:srgbClr val="000000"/>
+              <a:t>#PBS </a:t>
+            </a:r>
+            <a:r>
+              <a:rPr lang="en-AU" b="1" dirty="0">
+                <a:solidFill>
+                  <a:srgbClr val="FF0000"/>
                 </a:solidFill>
                 <a:latin typeface="Courier New"/>
                 <a:ea typeface="ＭＳ Ｐゴシック"/>
               </a:rPr>
-              <a:t># * 100 megabytes physical memory allocated to job</a:t>
-            </a:r>
-          </a:p>
-          <a:p>
-            <a:pPr>
-              <a:lnSpc>
-                <a:spcPct val="100000"/>
-              </a:lnSpc>
-            </a:pPr>
+              <a:t>-l</a:t>
+            </a:r>
             <a:r>
               <a:rPr lang="en-AU" b="1" dirty="0">
                 <a:solidFill>
@@ -11734,7 +11463,7 @@
                 <a:latin typeface="Courier New"/>
                 <a:ea typeface="ＭＳ Ｐゴシック"/>
               </a:rPr>
-              <a:t>#PBS -l </a:t>
+              <a:t> </a:t>
             </a:r>
             <a:r>
               <a:rPr lang="en-AU" b="1" dirty="0" err="1">
@@ -11910,7 +11639,7 @@
         <p:spPr>
           <a:xfrm>
             <a:off x="457199" y="1417320"/>
-            <a:ext cx="8202843" cy="646331"/>
+            <a:ext cx="8202843" cy="369332"/>
           </a:xfrm>
           <a:prstGeom prst="rect">
             <a:avLst/>
@@ -11928,15 +11657,59 @@
               </a:lnSpc>
             </a:pPr>
             <a:r>
+              <a:rPr lang="en-AU" dirty="0" smtClean="0">
+                <a:solidFill>
+                  <a:srgbClr val="000000"/>
+                </a:solidFill>
+                <a:latin typeface="Tahoma" pitchFamily="34" charset="0"/>
+                <a:ea typeface="Tahoma" pitchFamily="34" charset="0"/>
+                <a:cs typeface="Tahoma" pitchFamily="34" charset="0"/>
+              </a:rPr>
+              <a:t>Note the </a:t>
+            </a:r>
+            <a:r>
+              <a:rPr lang="en-AU" dirty="0" smtClean="0">
+                <a:solidFill>
+                  <a:srgbClr val="FF0000"/>
+                </a:solidFill>
+                <a:latin typeface="Tahoma" pitchFamily="34" charset="0"/>
+                <a:ea typeface="Tahoma" pitchFamily="34" charset="0"/>
+                <a:cs typeface="Tahoma" pitchFamily="34" charset="0"/>
+              </a:rPr>
+              <a:t>“</a:t>
+            </a:r>
+            <a:r>
               <a:rPr lang="en-AU" b="1" dirty="0" smtClean="0">
                 <a:solidFill>
-                  <a:srgbClr val="000000"/>
-                </a:solidFill>
-                <a:latin typeface="Tahoma" pitchFamily="34" charset="0"/>
-                <a:ea typeface="Tahoma" pitchFamily="34" charset="0"/>
-                <a:cs typeface="Tahoma" pitchFamily="34" charset="0"/>
-              </a:rPr>
-              <a:t>NOTE: This script will not run on Orange as resources are assigned via Groups on Orange, not via projects</a:t>
+                  <a:srgbClr val="FF0000"/>
+                </a:solidFill>
+                <a:latin typeface="Courier New"/>
+                <a:ea typeface="Tahoma" pitchFamily="34" charset="0"/>
+                <a:cs typeface="Courier New"/>
+              </a:rPr>
+              <a:t>-l”</a:t>
+            </a:r>
+            <a:r>
+              <a:rPr lang="en-AU" b="1" dirty="0" smtClean="0">
+                <a:solidFill>
+                  <a:srgbClr val="000000"/>
+                </a:solidFill>
+                <a:latin typeface="Tahoma" pitchFamily="34" charset="0"/>
+                <a:ea typeface="Tahoma" pitchFamily="34" charset="0"/>
+                <a:cs typeface="Tahoma" pitchFamily="34" charset="0"/>
+              </a:rPr>
+              <a:t> </a:t>
+            </a:r>
+            <a:r>
+              <a:rPr lang="en-AU" dirty="0" smtClean="0">
+                <a:solidFill>
+                  <a:srgbClr val="000000"/>
+                </a:solidFill>
+                <a:latin typeface="Tahoma" pitchFamily="34" charset="0"/>
+                <a:ea typeface="Tahoma" pitchFamily="34" charset="0"/>
+                <a:cs typeface="Tahoma" pitchFamily="34" charset="0"/>
+              </a:rPr>
+              <a:t>below is a lowercase letter “L” not a one “1”! </a:t>
             </a:r>
           </a:p>
         </p:txBody>
@@ -11949,7 +11722,7 @@
   <p:timing>
     <p:tnLst>
       <p:par>
-        <p:cTn id="1" dur="indefinite" restart="never" nodeType="tmRoot">
+        <p:cTn xmlns:p14="http://schemas.microsoft.com/office/powerpoint/2010/main" id="1" dur="indefinite" restart="never" nodeType="tmRoot">
           <p:childTnLst>
             <p:seq>
               <p:cTn id="2" nodeType="mainSeq">
@@ -12045,8 +11818,8 @@
         </p:nvSpPr>
         <p:spPr>
           <a:xfrm>
-            <a:off x="1043608" y="1600200"/>
-            <a:ext cx="7642832" cy="4525560"/>
+            <a:off x="251520" y="1600200"/>
+            <a:ext cx="8434920" cy="4525560"/>
           </a:xfrm>
           <a:prstGeom prst="rect">
             <a:avLst/>
@@ -12087,7 +11860,37 @@
                 <a:latin typeface="Courier New"/>
                 <a:ea typeface="ＭＳ Ｐゴシック"/>
               </a:rPr>
-              <a:t>#PBS -M fred@intersect.org.au </a:t>
+              <a:t>#PBS -M </a:t>
+            </a:r>
+            <a:r>
+              <a:rPr lang="en-US" sz="3200" b="1" dirty="0" err="1" smtClean="0">
+                <a:solidFill>
+                  <a:srgbClr val="000000"/>
+                </a:solidFill>
+                <a:latin typeface="Courier New"/>
+                <a:ea typeface="ＭＳ Ｐゴシック"/>
+              </a:rPr>
+              <a:t>nobody@</a:t>
+            </a:r>
+            <a:r>
+              <a:rPr lang="en-US" sz="3200" b="1" dirty="0" err="1">
+                <a:solidFill>
+                  <a:srgbClr val="000000"/>
+                </a:solidFill>
+                <a:latin typeface="Courier New"/>
+                <a:ea typeface="ＭＳ Ｐゴシック"/>
+              </a:rPr>
+              <a:t>intersect.org.au</a:t>
+            </a:r>
+            <a:r>
+              <a:rPr lang="en-US" sz="3200" b="1" dirty="0">
+                <a:solidFill>
+                  <a:srgbClr val="000000"/>
+                </a:solidFill>
+                <a:latin typeface="Courier New"/>
+                <a:ea typeface="ＭＳ Ｐゴシック"/>
+              </a:rPr>
+              <a:t> </a:t>
             </a:r>
             <a:endParaRPr dirty="0"/>
           </a:p>
@@ -12230,6 +12033,620 @@
 </file>
 
 <file path=ppt/slides/slide27.xml><?xml version="1.0" encoding="utf-8"?>
+<p:sld xmlns:a="http://schemas.openxmlformats.org/drawingml/2006/main" xmlns:r="http://schemas.openxmlformats.org/officeDocument/2006/relationships" xmlns:p="http://schemas.openxmlformats.org/presentationml/2006/main">
+  <p:cSld>
+    <p:spTree>
+      <p:nvGrpSpPr>
+        <p:cNvPr id="1" name=""/>
+        <p:cNvGrpSpPr/>
+        <p:nvPr/>
+      </p:nvGrpSpPr>
+      <p:grpSpPr>
+        <a:xfrm>
+          <a:off x="0" y="0"/>
+          <a:ext cx="0" cy="0"/>
+          <a:chOff x="0" y="0"/>
+          <a:chExt cx="0" cy="0"/>
+        </a:xfrm>
+      </p:grpSpPr>
+      <p:sp>
+        <p:nvSpPr>
+          <p:cNvPr id="143" name="TextShape 1"/>
+          <p:cNvSpPr txBox="1"/>
+          <p:nvPr/>
+        </p:nvSpPr>
+        <p:spPr>
+          <a:xfrm>
+            <a:off x="179512" y="274680"/>
+            <a:ext cx="8784976" cy="1142640"/>
+          </a:xfrm>
+          <a:prstGeom prst="rect">
+            <a:avLst/>
+          </a:prstGeom>
+        </p:spPr>
+        <p:txBody>
+          <a:bodyPr anchor="ctr"/>
+          <a:lstStyle/>
+          <a:p>
+            <a:pPr algn="ctr">
+              <a:lnSpc>
+                <a:spcPct val="100000"/>
+              </a:lnSpc>
+            </a:pPr>
+            <a:r>
+              <a:rPr lang="en-US" sz="4000" dirty="0" smtClean="0">
+                <a:solidFill>
+                  <a:srgbClr val="E46C0A"/>
+                </a:solidFill>
+                <a:latin typeface="Tahoma"/>
+                <a:ea typeface="ＭＳ Ｐゴシック"/>
+              </a:rPr>
+              <a:t>A sample PBS job script for Orange</a:t>
+            </a:r>
+            <a:endParaRPr sz="4000" dirty="0"/>
+          </a:p>
+        </p:txBody>
+      </p:sp>
+      <p:sp>
+        <p:nvSpPr>
+          <p:cNvPr id="144" name="TextShape 2"/>
+          <p:cNvSpPr txBox="1"/>
+          <p:nvPr/>
+        </p:nvSpPr>
+        <p:spPr>
+          <a:xfrm>
+            <a:off x="1259632" y="2112819"/>
+            <a:ext cx="7401054" cy="4067624"/>
+          </a:xfrm>
+          <a:prstGeom prst="rect">
+            <a:avLst/>
+          </a:prstGeom>
+        </p:spPr>
+        <p:txBody>
+          <a:bodyPr/>
+          <a:lstStyle/>
+          <a:p>
+            <a:pPr>
+              <a:lnSpc>
+                <a:spcPct val="100000"/>
+              </a:lnSpc>
+            </a:pPr>
+            <a:r>
+              <a:rPr lang="en-AU" b="1" dirty="0">
+                <a:solidFill>
+                  <a:schemeClr val="bg1">
+                    <a:lumMod val="50000"/>
+                  </a:schemeClr>
+                </a:solidFill>
+                <a:latin typeface="Courier New"/>
+                <a:ea typeface="ＭＳ Ｐゴシック"/>
+              </a:rPr>
+              <a:t>#!/bin/bash</a:t>
+            </a:r>
+          </a:p>
+          <a:p>
+            <a:pPr>
+              <a:lnSpc>
+                <a:spcPct val="100000"/>
+              </a:lnSpc>
+            </a:pPr>
+            <a:r>
+              <a:rPr lang="en-AU" dirty="0" smtClean="0">
+                <a:solidFill>
+                  <a:schemeClr val="bg1">
+                    <a:lumMod val="50000"/>
+                  </a:schemeClr>
+                </a:solidFill>
+                <a:latin typeface="Courier New"/>
+                <a:ea typeface="ＭＳ Ｐゴシック"/>
+              </a:rPr>
+              <a:t># </a:t>
+            </a:r>
+            <a:r>
+              <a:rPr lang="en-AU" dirty="0">
+                <a:solidFill>
+                  <a:schemeClr val="bg1">
+                    <a:lumMod val="50000"/>
+                  </a:schemeClr>
+                </a:solidFill>
+                <a:latin typeface="Courier New"/>
+                <a:ea typeface="ＭＳ Ｐゴシック"/>
+              </a:rPr>
+              <a:t>Request resources</a:t>
+            </a:r>
+          </a:p>
+          <a:p>
+            <a:pPr>
+              <a:lnSpc>
+                <a:spcPct val="100000"/>
+              </a:lnSpc>
+            </a:pPr>
+            <a:r>
+              <a:rPr lang="en-AU" dirty="0" smtClean="0">
+                <a:solidFill>
+                  <a:schemeClr val="bg1">
+                    <a:lumMod val="50000"/>
+                  </a:schemeClr>
+                </a:solidFill>
+                <a:latin typeface="Courier New"/>
+                <a:ea typeface="ＭＳ Ｐゴシック"/>
+              </a:rPr>
+              <a:t># </a:t>
+            </a:r>
+            <a:r>
+              <a:rPr lang="en-AU" dirty="0">
+                <a:solidFill>
+                  <a:schemeClr val="bg1">
+                    <a:lumMod val="50000"/>
+                  </a:schemeClr>
+                </a:solidFill>
+                <a:latin typeface="Courier New"/>
+                <a:ea typeface="ＭＳ Ｐゴシック"/>
+              </a:rPr>
+              <a:t>* 10 minutes wall time to run</a:t>
+            </a:r>
+          </a:p>
+          <a:p>
+            <a:pPr>
+              <a:lnSpc>
+                <a:spcPct val="100000"/>
+              </a:lnSpc>
+            </a:pPr>
+            <a:r>
+              <a:rPr lang="en-AU" b="1" dirty="0">
+                <a:solidFill>
+                  <a:schemeClr val="bg1">
+                    <a:lumMod val="50000"/>
+                  </a:schemeClr>
+                </a:solidFill>
+                <a:latin typeface="Courier New"/>
+                <a:ea typeface="ＭＳ Ｐゴシック"/>
+              </a:rPr>
+              <a:t>#PBS -l </a:t>
+            </a:r>
+            <a:r>
+              <a:rPr lang="en-AU" b="1" dirty="0" err="1">
+                <a:solidFill>
+                  <a:schemeClr val="bg1">
+                    <a:lumMod val="50000"/>
+                  </a:schemeClr>
+                </a:solidFill>
+                <a:latin typeface="Courier New"/>
+                <a:ea typeface="ＭＳ Ｐゴシック"/>
+              </a:rPr>
+              <a:t>walltime</a:t>
+            </a:r>
+            <a:r>
+              <a:rPr lang="en-AU" b="1" dirty="0">
+                <a:solidFill>
+                  <a:schemeClr val="bg1">
+                    <a:lumMod val="50000"/>
+                  </a:schemeClr>
+                </a:solidFill>
+                <a:latin typeface="Courier New"/>
+                <a:ea typeface="ＭＳ Ｐゴシック"/>
+              </a:rPr>
+              <a:t>=00:10:00</a:t>
+            </a:r>
+          </a:p>
+          <a:p>
+            <a:pPr>
+              <a:lnSpc>
+                <a:spcPct val="100000"/>
+              </a:lnSpc>
+            </a:pPr>
+            <a:r>
+              <a:rPr lang="en-AU" dirty="0">
+                <a:solidFill>
+                  <a:schemeClr val="bg1">
+                    <a:lumMod val="50000"/>
+                  </a:schemeClr>
+                </a:solidFill>
+                <a:latin typeface="Courier New"/>
+                <a:ea typeface="ＭＳ Ｐゴシック"/>
+              </a:rPr>
+              <a:t># * 1 node, 1 processor</a:t>
+            </a:r>
+          </a:p>
+          <a:p>
+            <a:r>
+              <a:rPr lang="en-AU" b="1" dirty="0">
+                <a:solidFill>
+                  <a:schemeClr val="bg1">
+                    <a:lumMod val="50000"/>
+                  </a:schemeClr>
+                </a:solidFill>
+                <a:latin typeface="Courier New"/>
+                <a:ea typeface="ＭＳ Ｐゴシック"/>
+              </a:rPr>
+              <a:t>#PBS </a:t>
+            </a:r>
+            <a:r>
+              <a:rPr lang="en-AU" b="1" dirty="0" smtClean="0">
+                <a:solidFill>
+                  <a:schemeClr val="bg1">
+                    <a:lumMod val="50000"/>
+                  </a:schemeClr>
+                </a:solidFill>
+                <a:latin typeface="Courier New"/>
+                <a:ea typeface="ＭＳ Ｐゴシック"/>
+              </a:rPr>
+              <a:t>–l select=1:ncpus=</a:t>
+            </a:r>
+            <a:r>
+              <a:rPr lang="en-AU" b="1" dirty="0" smtClean="0">
+                <a:solidFill>
+                  <a:schemeClr val="bg1">
+                    <a:lumMod val="50000"/>
+                  </a:schemeClr>
+                </a:solidFill>
+                <a:latin typeface="Courier New"/>
+                <a:ea typeface="ＭＳ Ｐゴシック"/>
+              </a:rPr>
+              <a:t>1</a:t>
+            </a:r>
+          </a:p>
+          <a:p>
+            <a:r>
+              <a:rPr lang="en-AU" dirty="0" smtClean="0">
+                <a:solidFill>
+                  <a:schemeClr val="bg1">
+                    <a:lumMod val="50000"/>
+                  </a:schemeClr>
+                </a:solidFill>
+                <a:latin typeface="Courier New"/>
+                <a:ea typeface="ＭＳ Ｐゴシック"/>
+              </a:rPr>
+              <a:t># </a:t>
+            </a:r>
+            <a:r>
+              <a:rPr lang="en-AU" dirty="0">
+                <a:solidFill>
+                  <a:schemeClr val="bg1">
+                    <a:lumMod val="50000"/>
+                  </a:schemeClr>
+                </a:solidFill>
+                <a:latin typeface="Courier New"/>
+                <a:ea typeface="ＭＳ Ｐゴシック"/>
+              </a:rPr>
+              <a:t>* 100 megabytes physical memory allocated to job</a:t>
+            </a:r>
+          </a:p>
+          <a:p>
+            <a:pPr>
+              <a:lnSpc>
+                <a:spcPct val="100000"/>
+              </a:lnSpc>
+            </a:pPr>
+            <a:r>
+              <a:rPr lang="en-AU" b="1" dirty="0">
+                <a:solidFill>
+                  <a:schemeClr val="bg1">
+                    <a:lumMod val="50000"/>
+                  </a:schemeClr>
+                </a:solidFill>
+                <a:latin typeface="Courier New"/>
+                <a:ea typeface="ＭＳ Ｐゴシック"/>
+              </a:rPr>
+              <a:t>#PBS -l </a:t>
+            </a:r>
+            <a:r>
+              <a:rPr lang="en-AU" b="1" dirty="0" err="1">
+                <a:solidFill>
+                  <a:schemeClr val="bg1">
+                    <a:lumMod val="50000"/>
+                  </a:schemeClr>
+                </a:solidFill>
+                <a:latin typeface="Courier New"/>
+                <a:ea typeface="ＭＳ Ｐゴシック"/>
+              </a:rPr>
+              <a:t>mem</a:t>
+            </a:r>
+            <a:r>
+              <a:rPr lang="en-AU" b="1" dirty="0">
+                <a:solidFill>
+                  <a:schemeClr val="bg1">
+                    <a:lumMod val="50000"/>
+                  </a:schemeClr>
+                </a:solidFill>
+                <a:latin typeface="Courier New"/>
+                <a:ea typeface="ＭＳ Ｐゴシック"/>
+              </a:rPr>
+              <a:t>=100mb</a:t>
+            </a:r>
+          </a:p>
+          <a:p>
+            <a:pPr>
+              <a:lnSpc>
+                <a:spcPct val="100000"/>
+              </a:lnSpc>
+            </a:pPr>
+            <a:r>
+              <a:rPr lang="en-AU" b="1" dirty="0" smtClean="0">
+                <a:solidFill>
+                  <a:srgbClr val="008000"/>
+                </a:solidFill>
+                <a:latin typeface="Courier New"/>
+                <a:ea typeface="ＭＳ Ｐゴシック"/>
+              </a:rPr>
+              <a:t># </a:t>
+            </a:r>
+            <a:r>
+              <a:rPr lang="en-AU" b="1" dirty="0">
+                <a:solidFill>
+                  <a:srgbClr val="008000"/>
+                </a:solidFill>
+                <a:latin typeface="Courier New"/>
+                <a:ea typeface="ＭＳ Ｐゴシック"/>
+              </a:rPr>
+              <a:t>Specify a </a:t>
+            </a:r>
+            <a:r>
+              <a:rPr lang="en-AU" b="1" dirty="0" smtClean="0">
+                <a:solidFill>
+                  <a:srgbClr val="008000"/>
+                </a:solidFill>
+                <a:latin typeface="Courier New"/>
+                <a:ea typeface="ＭＳ Ｐゴシック"/>
+              </a:rPr>
+              <a:t>group (</a:t>
+            </a:r>
+            <a:r>
+              <a:rPr lang="en-AU" b="1" dirty="0">
+                <a:solidFill>
+                  <a:srgbClr val="008000"/>
+                </a:solidFill>
+                <a:latin typeface="Courier New"/>
+                <a:ea typeface="ＭＳ Ｐゴシック"/>
+              </a:rPr>
+              <a:t>for accounting)</a:t>
+            </a:r>
+          </a:p>
+          <a:p>
+            <a:pPr>
+              <a:lnSpc>
+                <a:spcPct val="100000"/>
+              </a:lnSpc>
+            </a:pPr>
+            <a:r>
+              <a:rPr lang="en-AU" b="1" dirty="0">
+                <a:solidFill>
+                  <a:srgbClr val="008000"/>
+                </a:solidFill>
+                <a:latin typeface="Courier New"/>
+                <a:ea typeface="ＭＳ Ｐゴシック"/>
+              </a:rPr>
+              <a:t>#PBS </a:t>
+            </a:r>
+            <a:r>
+              <a:rPr lang="en-AU" b="1" dirty="0" smtClean="0">
+                <a:solidFill>
+                  <a:srgbClr val="008000"/>
+                </a:solidFill>
+                <a:latin typeface="Courier New"/>
+                <a:ea typeface="ＭＳ Ｐゴシック"/>
+              </a:rPr>
+              <a:t>–W </a:t>
+            </a:r>
+            <a:r>
+              <a:rPr lang="en-AU" b="1" dirty="0" err="1" smtClean="0">
+                <a:solidFill>
+                  <a:srgbClr val="008000"/>
+                </a:solidFill>
+                <a:latin typeface="Courier New"/>
+                <a:ea typeface="ＭＳ Ｐゴシック"/>
+              </a:rPr>
+              <a:t>group_list</a:t>
+            </a:r>
+            <a:r>
+              <a:rPr lang="en-AU" b="1" dirty="0" smtClean="0">
+                <a:solidFill>
+                  <a:srgbClr val="008000"/>
+                </a:solidFill>
+                <a:latin typeface="Courier New"/>
+                <a:ea typeface="ＭＳ Ｐゴシック"/>
+              </a:rPr>
+              <a:t>=a40</a:t>
+            </a:r>
+            <a:endParaRPr lang="en-AU" b="1" dirty="0">
+              <a:solidFill>
+                <a:srgbClr val="008000"/>
+              </a:solidFill>
+              <a:latin typeface="Courier New"/>
+              <a:ea typeface="ＭＳ Ｐゴシック"/>
+            </a:endParaRPr>
+          </a:p>
+          <a:p>
+            <a:pPr>
+              <a:lnSpc>
+                <a:spcPct val="100000"/>
+              </a:lnSpc>
+            </a:pPr>
+            <a:r>
+              <a:rPr lang="en-US" b="1" dirty="0" smtClean="0">
+                <a:solidFill>
+                  <a:srgbClr val="7F7F7F"/>
+                </a:solidFill>
+                <a:latin typeface="Courier New"/>
+                <a:ea typeface="ＭＳ Ｐゴシック"/>
+              </a:rPr>
+              <a:t>cd </a:t>
+            </a:r>
+            <a:r>
+              <a:rPr lang="en-US" b="1" dirty="0">
+                <a:solidFill>
+                  <a:srgbClr val="7F7F7F"/>
+                </a:solidFill>
+                <a:latin typeface="Courier New"/>
+                <a:ea typeface="ＭＳ Ｐゴシック"/>
+              </a:rPr>
+              <a:t>$PBS_O_WORKDIR</a:t>
+            </a:r>
+            <a:r>
+              <a:rPr lang="en-US" dirty="0">
+                <a:solidFill>
+                  <a:srgbClr val="7F7F7F"/>
+                </a:solidFill>
+                <a:latin typeface="Courier New"/>
+                <a:ea typeface="ＭＳ Ｐゴシック"/>
+              </a:rPr>
+              <a:t>
+# Specify the job to be done
+</a:t>
+            </a:r>
+            <a:r>
+              <a:rPr lang="en-US" b="1" dirty="0">
+                <a:solidFill>
+                  <a:srgbClr val="7F7F7F"/>
+                </a:solidFill>
+                <a:latin typeface="Courier New"/>
+                <a:ea typeface="ＭＳ Ｐゴシック"/>
+              </a:rPr>
+              <a:t>date
+sleep 10
+date</a:t>
+            </a:r>
+            <a:endParaRPr dirty="0">
+              <a:solidFill>
+                <a:srgbClr val="7F7F7F"/>
+              </a:solidFill>
+            </a:endParaRPr>
+          </a:p>
+        </p:txBody>
+      </p:sp>
+      <p:sp>
+        <p:nvSpPr>
+          <p:cNvPr id="145" name="TextShape 3"/>
+          <p:cNvSpPr txBox="1"/>
+          <p:nvPr/>
+        </p:nvSpPr>
+        <p:spPr>
+          <a:xfrm>
+            <a:off x="0" y="0"/>
+            <a:ext cx="0" cy="0"/>
+          </a:xfrm>
+          <a:prstGeom prst="rect">
+            <a:avLst/>
+          </a:prstGeom>
+        </p:spPr>
+        <p:txBody>
+          <a:bodyPr lIns="90000" tIns="45000" rIns="90000" bIns="45000"/>
+          <a:lstStyle/>
+          <a:p>
+            <a:pPr>
+              <a:lnSpc>
+                <a:spcPct val="100000"/>
+              </a:lnSpc>
+            </a:pPr>
+            <a:r>
+              <a:rPr lang="en-AU">
+                <a:solidFill>
+                  <a:srgbClr val="000000"/>
+                </a:solidFill>
+                <a:latin typeface="Calibri"/>
+              </a:rPr>
+              <a:t>Slide </a:t>
+            </a:r>
+            <a:fld id="{7181F131-91C1-4151-91A1-71E101B11161}" type="slidenum">
+              <a:rPr lang="en-AU">
+                <a:solidFill>
+                  <a:srgbClr val="000000"/>
+                </a:solidFill>
+                <a:latin typeface="Calibri"/>
+              </a:rPr>
+              <a:t>27</a:t>
+            </a:fld>
+            <a:endParaRPr/>
+          </a:p>
+        </p:txBody>
+      </p:sp>
+      <p:sp>
+        <p:nvSpPr>
+          <p:cNvPr id="2" name="Rectangle 1"/>
+          <p:cNvSpPr/>
+          <p:nvPr/>
+        </p:nvSpPr>
+        <p:spPr>
+          <a:xfrm>
+            <a:off x="457199" y="1340768"/>
+            <a:ext cx="8202843" cy="646331"/>
+          </a:xfrm>
+          <a:prstGeom prst="rect">
+            <a:avLst/>
+          </a:prstGeom>
+        </p:spPr>
+        <p:txBody>
+          <a:bodyPr wrap="square">
+            <a:spAutoFit/>
+          </a:bodyPr>
+          <a:lstStyle/>
+          <a:p>
+            <a:pPr algn="ctr">
+              <a:lnSpc>
+                <a:spcPct val="100000"/>
+              </a:lnSpc>
+            </a:pPr>
+            <a:r>
+              <a:rPr lang="en-AU" b="1" dirty="0" smtClean="0">
+                <a:solidFill>
+                  <a:srgbClr val="000000"/>
+                </a:solidFill>
+                <a:latin typeface="Tahoma" pitchFamily="34" charset="0"/>
+                <a:ea typeface="Tahoma" pitchFamily="34" charset="0"/>
+                <a:cs typeface="Tahoma" pitchFamily="34" charset="0"/>
+              </a:rPr>
+              <a:t>A small change is required to the job script in order to make it work with the way resources are accounted for on Orange:</a:t>
+            </a:r>
+          </a:p>
+        </p:txBody>
+      </p:sp>
+    </p:spTree>
+    <p:extLst>
+      <p:ext uri="{BB962C8B-B14F-4D97-AF65-F5344CB8AC3E}">
+        <p14:creationId xmlns:p14="http://schemas.microsoft.com/office/powerpoint/2010/main" val="2181032003"/>
+      </p:ext>
+    </p:extLst>
+  </p:cSld>
+  <p:clrMapOvr>
+    <a:masterClrMapping/>
+  </p:clrMapOvr>
+  <p:timing>
+    <p:tnLst>
+      <p:par>
+        <p:cTn xmlns:p14="http://schemas.microsoft.com/office/powerpoint/2010/main" id="1" dur="indefinite" restart="never" nodeType="tmRoot">
+          <p:childTnLst>
+            <p:seq>
+              <p:cTn id="2" nodeType="mainSeq">
+                <p:childTnLst>
+                  <p:par>
+                    <p:cTn id="3"/>
+                  </p:par>
+                </p:childTnLst>
+              </p:cTn>
+              <p:prevCondLst>
+                <p:cond evt="onPrev" delay="0">
+                  <p:tgtEl>
+                    <p:sldTgt/>
+                  </p:tgtEl>
+                </p:cond>
+              </p:prevCondLst>
+              <p:nextCondLst>
+                <p:cond evt="onNext" delay="0">
+                  <p:tgtEl>
+                    <p:sldTgt/>
+                  </p:tgtEl>
+                </p:cond>
+              </p:nextCondLst>
+            </p:seq>
+          </p:childTnLst>
+        </p:cTn>
+      </p:par>
+    </p:tnLst>
+  </p:timing>
+</p:sld>
+</file>
+
+<file path=ppt/slides/slide28.xml><?xml version="1.0" encoding="utf-8"?>
 <p:sld xmlns:a="http://schemas.openxmlformats.org/drawingml/2006/main" xmlns:r="http://schemas.openxmlformats.org/officeDocument/2006/relationships" xmlns:p="http://schemas.openxmlformats.org/presentationml/2006/main">
   <p:cSld>
     <p:spTree>
@@ -12317,7 +12734,7 @@
             <a:fld id="{E379F0B1-8FC1-49B0-9B43-A01487FA5057}" type="slidenum">
               <a:rPr lang="en-AU" smtClean="0"/>
               <a:pPr/>
-              <a:t>27</a:t>
+              <a:t>28</a:t>
             </a:fld>
             <a:endParaRPr lang="en-AU" dirty="0"/>
           </a:p>
@@ -13134,14 +13551,14 @@
   <p:timing>
     <p:tnLst>
       <p:par>
-        <p:cTn id="1" dur="indefinite" restart="never" nodeType="tmRoot"/>
+        <p:cTn xmlns:p14="http://schemas.microsoft.com/office/powerpoint/2010/main" id="1" dur="indefinite" restart="never" nodeType="tmRoot"/>
       </p:par>
     </p:tnLst>
   </p:timing>
 </p:sld>
 </file>
 
-<file path=ppt/slides/slide28.xml><?xml version="1.0" encoding="utf-8"?>
+<file path=ppt/slides/slide29.xml><?xml version="1.0" encoding="utf-8"?>
 <p:sld xmlns:a="http://schemas.openxmlformats.org/drawingml/2006/main" xmlns:r="http://schemas.openxmlformats.org/officeDocument/2006/relationships" xmlns:p="http://schemas.openxmlformats.org/presentationml/2006/main">
   <p:cSld>
     <p:spTree>
@@ -13234,7 +13651,7 @@
             <a:fld id="{E379F0B1-8FC1-49B0-9B43-A01487FA5057}" type="slidenum">
               <a:rPr lang="en-AU" smtClean="0"/>
               <a:pPr/>
-              <a:t>28</a:t>
+              <a:t>29</a:t>
             </a:fld>
             <a:endParaRPr lang="en-AU" dirty="0"/>
           </a:p>
@@ -13872,450 +14289,7 @@
   <p:timing>
     <p:tnLst>
       <p:par>
-        <p:cTn id="1" dur="indefinite" restart="never" nodeType="tmRoot"/>
-      </p:par>
-    </p:tnLst>
-  </p:timing>
-</p:sld>
-</file>
-
-<file path=ppt/slides/slide29.xml><?xml version="1.0" encoding="utf-8"?>
-<p:sld xmlns:a="http://schemas.openxmlformats.org/drawingml/2006/main" xmlns:r="http://schemas.openxmlformats.org/officeDocument/2006/relationships" xmlns:p="http://schemas.openxmlformats.org/presentationml/2006/main">
-  <p:cSld>
-    <p:spTree>
-      <p:nvGrpSpPr>
-        <p:cNvPr id="1" name=""/>
-        <p:cNvGrpSpPr/>
-        <p:nvPr/>
-      </p:nvGrpSpPr>
-      <p:grpSpPr>
-        <a:xfrm>
-          <a:off x="0" y="0"/>
-          <a:ext cx="0" cy="0"/>
-          <a:chOff x="0" y="0"/>
-          <a:chExt cx="0" cy="0"/>
-        </a:xfrm>
-      </p:grpSpPr>
-      <p:sp>
-        <p:nvSpPr>
-          <p:cNvPr id="154" name="TextShape 1"/>
-          <p:cNvSpPr txBox="1"/>
-          <p:nvPr/>
-        </p:nvSpPr>
-        <p:spPr>
-          <a:xfrm>
-            <a:off x="457200" y="274680"/>
-            <a:ext cx="8229240" cy="1142640"/>
-          </a:xfrm>
-          <a:prstGeom prst="rect">
-            <a:avLst/>
-          </a:prstGeom>
-        </p:spPr>
-        <p:txBody>
-          <a:bodyPr anchor="ctr"/>
-          <a:lstStyle/>
-          <a:p>
-            <a:pPr algn="ctr">
-              <a:lnSpc>
-                <a:spcPct val="100000"/>
-              </a:lnSpc>
-            </a:pPr>
-            <a:r>
-              <a:rPr lang="en-US" sz="4400">
-                <a:solidFill>
-                  <a:srgbClr val="E46C0A"/>
-                </a:solidFill>
-                <a:latin typeface="Tahoma"/>
-                <a:ea typeface="ＭＳ Ｐゴシック"/>
-              </a:rPr>
-              <a:t>Job limits on Orange</a:t>
-            </a:r>
-            <a:endParaRPr/>
-          </a:p>
-        </p:txBody>
-      </p:sp>
-      <p:sp>
-        <p:nvSpPr>
-          <p:cNvPr id="155" name="TextShape 2"/>
-          <p:cNvSpPr txBox="1"/>
-          <p:nvPr/>
-        </p:nvSpPr>
-        <p:spPr>
-          <a:xfrm>
-            <a:off x="457200" y="1600200"/>
-            <a:ext cx="8229240" cy="4525560"/>
-          </a:xfrm>
-          <a:prstGeom prst="rect">
-            <a:avLst/>
-          </a:prstGeom>
-        </p:spPr>
-        <p:txBody>
-          <a:bodyPr/>
-          <a:lstStyle/>
-          <a:p>
-            <a:pPr marL="457200" indent="-457200">
-              <a:lnSpc>
-                <a:spcPct val="100000"/>
-              </a:lnSpc>
-              <a:buFont typeface="Arial" pitchFamily="34" charset="0"/>
-              <a:buChar char="•"/>
-            </a:pPr>
-            <a:r>
-              <a:rPr lang="en-US" sz="3400" dirty="0">
-                <a:solidFill>
-                  <a:srgbClr val="000000"/>
-                </a:solidFill>
-                <a:latin typeface="Tahoma" pitchFamily="34" charset="0"/>
-                <a:ea typeface="Tahoma" pitchFamily="34" charset="0"/>
-                <a:cs typeface="Tahoma" pitchFamily="34" charset="0"/>
-              </a:rPr>
-              <a:t>200 hours of </a:t>
-            </a:r>
-            <a:r>
-              <a:rPr lang="en-US" sz="3400" b="1" dirty="0" err="1" smtClean="0">
-                <a:solidFill>
-                  <a:srgbClr val="000000"/>
-                </a:solidFill>
-                <a:latin typeface="Tahoma" pitchFamily="34" charset="0"/>
-                <a:ea typeface="Tahoma" pitchFamily="34" charset="0"/>
-                <a:cs typeface="Tahoma" pitchFamily="34" charset="0"/>
-              </a:rPr>
-              <a:t>walltime</a:t>
-            </a:r>
-            <a:endParaRPr lang="en-US" sz="3400" b="1" dirty="0" smtClean="0">
-              <a:solidFill>
-                <a:srgbClr val="000000"/>
-              </a:solidFill>
-              <a:latin typeface="Tahoma" pitchFamily="34" charset="0"/>
-              <a:ea typeface="Tahoma" pitchFamily="34" charset="0"/>
-              <a:cs typeface="Tahoma" pitchFamily="34" charset="0"/>
-            </a:endParaRPr>
-          </a:p>
-          <a:p>
-            <a:pPr marL="457200" indent="-457200">
-              <a:lnSpc>
-                <a:spcPct val="100000"/>
-              </a:lnSpc>
-              <a:buFont typeface="Arial" pitchFamily="34" charset="0"/>
-              <a:buChar char="•"/>
-            </a:pPr>
-            <a:r>
-              <a:rPr lang="en-US" sz="3400" dirty="0" smtClean="0">
-                <a:solidFill>
-                  <a:srgbClr val="000000"/>
-                </a:solidFill>
-                <a:latin typeface="Tahoma" pitchFamily="34" charset="0"/>
-                <a:ea typeface="Tahoma" pitchFamily="34" charset="0"/>
-                <a:cs typeface="Tahoma" pitchFamily="34" charset="0"/>
-              </a:rPr>
-              <a:t>64GB </a:t>
-            </a:r>
-            <a:r>
-              <a:rPr lang="en-US" sz="3400" dirty="0">
-                <a:solidFill>
-                  <a:srgbClr val="000000"/>
-                </a:solidFill>
-                <a:latin typeface="Tahoma" pitchFamily="34" charset="0"/>
-                <a:ea typeface="Tahoma" pitchFamily="34" charset="0"/>
-                <a:cs typeface="Tahoma" pitchFamily="34" charset="0"/>
-              </a:rPr>
-              <a:t>of </a:t>
-            </a:r>
-            <a:r>
-              <a:rPr lang="en-US" sz="3400" b="1" dirty="0">
-                <a:solidFill>
-                  <a:srgbClr val="000000"/>
-                </a:solidFill>
-                <a:latin typeface="Tahoma" pitchFamily="34" charset="0"/>
-                <a:ea typeface="Tahoma" pitchFamily="34" charset="0"/>
-                <a:cs typeface="Tahoma" pitchFamily="34" charset="0"/>
-              </a:rPr>
-              <a:t>memory </a:t>
-            </a:r>
-            <a:r>
-              <a:rPr lang="en-US" sz="3400" dirty="0">
-                <a:solidFill>
-                  <a:srgbClr val="000000"/>
-                </a:solidFill>
-                <a:latin typeface="Tahoma" pitchFamily="34" charset="0"/>
-                <a:ea typeface="Tahoma" pitchFamily="34" charset="0"/>
-                <a:cs typeface="Tahoma" pitchFamily="34" charset="0"/>
-              </a:rPr>
-              <a:t>per standard </a:t>
-            </a:r>
-            <a:r>
-              <a:rPr lang="en-US" sz="3400" dirty="0" smtClean="0">
-                <a:solidFill>
-                  <a:srgbClr val="000000"/>
-                </a:solidFill>
-                <a:latin typeface="Tahoma" pitchFamily="34" charset="0"/>
-                <a:ea typeface="Tahoma" pitchFamily="34" charset="0"/>
-                <a:cs typeface="Tahoma" pitchFamily="34" charset="0"/>
-              </a:rPr>
-              <a:t>node, </a:t>
-            </a:r>
-            <a:r>
-              <a:rPr lang="en-US" sz="3400" dirty="0">
-                <a:solidFill>
-                  <a:srgbClr val="000000"/>
-                </a:solidFill>
-                <a:latin typeface="Tahoma" pitchFamily="34" charset="0"/>
-                <a:ea typeface="Tahoma" pitchFamily="34" charset="0"/>
-                <a:cs typeface="Tahoma" pitchFamily="34" charset="0"/>
-              </a:rPr>
-              <a:t>e.g. </a:t>
-            </a:r>
-            <a:r>
-              <a:rPr lang="en-US" sz="3400" dirty="0" smtClean="0">
-                <a:solidFill>
-                  <a:srgbClr val="000000"/>
-                </a:solidFill>
-                <a:latin typeface="Tahoma" pitchFamily="34" charset="0"/>
-                <a:ea typeface="Tahoma" pitchFamily="34" charset="0"/>
-                <a:cs typeface="Tahoma" pitchFamily="34" charset="0"/>
-              </a:rPr>
-              <a:t>128GB </a:t>
-            </a:r>
-            <a:r>
-              <a:rPr lang="en-US" sz="3400" dirty="0">
-                <a:solidFill>
-                  <a:srgbClr val="000000"/>
-                </a:solidFill>
-                <a:latin typeface="Tahoma" pitchFamily="34" charset="0"/>
-                <a:ea typeface="Tahoma" pitchFamily="34" charset="0"/>
-                <a:cs typeface="Tahoma" pitchFamily="34" charset="0"/>
-              </a:rPr>
-              <a:t>for 2 nodes etc.</a:t>
-            </a:r>
-            <a:endParaRPr sz="3400" dirty="0">
-              <a:latin typeface="Tahoma" pitchFamily="34" charset="0"/>
-              <a:ea typeface="Tahoma" pitchFamily="34" charset="0"/>
-              <a:cs typeface="Tahoma" pitchFamily="34" charset="0"/>
-            </a:endParaRPr>
-          </a:p>
-          <a:p>
-            <a:pPr marL="457200" indent="-457200">
-              <a:lnSpc>
-                <a:spcPct val="100000"/>
-              </a:lnSpc>
-              <a:buFont typeface="Arial" pitchFamily="34" charset="0"/>
-              <a:buChar char="•"/>
-            </a:pPr>
-            <a:r>
-              <a:rPr lang="en-US" sz="3400" dirty="0" smtClean="0">
-                <a:solidFill>
-                  <a:srgbClr val="000000"/>
-                </a:solidFill>
-                <a:latin typeface="Tahoma" pitchFamily="34" charset="0"/>
-                <a:ea typeface="Tahoma" pitchFamily="34" charset="0"/>
-                <a:cs typeface="Tahoma" pitchFamily="34" charset="0"/>
-              </a:rPr>
-              <a:t>256GB </a:t>
-            </a:r>
-            <a:r>
-              <a:rPr lang="en-US" sz="3400" dirty="0">
-                <a:solidFill>
-                  <a:srgbClr val="000000"/>
-                </a:solidFill>
-                <a:latin typeface="Tahoma" pitchFamily="34" charset="0"/>
-                <a:ea typeface="Tahoma" pitchFamily="34" charset="0"/>
-                <a:cs typeface="Tahoma" pitchFamily="34" charset="0"/>
-              </a:rPr>
-              <a:t>of </a:t>
-            </a:r>
-            <a:r>
-              <a:rPr lang="en-US" sz="3400" b="1" dirty="0">
-                <a:solidFill>
-                  <a:srgbClr val="000000"/>
-                </a:solidFill>
-                <a:latin typeface="Tahoma" pitchFamily="34" charset="0"/>
-                <a:ea typeface="Tahoma" pitchFamily="34" charset="0"/>
-                <a:cs typeface="Tahoma" pitchFamily="34" charset="0"/>
-              </a:rPr>
-              <a:t>memory </a:t>
-            </a:r>
-            <a:r>
-              <a:rPr lang="en-US" sz="3400" dirty="0">
-                <a:solidFill>
-                  <a:srgbClr val="000000"/>
-                </a:solidFill>
-                <a:latin typeface="Tahoma" pitchFamily="34" charset="0"/>
-                <a:ea typeface="Tahoma" pitchFamily="34" charset="0"/>
-                <a:cs typeface="Tahoma" pitchFamily="34" charset="0"/>
-              </a:rPr>
-              <a:t>per large memory </a:t>
-            </a:r>
-            <a:r>
-              <a:rPr lang="en-US" sz="3400" dirty="0" smtClean="0">
-                <a:solidFill>
-                  <a:srgbClr val="000000"/>
-                </a:solidFill>
-                <a:latin typeface="Tahoma" pitchFamily="34" charset="0"/>
-                <a:ea typeface="Tahoma" pitchFamily="34" charset="0"/>
-                <a:cs typeface="Tahoma" pitchFamily="34" charset="0"/>
-              </a:rPr>
-              <a:t>nodes</a:t>
-            </a:r>
-          </a:p>
-          <a:p>
-            <a:pPr marL="457200" indent="-457200">
-              <a:lnSpc>
-                <a:spcPct val="100000"/>
-              </a:lnSpc>
-              <a:buFont typeface="Arial" pitchFamily="34" charset="0"/>
-              <a:buChar char="•"/>
-            </a:pPr>
-            <a:r>
-              <a:rPr lang="en-US" sz="3400" b="1" u="sng" dirty="0" smtClean="0">
-                <a:solidFill>
-                  <a:srgbClr val="000000"/>
-                </a:solidFill>
-                <a:latin typeface="Tahoma" pitchFamily="34" charset="0"/>
-                <a:ea typeface="Tahoma" pitchFamily="34" charset="0"/>
-                <a:cs typeface="Tahoma" pitchFamily="34" charset="0"/>
-              </a:rPr>
-              <a:t>NOTE</a:t>
-            </a:r>
-            <a:r>
-              <a:rPr lang="en-US" sz="3400" dirty="0" smtClean="0">
-                <a:solidFill>
-                  <a:srgbClr val="000000"/>
-                </a:solidFill>
-                <a:latin typeface="Tahoma" pitchFamily="34" charset="0"/>
-                <a:ea typeface="Tahoma" pitchFamily="34" charset="0"/>
-                <a:cs typeface="Tahoma" pitchFamily="34" charset="0"/>
-              </a:rPr>
-              <a:t>: If you grab a node with 64GB, you can effectively use about 60GB as the OS uses memory</a:t>
-            </a:r>
-            <a:endParaRPr sz="3400" dirty="0">
-              <a:latin typeface="Tahoma" pitchFamily="34" charset="0"/>
-              <a:ea typeface="Tahoma" pitchFamily="34" charset="0"/>
-              <a:cs typeface="Tahoma" pitchFamily="34" charset="0"/>
-            </a:endParaRPr>
-          </a:p>
-          <a:p>
-            <a:pPr>
-              <a:lnSpc>
-                <a:spcPct val="100000"/>
-              </a:lnSpc>
-            </a:pPr>
-            <a:endParaRPr dirty="0"/>
-          </a:p>
-          <a:p>
-            <a:pPr>
-              <a:lnSpc>
-                <a:spcPct val="100000"/>
-              </a:lnSpc>
-            </a:pPr>
-            <a:endParaRPr dirty="0"/>
-          </a:p>
-          <a:p>
-            <a:pPr>
-              <a:lnSpc>
-                <a:spcPct val="100000"/>
-              </a:lnSpc>
-            </a:pPr>
-            <a:endParaRPr dirty="0"/>
-          </a:p>
-          <a:p>
-            <a:pPr>
-              <a:lnSpc>
-                <a:spcPct val="100000"/>
-              </a:lnSpc>
-            </a:pPr>
-            <a:endParaRPr dirty="0"/>
-          </a:p>
-          <a:p>
-            <a:pPr>
-              <a:lnSpc>
-                <a:spcPct val="100000"/>
-              </a:lnSpc>
-            </a:pPr>
-            <a:endParaRPr dirty="0"/>
-          </a:p>
-        </p:txBody>
-      </p:sp>
-      <p:sp>
-        <p:nvSpPr>
-          <p:cNvPr id="156" name="TextShape 3"/>
-          <p:cNvSpPr txBox="1"/>
-          <p:nvPr/>
-        </p:nvSpPr>
-        <p:spPr>
-          <a:xfrm>
-            <a:off x="0" y="0"/>
-            <a:ext cx="0" cy="0"/>
-          </a:xfrm>
-          <a:prstGeom prst="rect">
-            <a:avLst/>
-          </a:prstGeom>
-        </p:spPr>
-        <p:txBody>
-          <a:bodyPr lIns="90000" tIns="45000" rIns="90000" bIns="45000"/>
-          <a:lstStyle/>
-          <a:p>
-            <a:pPr>
-              <a:lnSpc>
-                <a:spcPct val="100000"/>
-              </a:lnSpc>
-            </a:pPr>
-            <a:r>
-              <a:rPr lang="en-AU">
-                <a:solidFill>
-                  <a:srgbClr val="000000"/>
-                </a:solidFill>
-                <a:latin typeface="Calibri"/>
-              </a:rPr>
-              <a:t>Slide </a:t>
-            </a:r>
-            <a:fld id="{41A16161-D111-4161-A181-5151D131D1A1}" type="slidenum">
-              <a:rPr lang="en-AU">
-                <a:solidFill>
-                  <a:srgbClr val="000000"/>
-                </a:solidFill>
-                <a:latin typeface="Calibri"/>
-              </a:rPr>
-              <a:t>29</a:t>
-            </a:fld>
-            <a:endParaRPr/>
-          </a:p>
-        </p:txBody>
-      </p:sp>
-    </p:spTree>
-  </p:cSld>
-  <p:clrMapOvr>
-    <a:masterClrMapping/>
-  </p:clrMapOvr>
-  <p:timing>
-    <p:tnLst>
-      <p:par>
-        <p:cTn id="1" dur="indefinite" restart="never" nodeType="tmRoot">
-          <p:childTnLst>
-            <p:seq>
-              <p:cTn id="2" nodeType="mainSeq">
-                <p:childTnLst>
-                  <p:par>
-                    <p:cTn id="3"/>
-                  </p:par>
-                </p:childTnLst>
-              </p:cTn>
-              <p:prevCondLst>
-                <p:cond evt="onPrev" delay="0">
-                  <p:tgtEl>
-                    <p:sldTgt/>
-                  </p:tgtEl>
-                </p:cond>
-              </p:prevCondLst>
-              <p:nextCondLst>
-                <p:cond evt="onNext" delay="0">
-                  <p:tgtEl>
-                    <p:sldTgt/>
-                  </p:tgtEl>
-                </p:cond>
-              </p:nextCondLst>
-            </p:seq>
-          </p:childTnLst>
-        </p:cTn>
+        <p:cTn xmlns:p14="http://schemas.microsoft.com/office/powerpoint/2010/main" id="1" dur="indefinite" restart="never" nodeType="tmRoot"/>
       </p:par>
     </p:tnLst>
   </p:timing>
@@ -14703,7 +14677,7 @@
   <p:timing>
     <p:tnLst>
       <p:par>
-        <p:cTn id="1" dur="indefinite" restart="never" nodeType="tmRoot">
+        <p:cTn xmlns:p14="http://schemas.microsoft.com/office/powerpoint/2010/main" id="1" dur="indefinite" restart="never" nodeType="tmRoot">
           <p:childTnLst>
             <p:seq>
               <p:cTn id="2" nodeType="mainSeq">
@@ -14755,7 +14729,7 @@
       </p:grpSpPr>
       <p:sp>
         <p:nvSpPr>
-          <p:cNvPr id="157" name="TextShape 1"/>
+          <p:cNvPr id="154" name="TextShape 1"/>
           <p:cNvSpPr txBox="1"/>
           <p:nvPr/>
         </p:nvSpPr>
@@ -14785,7 +14759,7 @@
                 <a:latin typeface="Tahoma"/>
                 <a:ea typeface="ＭＳ Ｐゴシック"/>
               </a:rPr>
-              <a:t>Priorities of Jobs	</a:t>
+              <a:t>Job limits on Orange</a:t>
             </a:r>
             <a:endParaRPr/>
           </a:p>
@@ -14793,7 +14767,7 @@
       </p:sp>
       <p:sp>
         <p:nvSpPr>
-          <p:cNvPr id="158" name="TextShape 2"/>
+          <p:cNvPr id="155" name="TextShape 2"/>
           <p:cNvSpPr txBox="1"/>
           <p:nvPr/>
         </p:nvSpPr>
@@ -14810,199 +14784,302 @@
           <a:bodyPr/>
           <a:lstStyle/>
           <a:p>
-            <a:r>
-              <a:rPr lang="en-US" sz="3200" dirty="0" smtClean="0">
-                <a:solidFill>
-                  <a:srgbClr val="000000"/>
-                </a:solidFill>
-                <a:latin typeface="Tahoma"/>
-                <a:ea typeface="ＭＳ Ｐゴシック"/>
-              </a:rPr>
-              <a:t>In order of importance, jobs are </a:t>
-            </a:r>
-            <a:r>
-              <a:rPr lang="en-US" sz="3200" dirty="0" err="1" smtClean="0">
-                <a:solidFill>
-                  <a:srgbClr val="000000"/>
-                </a:solidFill>
-                <a:latin typeface="Tahoma"/>
-                <a:ea typeface="ＭＳ Ｐゴシック"/>
-              </a:rPr>
-              <a:t>prioritised</a:t>
-            </a:r>
-            <a:r>
-              <a:rPr lang="en-US" sz="3200" dirty="0" smtClean="0">
-                <a:solidFill>
-                  <a:srgbClr val="000000"/>
-                </a:solidFill>
-                <a:latin typeface="Tahoma"/>
-                <a:ea typeface="ＭＳ Ｐゴシック"/>
-              </a:rPr>
-              <a:t> in this order:</a:t>
-            </a:r>
-          </a:p>
-          <a:p>
-            <a:endParaRPr lang="en-US" sz="3200" dirty="0" smtClean="0">
+            <a:pPr marL="457200" indent="-457200">
+              <a:lnSpc>
+                <a:spcPct val="100000"/>
+              </a:lnSpc>
+              <a:buFont typeface="Arial" pitchFamily="34" charset="0"/>
+              <a:buChar char="•"/>
+            </a:pPr>
+            <a:r>
+              <a:rPr lang="en-US" sz="3400" smtClean="0">
+                <a:solidFill>
+                  <a:srgbClr val="000000"/>
+                </a:solidFill>
+                <a:latin typeface="Tahoma" pitchFamily="34" charset="0"/>
+                <a:ea typeface="Tahoma" pitchFamily="34" charset="0"/>
+                <a:cs typeface="Tahoma" pitchFamily="34" charset="0"/>
+              </a:rPr>
+              <a:t>250 </a:t>
+            </a:r>
+            <a:r>
+              <a:rPr lang="en-US" sz="3400" dirty="0">
+                <a:solidFill>
+                  <a:srgbClr val="000000"/>
+                </a:solidFill>
+                <a:latin typeface="Tahoma" pitchFamily="34" charset="0"/>
+                <a:ea typeface="Tahoma" pitchFamily="34" charset="0"/>
+                <a:cs typeface="Tahoma" pitchFamily="34" charset="0"/>
+              </a:rPr>
+              <a:t>hours of </a:t>
+            </a:r>
+            <a:r>
+              <a:rPr lang="en-US" sz="3400" b="1" dirty="0" err="1" smtClean="0">
+                <a:solidFill>
+                  <a:srgbClr val="000000"/>
+                </a:solidFill>
+                <a:latin typeface="Tahoma" pitchFamily="34" charset="0"/>
+                <a:ea typeface="Tahoma" pitchFamily="34" charset="0"/>
+                <a:cs typeface="Tahoma" pitchFamily="34" charset="0"/>
+              </a:rPr>
+              <a:t>walltime</a:t>
+            </a:r>
+            <a:endParaRPr lang="en-US" sz="3400" b="1" dirty="0" smtClean="0">
               <a:solidFill>
                 <a:srgbClr val="000000"/>
               </a:solidFill>
-              <a:latin typeface="Tahoma"/>
-              <a:ea typeface="ＭＳ Ｐゴシック"/>
+              <a:latin typeface="Tahoma" pitchFamily="34" charset="0"/>
+              <a:ea typeface="Tahoma" pitchFamily="34" charset="0"/>
+              <a:cs typeface="Tahoma" pitchFamily="34" charset="0"/>
             </a:endParaRPr>
           </a:p>
           <a:p>
-            <a:pPr marL="971550" lvl="1" indent="-514350">
-              <a:buFont typeface="+mj-lt"/>
-              <a:buAutoNum type="arabicPeriod"/>
-            </a:pPr>
-            <a:r>
-              <a:rPr lang="en-US" sz="3200" dirty="0" smtClean="0">
-                <a:solidFill>
-                  <a:srgbClr val="000000"/>
-                </a:solidFill>
-                <a:latin typeface="Tahoma"/>
-                <a:ea typeface="ＭＳ Ｐゴシック"/>
-              </a:rPr>
-              <a:t>Resources </a:t>
-            </a:r>
-            <a:r>
-              <a:rPr lang="en-US" sz="3200" dirty="0">
-                <a:solidFill>
-                  <a:srgbClr val="000000"/>
-                </a:solidFill>
-                <a:latin typeface="Tahoma"/>
-                <a:ea typeface="ＭＳ Ｐゴシック"/>
-              </a:rPr>
-              <a:t>available to the </a:t>
-            </a:r>
-            <a:r>
-              <a:rPr lang="en-US" sz="3200" dirty="0" smtClean="0">
-                <a:solidFill>
-                  <a:srgbClr val="000000"/>
-                </a:solidFill>
-                <a:latin typeface="Tahoma"/>
-                <a:ea typeface="ＭＳ Ｐゴシック"/>
-              </a:rPr>
-              <a:t>project</a:t>
-            </a:r>
-            <a:endParaRPr lang="en-AU" sz="3200" dirty="0" smtClean="0">
-              <a:solidFill>
-                <a:srgbClr val="000000"/>
-              </a:solidFill>
-              <a:latin typeface="Tahoma"/>
-              <a:ea typeface="ＭＳ Ｐゴシック"/>
-            </a:endParaRPr>
-          </a:p>
-          <a:p>
-            <a:pPr marL="971550" lvl="1" indent="-514350">
-              <a:buFont typeface="+mj-lt"/>
-              <a:buAutoNum type="arabicPeriod"/>
-            </a:pPr>
-            <a:r>
-              <a:rPr lang="en-US" sz="3200" dirty="0" err="1" smtClean="0">
-                <a:solidFill>
-                  <a:srgbClr val="000000"/>
-                </a:solidFill>
-                <a:latin typeface="Tahoma"/>
-                <a:ea typeface="ＭＳ Ｐゴシック"/>
-              </a:rPr>
-              <a:t>Walltime</a:t>
-            </a:r>
-            <a:endParaRPr lang="en-AU" sz="3200" dirty="0" smtClean="0">
-              <a:solidFill>
-                <a:srgbClr val="000000"/>
-              </a:solidFill>
-              <a:latin typeface="Tahoma"/>
-              <a:ea typeface="ＭＳ Ｐゴシック"/>
-            </a:endParaRPr>
-          </a:p>
-          <a:p>
-            <a:pPr marL="971550" lvl="1" indent="-514350">
-              <a:buFont typeface="+mj-lt"/>
-              <a:buAutoNum type="arabicPeriod"/>
-            </a:pPr>
-            <a:r>
-              <a:rPr lang="en-AU" sz="3200" dirty="0" smtClean="0">
-                <a:solidFill>
-                  <a:srgbClr val="000000"/>
-                </a:solidFill>
-                <a:latin typeface="Tahoma"/>
-                <a:ea typeface="ＭＳ Ｐゴシック"/>
-              </a:rPr>
-              <a:t>Number </a:t>
-            </a:r>
-            <a:r>
-              <a:rPr lang="en-AU" sz="3200" dirty="0">
-                <a:solidFill>
-                  <a:srgbClr val="000000"/>
-                </a:solidFill>
-                <a:latin typeface="Tahoma"/>
-                <a:ea typeface="ＭＳ Ｐゴシック"/>
-              </a:rPr>
-              <a:t>of jobs (fair share)</a:t>
-            </a:r>
-            <a:endParaRPr lang="en-AU" sz="3200" dirty="0"/>
-          </a:p>
-          <a:p>
-            <a:pPr marL="514350" indent="-514350">
+            <a:pPr marL="457200" indent="-457200">
               <a:lnSpc>
                 <a:spcPct val="100000"/>
               </a:lnSpc>
-              <a:buFont typeface="+mj-lt"/>
-              <a:buAutoNum type="arabicPeriod"/>
-            </a:pPr>
-            <a:endParaRPr sz="3200" dirty="0"/>
-          </a:p>
-          <a:p>
-            <a:pPr marL="514350" indent="-514350">
-              <a:buFont typeface="+mj-lt"/>
-              <a:buAutoNum type="arabicPeriod"/>
-            </a:pPr>
-            <a:endParaRPr lang="en-US" sz="3200" dirty="0" smtClean="0">
-              <a:solidFill>
-                <a:srgbClr val="000000"/>
-              </a:solidFill>
-              <a:latin typeface="Tahoma"/>
-              <a:ea typeface="ＭＳ Ｐゴシック"/>
+              <a:buFont typeface="Arial" pitchFamily="34" charset="0"/>
+              <a:buChar char="•"/>
+            </a:pPr>
+            <a:r>
+              <a:rPr lang="en-US" sz="3400" dirty="0" smtClean="0">
+                <a:solidFill>
+                  <a:srgbClr val="000000"/>
+                </a:solidFill>
+                <a:latin typeface="Tahoma" pitchFamily="34" charset="0"/>
+                <a:ea typeface="Tahoma" pitchFamily="34" charset="0"/>
+                <a:cs typeface="Tahoma" pitchFamily="34" charset="0"/>
+              </a:rPr>
+              <a:t>64GB </a:t>
+            </a:r>
+            <a:r>
+              <a:rPr lang="en-US" sz="3400" dirty="0">
+                <a:solidFill>
+                  <a:srgbClr val="000000"/>
+                </a:solidFill>
+                <a:latin typeface="Tahoma" pitchFamily="34" charset="0"/>
+                <a:ea typeface="Tahoma" pitchFamily="34" charset="0"/>
+                <a:cs typeface="Tahoma" pitchFamily="34" charset="0"/>
+              </a:rPr>
+              <a:t>of </a:t>
+            </a:r>
+            <a:r>
+              <a:rPr lang="en-US" sz="3400" b="1" dirty="0">
+                <a:solidFill>
+                  <a:srgbClr val="000000"/>
+                </a:solidFill>
+                <a:latin typeface="Tahoma" pitchFamily="34" charset="0"/>
+                <a:ea typeface="Tahoma" pitchFamily="34" charset="0"/>
+                <a:cs typeface="Tahoma" pitchFamily="34" charset="0"/>
+              </a:rPr>
+              <a:t>memory </a:t>
+            </a:r>
+            <a:r>
+              <a:rPr lang="en-US" sz="3400" dirty="0">
+                <a:solidFill>
+                  <a:srgbClr val="000000"/>
+                </a:solidFill>
+                <a:latin typeface="Tahoma" pitchFamily="34" charset="0"/>
+                <a:ea typeface="Tahoma" pitchFamily="34" charset="0"/>
+                <a:cs typeface="Tahoma" pitchFamily="34" charset="0"/>
+              </a:rPr>
+              <a:t>per standard </a:t>
+            </a:r>
+            <a:r>
+              <a:rPr lang="en-US" sz="3400" dirty="0" smtClean="0">
+                <a:solidFill>
+                  <a:srgbClr val="000000"/>
+                </a:solidFill>
+                <a:latin typeface="Tahoma" pitchFamily="34" charset="0"/>
+                <a:ea typeface="Tahoma" pitchFamily="34" charset="0"/>
+                <a:cs typeface="Tahoma" pitchFamily="34" charset="0"/>
+              </a:rPr>
+              <a:t>node, </a:t>
+            </a:r>
+            <a:r>
+              <a:rPr lang="en-US" sz="3400" dirty="0">
+                <a:solidFill>
+                  <a:srgbClr val="000000"/>
+                </a:solidFill>
+                <a:latin typeface="Tahoma" pitchFamily="34" charset="0"/>
+                <a:ea typeface="Tahoma" pitchFamily="34" charset="0"/>
+                <a:cs typeface="Tahoma" pitchFamily="34" charset="0"/>
+              </a:rPr>
+              <a:t>e.g. </a:t>
+            </a:r>
+            <a:r>
+              <a:rPr lang="en-US" sz="3400" dirty="0" smtClean="0">
+                <a:solidFill>
+                  <a:srgbClr val="000000"/>
+                </a:solidFill>
+                <a:latin typeface="Tahoma" pitchFamily="34" charset="0"/>
+                <a:ea typeface="Tahoma" pitchFamily="34" charset="0"/>
+                <a:cs typeface="Tahoma" pitchFamily="34" charset="0"/>
+              </a:rPr>
+              <a:t>128GB </a:t>
+            </a:r>
+            <a:r>
+              <a:rPr lang="en-US" sz="3400" dirty="0">
+                <a:solidFill>
+                  <a:srgbClr val="000000"/>
+                </a:solidFill>
+                <a:latin typeface="Tahoma" pitchFamily="34" charset="0"/>
+                <a:ea typeface="Tahoma" pitchFamily="34" charset="0"/>
+                <a:cs typeface="Tahoma" pitchFamily="34" charset="0"/>
+              </a:rPr>
+              <a:t>for 2 nodes etc.</a:t>
+            </a:r>
+            <a:endParaRPr sz="3400" dirty="0">
+              <a:latin typeface="Tahoma" pitchFamily="34" charset="0"/>
+              <a:ea typeface="Tahoma" pitchFamily="34" charset="0"/>
+              <a:cs typeface="Tahoma" pitchFamily="34" charset="0"/>
             </a:endParaRPr>
           </a:p>
           <a:p>
-            <a:pPr marL="514350" indent="-514350">
+            <a:pPr marL="457200" indent="-457200">
               <a:lnSpc>
                 <a:spcPct val="100000"/>
               </a:lnSpc>
-              <a:buFont typeface="+mj-lt"/>
-              <a:buAutoNum type="arabicPeriod"/>
-            </a:pPr>
-            <a:endParaRPr lang="en-US" sz="3200" dirty="0" smtClean="0">
-              <a:solidFill>
-                <a:srgbClr val="000000"/>
-              </a:solidFill>
-              <a:latin typeface="Tahoma"/>
-              <a:ea typeface="ＭＳ Ｐゴシック"/>
-            </a:endParaRPr>
-          </a:p>
-          <a:p>
-            <a:pPr marL="514350" indent="-514350">
+              <a:buFont typeface="Arial" pitchFamily="34" charset="0"/>
+              <a:buChar char="•"/>
+            </a:pPr>
+            <a:r>
+              <a:rPr lang="en-US" sz="3400" dirty="0" smtClean="0">
+                <a:solidFill>
+                  <a:srgbClr val="000000"/>
+                </a:solidFill>
+                <a:latin typeface="Tahoma" pitchFamily="34" charset="0"/>
+                <a:ea typeface="Tahoma" pitchFamily="34" charset="0"/>
+                <a:cs typeface="Tahoma" pitchFamily="34" charset="0"/>
+              </a:rPr>
+              <a:t>256GB </a:t>
+            </a:r>
+            <a:r>
+              <a:rPr lang="en-US" sz="3400" dirty="0">
+                <a:solidFill>
+                  <a:srgbClr val="000000"/>
+                </a:solidFill>
+                <a:latin typeface="Tahoma" pitchFamily="34" charset="0"/>
+                <a:ea typeface="Tahoma" pitchFamily="34" charset="0"/>
+                <a:cs typeface="Tahoma" pitchFamily="34" charset="0"/>
+              </a:rPr>
+              <a:t>of </a:t>
+            </a:r>
+            <a:r>
+              <a:rPr lang="en-US" sz="3400" b="1" dirty="0">
+                <a:solidFill>
+                  <a:srgbClr val="000000"/>
+                </a:solidFill>
+                <a:latin typeface="Tahoma" pitchFamily="34" charset="0"/>
+                <a:ea typeface="Tahoma" pitchFamily="34" charset="0"/>
+                <a:cs typeface="Tahoma" pitchFamily="34" charset="0"/>
+              </a:rPr>
+              <a:t>memory </a:t>
+            </a:r>
+            <a:r>
+              <a:rPr lang="en-US" sz="3400" dirty="0">
+                <a:solidFill>
+                  <a:srgbClr val="000000"/>
+                </a:solidFill>
+                <a:latin typeface="Tahoma" pitchFamily="34" charset="0"/>
+                <a:ea typeface="Tahoma" pitchFamily="34" charset="0"/>
+                <a:cs typeface="Tahoma" pitchFamily="34" charset="0"/>
+              </a:rPr>
+              <a:t>per large memory </a:t>
+            </a:r>
+            <a:r>
+              <a:rPr lang="en-US" sz="3400" dirty="0" smtClean="0">
+                <a:solidFill>
+                  <a:srgbClr val="000000"/>
+                </a:solidFill>
+                <a:latin typeface="Tahoma" pitchFamily="34" charset="0"/>
+                <a:ea typeface="Tahoma" pitchFamily="34" charset="0"/>
+                <a:cs typeface="Tahoma" pitchFamily="34" charset="0"/>
+              </a:rPr>
+              <a:t>nodes</a:t>
+            </a:r>
+          </a:p>
+          <a:p>
+            <a:pPr marL="457200" indent="-457200">
               <a:lnSpc>
                 <a:spcPct val="100000"/>
               </a:lnSpc>
-              <a:buFont typeface="+mj-lt"/>
-              <a:buAutoNum type="arabicPeriod"/>
-            </a:pPr>
-            <a:endParaRPr lang="en-US" sz="3200" dirty="0" smtClean="0">
-              <a:solidFill>
-                <a:srgbClr val="000000"/>
-              </a:solidFill>
-              <a:latin typeface="Tahoma"/>
-              <a:ea typeface="ＭＳ Ｐゴシック"/>
+              <a:buFont typeface="Arial" pitchFamily="34" charset="0"/>
+              <a:buChar char="•"/>
+            </a:pPr>
+            <a:r>
+              <a:rPr lang="en-US" sz="3400" b="1" u="sng" dirty="0" smtClean="0">
+                <a:solidFill>
+                  <a:srgbClr val="000000"/>
+                </a:solidFill>
+                <a:latin typeface="Tahoma" pitchFamily="34" charset="0"/>
+                <a:ea typeface="Tahoma" pitchFamily="34" charset="0"/>
+                <a:cs typeface="Tahoma" pitchFamily="34" charset="0"/>
+              </a:rPr>
+              <a:t>NOTE</a:t>
+            </a:r>
+            <a:r>
+              <a:rPr lang="en-US" sz="3400" dirty="0" smtClean="0">
+                <a:solidFill>
+                  <a:srgbClr val="000000"/>
+                </a:solidFill>
+                <a:latin typeface="Tahoma" pitchFamily="34" charset="0"/>
+                <a:ea typeface="Tahoma" pitchFamily="34" charset="0"/>
+                <a:cs typeface="Tahoma" pitchFamily="34" charset="0"/>
+              </a:rPr>
+              <a:t>: If you grab a node with 64GB, you can effectively use about 60GB as the OS uses memory</a:t>
+            </a:r>
+            <a:endParaRPr sz="3400" dirty="0">
+              <a:latin typeface="Tahoma" pitchFamily="34" charset="0"/>
+              <a:ea typeface="Tahoma" pitchFamily="34" charset="0"/>
+              <a:cs typeface="Tahoma" pitchFamily="34" charset="0"/>
             </a:endParaRPr>
+          </a:p>
+          <a:p>
+            <a:pPr>
+              <a:lnSpc>
+                <a:spcPct val="100000"/>
+              </a:lnSpc>
+            </a:pPr>
+            <a:endParaRPr dirty="0"/>
+          </a:p>
+          <a:p>
+            <a:pPr>
+              <a:lnSpc>
+                <a:spcPct val="100000"/>
+              </a:lnSpc>
+            </a:pPr>
+            <a:endParaRPr dirty="0"/>
+          </a:p>
+          <a:p>
+            <a:pPr>
+              <a:lnSpc>
+                <a:spcPct val="100000"/>
+              </a:lnSpc>
+            </a:pPr>
+            <a:endParaRPr dirty="0"/>
+          </a:p>
+          <a:p>
+            <a:pPr>
+              <a:lnSpc>
+                <a:spcPct val="100000"/>
+              </a:lnSpc>
+            </a:pPr>
+            <a:endParaRPr dirty="0"/>
+          </a:p>
+          <a:p>
+            <a:pPr>
+              <a:lnSpc>
+                <a:spcPct val="100000"/>
+              </a:lnSpc>
+            </a:pPr>
+            <a:endParaRPr dirty="0"/>
           </a:p>
         </p:txBody>
       </p:sp>
       <p:sp>
         <p:nvSpPr>
-          <p:cNvPr id="159" name="TextShape 3"/>
+          <p:cNvPr id="156" name="TextShape 3"/>
           <p:cNvSpPr txBox="1"/>
           <p:nvPr/>
         </p:nvSpPr>
@@ -15033,7 +15110,7 @@
               </a:rPr>
               <a:t>Slide </a:t>
             </a:r>
-            <a:fld id="{81A17171-F131-4171-8141-71E181C13111}" type="slidenum">
+            <a:fld id="{41A16161-D111-4161-A181-5151D131D1A1}" type="slidenum">
               <a:rPr lang="en-AU">
                 <a:solidFill>
                   <a:srgbClr val="000000"/>
@@ -15054,7 +15131,7 @@
   <p:timing>
     <p:tnLst>
       <p:par>
-        <p:cTn id="1" dur="indefinite" restart="never" nodeType="tmRoot">
+        <p:cTn xmlns:p14="http://schemas.microsoft.com/office/powerpoint/2010/main" id="1" dur="indefinite" restart="never" nodeType="tmRoot">
           <p:childTnLst>
             <p:seq>
               <p:cTn id="2" nodeType="mainSeq">
@@ -15106,7 +15183,7 @@
       </p:grpSpPr>
       <p:sp>
         <p:nvSpPr>
-          <p:cNvPr id="160" name="TextShape 1"/>
+          <p:cNvPr id="157" name="TextShape 1"/>
           <p:cNvSpPr txBox="1"/>
           <p:nvPr/>
         </p:nvSpPr>
@@ -15136,7 +15213,7 @@
                 <a:latin typeface="Tahoma"/>
                 <a:ea typeface="ＭＳ Ｐゴシック"/>
               </a:rPr>
-              <a:t>Best strategy</a:t>
+              <a:t>Priorities of Jobs	</a:t>
             </a:r>
             <a:endParaRPr/>
           </a:p>
@@ -15144,14 +15221,14 @@
       </p:sp>
       <p:sp>
         <p:nvSpPr>
-          <p:cNvPr id="161" name="TextShape 2"/>
+          <p:cNvPr id="158" name="TextShape 2"/>
           <p:cNvSpPr txBox="1"/>
           <p:nvPr/>
         </p:nvSpPr>
         <p:spPr>
           <a:xfrm>
-            <a:off x="1043608" y="1600200"/>
-            <a:ext cx="7272808" cy="4525560"/>
+            <a:off x="457200" y="1600200"/>
+            <a:ext cx="8229240" cy="4525560"/>
           </a:xfrm>
           <a:prstGeom prst="rect">
             <a:avLst/>
@@ -15161,102 +15238,38 @@
           <a:bodyPr/>
           <a:lstStyle/>
           <a:p>
-            <a:pPr marL="514350" indent="-514350">
-              <a:lnSpc>
-                <a:spcPct val="100000"/>
-              </a:lnSpc>
-              <a:buFont typeface="+mj-lt"/>
-              <a:buAutoNum type="arabicPeriod"/>
-            </a:pPr>
-            <a:r>
-              <a:rPr lang="en-US" sz="3200" dirty="0">
+            <a:r>
+              <a:rPr lang="en-US" sz="3200" dirty="0" smtClean="0">
                 <a:solidFill>
                   <a:srgbClr val="000000"/>
                 </a:solidFill>
                 <a:latin typeface="Tahoma"/>
                 <a:ea typeface="ＭＳ Ｐゴシック"/>
               </a:rPr>
-              <a:t>Submit jobs </a:t>
-            </a:r>
-            <a:r>
-              <a:rPr lang="en-US" sz="3200" dirty="0" smtClean="0">
+              <a:t>In order of importance, jobs are </a:t>
+            </a:r>
+            <a:r>
+              <a:rPr lang="en-US" sz="3200" dirty="0" err="1" smtClean="0">
                 <a:solidFill>
                   <a:srgbClr val="000000"/>
                 </a:solidFill>
                 <a:latin typeface="Tahoma"/>
                 <a:ea typeface="ＭＳ Ｐゴシック"/>
               </a:rPr>
-              <a:t>constantly/daily</a:t>
-            </a:r>
-            <a:endParaRPr dirty="0"/>
-          </a:p>
-          <a:p>
-            <a:pPr marL="514350" indent="-514350">
-              <a:lnSpc>
-                <a:spcPct val="100000"/>
-              </a:lnSpc>
-              <a:buFont typeface="+mj-lt"/>
-              <a:buAutoNum type="arabicPeriod"/>
-            </a:pPr>
-            <a:r>
-              <a:rPr lang="en-US" sz="3200" dirty="0">
+              <a:t>prioritised</a:t>
+            </a:r>
+            <a:r>
+              <a:rPr lang="en-US" sz="3200" dirty="0" smtClean="0">
                 <a:solidFill>
                   <a:srgbClr val="000000"/>
                 </a:solidFill>
                 <a:latin typeface="Tahoma"/>
                 <a:ea typeface="ＭＳ Ｐゴシック"/>
               </a:rPr>
-              <a:t>Have about 10-20 jobs in the </a:t>
-            </a:r>
-            <a:r>
-              <a:rPr lang="en-US" sz="3200" dirty="0" smtClean="0">
-                <a:solidFill>
-                  <a:srgbClr val="000000"/>
-                </a:solidFill>
-                <a:latin typeface="Tahoma"/>
-                <a:ea typeface="ＭＳ Ｐゴシック"/>
-              </a:rPr>
-              <a:t>machine</a:t>
-            </a:r>
-          </a:p>
-          <a:p>
-            <a:pPr marL="514350" indent="-514350">
-              <a:lnSpc>
-                <a:spcPct val="100000"/>
-              </a:lnSpc>
-              <a:buFont typeface="+mj-lt"/>
-              <a:buAutoNum type="arabicPeriod"/>
-            </a:pPr>
-            <a:r>
-              <a:rPr lang="en-US" sz="3200" dirty="0" smtClean="0">
-                <a:solidFill>
-                  <a:srgbClr val="000000"/>
-                </a:solidFill>
-                <a:latin typeface="Tahoma"/>
-                <a:ea typeface="ＭＳ Ｐゴシック"/>
-              </a:rPr>
-              <a:t>Be </a:t>
-            </a:r>
-            <a:r>
-              <a:rPr lang="en-US" sz="3200" dirty="0">
-                <a:solidFill>
-                  <a:srgbClr val="000000"/>
-                </a:solidFill>
-                <a:latin typeface="Tahoma"/>
-                <a:ea typeface="ＭＳ Ｐゴシック"/>
-              </a:rPr>
-              <a:t>realistic with </a:t>
-            </a:r>
-            <a:r>
-              <a:rPr lang="en-US" sz="3200" dirty="0" err="1" smtClean="0">
-                <a:solidFill>
-                  <a:srgbClr val="000000"/>
-                </a:solidFill>
-                <a:latin typeface="Tahoma"/>
-                <a:ea typeface="ＭＳ Ｐゴシック"/>
-              </a:rPr>
-              <a:t>walltime</a:t>
-            </a:r>
+              <a:t> in this order:</a:t>
+            </a:r>
+          </a:p>
+          <a:p>
             <a:endParaRPr lang="en-US" sz="3200" dirty="0" smtClean="0">
               <a:solidFill>
                 <a:srgbClr val="000000"/>
@@ -15266,6 +15279,99 @@
             </a:endParaRPr>
           </a:p>
           <a:p>
+            <a:pPr marL="971550" lvl="1" indent="-514350">
+              <a:buFont typeface="+mj-lt"/>
+              <a:buAutoNum type="arabicPeriod"/>
+            </a:pPr>
+            <a:r>
+              <a:rPr lang="en-US" sz="3200" dirty="0" smtClean="0">
+                <a:solidFill>
+                  <a:srgbClr val="000000"/>
+                </a:solidFill>
+                <a:latin typeface="Tahoma"/>
+                <a:ea typeface="ＭＳ Ｐゴシック"/>
+              </a:rPr>
+              <a:t>Resources </a:t>
+            </a:r>
+            <a:r>
+              <a:rPr lang="en-US" sz="3200" dirty="0">
+                <a:solidFill>
+                  <a:srgbClr val="000000"/>
+                </a:solidFill>
+                <a:latin typeface="Tahoma"/>
+                <a:ea typeface="ＭＳ Ｐゴシック"/>
+              </a:rPr>
+              <a:t>available to the </a:t>
+            </a:r>
+            <a:r>
+              <a:rPr lang="en-US" sz="3200" dirty="0" smtClean="0">
+                <a:solidFill>
+                  <a:srgbClr val="000000"/>
+                </a:solidFill>
+                <a:latin typeface="Tahoma"/>
+                <a:ea typeface="ＭＳ Ｐゴシック"/>
+              </a:rPr>
+              <a:t>project</a:t>
+            </a:r>
+            <a:endParaRPr lang="en-AU" sz="3200" dirty="0" smtClean="0">
+              <a:solidFill>
+                <a:srgbClr val="000000"/>
+              </a:solidFill>
+              <a:latin typeface="Tahoma"/>
+              <a:ea typeface="ＭＳ Ｐゴシック"/>
+            </a:endParaRPr>
+          </a:p>
+          <a:p>
+            <a:pPr marL="971550" lvl="1" indent="-514350">
+              <a:buFont typeface="+mj-lt"/>
+              <a:buAutoNum type="arabicPeriod"/>
+            </a:pPr>
+            <a:r>
+              <a:rPr lang="en-US" sz="3200" dirty="0" err="1" smtClean="0">
+                <a:solidFill>
+                  <a:srgbClr val="000000"/>
+                </a:solidFill>
+                <a:latin typeface="Tahoma"/>
+                <a:ea typeface="ＭＳ Ｐゴシック"/>
+              </a:rPr>
+              <a:t>Walltime</a:t>
+            </a:r>
+            <a:endParaRPr lang="en-AU" sz="3200" dirty="0" smtClean="0">
+              <a:solidFill>
+                <a:srgbClr val="000000"/>
+              </a:solidFill>
+              <a:latin typeface="Tahoma"/>
+              <a:ea typeface="ＭＳ Ｐゴシック"/>
+            </a:endParaRPr>
+          </a:p>
+          <a:p>
+            <a:pPr marL="971550" lvl="1" indent="-514350">
+              <a:buFont typeface="+mj-lt"/>
+              <a:buAutoNum type="arabicPeriod"/>
+            </a:pPr>
+            <a:r>
+              <a:rPr lang="en-AU" sz="3200" dirty="0" smtClean="0">
+                <a:solidFill>
+                  <a:srgbClr val="000000"/>
+                </a:solidFill>
+                <a:latin typeface="Tahoma"/>
+                <a:ea typeface="ＭＳ Ｐゴシック"/>
+              </a:rPr>
+              <a:t>Number </a:t>
+            </a:r>
+            <a:r>
+              <a:rPr lang="en-AU" sz="3200" dirty="0">
+                <a:solidFill>
+                  <a:srgbClr val="000000"/>
+                </a:solidFill>
+                <a:latin typeface="Tahoma"/>
+                <a:ea typeface="ＭＳ Ｐゴシック"/>
+              </a:rPr>
+              <a:t>of jobs (fair share)</a:t>
+            </a:r>
+            <a:endParaRPr lang="en-AU" sz="3200" dirty="0"/>
+          </a:p>
+          <a:p>
             <a:pPr marL="514350" indent="-514350">
               <a:lnSpc>
                 <a:spcPct val="100000"/>
@@ -15273,33 +15379,58 @@
               <a:buFont typeface="+mj-lt"/>
               <a:buAutoNum type="arabicPeriod"/>
             </a:pPr>
-            <a:r>
-              <a:rPr lang="en-US" sz="3200" dirty="0" smtClean="0">
-                <a:solidFill>
-                  <a:srgbClr val="000000"/>
-                </a:solidFill>
-                <a:latin typeface="Tahoma"/>
-                <a:ea typeface="ＭＳ Ｐゴシック"/>
-              </a:rPr>
-              <a:t>Don’t </a:t>
-            </a:r>
-            <a:r>
-              <a:rPr lang="en-US" sz="3200" dirty="0">
-                <a:solidFill>
-                  <a:srgbClr val="000000"/>
-                </a:solidFill>
-                <a:latin typeface="Tahoma"/>
-                <a:ea typeface="ＭＳ Ｐゴシック"/>
-              </a:rPr>
-              <a:t>ask for resources you don’t need!</a:t>
-            </a:r>
-            <a:endParaRPr dirty="0"/>
+            <a:endParaRPr sz="3200" dirty="0"/>
+          </a:p>
+          <a:p>
+            <a:pPr marL="514350" indent="-514350">
+              <a:buFont typeface="+mj-lt"/>
+              <a:buAutoNum type="arabicPeriod"/>
+            </a:pPr>
+            <a:endParaRPr lang="en-US" sz="3200" dirty="0" smtClean="0">
+              <a:solidFill>
+                <a:srgbClr val="000000"/>
+              </a:solidFill>
+              <a:latin typeface="Tahoma"/>
+              <a:ea typeface="ＭＳ Ｐゴシック"/>
+            </a:endParaRPr>
+          </a:p>
+          <a:p>
+            <a:pPr marL="514350" indent="-514350">
+              <a:lnSpc>
+                <a:spcPct val="100000"/>
+              </a:lnSpc>
+              <a:buFont typeface="+mj-lt"/>
+              <a:buAutoNum type="arabicPeriod"/>
+            </a:pPr>
+            <a:endParaRPr lang="en-US" sz="3200" dirty="0" smtClean="0">
+              <a:solidFill>
+                <a:srgbClr val="000000"/>
+              </a:solidFill>
+              <a:latin typeface="Tahoma"/>
+              <a:ea typeface="ＭＳ Ｐゴシック"/>
+            </a:endParaRPr>
+          </a:p>
+          <a:p>
+            <a:pPr marL="514350" indent="-514350">
+              <a:lnSpc>
+                <a:spcPct val="100000"/>
+              </a:lnSpc>
+              <a:buFont typeface="+mj-lt"/>
+              <a:buAutoNum type="arabicPeriod"/>
+            </a:pPr>
+            <a:endParaRPr lang="en-US" sz="3200" dirty="0" smtClean="0">
+              <a:solidFill>
+                <a:srgbClr val="000000"/>
+              </a:solidFill>
+              <a:latin typeface="Tahoma"/>
+              <a:ea typeface="ＭＳ Ｐゴシック"/>
+            </a:endParaRPr>
           </a:p>
         </p:txBody>
       </p:sp>
       <p:sp>
         <p:nvSpPr>
-          <p:cNvPr id="162" name="TextShape 3"/>
+          <p:cNvPr id="159" name="TextShape 3"/>
           <p:cNvSpPr txBox="1"/>
           <p:nvPr/>
         </p:nvSpPr>
@@ -15330,7 +15461,7 @@
               </a:rPr>
               <a:t>Slide </a:t>
             </a:r>
-            <a:fld id="{C121D101-C131-4171-B111-00A191A181A1}" type="slidenum">
+            <a:fld id="{81A17171-F131-4171-8141-71E181C13111}" type="slidenum">
               <a:rPr lang="en-AU">
                 <a:solidFill>
                   <a:srgbClr val="000000"/>
@@ -15351,7 +15482,7 @@
   <p:timing>
     <p:tnLst>
       <p:par>
-        <p:cTn id="1" dur="indefinite" restart="never" nodeType="tmRoot">
+        <p:cTn xmlns:p14="http://schemas.microsoft.com/office/powerpoint/2010/main" id="1" dur="indefinite" restart="never" nodeType="tmRoot">
           <p:childTnLst>
             <p:seq>
               <p:cTn id="2" nodeType="mainSeq">
@@ -15403,7 +15534,7 @@
       </p:grpSpPr>
       <p:sp>
         <p:nvSpPr>
-          <p:cNvPr id="163" name="TextShape 1"/>
+          <p:cNvPr id="160" name="TextShape 1"/>
           <p:cNvSpPr txBox="1"/>
           <p:nvPr/>
         </p:nvSpPr>
@@ -15426,218 +15557,177 @@
               </a:lnSpc>
             </a:pPr>
             <a:r>
-              <a:rPr lang="en-US" sz="4400" dirty="0" smtClean="0">
+              <a:rPr lang="en-US" sz="4400">
                 <a:solidFill>
                   <a:srgbClr val="E46C0A"/>
                 </a:solidFill>
                 <a:latin typeface="Tahoma"/>
                 <a:ea typeface="ＭＳ Ｐゴシック"/>
               </a:rPr>
-              <a:t>NCI Facilities</a:t>
-            </a:r>
-            <a:endParaRPr dirty="0"/>
+              <a:t>Best strategy</a:t>
+            </a:r>
+            <a:endParaRPr/>
           </a:p>
         </p:txBody>
       </p:sp>
-      <p:graphicFrame>
-        <p:nvGraphicFramePr>
-          <p:cNvPr id="164" name="Table 2"/>
-          <p:cNvGraphicFramePr/>
-          <p:nvPr>
-            <p:extLst>
-              <p:ext uri="{D42A27DB-BD31-4B8C-83A1-F6EECF244321}">
-                <p14:modId xmlns:p14="http://schemas.microsoft.com/office/powerpoint/2010/main" val="79984872"/>
-              </p:ext>
-            </p:extLst>
-          </p:nvPr>
-        </p:nvGraphicFramePr>
-        <p:xfrm>
-          <a:off x="491815" y="1417320"/>
-          <a:ext cx="8194625" cy="2716872"/>
-        </p:xfrm>
-        <a:graphic>
-          <a:graphicData uri="http://schemas.openxmlformats.org/drawingml/2006/table">
-            <a:tbl>
-              <a:tblPr firstRow="1">
-                <a:tableStyleId>{3C2FFA5D-87B4-456A-9821-1D502468CF0F}</a:tableStyleId>
-              </a:tblPr>
-              <a:tblGrid>
-                <a:gridCol w="1559905"/>
-                <a:gridCol w="6634720"/>
-              </a:tblGrid>
-              <a:tr h="499512">
-                <a:tc>
-                  <a:txBody>
-                    <a:bodyPr/>
-                    <a:lstStyle/>
-                    <a:p>
-                      <a:pPr algn="ctr">
-                        <a:lnSpc>
-                          <a:spcPct val="100000"/>
-                        </a:lnSpc>
-                      </a:pPr>
-                      <a:r>
-                        <a:rPr lang="en-AU" sz="2400" b="1" dirty="0" smtClean="0"/>
-                        <a:t>Disk Type</a:t>
-                      </a:r>
-                      <a:endParaRPr sz="2400" b="1" dirty="0"/>
-                    </a:p>
-                  </a:txBody>
-                  <a:tcPr/>
-                </a:tc>
-                <a:tc>
-                  <a:txBody>
-                    <a:bodyPr/>
-                    <a:lstStyle/>
-                    <a:p>
-                      <a:r>
-                        <a:rPr lang="en-AU" sz="2400" dirty="0" smtClean="0"/>
-                        <a:t>Disk Usage</a:t>
-                      </a:r>
-                      <a:endParaRPr lang="en-AU" sz="2400" dirty="0"/>
-                    </a:p>
-                  </a:txBody>
-                  <a:tcPr/>
-                </a:tc>
-              </a:tr>
-              <a:tr h="2217360">
-                <a:tc>
-                  <a:txBody>
-                    <a:bodyPr/>
-                    <a:lstStyle/>
-                    <a:p>
-                      <a:pPr>
-                        <a:lnSpc>
-                          <a:spcPct val="100000"/>
-                        </a:lnSpc>
-                      </a:pPr>
-                      <a:r>
-                        <a:rPr lang="en-AU" sz="2200" b="1" dirty="0" smtClean="0"/>
-                        <a:t>NCI Raijin</a:t>
-                      </a:r>
-                      <a:endParaRPr sz="1800" b="1" dirty="0"/>
-                    </a:p>
-                  </a:txBody>
-                  <a:tcPr/>
-                </a:tc>
-                <a:tc>
-                  <a:txBody>
-                    <a:bodyPr/>
-                    <a:lstStyle/>
-                    <a:p>
-                      <a:pPr marL="285750" marR="0" indent="-285750" algn="l" defTabSz="457200" rtl="0" eaLnBrk="1" fontAlgn="auto" latinLnBrk="0" hangingPunct="1">
-                        <a:lnSpc>
-                          <a:spcPct val="100000"/>
-                        </a:lnSpc>
-                        <a:spcBef>
-                          <a:spcPts val="0"/>
-                        </a:spcBef>
-                        <a:spcAft>
-                          <a:spcPts val="0"/>
-                        </a:spcAft>
-                        <a:buClrTx/>
-                        <a:buSzTx/>
-                        <a:buFont typeface="Arial" pitchFamily="34" charset="0"/>
-                        <a:buChar char="•"/>
-                        <a:tabLst/>
-                        <a:defRPr/>
-                      </a:pPr>
-                      <a:r>
-                        <a:rPr lang="en-AU" sz="2200" b="1" dirty="0" smtClean="0"/>
-                        <a:t>2 sockets with 8-core CPU’s = 16 cores</a:t>
-                      </a:r>
-                    </a:p>
-                    <a:p>
-                      <a:pPr marL="285750" indent="-285750">
-                        <a:lnSpc>
-                          <a:spcPct val="100000"/>
-                        </a:lnSpc>
-                        <a:buFont typeface="Arial" pitchFamily="34" charset="0"/>
-                        <a:buChar char="•"/>
-                      </a:pPr>
-                      <a:r>
-                        <a:rPr lang="en-AU" sz="2200" dirty="0" smtClean="0"/>
-                        <a:t>57,472 cores in the compute nodes</a:t>
-                      </a:r>
-                    </a:p>
-                    <a:p>
-                      <a:pPr marL="285750" indent="-285750">
-                        <a:lnSpc>
-                          <a:spcPct val="100000"/>
-                        </a:lnSpc>
-                        <a:buFont typeface="Arial" pitchFamily="34" charset="0"/>
-                        <a:buChar char="•"/>
-                      </a:pPr>
-                      <a:r>
-                        <a:rPr lang="en-AU" sz="2200" dirty="0" smtClean="0"/>
-                        <a:t>Approximately 160 </a:t>
-                      </a:r>
-                      <a:r>
-                        <a:rPr lang="en-AU" sz="2200" dirty="0" err="1" smtClean="0"/>
-                        <a:t>TBytes</a:t>
-                      </a:r>
-                      <a:r>
-                        <a:rPr lang="en-AU" sz="2200" dirty="0" smtClean="0"/>
-                        <a:t> of main memory;</a:t>
-                      </a:r>
-                    </a:p>
-                    <a:p>
-                      <a:pPr marL="285750" indent="-285750">
-                        <a:lnSpc>
-                          <a:spcPct val="100000"/>
-                        </a:lnSpc>
-                        <a:buFont typeface="Arial" pitchFamily="34" charset="0"/>
-                        <a:buChar char="•"/>
-                      </a:pPr>
-                      <a:r>
-                        <a:rPr lang="en-AU" sz="2200" dirty="0" err="1" smtClean="0"/>
-                        <a:t>Infiniband</a:t>
-                      </a:r>
-                      <a:r>
-                        <a:rPr lang="en-AU" sz="2200" dirty="0" smtClean="0"/>
-                        <a:t> </a:t>
-                      </a:r>
-                      <a:r>
-                        <a:rPr lang="en-AU" sz="2200" b="1" dirty="0" smtClean="0"/>
-                        <a:t>FDR</a:t>
-                      </a:r>
-                      <a:r>
-                        <a:rPr lang="en-AU" sz="2200" dirty="0" smtClean="0"/>
-                        <a:t> (fourteen data rate) interconnect</a:t>
-                      </a:r>
-                    </a:p>
-                    <a:p>
-                      <a:pPr marL="285750" indent="-285750">
-                        <a:lnSpc>
-                          <a:spcPct val="100000"/>
-                        </a:lnSpc>
-                        <a:buFont typeface="Arial" pitchFamily="34" charset="0"/>
-                        <a:buChar char="•"/>
-                      </a:pPr>
-                      <a:r>
-                        <a:rPr lang="en-AU" sz="2200" dirty="0" smtClean="0"/>
-                        <a:t>Approximately 10 </a:t>
-                      </a:r>
-                      <a:r>
-                        <a:rPr lang="en-AU" sz="2200" dirty="0" err="1" smtClean="0"/>
-                        <a:t>PBytes</a:t>
-                      </a:r>
-                      <a:r>
-                        <a:rPr lang="en-AU" sz="2200" dirty="0" smtClean="0"/>
-                        <a:t> of usable fast file system (for short-term scratch space).</a:t>
-                      </a:r>
-                    </a:p>
-                  </a:txBody>
-                  <a:tcPr/>
-                </a:tc>
-              </a:tr>
-            </a:tbl>
-          </a:graphicData>
-        </a:graphic>
-      </p:graphicFrame>
       <p:sp>
         <p:nvSpPr>
-          <p:cNvPr id="165" name="TextShape 3"/>
+          <p:cNvPr id="161" name="TextShape 2"/>
+          <p:cNvSpPr txBox="1"/>
+          <p:nvPr/>
+        </p:nvSpPr>
+        <p:spPr>
+          <a:xfrm>
+            <a:off x="1043608" y="1600200"/>
+            <a:ext cx="7272808" cy="4525560"/>
+          </a:xfrm>
+          <a:prstGeom prst="rect">
+            <a:avLst/>
+          </a:prstGeom>
+        </p:spPr>
+        <p:txBody>
+          <a:bodyPr/>
+          <a:lstStyle/>
+          <a:p>
+            <a:pPr marL="514350" indent="-514350">
+              <a:lnSpc>
+                <a:spcPct val="100000"/>
+              </a:lnSpc>
+              <a:buFont typeface="+mj-lt"/>
+              <a:buAutoNum type="arabicPeriod"/>
+            </a:pPr>
+            <a:r>
+              <a:rPr lang="en-US" sz="3200" dirty="0">
+                <a:solidFill>
+                  <a:srgbClr val="000000"/>
+                </a:solidFill>
+                <a:latin typeface="Tahoma"/>
+                <a:ea typeface="ＭＳ Ｐゴシック"/>
+              </a:rPr>
+              <a:t>Submit jobs </a:t>
+            </a:r>
+            <a:r>
+              <a:rPr lang="en-US" sz="3200" dirty="0" smtClean="0">
+                <a:solidFill>
+                  <a:srgbClr val="000000"/>
+                </a:solidFill>
+                <a:latin typeface="Tahoma"/>
+                <a:ea typeface="ＭＳ Ｐゴシック"/>
+              </a:rPr>
+              <a:t>constantly/daily</a:t>
+            </a:r>
+            <a:endParaRPr dirty="0"/>
+          </a:p>
+          <a:p>
+            <a:pPr marL="514350" indent="-514350">
+              <a:lnSpc>
+                <a:spcPct val="100000"/>
+              </a:lnSpc>
+              <a:buFont typeface="+mj-lt"/>
+              <a:buAutoNum type="arabicPeriod"/>
+            </a:pPr>
+            <a:r>
+              <a:rPr lang="en-US" sz="3200" dirty="0">
+                <a:solidFill>
+                  <a:srgbClr val="000000"/>
+                </a:solidFill>
+                <a:latin typeface="Tahoma"/>
+                <a:ea typeface="ＭＳ Ｐゴシック"/>
+              </a:rPr>
+              <a:t>Have about 10-20 jobs in the </a:t>
+            </a:r>
+            <a:r>
+              <a:rPr lang="en-US" sz="3200" dirty="0" smtClean="0">
+                <a:solidFill>
+                  <a:srgbClr val="000000"/>
+                </a:solidFill>
+                <a:latin typeface="Tahoma"/>
+                <a:ea typeface="ＭＳ Ｐゴシック"/>
+              </a:rPr>
+              <a:t>machine</a:t>
+            </a:r>
+          </a:p>
+          <a:p>
+            <a:pPr marL="514350" indent="-514350">
+              <a:lnSpc>
+                <a:spcPct val="100000"/>
+              </a:lnSpc>
+              <a:buFont typeface="+mj-lt"/>
+              <a:buAutoNum type="arabicPeriod"/>
+            </a:pPr>
+            <a:r>
+              <a:rPr lang="en-US" sz="3200" dirty="0" smtClean="0">
+                <a:solidFill>
+                  <a:srgbClr val="000000"/>
+                </a:solidFill>
+                <a:latin typeface="Tahoma"/>
+                <a:ea typeface="ＭＳ Ｐゴシック"/>
+              </a:rPr>
+              <a:t>Be </a:t>
+            </a:r>
+            <a:r>
+              <a:rPr lang="en-US" sz="3200" dirty="0">
+                <a:solidFill>
+                  <a:srgbClr val="000000"/>
+                </a:solidFill>
+                <a:latin typeface="Tahoma"/>
+                <a:ea typeface="ＭＳ Ｐゴシック"/>
+              </a:rPr>
+              <a:t>realistic with </a:t>
+            </a:r>
+            <a:r>
+              <a:rPr lang="en-US" sz="3200" dirty="0" err="1" smtClean="0">
+                <a:solidFill>
+                  <a:srgbClr val="000000"/>
+                </a:solidFill>
+                <a:latin typeface="Tahoma"/>
+                <a:ea typeface="ＭＳ Ｐゴシック"/>
+              </a:rPr>
+              <a:t>walltime</a:t>
+            </a:r>
+            <a:endParaRPr lang="en-US" sz="3200" dirty="0" smtClean="0">
+              <a:solidFill>
+                <a:srgbClr val="000000"/>
+              </a:solidFill>
+              <a:latin typeface="Tahoma"/>
+              <a:ea typeface="ＭＳ Ｐゴシック"/>
+            </a:endParaRPr>
+          </a:p>
+          <a:p>
+            <a:pPr marL="514350" indent="-514350">
+              <a:lnSpc>
+                <a:spcPct val="100000"/>
+              </a:lnSpc>
+              <a:buFont typeface="+mj-lt"/>
+              <a:buAutoNum type="arabicPeriod"/>
+            </a:pPr>
+            <a:r>
+              <a:rPr lang="en-US" sz="3200" dirty="0" smtClean="0">
+                <a:solidFill>
+                  <a:srgbClr val="000000"/>
+                </a:solidFill>
+                <a:latin typeface="Tahoma"/>
+                <a:ea typeface="ＭＳ Ｐゴシック"/>
+              </a:rPr>
+              <a:t>Don’t </a:t>
+            </a:r>
+            <a:r>
+              <a:rPr lang="en-US" sz="3200" dirty="0">
+                <a:solidFill>
+                  <a:srgbClr val="000000"/>
+                </a:solidFill>
+                <a:latin typeface="Tahoma"/>
+                <a:ea typeface="ＭＳ Ｐゴシック"/>
+              </a:rPr>
+              <a:t>ask for resources you don’t need!</a:t>
+            </a:r>
+            <a:endParaRPr dirty="0"/>
+          </a:p>
+        </p:txBody>
+      </p:sp>
+      <p:sp>
+        <p:nvSpPr>
+          <p:cNvPr id="162" name="TextShape 3"/>
           <p:cNvSpPr txBox="1"/>
           <p:nvPr/>
         </p:nvSpPr>
@@ -15668,7 +15758,7 @@
               </a:rPr>
               <a:t>Slide </a:t>
             </a:r>
-            <a:fld id="{21B1B1D1-6171-4181-81D1-519111C16181}" type="slidenum">
+            <a:fld id="{C121D101-C131-4171-B111-00A191A181A1}" type="slidenum">
               <a:rPr lang="en-AU">
                 <a:solidFill>
                   <a:srgbClr val="000000"/>
@@ -15682,11 +15772,6 @@
         </p:txBody>
       </p:sp>
     </p:spTree>
-    <p:extLst>
-      <p:ext uri="{BB962C8B-B14F-4D97-AF65-F5344CB8AC3E}">
-        <p14:creationId xmlns:p14="http://schemas.microsoft.com/office/powerpoint/2010/main" val="895223962"/>
-      </p:ext>
-    </p:extLst>
   </p:cSld>
   <p:clrMapOvr>
     <a:masterClrMapping/>
@@ -15694,7 +15779,7 @@
   <p:timing>
     <p:tnLst>
       <p:par>
-        <p:cTn id="1" dur="indefinite" restart="never" nodeType="tmRoot">
+        <p:cTn xmlns:p14="http://schemas.microsoft.com/office/powerpoint/2010/main" id="1" dur="indefinite" restart="never" nodeType="tmRoot">
           <p:childTnLst>
             <p:seq>
               <p:cTn id="2" nodeType="mainSeq">
@@ -15789,14 +15874,14 @@
           <p:nvPr>
             <p:extLst>
               <p:ext uri="{D42A27DB-BD31-4B8C-83A1-F6EECF244321}">
-                <p14:modId xmlns:p14="http://schemas.microsoft.com/office/powerpoint/2010/main" val="3472941863"/>
+                <p14:modId xmlns:p14="http://schemas.microsoft.com/office/powerpoint/2010/main" val="4176814852"/>
               </p:ext>
             </p:extLst>
           </p:nvPr>
         </p:nvGraphicFramePr>
         <p:xfrm>
-          <a:off x="755576" y="1772816"/>
-          <a:ext cx="7032513" cy="2061592"/>
+          <a:off x="491815" y="1417320"/>
+          <a:ext cx="8194625" cy="2716872"/>
         </p:xfrm>
         <a:graphic>
           <a:graphicData uri="http://schemas.openxmlformats.org/drawingml/2006/table">
@@ -15805,17 +15890,37 @@
                 <a:tableStyleId>{3C2FFA5D-87B4-456A-9821-1D502468CF0F}</a:tableStyleId>
               </a:tblPr>
               <a:tblGrid>
-                <a:gridCol w="7032513"/>
+                <a:gridCol w="1559905"/>
+                <a:gridCol w="6634720"/>
               </a:tblGrid>
-              <a:tr h="571520">
+              <a:tr h="499512">
                 <a:tc>
                   <a:txBody>
                     <a:bodyPr/>
                     <a:lstStyle/>
                     <a:p>
+                      <a:pPr algn="ctr">
+                        <a:lnSpc>
+                          <a:spcPct val="100000"/>
+                        </a:lnSpc>
+                      </a:pPr>
+                      <a:r>
+                        <a:rPr lang="en-AU" sz="2400" b="1" dirty="0" smtClean="0"/>
+                        <a:t>Disk Type</a:t>
+                      </a:r>
+                      <a:endParaRPr sz="2400" b="1" dirty="0"/>
+                    </a:p>
+                  </a:txBody>
+                  <a:tcPr/>
+                </a:tc>
+                <a:tc>
+                  <a:txBody>
+                    <a:bodyPr/>
+                    <a:lstStyle/>
+                    <a:p>
                       <a:r>
                         <a:rPr lang="en-AU" sz="2400" dirty="0" smtClean="0"/>
-                        <a:t>Raijin</a:t>
+                        <a:t>Disk Usage</a:t>
                       </a:r>
                       <a:endParaRPr lang="en-AU" sz="2400" dirty="0"/>
                     </a:p>
@@ -15823,13 +15928,32 @@
                   <a:tcPr/>
                 </a:tc>
               </a:tr>
-              <a:tr h="493008">
+              <a:tr h="2217360">
                 <a:tc>
                   <a:txBody>
                     <a:bodyPr/>
                     <a:lstStyle/>
                     <a:p>
-                      <a:pPr marL="0" marR="0" indent="0" algn="l" defTabSz="457200" rtl="0" eaLnBrk="1" fontAlgn="auto" latinLnBrk="0" hangingPunct="1">
+                      <a:pPr>
+                        <a:lnSpc>
+                          <a:spcPct val="100000"/>
+                        </a:lnSpc>
+                      </a:pPr>
+                      <a:r>
+                        <a:rPr lang="en-AU" sz="2200" b="1" dirty="0" smtClean="0"/>
+                        <a:t>NCI Raijin</a:t>
+                      </a:r>
+                      <a:endParaRPr sz="1800" b="1" dirty="0"/>
+                    </a:p>
+                  </a:txBody>
+                  <a:tcPr/>
+                </a:tc>
+                <a:tc>
+                  <a:txBody>
+                    <a:bodyPr/>
+                    <a:lstStyle/>
+                    <a:p>
+                      <a:pPr marL="285750" marR="0" indent="-285750" algn="l" defTabSz="457200" rtl="0" eaLnBrk="1" fontAlgn="auto" latinLnBrk="0" hangingPunct="1">
                         <a:lnSpc>
                           <a:spcPct val="100000"/>
                         </a:lnSpc>
@@ -15842,93 +15966,94 @@
                         <a:buClrTx/>
                         <a:buSzTx/>
                         <a:buFont typeface="Arial" pitchFamily="34" charset="0"/>
-                        <a:buNone/>
+                        <a:buChar char="•"/>
                         <a:tabLst/>
                         <a:defRPr/>
                       </a:pPr>
                       <a:r>
-                        <a:rPr lang="en-AU" sz="2600" dirty="0" smtClean="0"/>
-                        <a:t>96.5%</a:t>
-                      </a:r>
-                      <a:r>
-                        <a:rPr lang="en-AU" sz="2600" baseline="0" dirty="0" smtClean="0"/>
-                        <a:t> of Nodes have 24Gb/node</a:t>
-                      </a:r>
-                      <a:endParaRPr sz="2600" dirty="0"/>
+                        <a:rPr lang="en-AU" sz="2200" b="1" dirty="0" smtClean="0"/>
+                        <a:t>2 sockets with 8-core CPU’s = 16 cores</a:t>
+                      </a:r>
                     </a:p>
-                  </a:txBody>
-                  <a:tcPr/>
-                </a:tc>
-              </a:tr>
-              <a:tr h="493008">
-                <a:tc>
-                  <a:txBody>
-                    <a:bodyPr/>
-                    <a:lstStyle/>
                     <a:p>
-                      <a:pPr marL="0" marR="0" indent="0" algn="l" defTabSz="457200" rtl="0" eaLnBrk="1" fontAlgn="auto" latinLnBrk="0" hangingPunct="1">
+                      <a:pPr marL="285750" indent="-285750">
                         <a:lnSpc>
                           <a:spcPct val="100000"/>
                         </a:lnSpc>
-                        <a:spcBef>
-                          <a:spcPts val="0"/>
-                        </a:spcBef>
-                        <a:spcAft>
-                          <a:spcPts val="0"/>
-                        </a:spcAft>
-                        <a:buClrTx/>
-                        <a:buSzTx/>
-                        <a:buFontTx/>
-                        <a:buNone/>
-                        <a:tabLst/>
-                        <a:defRPr/>
+                        <a:buFont typeface="Arial" pitchFamily="34" charset="0"/>
+                        <a:buChar char="•"/>
                       </a:pPr>
                       <a:r>
-                        <a:rPr lang="en-AU" sz="2600" dirty="0" smtClean="0"/>
-                        <a:t>3.2%</a:t>
-                      </a:r>
-                      <a:r>
-                        <a:rPr lang="en-AU" sz="2600" baseline="0" dirty="0" smtClean="0"/>
-                        <a:t> of Nodes have 48Gb/node</a:t>
-                      </a:r>
-                      <a:endParaRPr lang="en-AU" sz="2600" dirty="0" smtClean="0"/>
+                        <a:rPr lang="en-AU" sz="2200" dirty="0" smtClean="0"/>
+                        <a:t>57,472 cores in the compute nodes</a:t>
+                      </a:r>
                     </a:p>
-                  </a:txBody>
-                  <a:tcPr/>
-                </a:tc>
-              </a:tr>
-              <a:tr h="504056">
-                <a:tc>
-                  <a:txBody>
-                    <a:bodyPr/>
-                    <a:lstStyle/>
                     <a:p>
-                      <a:pPr marL="0" marR="0" indent="0" algn="l" defTabSz="457200" rtl="0" eaLnBrk="1" fontAlgn="auto" latinLnBrk="0" hangingPunct="1">
+                      <a:pPr marL="285750" indent="-285750">
                         <a:lnSpc>
                           <a:spcPct val="100000"/>
                         </a:lnSpc>
-                        <a:spcBef>
-                          <a:spcPts val="0"/>
-                        </a:spcBef>
-                        <a:spcAft>
-                          <a:spcPts val="0"/>
-                        </a:spcAft>
-                        <a:buClrTx/>
-                        <a:buSzTx/>
-                        <a:buFontTx/>
-                        <a:buNone/>
-                        <a:tabLst/>
-                        <a:defRPr/>
+                        <a:buFont typeface="Arial" pitchFamily="34" charset="0"/>
+                        <a:buChar char="•"/>
                       </a:pPr>
                       <a:r>
-                        <a:rPr lang="en-AU" sz="2600" dirty="0" smtClean="0"/>
-                        <a:t>0.3%</a:t>
-                      </a:r>
-                      <a:r>
-                        <a:rPr lang="en-AU" sz="2600" baseline="0" dirty="0" smtClean="0"/>
-                        <a:t> of Nodes have 96Gb/node</a:t>
-                      </a:r>
-                      <a:endParaRPr sz="2600" dirty="0"/>
+                        <a:rPr lang="en-AU" sz="2200" dirty="0" smtClean="0"/>
+                        <a:t>Approximately 160 </a:t>
+                      </a:r>
+                      <a:r>
+                        <a:rPr lang="en-AU" sz="2200" dirty="0" err="1" smtClean="0"/>
+                        <a:t>TBytes</a:t>
+                      </a:r>
+                      <a:r>
+                        <a:rPr lang="en-AU" sz="2200" dirty="0" smtClean="0"/>
+                        <a:t> of main memory;</a:t>
+                      </a:r>
+                    </a:p>
+                    <a:p>
+                      <a:pPr marL="285750" indent="-285750">
+                        <a:lnSpc>
+                          <a:spcPct val="100000"/>
+                        </a:lnSpc>
+                        <a:buFont typeface="Arial" pitchFamily="34" charset="0"/>
+                        <a:buChar char="•"/>
+                      </a:pPr>
+                      <a:r>
+                        <a:rPr lang="en-AU" sz="2200" dirty="0" err="1" smtClean="0"/>
+                        <a:t>Infiniband</a:t>
+                      </a:r>
+                      <a:r>
+                        <a:rPr lang="en-AU" sz="2200" dirty="0" smtClean="0"/>
+                        <a:t> </a:t>
+                      </a:r>
+                      <a:r>
+                        <a:rPr lang="en-AU" sz="2200" b="1" dirty="0" smtClean="0"/>
+                        <a:t>FDR</a:t>
+                      </a:r>
+                      <a:r>
+                        <a:rPr lang="en-AU" sz="2200" dirty="0" smtClean="0"/>
+                        <a:t> (fourteen data rate) interconnect</a:t>
+                      </a:r>
+                    </a:p>
+                    <a:p>
+                      <a:pPr marL="285750" indent="-285750">
+                        <a:lnSpc>
+                          <a:spcPct val="100000"/>
+                        </a:lnSpc>
+                        <a:buFont typeface="Arial" pitchFamily="34" charset="0"/>
+                        <a:buChar char="•"/>
+                      </a:pPr>
+                      <a:r>
+                        <a:rPr lang="en-AU" sz="2200" dirty="0" smtClean="0"/>
+                        <a:t>Approximately 42 </a:t>
+                      </a:r>
+                      <a:r>
+                        <a:rPr lang="en-AU" sz="2200" dirty="0" err="1" smtClean="0"/>
+                        <a:t>PBytes</a:t>
+                      </a:r>
+                      <a:r>
+                        <a:rPr lang="en-AU" sz="2200" dirty="0" smtClean="0"/>
+                        <a:t> of usable fast file system (for short-term scratch space).</a:t>
+                      </a:r>
                     </a:p>
                   </a:txBody>
                   <a:tcPr/>
@@ -15987,7 +16112,7 @@
     </p:spTree>
     <p:extLst>
       <p:ext uri="{BB962C8B-B14F-4D97-AF65-F5344CB8AC3E}">
-        <p14:creationId xmlns:p14="http://schemas.microsoft.com/office/powerpoint/2010/main" val="3015817841"/>
+        <p14:creationId xmlns:p14="http://schemas.microsoft.com/office/powerpoint/2010/main" val="895223962"/>
       </p:ext>
     </p:extLst>
   </p:cSld>
@@ -15997,7 +16122,7 @@
   <p:timing>
     <p:tnLst>
       <p:par>
-        <p:cTn id="1" dur="indefinite" restart="never" nodeType="tmRoot">
+        <p:cTn xmlns:p14="http://schemas.microsoft.com/office/powerpoint/2010/main" id="1" dur="indefinite" restart="never" nodeType="tmRoot">
           <p:childTnLst>
             <p:seq>
               <p:cTn id="2" nodeType="mainSeq">
@@ -16079,7 +16204,7 @@
                 <a:latin typeface="Tahoma"/>
                 <a:ea typeface="ＭＳ Ｐゴシック"/>
               </a:rPr>
-              <a:t>Software on NCI</a:t>
+              <a:t>NCI Facilities</a:t>
             </a:r>
             <a:endParaRPr dirty="0"/>
           </a:p>
@@ -16092,14 +16217,14 @@
           <p:nvPr>
             <p:extLst>
               <p:ext uri="{D42A27DB-BD31-4B8C-83A1-F6EECF244321}">
-                <p14:modId xmlns:p14="http://schemas.microsoft.com/office/powerpoint/2010/main" val="2118284225"/>
+                <p14:modId xmlns:p14="http://schemas.microsoft.com/office/powerpoint/2010/main" val="2101732085"/>
               </p:ext>
             </p:extLst>
           </p:nvPr>
         </p:nvGraphicFramePr>
         <p:xfrm>
-          <a:off x="491815" y="1417320"/>
-          <a:ext cx="8194625" cy="3985280"/>
+          <a:off x="755576" y="1772816"/>
+          <a:ext cx="7032513" cy="2565648"/>
         </p:xfrm>
         <a:graphic>
           <a:graphicData uri="http://schemas.openxmlformats.org/drawingml/2006/table">
@@ -16108,8 +16233,7 @@
                 <a:tableStyleId>{3C2FFA5D-87B4-456A-9821-1D502468CF0F}</a:tableStyleId>
               </a:tblPr>
               <a:tblGrid>
-                <a:gridCol w="2496009"/>
-                <a:gridCol w="5698616"/>
+                <a:gridCol w="7032513"/>
               </a:tblGrid>
               <a:tr h="571520">
                 <a:tc>
@@ -16117,28 +16241,9 @@
                     <a:bodyPr/>
                     <a:lstStyle/>
                     <a:p>
-                      <a:pPr algn="ctr">
-                        <a:lnSpc>
-                          <a:spcPct val="100000"/>
-                        </a:lnSpc>
-                      </a:pPr>
                       <a:r>
                         <a:rPr lang="en-AU" sz="2400" dirty="0" smtClean="0"/>
-                        <a:t>Area</a:t>
-                      </a:r>
-                      <a:endParaRPr sz="2400" dirty="0"/>
-                    </a:p>
-                  </a:txBody>
-                  <a:tcPr/>
-                </a:tc>
-                <a:tc>
-                  <a:txBody>
-                    <a:bodyPr/>
-                    <a:lstStyle/>
-                    <a:p>
-                      <a:r>
-                        <a:rPr lang="en-AU" sz="2400" dirty="0" smtClean="0"/>
-                        <a:t>Software</a:t>
+                        <a:t>Raijin</a:t>
                       </a:r>
                       <a:endParaRPr lang="en-AU" sz="2400" dirty="0"/>
                     </a:p>
@@ -16147,25 +16252,6 @@
                 </a:tc>
               </a:tr>
               <a:tr h="493008">
-                <a:tc>
-                  <a:txBody>
-                    <a:bodyPr/>
-                    <a:lstStyle/>
-                    <a:p>
-                      <a:pPr>
-                        <a:lnSpc>
-                          <a:spcPct val="100000"/>
-                        </a:lnSpc>
-                      </a:pPr>
-                      <a:r>
-                        <a:rPr lang="en-AU" sz="2500" dirty="0" smtClean="0"/>
-                        <a:t>Computational Chemistry</a:t>
-                      </a:r>
-                      <a:endParaRPr sz="2500" dirty="0"/>
-                    </a:p>
-                  </a:txBody>
-                  <a:tcPr/>
-                </a:tc>
                 <a:tc>
                   <a:txBody>
                     <a:bodyPr/>
@@ -16189,22 +16275,14 @@
                         <a:defRPr/>
                       </a:pPr>
                       <a:r>
-                        <a:rPr lang="en-AU" sz="2500" dirty="0" smtClean="0"/>
-                        <a:t>ABINIT, Amber, CPMD*,</a:t>
-                      </a:r>
-                      <a:r>
-                        <a:rPr lang="en-AU" sz="2500" baseline="0" dirty="0" smtClean="0"/>
-                        <a:t> GULP*, NAMD*, </a:t>
-                      </a:r>
-                      <a:r>
-                        <a:rPr lang="en-AU" sz="2500" baseline="0" dirty="0" err="1" smtClean="0"/>
-                        <a:t>Molpro</a:t>
-                      </a:r>
-                      <a:r>
-                        <a:rPr lang="en-AU" sz="2500" baseline="0" dirty="0" smtClean="0"/>
-                        <a:t> etc.</a:t>
-                      </a:r>
-                      <a:endParaRPr sz="2500" dirty="0"/>
+                        <a:rPr lang="en-AU" sz="2600" dirty="0" smtClean="0"/>
+                        <a:t>96.5%</a:t>
+                      </a:r>
+                      <a:r>
+                        <a:rPr lang="en-AU" sz="2600" baseline="0" dirty="0" smtClean="0"/>
+                        <a:t> of Nodes have 24GB/node</a:t>
+                      </a:r>
+                      <a:endParaRPr sz="2600" dirty="0"/>
                     </a:p>
                   </a:txBody>
                   <a:tcPr/>
@@ -16234,48 +16312,14 @@
                         <a:defRPr/>
                       </a:pPr>
                       <a:r>
-                        <a:rPr lang="en-AU" sz="2500" dirty="0" smtClean="0"/>
-                        <a:t>Bioinformatics</a:t>
-                      </a:r>
-                    </a:p>
-                  </a:txBody>
-                  <a:tcPr/>
-                </a:tc>
-                <a:tc>
-                  <a:txBody>
-                    <a:bodyPr/>
-                    <a:lstStyle/>
-                    <a:p>
-                      <a:pPr marL="0" marR="0" indent="0" algn="l" defTabSz="457200" rtl="0" eaLnBrk="1" fontAlgn="auto" latinLnBrk="0" hangingPunct="1">
-                        <a:lnSpc>
-                          <a:spcPct val="100000"/>
-                        </a:lnSpc>
-                        <a:spcBef>
-                          <a:spcPts val="0"/>
-                        </a:spcBef>
-                        <a:spcAft>
-                          <a:spcPts val="0"/>
-                        </a:spcAft>
-                        <a:buClrTx/>
-                        <a:buSzTx/>
-                        <a:buFontTx/>
-                        <a:buNone/>
-                        <a:tabLst/>
-                        <a:defRPr/>
-                      </a:pPr>
-                      <a:r>
-                        <a:rPr lang="en-AU" sz="2500" dirty="0" err="1" smtClean="0"/>
-                        <a:t>AbySS</a:t>
-                      </a:r>
-                      <a:r>
-                        <a:rPr lang="en-AU" sz="2500" dirty="0" smtClean="0"/>
-                        <a:t>, BEAST, BIOPERL,</a:t>
-                      </a:r>
-                      <a:r>
-                        <a:rPr lang="en-AU" sz="2500" baseline="0" dirty="0" smtClean="0"/>
-                        <a:t> Cufflinks, MAW, etc.</a:t>
-                      </a:r>
-                      <a:endParaRPr lang="en-AU" sz="2500" dirty="0" smtClean="0"/>
+                        <a:rPr lang="en-AU" sz="2600" dirty="0" smtClean="0"/>
+                        <a:t>3.2%</a:t>
+                      </a:r>
+                      <a:r>
+                        <a:rPr lang="en-AU" sz="2600" baseline="0" dirty="0" smtClean="0"/>
+                        <a:t> of Nodes have 48GB/node</a:t>
+                      </a:r>
+                      <a:endParaRPr lang="en-AU" sz="2600" dirty="0" smtClean="0"/>
                     </a:p>
                   </a:txBody>
                   <a:tcPr/>
@@ -16305,32 +16349,14 @@
                         <a:defRPr/>
                       </a:pPr>
                       <a:r>
-                        <a:rPr lang="en-AU" sz="2500" dirty="0" smtClean="0"/>
-                        <a:t>Math Libraries</a:t>
-                      </a:r>
-                    </a:p>
-                  </a:txBody>
-                  <a:tcPr/>
-                </a:tc>
-                <a:tc>
-                  <a:txBody>
-                    <a:bodyPr/>
-                    <a:lstStyle/>
-                    <a:p>
-                      <a:pPr>
-                        <a:lnSpc>
-                          <a:spcPct val="100000"/>
-                        </a:lnSpc>
-                      </a:pPr>
-                      <a:r>
-                        <a:rPr lang="en-AU" sz="2500" dirty="0" smtClean="0"/>
-                        <a:t>ARPACK, BLACS,</a:t>
-                      </a:r>
-                      <a:r>
-                        <a:rPr lang="en-AU" sz="2500" baseline="0" dirty="0" smtClean="0"/>
-                        <a:t> Boost, FFTW, GSL, MKL, Tao</a:t>
-                      </a:r>
-                      <a:endParaRPr sz="2500" dirty="0"/>
+                        <a:rPr lang="en-AU" sz="2600" dirty="0" smtClean="0"/>
+                        <a:t>0.3%</a:t>
+                      </a:r>
+                      <a:r>
+                        <a:rPr lang="en-AU" sz="2600" baseline="0" dirty="0" smtClean="0"/>
+                        <a:t> of Nodes have 96GB/node</a:t>
+                      </a:r>
+                      <a:endParaRPr sz="2600" dirty="0"/>
                     </a:p>
                   </a:txBody>
                   <a:tcPr/>
@@ -16360,61 +16386,18 @@
                         <a:defRPr/>
                       </a:pPr>
                       <a:r>
-                        <a:rPr lang="en-AU" sz="2500" dirty="0" smtClean="0"/>
-                        <a:t>Statistics &amp; Maths </a:t>
-                      </a:r>
-                      <a:r>
-                        <a:rPr lang="en-AU" sz="2500" dirty="0" err="1" smtClean="0"/>
-                        <a:t>Env’s</a:t>
-                      </a:r>
-                      <a:endParaRPr lang="en-AU" sz="2500" dirty="0" smtClean="0"/>
-                    </a:p>
-                  </a:txBody>
-                  <a:tcPr/>
-                </a:tc>
-                <a:tc>
-                  <a:txBody>
-                    <a:bodyPr/>
-                    <a:lstStyle/>
-                    <a:p>
-                      <a:pPr>
-                        <a:lnSpc>
-                          <a:spcPct val="100000"/>
-                        </a:lnSpc>
-                      </a:pPr>
-                      <a:r>
-                        <a:rPr lang="en-AU" sz="2500" dirty="0" smtClean="0"/>
-                        <a:t>Maple*, </a:t>
-                      </a:r>
-                      <a:r>
-                        <a:rPr lang="en-AU" sz="2500" dirty="0" err="1" smtClean="0"/>
-                        <a:t>Mathematica</a:t>
-                      </a:r>
-                      <a:r>
-                        <a:rPr lang="en-AU" sz="2500" dirty="0" smtClean="0"/>
-                        <a:t>*,</a:t>
-                      </a:r>
-                      <a:r>
-                        <a:rPr lang="en-AU" sz="2500" baseline="0" dirty="0" smtClean="0"/>
-                        <a:t> </a:t>
-                      </a:r>
-                      <a:r>
-                        <a:rPr lang="en-AU" sz="2500" baseline="0" dirty="0" err="1" smtClean="0"/>
-                        <a:t>MatLab</a:t>
-                      </a:r>
-                      <a:r>
-                        <a:rPr lang="en-AU" sz="2500" baseline="0" dirty="0" smtClean="0"/>
-                        <a:t>*, Octave*, R, </a:t>
-                      </a:r>
-                      <a:r>
-                        <a:rPr lang="en-AU" sz="2500" baseline="0" dirty="0" err="1" smtClean="0"/>
-                        <a:t>Stata</a:t>
-                      </a:r>
-                      <a:r>
-                        <a:rPr lang="en-AU" sz="2500" baseline="0" dirty="0" smtClean="0"/>
-                        <a:t>*</a:t>
-                      </a:r>
-                      <a:endParaRPr sz="2500" dirty="0"/>
+                        <a:rPr lang="en-US" sz="2600" i="1" dirty="0" smtClean="0"/>
+                        <a:t>plus</a:t>
+                      </a:r>
+                      <a:r>
+                        <a:rPr lang="en-US" sz="2600" dirty="0" smtClean="0"/>
+                        <a:t> a</a:t>
+                      </a:r>
+                      <a:r>
+                        <a:rPr lang="en-US" sz="2600" baseline="0" dirty="0" smtClean="0"/>
+                        <a:t> small number of nodes with 1TB/node</a:t>
+                      </a:r>
+                      <a:endParaRPr sz="2600" dirty="0"/>
                     </a:p>
                   </a:txBody>
                   <a:tcPr/>
@@ -16470,94 +16453,10 @@
           </a:p>
         </p:txBody>
       </p:sp>
-      <p:sp>
-        <p:nvSpPr>
-          <p:cNvPr id="2" name="Rectangle 1"/>
-          <p:cNvSpPr/>
-          <p:nvPr/>
-        </p:nvSpPr>
-        <p:spPr>
-          <a:xfrm>
-            <a:off x="157003" y="5519172"/>
-            <a:ext cx="8506928" cy="1246495"/>
-          </a:xfrm>
-          <a:prstGeom prst="rect">
-            <a:avLst/>
-          </a:prstGeom>
-        </p:spPr>
-        <p:txBody>
-          <a:bodyPr wrap="square">
-            <a:spAutoFit/>
-          </a:bodyPr>
-          <a:lstStyle/>
-          <a:p>
-            <a:pPr marL="914400" lvl="1" indent="-457200">
-              <a:buFont typeface="Arial" pitchFamily="34" charset="0"/>
-              <a:buChar char="•"/>
-            </a:pPr>
-            <a:r>
-              <a:rPr lang="en-US" sz="2500" dirty="0" smtClean="0">
-                <a:solidFill>
-                  <a:srgbClr val="000000"/>
-                </a:solidFill>
-                <a:latin typeface="+mj-lt"/>
-                <a:ea typeface="ＭＳ Ｐゴシック"/>
-              </a:rPr>
-              <a:t>Asterisked items indicates that discussion with NCI facility staff is required before use (Licensing issues)</a:t>
-            </a:r>
-            <a:endParaRPr lang="en-US" sz="2500" dirty="0" smtClean="0">
-              <a:solidFill>
-                <a:srgbClr val="000000"/>
-              </a:solidFill>
-              <a:latin typeface="+mj-lt"/>
-              <a:ea typeface="ＭＳ Ｐゴシック"/>
-              <a:hlinkClick r:id="rId3"/>
-            </a:endParaRPr>
-          </a:p>
-          <a:p>
-            <a:pPr marL="914400" lvl="1" indent="-457200">
-              <a:buFont typeface="Arial" pitchFamily="34" charset="0"/>
-              <a:buChar char="•"/>
-            </a:pPr>
-            <a:r>
-              <a:rPr lang="en-US" sz="2500" b="1" dirty="0" smtClean="0">
-                <a:solidFill>
-                  <a:srgbClr val="000000"/>
-                </a:solidFill>
-                <a:latin typeface="+mj-lt"/>
-                <a:ea typeface="ＭＳ Ｐゴシック"/>
-                <a:hlinkClick r:id="rId3"/>
-              </a:rPr>
-              <a:t>http</a:t>
-            </a:r>
-            <a:r>
-              <a:rPr lang="en-US" sz="2500" b="1" dirty="0">
-                <a:solidFill>
-                  <a:srgbClr val="000000"/>
-                </a:solidFill>
-                <a:latin typeface="+mj-lt"/>
-                <a:ea typeface="ＭＳ Ｐゴシック"/>
-                <a:hlinkClick r:id="rId3"/>
-              </a:rPr>
-              <a:t>://nf.nci.org.au/facilities/software/index.php</a:t>
-            </a:r>
-            <a:r>
-              <a:rPr lang="en-US" sz="2500" b="1" dirty="0">
-                <a:solidFill>
-                  <a:srgbClr val="000000"/>
-                </a:solidFill>
-                <a:latin typeface="+mj-lt"/>
-                <a:ea typeface="ＭＳ Ｐゴシック"/>
-              </a:rPr>
-              <a:t> </a:t>
-            </a:r>
-          </a:p>
-        </p:txBody>
-      </p:sp>
     </p:spTree>
     <p:extLst>
       <p:ext uri="{BB962C8B-B14F-4D97-AF65-F5344CB8AC3E}">
-        <p14:creationId xmlns:p14="http://schemas.microsoft.com/office/powerpoint/2010/main" val="3946016393"/>
+        <p14:creationId xmlns:p14="http://schemas.microsoft.com/office/powerpoint/2010/main" val="3015817841"/>
       </p:ext>
     </p:extLst>
   </p:cSld>
@@ -16567,7 +16466,7 @@
   <p:timing>
     <p:tnLst>
       <p:par>
-        <p:cTn id="1" dur="indefinite" restart="never" nodeType="tmRoot">
+        <p:cTn xmlns:p14="http://schemas.microsoft.com/office/powerpoint/2010/main" id="1" dur="indefinite" restart="never" nodeType="tmRoot">
           <p:childTnLst>
             <p:seq>
               <p:cTn id="2" nodeType="mainSeq">
@@ -16662,7 +16561,7 @@
           <p:nvPr>
             <p:extLst>
               <p:ext uri="{D42A27DB-BD31-4B8C-83A1-F6EECF244321}">
-                <p14:modId xmlns:p14="http://schemas.microsoft.com/office/powerpoint/2010/main" val="1334847566"/>
+                <p14:modId xmlns:p14="http://schemas.microsoft.com/office/powerpoint/2010/main" val="2118284225"/>
               </p:ext>
             </p:extLst>
           </p:nvPr>
@@ -17127,7 +17026,7 @@
     </p:spTree>
     <p:extLst>
       <p:ext uri="{BB962C8B-B14F-4D97-AF65-F5344CB8AC3E}">
-        <p14:creationId xmlns:p14="http://schemas.microsoft.com/office/powerpoint/2010/main" val="2505703833"/>
+        <p14:creationId xmlns:p14="http://schemas.microsoft.com/office/powerpoint/2010/main" val="3946016393"/>
       </p:ext>
     </p:extLst>
   </p:cSld>
@@ -17137,7 +17036,7 @@
   <p:timing>
     <p:tnLst>
       <p:par>
-        <p:cTn id="1" dur="indefinite" restart="never" nodeType="tmRoot">
+        <p:cTn xmlns:p14="http://schemas.microsoft.com/office/powerpoint/2010/main" id="1" dur="indefinite" restart="never" nodeType="tmRoot">
           <p:childTnLst>
             <p:seq>
               <p:cTn id="2" nodeType="mainSeq">
@@ -17212,24 +17111,14 @@
               </a:lnSpc>
             </a:pPr>
             <a:r>
-              <a:rPr lang="en-US" sz="4400" dirty="0">
+              <a:rPr lang="en-US" sz="4400" dirty="0" smtClean="0">
                 <a:solidFill>
                   <a:srgbClr val="E46C0A"/>
                 </a:solidFill>
                 <a:latin typeface="Tahoma"/>
                 <a:ea typeface="ＭＳ Ｐゴシック"/>
               </a:rPr>
-              <a:t>Orange Physical </a:t>
-            </a:r>
-            <a:r>
-              <a:rPr lang="en-US" sz="4400" dirty="0" smtClean="0">
-                <a:solidFill>
-                  <a:srgbClr val="E46C0A"/>
-                </a:solidFill>
-                <a:latin typeface="Tahoma"/>
-                <a:ea typeface="ＭＳ Ｐゴシック"/>
-              </a:rPr>
-              <a:t>Disks</a:t>
+              <a:t>Software on NCI</a:t>
             </a:r>
             <a:endParaRPr dirty="0"/>
           </a:p>
@@ -17242,14 +17131,14 @@
           <p:nvPr>
             <p:extLst>
               <p:ext uri="{D42A27DB-BD31-4B8C-83A1-F6EECF244321}">
-                <p14:modId xmlns:p14="http://schemas.microsoft.com/office/powerpoint/2010/main" val="513906463"/>
+                <p14:modId xmlns:p14="http://schemas.microsoft.com/office/powerpoint/2010/main" val="1334847566"/>
               </p:ext>
             </p:extLst>
           </p:nvPr>
         </p:nvGraphicFramePr>
         <p:xfrm>
-          <a:off x="578189" y="1916832"/>
-          <a:ext cx="8108251" cy="4541520"/>
+          <a:off x="491815" y="1417320"/>
+          <a:ext cx="8194625" cy="3985280"/>
         </p:xfrm>
         <a:graphic>
           <a:graphicData uri="http://schemas.openxmlformats.org/drawingml/2006/table">
@@ -17258,12 +17147,10 @@
                 <a:tableStyleId>{3C2FFA5D-87B4-456A-9821-1D502468CF0F}</a:tableStyleId>
               </a:tblPr>
               <a:tblGrid>
-                <a:gridCol w="792088"/>
-                <a:gridCol w="1296144"/>
-                <a:gridCol w="936104"/>
-                <a:gridCol w="5083915"/>
+                <a:gridCol w="2496009"/>
+                <a:gridCol w="5698616"/>
               </a:tblGrid>
-              <a:tr h="743763">
+              <a:tr h="571520">
                 <a:tc>
                   <a:txBody>
                     <a:bodyPr/>
@@ -17275,10 +17162,10 @@
                         </a:lnSpc>
                       </a:pPr>
                       <a:r>
-                        <a:rPr lang="en-AU" sz="2300" dirty="0" smtClean="0"/>
-                        <a:t>Type</a:t>
-                      </a:r>
-                      <a:endParaRPr sz="2300" dirty="0"/>
+                        <a:rPr lang="en-AU" sz="2400" dirty="0" smtClean="0"/>
+                        <a:t>Area</a:t>
+                      </a:r>
+                      <a:endParaRPr sz="2400" dirty="0"/>
                     </a:p>
                   </a:txBody>
                   <a:tcPr/>
@@ -17288,59 +17175,17 @@
                     <a:bodyPr/>
                     <a:lstStyle/>
                     <a:p>
-                      <a:pPr algn="ctr">
-                        <a:lnSpc>
-                          <a:spcPct val="100000"/>
-                        </a:lnSpc>
-                      </a:pPr>
-                      <a:r>
-                        <a:rPr lang="en-AU" sz="2300" dirty="0" smtClean="0"/>
-                        <a:t>Disk Type</a:t>
-                      </a:r>
-                      <a:endParaRPr sz="2300" dirty="0"/>
-                    </a:p>
-                  </a:txBody>
-                  <a:tcPr/>
-                </a:tc>
-                <a:tc>
-                  <a:txBody>
-                    <a:bodyPr/>
-                    <a:lstStyle/>
-                    <a:p>
-                      <a:pPr algn="l">
-                        <a:lnSpc>
-                          <a:spcPct val="100000"/>
-                        </a:lnSpc>
-                      </a:pPr>
-                      <a:r>
-                        <a:rPr lang="en-AU" sz="2300" dirty="0" smtClean="0"/>
-                        <a:t>Disk Type</a:t>
-                      </a:r>
-                      <a:endParaRPr lang="en-AU" sz="2300" dirty="0"/>
-                    </a:p>
-                  </a:txBody>
-                  <a:tcPr/>
-                </a:tc>
-                <a:tc>
-                  <a:txBody>
-                    <a:bodyPr/>
-                    <a:lstStyle/>
-                    <a:p>
-                      <a:pPr marL="342900" indent="-342900">
-                        <a:buFont typeface="Arial" pitchFamily="34" charset="0"/>
-                        <a:buChar char="•"/>
-                      </a:pPr>
-                      <a:r>
-                        <a:rPr lang="en-AU" sz="2300" dirty="0" smtClean="0"/>
-                        <a:t>Disk Usage</a:t>
-                      </a:r>
-                      <a:endParaRPr lang="en-AU" sz="2300" dirty="0"/>
+                      <a:r>
+                        <a:rPr lang="en-AU" sz="2400" dirty="0" smtClean="0"/>
+                        <a:t>Software</a:t>
+                      </a:r>
+                      <a:endParaRPr lang="en-AU" sz="2400" dirty="0"/>
                     </a:p>
                   </a:txBody>
                   <a:tcPr/>
                 </a:tc>
               </a:tr>
-              <a:tr h="826403">
+              <a:tr h="493008">
                 <a:tc>
                   <a:txBody>
                     <a:bodyPr/>
@@ -17352,24 +17197,156 @@
                         </a:lnSpc>
                       </a:pPr>
                       <a:r>
-                        <a:rPr lang="en-AU" sz="2300" cap="all" baseline="0" dirty="0" smtClean="0">
-                          <a:solidFill>
-                            <a:schemeClr val="bg1"/>
-                          </a:solidFill>
-                          <a:latin typeface="Calibri" pitchFamily="34" charset="0"/>
-                          <a:ea typeface="Tahoma" pitchFamily="34" charset="0"/>
-                          <a:cs typeface="Tahoma" pitchFamily="34" charset="0"/>
-                        </a:rPr>
-                        <a:t>1</a:t>
-                      </a:r>
-                      <a:endParaRPr sz="2300" cap="all" baseline="0" dirty="0">
-                        <a:solidFill>
-                          <a:schemeClr val="bg1"/>
-                        </a:solidFill>
-                        <a:latin typeface="Calibri" pitchFamily="34" charset="0"/>
-                        <a:ea typeface="Tahoma" pitchFamily="34" charset="0"/>
-                        <a:cs typeface="Tahoma" pitchFamily="34" charset="0"/>
-                      </a:endParaRPr>
+                        <a:rPr lang="en-AU" sz="2500" dirty="0" smtClean="0"/>
+                        <a:t>Computational Chemistry</a:t>
+                      </a:r>
+                      <a:endParaRPr sz="2500" dirty="0"/>
+                    </a:p>
+                  </a:txBody>
+                  <a:tcPr/>
+                </a:tc>
+                <a:tc>
+                  <a:txBody>
+                    <a:bodyPr/>
+                    <a:lstStyle/>
+                    <a:p>
+                      <a:pPr marL="0" marR="0" indent="0" algn="l" defTabSz="457200" rtl="0" eaLnBrk="1" fontAlgn="auto" latinLnBrk="0" hangingPunct="1">
+                        <a:lnSpc>
+                          <a:spcPct val="100000"/>
+                        </a:lnSpc>
+                        <a:spcBef>
+                          <a:spcPts val="0"/>
+                        </a:spcBef>
+                        <a:spcAft>
+                          <a:spcPts val="0"/>
+                        </a:spcAft>
+                        <a:buClrTx/>
+                        <a:buSzTx/>
+                        <a:buFont typeface="Arial" pitchFamily="34" charset="0"/>
+                        <a:buNone/>
+                        <a:tabLst/>
+                        <a:defRPr/>
+                      </a:pPr>
+                      <a:r>
+                        <a:rPr lang="en-AU" sz="2500" dirty="0" smtClean="0"/>
+                        <a:t>ABINIT, Amber, CPMD*,</a:t>
+                      </a:r>
+                      <a:r>
+                        <a:rPr lang="en-AU" sz="2500" baseline="0" dirty="0" smtClean="0"/>
+                        <a:t> GULP*, NAMD*, </a:t>
+                      </a:r>
+                      <a:r>
+                        <a:rPr lang="en-AU" sz="2500" baseline="0" dirty="0" err="1" smtClean="0"/>
+                        <a:t>Molpro</a:t>
+                      </a:r>
+                      <a:r>
+                        <a:rPr lang="en-AU" sz="2500" baseline="0" dirty="0" smtClean="0"/>
+                        <a:t> etc.</a:t>
+                      </a:r>
+                      <a:endParaRPr sz="2500" dirty="0"/>
+                    </a:p>
+                  </a:txBody>
+                  <a:tcPr/>
+                </a:tc>
+              </a:tr>
+              <a:tr h="493008">
+                <a:tc>
+                  <a:txBody>
+                    <a:bodyPr/>
+                    <a:lstStyle/>
+                    <a:p>
+                      <a:pPr marL="0" marR="0" indent="0" algn="l" defTabSz="457200" rtl="0" eaLnBrk="1" fontAlgn="auto" latinLnBrk="0" hangingPunct="1">
+                        <a:lnSpc>
+                          <a:spcPct val="100000"/>
+                        </a:lnSpc>
+                        <a:spcBef>
+                          <a:spcPts val="0"/>
+                        </a:spcBef>
+                        <a:spcAft>
+                          <a:spcPts val="0"/>
+                        </a:spcAft>
+                        <a:buClrTx/>
+                        <a:buSzTx/>
+                        <a:buFontTx/>
+                        <a:buNone/>
+                        <a:tabLst/>
+                        <a:defRPr/>
+                      </a:pPr>
+                      <a:r>
+                        <a:rPr lang="en-AU" sz="2500" dirty="0" smtClean="0"/>
+                        <a:t>Bioinformatics</a:t>
+                      </a:r>
+                    </a:p>
+                  </a:txBody>
+                  <a:tcPr/>
+                </a:tc>
+                <a:tc>
+                  <a:txBody>
+                    <a:bodyPr/>
+                    <a:lstStyle/>
+                    <a:p>
+                      <a:pPr marL="0" marR="0" indent="0" algn="l" defTabSz="457200" rtl="0" eaLnBrk="1" fontAlgn="auto" latinLnBrk="0" hangingPunct="1">
+                        <a:lnSpc>
+                          <a:spcPct val="100000"/>
+                        </a:lnSpc>
+                        <a:spcBef>
+                          <a:spcPts val="0"/>
+                        </a:spcBef>
+                        <a:spcAft>
+                          <a:spcPts val="0"/>
+                        </a:spcAft>
+                        <a:buClrTx/>
+                        <a:buSzTx/>
+                        <a:buFontTx/>
+                        <a:buNone/>
+                        <a:tabLst/>
+                        <a:defRPr/>
+                      </a:pPr>
+                      <a:r>
+                        <a:rPr lang="en-AU" sz="2500" dirty="0" err="1" smtClean="0"/>
+                        <a:t>AbySS</a:t>
+                      </a:r>
+                      <a:r>
+                        <a:rPr lang="en-AU" sz="2500" dirty="0" smtClean="0"/>
+                        <a:t>, BEAST, BIOPERL,</a:t>
+                      </a:r>
+                      <a:r>
+                        <a:rPr lang="en-AU" sz="2500" baseline="0" dirty="0" smtClean="0"/>
+                        <a:t> Cufflinks, MAW, etc.</a:t>
+                      </a:r>
+                      <a:endParaRPr lang="en-AU" sz="2500" dirty="0" smtClean="0"/>
+                    </a:p>
+                  </a:txBody>
+                  <a:tcPr/>
+                </a:tc>
+              </a:tr>
+              <a:tr h="504056">
+                <a:tc>
+                  <a:txBody>
+                    <a:bodyPr/>
+                    <a:lstStyle/>
+                    <a:p>
+                      <a:pPr marL="0" marR="0" indent="0" algn="l" defTabSz="457200" rtl="0" eaLnBrk="1" fontAlgn="auto" latinLnBrk="0" hangingPunct="1">
+                        <a:lnSpc>
+                          <a:spcPct val="100000"/>
+                        </a:lnSpc>
+                        <a:spcBef>
+                          <a:spcPts val="0"/>
+                        </a:spcBef>
+                        <a:spcAft>
+                          <a:spcPts val="0"/>
+                        </a:spcAft>
+                        <a:buClrTx/>
+                        <a:buSzTx/>
+                        <a:buFontTx/>
+                        <a:buNone/>
+                        <a:tabLst/>
+                        <a:defRPr/>
+                      </a:pPr>
+                      <a:r>
+                        <a:rPr lang="en-AU" sz="2500" dirty="0" smtClean="0"/>
+                        <a:t>Math Libraries</a:t>
+                      </a:r>
                     </a:p>
                   </a:txBody>
                   <a:tcPr/>
@@ -17385,18 +17362,51 @@
                         </a:lnSpc>
                       </a:pPr>
                       <a:r>
-                        <a:rPr lang="en-AU" dirty="0" smtClean="0">
-                          <a:latin typeface="Tahoma" pitchFamily="34" charset="0"/>
-                          <a:ea typeface="Tahoma" pitchFamily="34" charset="0"/>
-                          <a:cs typeface="Tahoma" pitchFamily="34" charset="0"/>
-                        </a:rPr>
-                        <a:t>Panasas</a:t>
-                      </a:r>
-                      <a:endParaRPr dirty="0">
-                        <a:latin typeface="Tahoma" pitchFamily="34" charset="0"/>
-                        <a:ea typeface="Tahoma" pitchFamily="34" charset="0"/>
-                        <a:cs typeface="Tahoma" pitchFamily="34" charset="0"/>
-                      </a:endParaRPr>
+                        <a:rPr lang="en-AU" sz="2500" dirty="0" smtClean="0"/>
+                        <a:t>ARPACK, BLACS,</a:t>
+                      </a:r>
+                      <a:r>
+                        <a:rPr lang="en-AU" sz="2500" baseline="0" dirty="0" smtClean="0"/>
+                        <a:t> Boost, FFTW, GSL, MKL, Tao</a:t>
+                      </a:r>
+                      <a:endParaRPr sz="2500" dirty="0"/>
+                    </a:p>
+                  </a:txBody>
+                  <a:tcPr/>
+                </a:tc>
+              </a:tr>
+              <a:tr h="504056">
+                <a:tc>
+                  <a:txBody>
+                    <a:bodyPr/>
+                    <a:lstStyle/>
+                    <a:p>
+                      <a:pPr marL="0" marR="0" indent="0" algn="l" defTabSz="457200" rtl="0" eaLnBrk="1" fontAlgn="auto" latinLnBrk="0" hangingPunct="1">
+                        <a:lnSpc>
+                          <a:spcPct val="100000"/>
+                        </a:lnSpc>
+                        <a:spcBef>
+                          <a:spcPts val="0"/>
+                        </a:spcBef>
+                        <a:spcAft>
+                          <a:spcPts val="0"/>
+                        </a:spcAft>
+                        <a:buClrTx/>
+                        <a:buSzTx/>
+                        <a:buFontTx/>
+                        <a:buNone/>
+                        <a:tabLst/>
+                        <a:defRPr/>
+                      </a:pPr>
+                      <a:r>
+                        <a:rPr lang="en-AU" sz="2500" dirty="0" smtClean="0"/>
+                        <a:t>Statistics &amp; Maths </a:t>
+                      </a:r>
+                      <a:r>
+                        <a:rPr lang="en-AU" sz="2500" dirty="0" err="1" smtClean="0"/>
+                        <a:t>Env’s</a:t>
+                      </a:r>
+                      <a:endParaRPr lang="en-AU" sz="2500" dirty="0" smtClean="0"/>
                     </a:p>
                   </a:txBody>
                   <a:tcPr/>
@@ -17412,367 +17422,38 @@
                         </a:lnSpc>
                       </a:pPr>
                       <a:r>
-                        <a:rPr lang="en-AU" dirty="0" smtClean="0">
-                          <a:latin typeface="Tahoma" pitchFamily="34" charset="0"/>
-                          <a:ea typeface="Tahoma" pitchFamily="34" charset="0"/>
-                          <a:cs typeface="Tahoma" pitchFamily="34" charset="0"/>
-                        </a:rPr>
-                        <a:t>59Tb</a:t>
-                      </a:r>
-                      <a:endParaRPr dirty="0">
-                        <a:latin typeface="Tahoma" pitchFamily="34" charset="0"/>
-                        <a:ea typeface="Tahoma" pitchFamily="34" charset="0"/>
-                        <a:cs typeface="Tahoma" pitchFamily="34" charset="0"/>
-                      </a:endParaRPr>
-                    </a:p>
-                  </a:txBody>
-                  <a:tcPr/>
-                </a:tc>
-                <a:tc>
-                  <a:txBody>
-                    <a:bodyPr/>
-                    <a:lstStyle/>
-                    <a:p>
-                      <a:pPr marL="285750" indent="-285750">
-                        <a:lnSpc>
-                          <a:spcPct val="100000"/>
-                        </a:lnSpc>
-                        <a:buFont typeface="Arial" pitchFamily="34" charset="0"/>
-                        <a:buChar char="•"/>
-                      </a:pPr>
-                      <a:r>
-                        <a:rPr lang="en-AU" dirty="0" smtClean="0">
-                          <a:latin typeface="Tahoma" pitchFamily="34" charset="0"/>
-                          <a:ea typeface="Tahoma" pitchFamily="34" charset="0"/>
-                          <a:cs typeface="Tahoma" pitchFamily="34" charset="0"/>
-                        </a:rPr>
-                        <a:t>Parallel global file system</a:t>
-                      </a:r>
-                    </a:p>
-                    <a:p>
-                      <a:pPr marL="285750" indent="-285750">
-                        <a:lnSpc>
-                          <a:spcPct val="100000"/>
-                        </a:lnSpc>
-                        <a:buFont typeface="Arial" pitchFamily="34" charset="0"/>
-                        <a:buChar char="•"/>
-                      </a:pPr>
-                      <a:r>
-                        <a:rPr lang="en-AU" u="none" dirty="0" smtClean="0">
-                          <a:latin typeface="Tahoma" pitchFamily="34" charset="0"/>
-                          <a:ea typeface="Tahoma" pitchFamily="34" charset="0"/>
-                          <a:cs typeface="Tahoma" pitchFamily="34" charset="0"/>
-                        </a:rPr>
-                        <a:t>All nodes see the Panasas disks </a:t>
-                      </a:r>
-                    </a:p>
-                    <a:p>
-                      <a:pPr marL="742950" lvl="1" indent="-285750">
-                        <a:lnSpc>
-                          <a:spcPct val="100000"/>
-                        </a:lnSpc>
-                        <a:buFont typeface="Arial" pitchFamily="34" charset="0"/>
-                        <a:buChar char="•"/>
-                      </a:pPr>
-                      <a:r>
-                        <a:rPr lang="en-AU" u="none" dirty="0" smtClean="0">
-                          <a:latin typeface="Tahoma" pitchFamily="34" charset="0"/>
-                          <a:ea typeface="Tahoma" pitchFamily="34" charset="0"/>
-                          <a:cs typeface="Tahoma" pitchFamily="34" charset="0"/>
-                        </a:rPr>
-                        <a:t>directly attached to each node</a:t>
-                      </a:r>
-                    </a:p>
-                    <a:p>
-                      <a:pPr marL="285750" indent="-285750">
-                        <a:lnSpc>
-                          <a:spcPct val="100000"/>
-                        </a:lnSpc>
-                        <a:buFont typeface="Arial" pitchFamily="34" charset="0"/>
-                        <a:buChar char="•"/>
-                      </a:pPr>
-                      <a:r>
-                        <a:rPr lang="en-AU" dirty="0" smtClean="0">
-                          <a:latin typeface="Tahoma" pitchFamily="34" charset="0"/>
-                          <a:ea typeface="Tahoma" pitchFamily="34" charset="0"/>
-                          <a:cs typeface="Tahoma" pitchFamily="34" charset="0"/>
-                        </a:rPr>
-                        <a:t>Very fast for large</a:t>
-                      </a:r>
-                      <a:r>
-                        <a:rPr lang="en-AU" baseline="0" dirty="0" smtClean="0">
-                          <a:latin typeface="Tahoma" pitchFamily="34" charset="0"/>
-                          <a:ea typeface="Tahoma" pitchFamily="34" charset="0"/>
-                          <a:cs typeface="Tahoma" pitchFamily="34" charset="0"/>
-                        </a:rPr>
-                        <a:t> files</a:t>
-                      </a:r>
-                    </a:p>
-                    <a:p>
-                      <a:pPr marL="285750" indent="-285750">
-                        <a:lnSpc>
-                          <a:spcPct val="100000"/>
-                        </a:lnSpc>
-                        <a:buFont typeface="Arial" pitchFamily="34" charset="0"/>
-                        <a:buChar char="•"/>
-                      </a:pPr>
-                      <a:r>
-                        <a:rPr lang="en-AU" baseline="0" dirty="0" smtClean="0">
-                          <a:latin typeface="Tahoma" pitchFamily="34" charset="0"/>
-                          <a:ea typeface="Tahoma" pitchFamily="34" charset="0"/>
-                          <a:cs typeface="Tahoma" pitchFamily="34" charset="0"/>
-                        </a:rPr>
-                        <a:t>Can be slow if you copy MANY small files</a:t>
-                      </a:r>
-                    </a:p>
-                    <a:p>
-                      <a:pPr marL="285750" indent="-285750">
-                        <a:lnSpc>
-                          <a:spcPct val="100000"/>
-                        </a:lnSpc>
-                        <a:buFont typeface="Arial" pitchFamily="34" charset="0"/>
-                        <a:buChar char="•"/>
-                      </a:pPr>
-                      <a:r>
-                        <a:rPr lang="en-AU" baseline="0" dirty="0" smtClean="0">
-                          <a:latin typeface="Tahoma" pitchFamily="34" charset="0"/>
-                          <a:ea typeface="Tahoma" pitchFamily="34" charset="0"/>
-                          <a:cs typeface="Tahoma" pitchFamily="34" charset="0"/>
-                        </a:rPr>
-                        <a:t>System director blade creates metadata for each file</a:t>
-                      </a:r>
-                      <a:endParaRPr lang="en-AU" dirty="0" smtClean="0">
-                        <a:latin typeface="Tahoma" pitchFamily="34" charset="0"/>
-                        <a:ea typeface="Tahoma" pitchFamily="34" charset="0"/>
-                        <a:cs typeface="Tahoma" pitchFamily="34" charset="0"/>
-                      </a:endParaRPr>
-                    </a:p>
-                  </a:txBody>
-                  <a:tcPr/>
-                </a:tc>
-              </a:tr>
-              <a:tr h="1150893">
-                <a:tc>
-                  <a:txBody>
-                    <a:bodyPr/>
-                    <a:lstStyle/>
-                    <a:p>
-                      <a:pPr>
-                        <a:lnSpc>
-                          <a:spcPct val="100000"/>
-                        </a:lnSpc>
-                      </a:pPr>
-                      <a:r>
-                        <a:rPr lang="en-AU" sz="2300" cap="all" baseline="0" dirty="0" smtClean="0">
-                          <a:solidFill>
-                            <a:schemeClr val="bg1"/>
-                          </a:solidFill>
-                          <a:latin typeface="Calibri" pitchFamily="34" charset="0"/>
-                          <a:ea typeface="Tahoma" pitchFamily="34" charset="0"/>
-                          <a:cs typeface="Tahoma" pitchFamily="34" charset="0"/>
-                        </a:rPr>
-                        <a:t>2</a:t>
-                      </a:r>
-                      <a:endParaRPr sz="2300" cap="all" baseline="0" dirty="0">
-                        <a:solidFill>
-                          <a:schemeClr val="bg1"/>
-                        </a:solidFill>
-                        <a:latin typeface="Calibri" pitchFamily="34" charset="0"/>
-                        <a:ea typeface="Tahoma" pitchFamily="34" charset="0"/>
-                        <a:cs typeface="Tahoma" pitchFamily="34" charset="0"/>
-                      </a:endParaRPr>
-                    </a:p>
-                  </a:txBody>
-                  <a:tcPr/>
-                </a:tc>
-                <a:tc>
-                  <a:txBody>
-                    <a:bodyPr/>
-                    <a:lstStyle/>
-                    <a:p>
-                      <a:pPr>
-                        <a:lnSpc>
-                          <a:spcPct val="100000"/>
-                        </a:lnSpc>
-                      </a:pPr>
-                      <a:r>
-                        <a:rPr lang="en-AU" dirty="0" smtClean="0">
-                          <a:latin typeface="Tahoma" pitchFamily="34" charset="0"/>
-                          <a:ea typeface="Tahoma" pitchFamily="34" charset="0"/>
-                          <a:cs typeface="Tahoma" pitchFamily="34" charset="0"/>
-                        </a:rPr>
-                        <a:t>SGI</a:t>
-                      </a:r>
-                      <a:endParaRPr dirty="0">
-                        <a:latin typeface="Tahoma" pitchFamily="34" charset="0"/>
-                        <a:ea typeface="Tahoma" pitchFamily="34" charset="0"/>
-                        <a:cs typeface="Tahoma" pitchFamily="34" charset="0"/>
-                      </a:endParaRPr>
-                    </a:p>
-                  </a:txBody>
-                  <a:tcPr/>
-                </a:tc>
-                <a:tc>
-                  <a:txBody>
-                    <a:bodyPr/>
-                    <a:lstStyle/>
-                    <a:p>
-                      <a:pPr>
-                        <a:lnSpc>
-                          <a:spcPct val="100000"/>
-                        </a:lnSpc>
-                      </a:pPr>
-                      <a:r>
-                        <a:rPr lang="en-AU" dirty="0" smtClean="0">
-                          <a:latin typeface="Tahoma" pitchFamily="34" charset="0"/>
-                          <a:ea typeface="Tahoma" pitchFamily="34" charset="0"/>
-                          <a:cs typeface="Tahoma" pitchFamily="34" charset="0"/>
-                        </a:rPr>
-                        <a:t>50Tb</a:t>
-                      </a:r>
-                      <a:endParaRPr dirty="0">
-                        <a:latin typeface="Tahoma" pitchFamily="34" charset="0"/>
-                        <a:ea typeface="Tahoma" pitchFamily="34" charset="0"/>
-                        <a:cs typeface="Tahoma" pitchFamily="34" charset="0"/>
-                      </a:endParaRPr>
-                    </a:p>
-                  </a:txBody>
-                  <a:tcPr/>
-                </a:tc>
-                <a:tc>
-                  <a:txBody>
-                    <a:bodyPr/>
-                    <a:lstStyle/>
-                    <a:p>
-                      <a:pPr marL="285750" indent="-285750">
-                        <a:lnSpc>
-                          <a:spcPct val="100000"/>
-                        </a:lnSpc>
-                        <a:buFont typeface="Arial" pitchFamily="34" charset="0"/>
-                        <a:buChar char="•"/>
-                      </a:pPr>
-                      <a:r>
-                        <a:rPr lang="en-AU" dirty="0" smtClean="0">
-                          <a:latin typeface="Tahoma" pitchFamily="34" charset="0"/>
-                          <a:ea typeface="Tahoma" pitchFamily="34" charset="0"/>
-                          <a:cs typeface="Tahoma" pitchFamily="34" charset="0"/>
-                        </a:rPr>
-                        <a:t>An NFS mounted file system</a:t>
-                      </a:r>
-                    </a:p>
-                    <a:p>
-                      <a:pPr marL="285750" marR="0" indent="-285750" algn="l" defTabSz="457200" rtl="0" eaLnBrk="1" fontAlgn="auto" latinLnBrk="0" hangingPunct="1">
-                        <a:lnSpc>
-                          <a:spcPct val="100000"/>
-                        </a:lnSpc>
-                        <a:spcBef>
-                          <a:spcPts val="0"/>
-                        </a:spcBef>
-                        <a:spcAft>
-                          <a:spcPts val="0"/>
-                        </a:spcAft>
-                        <a:buClrTx/>
-                        <a:buSzTx/>
-                        <a:buFont typeface="Arial" pitchFamily="34" charset="0"/>
-                        <a:buChar char="•"/>
-                        <a:tabLst/>
-                        <a:defRPr/>
-                      </a:pPr>
-                      <a:r>
-                        <a:rPr lang="en-AU" u="none" dirty="0" smtClean="0">
-                          <a:latin typeface="Tahoma" pitchFamily="34" charset="0"/>
-                          <a:ea typeface="Tahoma" pitchFamily="34" charset="0"/>
-                          <a:cs typeface="Tahoma" pitchFamily="34" charset="0"/>
-                        </a:rPr>
-                        <a:t>All nodes see the SGI disks </a:t>
-                      </a:r>
-                    </a:p>
-                    <a:p>
-                      <a:pPr marL="742950" marR="0" lvl="1" indent="-285750" algn="l" defTabSz="457200" rtl="0" eaLnBrk="1" fontAlgn="auto" latinLnBrk="0" hangingPunct="1">
-                        <a:lnSpc>
-                          <a:spcPct val="100000"/>
-                        </a:lnSpc>
-                        <a:spcBef>
-                          <a:spcPts val="0"/>
-                        </a:spcBef>
-                        <a:spcAft>
-                          <a:spcPts val="0"/>
-                        </a:spcAft>
-                        <a:buClrTx/>
-                        <a:buSzTx/>
-                        <a:buFont typeface="Arial" pitchFamily="34" charset="0"/>
-                        <a:buChar char="•"/>
-                        <a:tabLst/>
-                        <a:defRPr/>
-                      </a:pPr>
-                      <a:r>
-                        <a:rPr lang="en-AU" u="none" dirty="0" smtClean="0">
-                          <a:latin typeface="Tahoma" pitchFamily="34" charset="0"/>
-                          <a:ea typeface="Tahoma" pitchFamily="34" charset="0"/>
-                          <a:cs typeface="Tahoma" pitchFamily="34" charset="0"/>
-                        </a:rPr>
-                        <a:t>can only be seen</a:t>
-                      </a:r>
-                      <a:r>
-                        <a:rPr lang="en-AU" u="none" baseline="0" dirty="0" smtClean="0">
-                          <a:latin typeface="Tahoma" pitchFamily="34" charset="0"/>
-                          <a:ea typeface="Tahoma" pitchFamily="34" charset="0"/>
-                          <a:cs typeface="Tahoma" pitchFamily="34" charset="0"/>
-                        </a:rPr>
-                        <a:t> via NFS backbone</a:t>
-                      </a:r>
-                      <a:endParaRPr lang="en-AU" u="none" dirty="0" smtClean="0">
-                        <a:latin typeface="Tahoma" pitchFamily="34" charset="0"/>
-                        <a:ea typeface="Tahoma" pitchFamily="34" charset="0"/>
-                        <a:cs typeface="Tahoma" pitchFamily="34" charset="0"/>
-                      </a:endParaRPr>
-                    </a:p>
-                    <a:p>
-                      <a:pPr marL="285750" indent="-285750">
-                        <a:lnSpc>
-                          <a:spcPct val="100000"/>
-                        </a:lnSpc>
-                        <a:buFont typeface="Arial" pitchFamily="34" charset="0"/>
-                        <a:buChar char="•"/>
-                      </a:pPr>
-                      <a:r>
-                        <a:rPr lang="en-AU" dirty="0" smtClean="0">
-                          <a:latin typeface="Tahoma" pitchFamily="34" charset="0"/>
-                          <a:ea typeface="Tahoma" pitchFamily="34" charset="0"/>
-                          <a:cs typeface="Tahoma" pitchFamily="34" charset="0"/>
-                        </a:rPr>
-                        <a:t>Uses old technology, therefore very robust</a:t>
-                      </a:r>
-                    </a:p>
-                    <a:p>
-                      <a:pPr marL="285750" indent="-285750">
-                        <a:lnSpc>
-                          <a:spcPct val="100000"/>
-                        </a:lnSpc>
-                        <a:buFont typeface="Arial" pitchFamily="34" charset="0"/>
-                        <a:buChar char="•"/>
-                      </a:pPr>
-                      <a:r>
-                        <a:rPr lang="en-AU" dirty="0" smtClean="0">
-                          <a:latin typeface="Tahoma" pitchFamily="34" charset="0"/>
-                          <a:ea typeface="Tahoma" pitchFamily="34" charset="0"/>
-                          <a:cs typeface="Tahoma" pitchFamily="34" charset="0"/>
-                        </a:rPr>
-                        <a:t>Scales</a:t>
-                      </a:r>
-                      <a:r>
-                        <a:rPr lang="en-AU" baseline="0" dirty="0" smtClean="0">
-                          <a:latin typeface="Tahoma" pitchFamily="34" charset="0"/>
-                          <a:ea typeface="Tahoma" pitchFamily="34" charset="0"/>
-                          <a:cs typeface="Tahoma" pitchFamily="34" charset="0"/>
-                        </a:rPr>
-                        <a:t> nicely for clusters up to 100 Nodes (very good for Orange)</a:t>
-                      </a:r>
-                      <a:endParaRPr dirty="0">
-                        <a:latin typeface="Tahoma" pitchFamily="34" charset="0"/>
-                        <a:ea typeface="Tahoma" pitchFamily="34" charset="0"/>
-                        <a:cs typeface="Tahoma" pitchFamily="34" charset="0"/>
-                      </a:endParaRPr>
+                        <a:rPr lang="en-AU" sz="2500" dirty="0" smtClean="0"/>
+                        <a:t>Maple*, </a:t>
+                      </a:r>
+                      <a:r>
+                        <a:rPr lang="en-AU" sz="2500" dirty="0" err="1" smtClean="0"/>
+                        <a:t>Mathematica</a:t>
+                      </a:r>
+                      <a:r>
+                        <a:rPr lang="en-AU" sz="2500" dirty="0" smtClean="0"/>
+                        <a:t>*,</a:t>
+                      </a:r>
+                      <a:r>
+                        <a:rPr lang="en-AU" sz="2500" baseline="0" dirty="0" smtClean="0"/>
+                        <a:t> </a:t>
+                      </a:r>
+                      <a:r>
+                        <a:rPr lang="en-AU" sz="2500" baseline="0" dirty="0" err="1" smtClean="0"/>
+                        <a:t>MatLab</a:t>
+                      </a:r>
+                      <a:r>
+                        <a:rPr lang="en-AU" sz="2500" baseline="0" dirty="0" smtClean="0"/>
+                        <a:t>*, Octave*, R, </a:t>
+                      </a:r>
+                      <a:r>
+                        <a:rPr lang="en-AU" sz="2500" baseline="0" dirty="0" err="1" smtClean="0"/>
+                        <a:t>Stata</a:t>
+                      </a:r>
+                      <a:r>
+                        <a:rPr lang="en-AU" sz="2500" baseline="0" dirty="0" smtClean="0"/>
+                        <a:t>*</a:t>
+                      </a:r>
+                      <a:endParaRPr sz="2500" dirty="0"/>
                     </a:p>
                   </a:txBody>
                   <a:tcPr/>
@@ -17836,8 +17517,8 @@
         </p:nvSpPr>
         <p:spPr>
           <a:xfrm>
-            <a:off x="457200" y="1268760"/>
-            <a:ext cx="7919272" cy="954107"/>
+            <a:off x="157003" y="5519172"/>
+            <a:ext cx="8506928" cy="1246495"/>
           </a:xfrm>
           <a:prstGeom prst="rect">
             <a:avLst/>
@@ -17849,43 +17530,75 @@
           </a:bodyPr>
           <a:lstStyle/>
           <a:p>
-            <a:pPr marL="457200" indent="-457200">
-              <a:lnSpc>
-                <a:spcPct val="100000"/>
-              </a:lnSpc>
+            <a:pPr marL="914400" lvl="1" indent="-457200">
               <a:buFont typeface="Arial" pitchFamily="34" charset="0"/>
               <a:buChar char="•"/>
             </a:pPr>
             <a:r>
-              <a:rPr lang="en-US" sz="2800" dirty="0" smtClean="0">
-                <a:solidFill>
-                  <a:srgbClr val="000000"/>
-                </a:solidFill>
-                <a:latin typeface="Tahoma"/>
+              <a:rPr lang="en-US" sz="2500" dirty="0" smtClean="0">
+                <a:solidFill>
+                  <a:srgbClr val="000000"/>
+                </a:solidFill>
+                <a:latin typeface="+mj-lt"/>
                 <a:ea typeface="ＭＳ Ｐゴシック"/>
               </a:rPr>
-              <a:t>Which of the 3 disks to use and when?</a:t>
-            </a:r>
-          </a:p>
-          <a:p>
-            <a:pPr marL="457200" indent="-457200">
-              <a:lnSpc>
-                <a:spcPct val="100000"/>
-              </a:lnSpc>
-              <a:buFont typeface="Arial" pitchFamily="34" charset="0"/>
-              <a:buChar char="•"/>
-            </a:pPr>
-            <a:endParaRPr lang="en-US" sz="2800" dirty="0">
+              <a:t>Asterisked items indicates that discussion with NCI facility staff is required before use (Licensing issues)</a:t>
+            </a:r>
+            <a:endParaRPr lang="en-US" sz="2500" dirty="0" smtClean="0">
               <a:solidFill>
                 <a:srgbClr val="000000"/>
               </a:solidFill>
-              <a:latin typeface="Tahoma"/>
+              <a:latin typeface="+mj-lt"/>
               <a:ea typeface="ＭＳ Ｐゴシック"/>
+              <a:hlinkClick r:id="rId3"/>
             </a:endParaRPr>
+          </a:p>
+          <a:p>
+            <a:pPr marL="914400" lvl="1" indent="-457200">
+              <a:buFont typeface="Arial" pitchFamily="34" charset="0"/>
+              <a:buChar char="•"/>
+            </a:pPr>
+            <a:r>
+              <a:rPr lang="en-US" sz="2500" b="1" dirty="0" smtClean="0">
+                <a:solidFill>
+                  <a:srgbClr val="000000"/>
+                </a:solidFill>
+                <a:latin typeface="+mj-lt"/>
+                <a:ea typeface="ＭＳ Ｐゴシック"/>
+                <a:hlinkClick r:id="rId3"/>
+              </a:rPr>
+              <a:t>http</a:t>
+            </a:r>
+            <a:r>
+              <a:rPr lang="en-US" sz="2500" b="1" dirty="0">
+                <a:solidFill>
+                  <a:srgbClr val="000000"/>
+                </a:solidFill>
+                <a:latin typeface="+mj-lt"/>
+                <a:ea typeface="ＭＳ Ｐゴシック"/>
+                <a:hlinkClick r:id="rId3"/>
+              </a:rPr>
+              <a:t>://nf.nci.org.au/facilities/software/index.php</a:t>
+            </a:r>
+            <a:r>
+              <a:rPr lang="en-US" sz="2500" b="1" dirty="0">
+                <a:solidFill>
+                  <a:srgbClr val="000000"/>
+                </a:solidFill>
+                <a:latin typeface="+mj-lt"/>
+                <a:ea typeface="ＭＳ Ｐゴシック"/>
+              </a:rPr>
+              <a:t> </a:t>
+            </a:r>
           </a:p>
         </p:txBody>
       </p:sp>
     </p:spTree>
+    <p:extLst>
+      <p:ext uri="{BB962C8B-B14F-4D97-AF65-F5344CB8AC3E}">
+        <p14:creationId xmlns:p14="http://schemas.microsoft.com/office/powerpoint/2010/main" val="2505703833"/>
+      </p:ext>
+    </p:extLst>
   </p:cSld>
   <p:clrMapOvr>
     <a:masterClrMapping/>
@@ -17893,7 +17606,7 @@
   <p:timing>
     <p:tnLst>
       <p:par>
-        <p:cTn id="1" dur="indefinite" restart="never" nodeType="tmRoot">
+        <p:cTn xmlns:p14="http://schemas.microsoft.com/office/powerpoint/2010/main" id="1" dur="indefinite" restart="never" nodeType="tmRoot">
           <p:childTnLst>
             <p:seq>
               <p:cTn id="2" nodeType="mainSeq">
@@ -17975,7 +17688,7 @@
                 <a:latin typeface="Tahoma"/>
                 <a:ea typeface="ＭＳ Ｐゴシック"/>
               </a:rPr>
-              <a:t>Orange </a:t>
+              <a:t>Orange Physical </a:t>
             </a:r>
             <a:r>
               <a:rPr lang="en-US" sz="4400" dirty="0" smtClean="0">
@@ -17985,7 +17698,7 @@
                 <a:latin typeface="Tahoma"/>
                 <a:ea typeface="ＭＳ Ｐゴシック"/>
               </a:rPr>
-              <a:t>Disks (cont.)</a:t>
+              <a:t>Disks</a:t>
             </a:r>
             <a:endParaRPr dirty="0"/>
           </a:p>
@@ -17998,14 +17711,14 @@
           <p:nvPr>
             <p:extLst>
               <p:ext uri="{D42A27DB-BD31-4B8C-83A1-F6EECF244321}">
-                <p14:modId xmlns:p14="http://schemas.microsoft.com/office/powerpoint/2010/main" val="2033129189"/>
+                <p14:modId xmlns:p14="http://schemas.microsoft.com/office/powerpoint/2010/main" val="513906463"/>
               </p:ext>
             </p:extLst>
           </p:nvPr>
         </p:nvGraphicFramePr>
         <p:xfrm>
-          <a:off x="755576" y="1822203"/>
-          <a:ext cx="8108251" cy="4450080"/>
+          <a:off x="578189" y="1916832"/>
+          <a:ext cx="8108251" cy="4541519"/>
         </p:xfrm>
         <a:graphic>
           <a:graphicData uri="http://schemas.openxmlformats.org/drawingml/2006/table">
@@ -18014,10 +17727,10 @@
                 <a:tableStyleId>{3C2FFA5D-87B4-456A-9821-1D502468CF0F}</a:tableStyleId>
               </a:tblPr>
               <a:tblGrid>
-                <a:gridCol w="966363"/>
-                <a:gridCol w="966363"/>
-                <a:gridCol w="875586"/>
-                <a:gridCol w="5299939"/>
+                <a:gridCol w="792088"/>
+                <a:gridCol w="1296144"/>
+                <a:gridCol w="936104"/>
+                <a:gridCol w="5083915"/>
               </a:tblGrid>
               <a:tr h="743763">
                 <a:tc>
@@ -18096,7 +17809,7 @@
                   <a:tcPr/>
                 </a:tc>
               </a:tr>
-              <a:tr h="761809">
+              <a:tr h="826403">
                 <a:tc>
                   <a:txBody>
                     <a:bodyPr/>
@@ -18108,7 +17821,7 @@
                         </a:lnSpc>
                       </a:pPr>
                       <a:r>
-                        <a:rPr lang="en-AU" sz="2300" b="1" cap="all" baseline="0" dirty="0" smtClean="0">
+                        <a:rPr lang="en-AU" sz="2300" cap="all" baseline="0" dirty="0" smtClean="0">
                           <a:solidFill>
                             <a:schemeClr val="bg1"/>
                           </a:solidFill>
@@ -18116,9 +17829,9 @@
                           <a:ea typeface="Tahoma" pitchFamily="34" charset="0"/>
                           <a:cs typeface="Tahoma" pitchFamily="34" charset="0"/>
                         </a:rPr>
-                        <a:t>3</a:t>
-                      </a:r>
-                      <a:endParaRPr sz="2300" b="1" cap="all" baseline="0" dirty="0">
+                        <a:t>1</a:t>
+                      </a:r>
+                      <a:endParaRPr sz="2300" cap="all" baseline="0" dirty="0">
                         <a:solidFill>
                           <a:schemeClr val="bg1"/>
                         </a:solidFill>
@@ -18146,15 +17859,7 @@
                           <a:ea typeface="Tahoma" pitchFamily="34" charset="0"/>
                           <a:cs typeface="Tahoma" pitchFamily="34" charset="0"/>
                         </a:rPr>
-                        <a:t>Local</a:t>
-                      </a:r>
-                      <a:r>
-                        <a:rPr lang="en-AU" baseline="0" dirty="0" smtClean="0">
-                          <a:latin typeface="Tahoma" pitchFamily="34" charset="0"/>
-                          <a:ea typeface="Tahoma" pitchFamily="34" charset="0"/>
-                          <a:cs typeface="Tahoma" pitchFamily="34" charset="0"/>
-                        </a:rPr>
-                        <a:t> Scratch</a:t>
+                        <a:t>Panasas</a:t>
                       </a:r>
                       <a:endParaRPr dirty="0">
                         <a:latin typeface="Tahoma" pitchFamily="34" charset="0"/>
@@ -18181,7 +17886,7 @@
                           <a:ea typeface="Tahoma" pitchFamily="34" charset="0"/>
                           <a:cs typeface="Tahoma" pitchFamily="34" charset="0"/>
                         </a:rPr>
-                        <a:t>200Tb</a:t>
+                        <a:t>59Tb</a:t>
                       </a:r>
                       <a:endParaRPr dirty="0">
                         <a:latin typeface="Tahoma" pitchFamily="34" charset="0"/>
@@ -18205,12 +17910,12 @@
                         <a:buChar char="•"/>
                       </a:pPr>
                       <a:r>
-                        <a:rPr lang="en-AU" u="sng" dirty="0" smtClean="0">
+                        <a:rPr lang="en-AU" dirty="0" smtClean="0">
                           <a:latin typeface="Tahoma" pitchFamily="34" charset="0"/>
                           <a:ea typeface="Tahoma" pitchFamily="34" charset="0"/>
                           <a:cs typeface="Tahoma" pitchFamily="34" charset="0"/>
                         </a:rPr>
-                        <a:t>Exist in each node</a:t>
+                        <a:t>Parallel global file system</a:t>
                       </a:r>
                     </a:p>
                     <a:p>
@@ -18222,12 +17927,29 @@
                         <a:buChar char="•"/>
                       </a:pPr>
                       <a:r>
-                        <a:rPr lang="en-AU" dirty="0" smtClean="0">
+                        <a:rPr lang="en-AU" u="none" dirty="0" smtClean="0">
                           <a:latin typeface="Tahoma" pitchFamily="34" charset="0"/>
                           <a:ea typeface="Tahoma" pitchFamily="34" charset="0"/>
                           <a:cs typeface="Tahoma" pitchFamily="34" charset="0"/>
                         </a:rPr>
-                        <a:t>No network is necessary making these the fastest disk</a:t>
+                        <a:t>All nodes see the Panasas disks </a:t>
+                      </a:r>
+                    </a:p>
+                    <a:p>
+                      <a:pPr marL="742950" lvl="1" indent="-285750">
+                        <a:lnSpc>
+                          <a:spcPct val="100000"/>
+                        </a:lnSpc>
+                        <a:buFont typeface="Arial" pitchFamily="34" charset="0"/>
+                        <a:buChar char="•"/>
+                      </a:pPr>
+                      <a:r>
+                        <a:rPr lang="en-AU" u="none" dirty="0" smtClean="0">
+                          <a:latin typeface="Tahoma" pitchFamily="34" charset="0"/>
+                          <a:ea typeface="Tahoma" pitchFamily="34" charset="0"/>
+                          <a:cs typeface="Tahoma" pitchFamily="34" charset="0"/>
+                        </a:rPr>
+                        <a:t>directly attached to each node</a:t>
                       </a:r>
                     </a:p>
                     <a:p>
@@ -18244,7 +17966,7 @@
                           <a:ea typeface="Tahoma" pitchFamily="34" charset="0"/>
                           <a:cs typeface="Tahoma" pitchFamily="34" charset="0"/>
                         </a:rPr>
-                        <a:t>If you have a lot of I/O,</a:t>
+                        <a:t>Very fast for large</a:t>
                       </a:r>
                       <a:r>
                         <a:rPr lang="en-AU" baseline="0" dirty="0" smtClean="0">
@@ -18252,7 +17974,7 @@
                           <a:ea typeface="Tahoma" pitchFamily="34" charset="0"/>
                           <a:cs typeface="Tahoma" pitchFamily="34" charset="0"/>
                         </a:rPr>
-                        <a:t> you should copy your data to here and work here</a:t>
+                        <a:t> files</a:t>
                       </a:r>
                     </a:p>
                     <a:p>
@@ -18269,7 +17991,7 @@
                           <a:ea typeface="Tahoma" pitchFamily="34" charset="0"/>
                           <a:cs typeface="Tahoma" pitchFamily="34" charset="0"/>
                         </a:rPr>
-                        <a:t>One 2Tb disk in each compute node </a:t>
+                        <a:t>Can be slow if you copy MANY small files</a:t>
                       </a:r>
                     </a:p>
                     <a:p>
@@ -18286,8 +18008,193 @@
                           <a:ea typeface="Tahoma" pitchFamily="34" charset="0"/>
                           <a:cs typeface="Tahoma" pitchFamily="34" charset="0"/>
                         </a:rPr>
-                        <a:t>Is only accessible within that node as it’s not attached to any network, therefore cannot be accessed by another node</a:t>
-                      </a:r>
+                        <a:t>System director blade creates metadata for each file</a:t>
+                      </a:r>
+                      <a:endParaRPr lang="en-AU" dirty="0" smtClean="0">
+                        <a:latin typeface="Tahoma" pitchFamily="34" charset="0"/>
+                        <a:ea typeface="Tahoma" pitchFamily="34" charset="0"/>
+                        <a:cs typeface="Tahoma" pitchFamily="34" charset="0"/>
+                      </a:endParaRPr>
+                    </a:p>
+                  </a:txBody>
+                  <a:tcPr/>
+                </a:tc>
+              </a:tr>
+              <a:tr h="1150893">
+                <a:tc>
+                  <a:txBody>
+                    <a:bodyPr/>
+                    <a:lstStyle/>
+                    <a:p>
+                      <a:pPr>
+                        <a:lnSpc>
+                          <a:spcPct val="100000"/>
+                        </a:lnSpc>
+                      </a:pPr>
+                      <a:r>
+                        <a:rPr lang="en-AU" sz="2300" cap="all" baseline="0" dirty="0" smtClean="0">
+                          <a:solidFill>
+                            <a:schemeClr val="bg1"/>
+                          </a:solidFill>
+                          <a:latin typeface="Calibri" pitchFamily="34" charset="0"/>
+                          <a:ea typeface="Tahoma" pitchFamily="34" charset="0"/>
+                          <a:cs typeface="Tahoma" pitchFamily="34" charset="0"/>
+                        </a:rPr>
+                        <a:t>2</a:t>
+                      </a:r>
+                      <a:endParaRPr sz="2300" cap="all" baseline="0" dirty="0">
+                        <a:solidFill>
+                          <a:schemeClr val="bg1"/>
+                        </a:solidFill>
+                        <a:latin typeface="Calibri" pitchFamily="34" charset="0"/>
+                        <a:ea typeface="Tahoma" pitchFamily="34" charset="0"/>
+                        <a:cs typeface="Tahoma" pitchFamily="34" charset="0"/>
+                      </a:endParaRPr>
+                    </a:p>
+                  </a:txBody>
+                  <a:tcPr/>
+                </a:tc>
+                <a:tc>
+                  <a:txBody>
+                    <a:bodyPr/>
+                    <a:lstStyle/>
+                    <a:p>
+                      <a:pPr>
+                        <a:lnSpc>
+                          <a:spcPct val="100000"/>
+                        </a:lnSpc>
+                      </a:pPr>
+                      <a:r>
+                        <a:rPr lang="en-AU" dirty="0" smtClean="0">
+                          <a:latin typeface="Tahoma" pitchFamily="34" charset="0"/>
+                          <a:ea typeface="Tahoma" pitchFamily="34" charset="0"/>
+                          <a:cs typeface="Tahoma" pitchFamily="34" charset="0"/>
+                        </a:rPr>
+                        <a:t>SGI</a:t>
+                      </a:r>
+                      <a:endParaRPr dirty="0">
+                        <a:latin typeface="Tahoma" pitchFamily="34" charset="0"/>
+                        <a:ea typeface="Tahoma" pitchFamily="34" charset="0"/>
+                        <a:cs typeface="Tahoma" pitchFamily="34" charset="0"/>
+                      </a:endParaRPr>
+                    </a:p>
+                  </a:txBody>
+                  <a:tcPr/>
+                </a:tc>
+                <a:tc>
+                  <a:txBody>
+                    <a:bodyPr/>
+                    <a:lstStyle/>
+                    <a:p>
+                      <a:pPr>
+                        <a:lnSpc>
+                          <a:spcPct val="100000"/>
+                        </a:lnSpc>
+                      </a:pPr>
+                      <a:r>
+                        <a:rPr lang="en-AU" dirty="0" smtClean="0">
+                          <a:latin typeface="Tahoma" pitchFamily="34" charset="0"/>
+                          <a:ea typeface="Tahoma" pitchFamily="34" charset="0"/>
+                          <a:cs typeface="Tahoma" pitchFamily="34" charset="0"/>
+                        </a:rPr>
+                        <a:t>50Tb</a:t>
+                      </a:r>
+                      <a:endParaRPr dirty="0">
+                        <a:latin typeface="Tahoma" pitchFamily="34" charset="0"/>
+                        <a:ea typeface="Tahoma" pitchFamily="34" charset="0"/>
+                        <a:cs typeface="Tahoma" pitchFamily="34" charset="0"/>
+                      </a:endParaRPr>
+                    </a:p>
+                  </a:txBody>
+                  <a:tcPr/>
+                </a:tc>
+                <a:tc>
+                  <a:txBody>
+                    <a:bodyPr/>
+                    <a:lstStyle/>
+                    <a:p>
+                      <a:pPr marL="285750" indent="-285750">
+                        <a:lnSpc>
+                          <a:spcPct val="100000"/>
+                        </a:lnSpc>
+                        <a:buFont typeface="Arial" pitchFamily="34" charset="0"/>
+                        <a:buChar char="•"/>
+                      </a:pPr>
+                      <a:r>
+                        <a:rPr lang="en-AU" dirty="0" smtClean="0">
+                          <a:latin typeface="Tahoma" pitchFamily="34" charset="0"/>
+                          <a:ea typeface="Tahoma" pitchFamily="34" charset="0"/>
+                          <a:cs typeface="Tahoma" pitchFamily="34" charset="0"/>
+                        </a:rPr>
+                        <a:t>An NFS mounted file system</a:t>
+                      </a:r>
+                    </a:p>
+                    <a:p>
+                      <a:pPr marL="285750" marR="0" indent="-285750" algn="l" defTabSz="457200" rtl="0" eaLnBrk="1" fontAlgn="auto" latinLnBrk="0" hangingPunct="1">
+                        <a:lnSpc>
+                          <a:spcPct val="100000"/>
+                        </a:lnSpc>
+                        <a:spcBef>
+                          <a:spcPts val="0"/>
+                        </a:spcBef>
+                        <a:spcAft>
+                          <a:spcPts val="0"/>
+                        </a:spcAft>
+                        <a:buClrTx/>
+                        <a:buSzTx/>
+                        <a:buFont typeface="Arial" pitchFamily="34" charset="0"/>
+                        <a:buChar char="•"/>
+                        <a:tabLst/>
+                        <a:defRPr/>
+                      </a:pPr>
+                      <a:r>
+                        <a:rPr lang="en-AU" u="none" dirty="0" smtClean="0">
+                          <a:latin typeface="Tahoma" pitchFamily="34" charset="0"/>
+                          <a:ea typeface="Tahoma" pitchFamily="34" charset="0"/>
+                          <a:cs typeface="Tahoma" pitchFamily="34" charset="0"/>
+                        </a:rPr>
+                        <a:t>All nodes see the SGI disks </a:t>
+                      </a:r>
+                    </a:p>
+                    <a:p>
+                      <a:pPr marL="742950" marR="0" lvl="1" indent="-285750" algn="l" defTabSz="457200" rtl="0" eaLnBrk="1" fontAlgn="auto" latinLnBrk="0" hangingPunct="1">
+                        <a:lnSpc>
+                          <a:spcPct val="100000"/>
+                        </a:lnSpc>
+                        <a:spcBef>
+                          <a:spcPts val="0"/>
+                        </a:spcBef>
+                        <a:spcAft>
+                          <a:spcPts val="0"/>
+                        </a:spcAft>
+                        <a:buClrTx/>
+                        <a:buSzTx/>
+                        <a:buFont typeface="Arial" pitchFamily="34" charset="0"/>
+                        <a:buChar char="•"/>
+                        <a:tabLst/>
+                        <a:defRPr/>
+                      </a:pPr>
+                      <a:r>
+                        <a:rPr lang="en-AU" u="none" dirty="0" smtClean="0">
+                          <a:latin typeface="Tahoma" pitchFamily="34" charset="0"/>
+                          <a:ea typeface="Tahoma" pitchFamily="34" charset="0"/>
+                          <a:cs typeface="Tahoma" pitchFamily="34" charset="0"/>
+                        </a:rPr>
+                        <a:t>can only be seen</a:t>
+                      </a:r>
+                      <a:r>
+                        <a:rPr lang="en-AU" u="none" baseline="0" dirty="0" smtClean="0">
+                          <a:latin typeface="Tahoma" pitchFamily="34" charset="0"/>
+                          <a:ea typeface="Tahoma" pitchFamily="34" charset="0"/>
+                          <a:cs typeface="Tahoma" pitchFamily="34" charset="0"/>
+                        </a:rPr>
+                        <a:t> via NFS backbone</a:t>
+                      </a:r>
+                      <a:endParaRPr lang="en-AU" u="none" dirty="0" smtClean="0">
+                        <a:latin typeface="Tahoma" pitchFamily="34" charset="0"/>
+                        <a:ea typeface="Tahoma" pitchFamily="34" charset="0"/>
+                        <a:cs typeface="Tahoma" pitchFamily="34" charset="0"/>
+                      </a:endParaRPr>
                     </a:p>
                     <a:p>
                       <a:pPr marL="285750" indent="-285750">
@@ -18298,28 +18205,29 @@
                         <a:buChar char="•"/>
                       </a:pPr>
                       <a:r>
-                        <a:rPr lang="en-AU" b="1" u="sng" baseline="0" dirty="0" smtClean="0">
+                        <a:rPr lang="en-AU" dirty="0" smtClean="0">
                           <a:latin typeface="Tahoma" pitchFamily="34" charset="0"/>
                           <a:ea typeface="Tahoma" pitchFamily="34" charset="0"/>
                           <a:cs typeface="Tahoma" pitchFamily="34" charset="0"/>
                         </a:rPr>
-                        <a:t>NOTE</a:t>
-                      </a:r>
-                      <a:r>
-                        <a:rPr lang="en-AU" b="1" u="sng" baseline="0" smtClean="0">
+                        <a:t>Uses old technology, therefore very robust</a:t>
+                      </a:r>
+                    </a:p>
+                    <a:p>
+                      <a:pPr marL="285750" indent="-285750">
+                        <a:lnSpc>
+                          <a:spcPct val="100000"/>
+                        </a:lnSpc>
+                        <a:buFont typeface="Arial" pitchFamily="34" charset="0"/>
+                        <a:buChar char="•"/>
+                      </a:pPr>
+                      <a:r>
+                        <a:rPr lang="en-AU" dirty="0" smtClean="0">
                           <a:latin typeface="Tahoma" pitchFamily="34" charset="0"/>
                           <a:ea typeface="Tahoma" pitchFamily="34" charset="0"/>
                           <a:cs typeface="Tahoma" pitchFamily="34" charset="0"/>
                         </a:rPr>
-                        <a:t>: </a:t>
-                      </a:r>
-                      <a:r>
-                        <a:rPr lang="en-AU" baseline="0" smtClean="0">
-                          <a:latin typeface="Tahoma" pitchFamily="34" charset="0"/>
-                          <a:ea typeface="Tahoma" pitchFamily="34" charset="0"/>
-                          <a:cs typeface="Tahoma" pitchFamily="34" charset="0"/>
-                        </a:rPr>
-                        <a:t>The lifetime </a:t>
+                        <a:t>Scales</a:t>
                       </a:r>
                       <a:r>
                         <a:rPr lang="en-AU" baseline="0" dirty="0" smtClean="0">
@@ -18327,23 +18235,7 @@
                           <a:ea typeface="Tahoma" pitchFamily="34" charset="0"/>
                           <a:cs typeface="Tahoma" pitchFamily="34" charset="0"/>
                         </a:rPr>
-                        <a:t>of </a:t>
-                      </a:r>
-                      <a:r>
-                        <a:rPr lang="en-AU" baseline="0" smtClean="0">
-                          <a:latin typeface="Tahoma" pitchFamily="34" charset="0"/>
-                          <a:ea typeface="Tahoma" pitchFamily="34" charset="0"/>
-                          <a:cs typeface="Tahoma" pitchFamily="34" charset="0"/>
-                        </a:rPr>
-                        <a:t>files on this disk is </a:t>
-                      </a:r>
-                      <a:r>
-                        <a:rPr lang="en-AU" baseline="0" dirty="0" smtClean="0">
-                          <a:latin typeface="Tahoma" pitchFamily="34" charset="0"/>
-                          <a:ea typeface="Tahoma" pitchFamily="34" charset="0"/>
-                          <a:cs typeface="Tahoma" pitchFamily="34" charset="0"/>
-                        </a:rPr>
-                        <a:t>only for the duration of the runtime of the job – The user must copy back results. If not, the next job will erase any files</a:t>
+                        <a:t> nicely for clusters up to 100 Nodes (very good for Orange)</a:t>
                       </a:r>
                       <a:endParaRPr dirty="0">
                         <a:latin typeface="Tahoma" pitchFamily="34" charset="0"/>
@@ -18414,7 +18306,7 @@
         <p:spPr>
           <a:xfrm>
             <a:off x="457200" y="1268760"/>
-            <a:ext cx="7919272" cy="523220"/>
+            <a:ext cx="7919272" cy="954107"/>
           </a:xfrm>
           <a:prstGeom prst="rect">
             <a:avLst/>
@@ -18443,6 +18335,15 @@
               </a:rPr>
               <a:t>Which of the 3 disks to use and when?</a:t>
             </a:r>
+          </a:p>
+          <a:p>
+            <a:pPr marL="457200" indent="-457200">
+              <a:lnSpc>
+                <a:spcPct val="100000"/>
+              </a:lnSpc>
+              <a:buFont typeface="Arial" pitchFamily="34" charset="0"/>
+              <a:buChar char="•"/>
+            </a:pPr>
             <a:endParaRPr lang="en-US" sz="2800" dirty="0">
               <a:solidFill>
                 <a:srgbClr val="000000"/>
@@ -18454,11 +18355,6 @@
         </p:txBody>
       </p:sp>
     </p:spTree>
-    <p:extLst>
-      <p:ext uri="{BB962C8B-B14F-4D97-AF65-F5344CB8AC3E}">
-        <p14:creationId xmlns:p14="http://schemas.microsoft.com/office/powerpoint/2010/main" val="367910406"/>
-      </p:ext>
-    </p:extLst>
   </p:cSld>
   <p:clrMapOvr>
     <a:masterClrMapping/>
@@ -18466,7 +18362,7 @@
   <p:timing>
     <p:tnLst>
       <p:par>
-        <p:cTn id="1" dur="indefinite" restart="never" nodeType="tmRoot">
+        <p:cTn xmlns:p14="http://schemas.microsoft.com/office/powerpoint/2010/main" id="1" dur="indefinite" restart="never" nodeType="tmRoot">
           <p:childTnLst>
             <p:seq>
               <p:cTn id="2" nodeType="mainSeq">
@@ -18541,16 +18437,26 @@
               </a:lnSpc>
             </a:pPr>
             <a:r>
-              <a:rPr lang="en-US" sz="4400">
+              <a:rPr lang="en-US" sz="4400" dirty="0">
                 <a:solidFill>
                   <a:srgbClr val="E46C0A"/>
                 </a:solidFill>
                 <a:latin typeface="Tahoma"/>
                 <a:ea typeface="ＭＳ Ｐゴシック"/>
               </a:rPr>
-              <a:t>Disk Partitions - Orange</a:t>
-            </a:r>
-            <a:endParaRPr/>
+              <a:t>Orange </a:t>
+            </a:r>
+            <a:r>
+              <a:rPr lang="en-US" sz="4400" dirty="0" smtClean="0">
+                <a:solidFill>
+                  <a:srgbClr val="E46C0A"/>
+                </a:solidFill>
+                <a:latin typeface="Tahoma"/>
+                <a:ea typeface="ＭＳ Ｐゴシック"/>
+              </a:rPr>
+              <a:t>Disks (cont.)</a:t>
+            </a:r>
+            <a:endParaRPr dirty="0"/>
           </a:p>
         </p:txBody>
       </p:sp>
@@ -18561,14 +18467,14 @@
           <p:nvPr>
             <p:extLst>
               <p:ext uri="{D42A27DB-BD31-4B8C-83A1-F6EECF244321}">
-                <p14:modId xmlns:p14="http://schemas.microsoft.com/office/powerpoint/2010/main" val="3747980639"/>
+                <p14:modId xmlns:p14="http://schemas.microsoft.com/office/powerpoint/2010/main" val="2033129189"/>
               </p:ext>
             </p:extLst>
           </p:nvPr>
         </p:nvGraphicFramePr>
         <p:xfrm>
-          <a:off x="457200" y="1600200"/>
-          <a:ext cx="8229240" cy="2727928"/>
+          <a:off x="755576" y="1822203"/>
+          <a:ext cx="8108251" cy="4450080"/>
         </p:xfrm>
         <a:graphic>
           <a:graphicData uri="http://schemas.openxmlformats.org/drawingml/2006/table">
@@ -18577,10 +18483,50 @@
                 <a:tableStyleId>{3C2FFA5D-87B4-456A-9821-1D502468CF0F}</a:tableStyleId>
               </a:tblPr>
               <a:tblGrid>
-                <a:gridCol w="2530624"/>
-                <a:gridCol w="5698616"/>
+                <a:gridCol w="966363"/>
+                <a:gridCol w="966363"/>
+                <a:gridCol w="875586"/>
+                <a:gridCol w="5299939"/>
               </a:tblGrid>
-              <a:tr h="460648">
+              <a:tr h="743763">
+                <a:tc>
+                  <a:txBody>
+                    <a:bodyPr/>
+                    <a:lstStyle/>
+                    <a:p>
+                      <a:pPr algn="ctr">
+                        <a:lnSpc>
+                          <a:spcPct val="100000"/>
+                        </a:lnSpc>
+                      </a:pPr>
+                      <a:r>
+                        <a:rPr lang="en-AU" sz="2300" dirty="0" smtClean="0"/>
+                        <a:t>Type</a:t>
+                      </a:r>
+                      <a:endParaRPr sz="2300" dirty="0"/>
+                    </a:p>
+                  </a:txBody>
+                  <a:tcPr/>
+                </a:tc>
+                <a:tc>
+                  <a:txBody>
+                    <a:bodyPr/>
+                    <a:lstStyle/>
+                    <a:p>
+                      <a:pPr algn="ctr">
+                        <a:lnSpc>
+                          <a:spcPct val="100000"/>
+                        </a:lnSpc>
+                      </a:pPr>
+                      <a:r>
+                        <a:rPr lang="en-AU" sz="2300" dirty="0" smtClean="0"/>
+                        <a:t>Disk Type</a:t>
+                      </a:r>
+                      <a:endParaRPr sz="2300" dirty="0"/>
+                    </a:p>
+                  </a:txBody>
+                  <a:tcPr/>
+                </a:tc>
                 <a:tc>
                   <a:txBody>
                     <a:bodyPr/>
@@ -18592,10 +18538,10 @@
                         </a:lnSpc>
                       </a:pPr>
                       <a:r>
-                        <a:rPr lang="en-AU" sz="2400" dirty="0"/>
-                        <a:t>/home</a:t>
-                      </a:r>
-                      <a:endParaRPr sz="2400" dirty="0"/>
+                        <a:rPr lang="en-AU" sz="2300" dirty="0" smtClean="0"/>
+                        <a:t>Disk Type</a:t>
+                      </a:r>
+                      <a:endParaRPr lang="en-AU" sz="2300" dirty="0"/>
                     </a:p>
                   </a:txBody>
                   <a:tcPr/>
@@ -18605,13 +18551,21 @@
                     <a:bodyPr/>
                     <a:lstStyle/>
                     <a:p>
-                      <a:endParaRPr lang="en-AU" dirty="0"/>
+                      <a:pPr marL="342900" indent="-342900">
+                        <a:buFont typeface="Arial" pitchFamily="34" charset="0"/>
+                        <a:buChar char="•"/>
+                      </a:pPr>
+                      <a:r>
+                        <a:rPr lang="en-AU" sz="2300" dirty="0" smtClean="0"/>
+                        <a:t>Disk Usage</a:t>
+                      </a:r>
+                      <a:endParaRPr lang="en-AU" sz="2300" dirty="0"/>
                     </a:p>
                   </a:txBody>
                   <a:tcPr/>
                 </a:tc>
               </a:tr>
-              <a:tr h="377640">
+              <a:tr h="761809">
                 <a:tc>
                   <a:txBody>
                     <a:bodyPr/>
@@ -18623,10 +18577,24 @@
                         </a:lnSpc>
                       </a:pPr>
                       <a:r>
-                        <a:rPr lang="en-AU"/>
-                        <a:t>Mounted under:</a:t>
-                      </a:r>
-                      <a:endParaRPr/>
+                        <a:rPr lang="en-AU" sz="2300" b="1" cap="all" baseline="0" dirty="0" smtClean="0">
+                          <a:solidFill>
+                            <a:schemeClr val="bg1"/>
+                          </a:solidFill>
+                          <a:latin typeface="Calibri" pitchFamily="34" charset="0"/>
+                          <a:ea typeface="Tahoma" pitchFamily="34" charset="0"/>
+                          <a:cs typeface="Tahoma" pitchFamily="34" charset="0"/>
+                        </a:rPr>
+                        <a:t>3</a:t>
+                      </a:r>
+                      <a:endParaRPr sz="2300" b="1" cap="all" baseline="0" dirty="0">
+                        <a:solidFill>
+                          <a:schemeClr val="bg1"/>
+                        </a:solidFill>
+                        <a:latin typeface="Calibri" pitchFamily="34" charset="0"/>
+                        <a:ea typeface="Tahoma" pitchFamily="34" charset="0"/>
+                        <a:cs typeface="Tahoma" pitchFamily="34" charset="0"/>
+                      </a:endParaRPr>
                     </a:p>
                   </a:txBody>
                   <a:tcPr/>
@@ -18642,46 +18610,26 @@
                         </a:lnSpc>
                       </a:pPr>
                       <a:r>
-                        <a:rPr lang="en-AU" b="1" i="0" baseline="0" dirty="0">
-                          <a:latin typeface="Courier New" pitchFamily="49" charset="0"/>
+                        <a:rPr lang="en-AU" dirty="0" smtClean="0">
+                          <a:latin typeface="Tahoma" pitchFamily="34" charset="0"/>
+                          <a:ea typeface="Tahoma" pitchFamily="34" charset="0"/>
+                          <a:cs typeface="Tahoma" pitchFamily="34" charset="0"/>
                         </a:rPr>
-                        <a:t>/home/username</a:t>
-                      </a:r>
-                      <a:endParaRPr b="1" i="0" baseline="0" dirty="0">
-                        <a:latin typeface="Courier New" pitchFamily="49" charset="0"/>
+                        <a:t>Local</a:t>
+                      </a:r>
+                      <a:r>
+                        <a:rPr lang="en-AU" baseline="0" dirty="0" smtClean="0">
+                          <a:latin typeface="Tahoma" pitchFamily="34" charset="0"/>
+                          <a:ea typeface="Tahoma" pitchFamily="34" charset="0"/>
+                          <a:cs typeface="Tahoma" pitchFamily="34" charset="0"/>
+                        </a:rPr>
+                        <a:t> Scratch</a:t>
+                      </a:r>
+                      <a:endParaRPr dirty="0">
+                        <a:latin typeface="Tahoma" pitchFamily="34" charset="0"/>
+                        <a:ea typeface="Tahoma" pitchFamily="34" charset="0"/>
+                        <a:cs typeface="Tahoma" pitchFamily="34" charset="0"/>
                       </a:endParaRPr>
-                    </a:p>
-                  </a:txBody>
-                  <a:tcPr/>
-                </a:tc>
-              </a:tr>
-              <a:tr h="377640">
-                <a:tc>
-                  <a:txBody>
-                    <a:bodyPr/>
-                    <a:lstStyle/>
-                    <a:p>
-                      <a:pPr marL="0" marR="0" indent="0" algn="l" defTabSz="457200" rtl="0" eaLnBrk="1" fontAlgn="auto" latinLnBrk="0" hangingPunct="1">
-                        <a:lnSpc>
-                          <a:spcPct val="100000"/>
-                        </a:lnSpc>
-                        <a:spcBef>
-                          <a:spcPts val="0"/>
-                        </a:spcBef>
-                        <a:spcAft>
-                          <a:spcPts val="0"/>
-                        </a:spcAft>
-                        <a:buClrTx/>
-                        <a:buSzTx/>
-                        <a:buFontTx/>
-                        <a:buNone/>
-                        <a:tabLst/>
-                        <a:defRPr/>
-                      </a:pPr>
-                      <a:r>
-                        <a:rPr lang="en-AU" dirty="0" smtClean="0"/>
-                        <a:t>Disk Type</a:t>
-                      </a:r>
                     </a:p>
                   </a:txBody>
                   <a:tcPr/>
@@ -18697,31 +18645,18 @@
                         </a:lnSpc>
                       </a:pPr>
                       <a:r>
-                        <a:rPr lang="en-AU" dirty="0" smtClean="0"/>
-                        <a:t>SGI Disks</a:t>
-                      </a:r>
-                      <a:endParaRPr dirty="0"/>
-                    </a:p>
-                  </a:txBody>
-                  <a:tcPr/>
-                </a:tc>
-              </a:tr>
-              <a:tr h="377640">
-                <a:tc>
-                  <a:txBody>
-                    <a:bodyPr/>
-                    <a:lstStyle/>
-                    <a:p>
-                      <a:pPr>
-                        <a:lnSpc>
-                          <a:spcPct val="100000"/>
-                        </a:lnSpc>
-                      </a:pPr>
-                      <a:r>
-                        <a:rPr lang="en-AU" dirty="0"/>
-                        <a:t>Size:</a:t>
-                      </a:r>
-                      <a:endParaRPr dirty="0"/>
+                        <a:rPr lang="en-AU" dirty="0" smtClean="0">
+                          <a:latin typeface="Tahoma" pitchFamily="34" charset="0"/>
+                          <a:ea typeface="Tahoma" pitchFamily="34" charset="0"/>
+                          <a:cs typeface="Tahoma" pitchFamily="34" charset="0"/>
+                        </a:rPr>
+                        <a:t>200Tb</a:t>
+                      </a:r>
+                      <a:endParaRPr dirty="0">
+                        <a:latin typeface="Tahoma" pitchFamily="34" charset="0"/>
+                        <a:ea typeface="Tahoma" pitchFamily="34" charset="0"/>
+                        <a:cs typeface="Tahoma" pitchFamily="34" charset="0"/>
+                      </a:endParaRPr>
                     </a:p>
                   </a:txBody>
                   <a:tcPr/>
@@ -18731,136 +18666,159 @@
                     <a:bodyPr/>
                     <a:lstStyle/>
                     <a:p>
-                      <a:pPr>
+                      <a:pPr marL="285750" indent="-285750">
                         <a:lnSpc>
                           <a:spcPct val="100000"/>
                         </a:lnSpc>
+                        <a:buFont typeface="Arial" pitchFamily="34" charset="0"/>
+                        <a:buChar char="•"/>
                       </a:pPr>
                       <a:r>
-                        <a:rPr lang="en-AU" dirty="0"/>
-                        <a:t>60GB default</a:t>
-                      </a:r>
-                      <a:endParaRPr dirty="0"/>
+                        <a:rPr lang="en-AU" u="sng" dirty="0" smtClean="0">
+                          <a:latin typeface="Tahoma" pitchFamily="34" charset="0"/>
+                          <a:ea typeface="Tahoma" pitchFamily="34" charset="0"/>
+                          <a:cs typeface="Tahoma" pitchFamily="34" charset="0"/>
+                        </a:rPr>
+                        <a:t>Exist in each node</a:t>
+                      </a:r>
                     </a:p>
-                  </a:txBody>
-                  <a:tcPr/>
-                </a:tc>
-              </a:tr>
-              <a:tr h="377640">
-                <a:tc>
-                  <a:txBody>
-                    <a:bodyPr/>
-                    <a:lstStyle/>
                     <a:p>
-                      <a:pPr>
+                      <a:pPr marL="285750" indent="-285750">
                         <a:lnSpc>
                           <a:spcPct val="100000"/>
                         </a:lnSpc>
+                        <a:buFont typeface="Arial" pitchFamily="34" charset="0"/>
+                        <a:buChar char="•"/>
                       </a:pPr>
                       <a:r>
-                        <a:rPr lang="en-AU"/>
-                        <a:t>Backed up:</a:t>
-                      </a:r>
-                      <a:endParaRPr/>
+                        <a:rPr lang="en-AU" dirty="0" smtClean="0">
+                          <a:latin typeface="Tahoma" pitchFamily="34" charset="0"/>
+                          <a:ea typeface="Tahoma" pitchFamily="34" charset="0"/>
+                          <a:cs typeface="Tahoma" pitchFamily="34" charset="0"/>
+                        </a:rPr>
+                        <a:t>No network is necessary making these the fastest disk</a:t>
+                      </a:r>
                     </a:p>
-                  </a:txBody>
-                  <a:tcPr/>
-                </a:tc>
-                <a:tc>
-                  <a:txBody>
-                    <a:bodyPr/>
-                    <a:lstStyle/>
                     <a:p>
-                      <a:pPr>
+                      <a:pPr marL="285750" indent="-285750">
                         <a:lnSpc>
                           <a:spcPct val="100000"/>
                         </a:lnSpc>
+                        <a:buFont typeface="Arial" pitchFamily="34" charset="0"/>
+                        <a:buChar char="•"/>
                       </a:pPr>
                       <a:r>
-                        <a:rPr lang="en-AU" dirty="0"/>
-                        <a:t>Yes</a:t>
-                      </a:r>
-                      <a:endParaRPr dirty="0"/>
+                        <a:rPr lang="en-AU" dirty="0" smtClean="0">
+                          <a:latin typeface="Tahoma" pitchFamily="34" charset="0"/>
+                          <a:ea typeface="Tahoma" pitchFamily="34" charset="0"/>
+                          <a:cs typeface="Tahoma" pitchFamily="34" charset="0"/>
+                        </a:rPr>
+                        <a:t>If you have a lot of I/O,</a:t>
+                      </a:r>
+                      <a:r>
+                        <a:rPr lang="en-AU" baseline="0" dirty="0" smtClean="0">
+                          <a:latin typeface="Tahoma" pitchFamily="34" charset="0"/>
+                          <a:ea typeface="Tahoma" pitchFamily="34" charset="0"/>
+                          <a:cs typeface="Tahoma" pitchFamily="34" charset="0"/>
+                        </a:rPr>
+                        <a:t> you should copy your data to here and work here</a:t>
+                      </a:r>
                     </a:p>
-                  </a:txBody>
-                  <a:tcPr/>
-                </a:tc>
-              </a:tr>
-              <a:tr h="377640">
-                <a:tc>
-                  <a:txBody>
-                    <a:bodyPr/>
-                    <a:lstStyle/>
                     <a:p>
-                      <a:pPr>
+                      <a:pPr marL="285750" indent="-285750">
                         <a:lnSpc>
                           <a:spcPct val="100000"/>
                         </a:lnSpc>
+                        <a:buFont typeface="Arial" pitchFamily="34" charset="0"/>
+                        <a:buChar char="•"/>
                       </a:pPr>
                       <a:r>
-                        <a:rPr lang="en-AU"/>
-                        <a:t>Speed:</a:t>
-                      </a:r>
-                      <a:endParaRPr/>
+                        <a:rPr lang="en-AU" baseline="0" dirty="0" smtClean="0">
+                          <a:latin typeface="Tahoma" pitchFamily="34" charset="0"/>
+                          <a:ea typeface="Tahoma" pitchFamily="34" charset="0"/>
+                          <a:cs typeface="Tahoma" pitchFamily="34" charset="0"/>
+                        </a:rPr>
+                        <a:t>One 2Tb disk in each compute node </a:t>
+                      </a:r>
                     </a:p>
-                  </a:txBody>
-                  <a:tcPr/>
-                </a:tc>
-                <a:tc>
-                  <a:txBody>
-                    <a:bodyPr/>
-                    <a:lstStyle/>
                     <a:p>
-                      <a:pPr>
+                      <a:pPr marL="285750" indent="-285750">
                         <a:lnSpc>
                           <a:spcPct val="100000"/>
                         </a:lnSpc>
+                        <a:buFont typeface="Arial" pitchFamily="34" charset="0"/>
+                        <a:buChar char="•"/>
                       </a:pPr>
                       <a:r>
-                        <a:rPr lang="en-AU" dirty="0" smtClean="0"/>
-                        <a:t>Intermediate disk (SGI Disks)</a:t>
-                      </a:r>
-                      <a:endParaRPr dirty="0"/>
+                        <a:rPr lang="en-AU" baseline="0" dirty="0" smtClean="0">
+                          <a:latin typeface="Tahoma" pitchFamily="34" charset="0"/>
+                          <a:ea typeface="Tahoma" pitchFamily="34" charset="0"/>
+                          <a:cs typeface="Tahoma" pitchFamily="34" charset="0"/>
+                        </a:rPr>
+                        <a:t>Is only accessible within that node as it’s not attached to any network, therefore cannot be accessed by another node</a:t>
+                      </a:r>
                     </a:p>
-                  </a:txBody>
-                  <a:tcPr/>
-                </a:tc>
-              </a:tr>
-              <a:tr h="379080">
-                <a:tc>
-                  <a:txBody>
-                    <a:bodyPr/>
-                    <a:lstStyle/>
                     <a:p>
-                      <a:pPr>
+                      <a:pPr marL="285750" indent="-285750">
                         <a:lnSpc>
                           <a:spcPct val="100000"/>
                         </a:lnSpc>
+                        <a:buFont typeface="Arial" pitchFamily="34" charset="0"/>
+                        <a:buChar char="•"/>
                       </a:pPr>
                       <a:r>
-                        <a:rPr lang="en-AU"/>
-                        <a:t>Life time:</a:t>
-                      </a:r>
-                      <a:endParaRPr/>
-                    </a:p>
-                  </a:txBody>
-                  <a:tcPr/>
-                </a:tc>
-                <a:tc>
-                  <a:txBody>
-                    <a:bodyPr/>
-                    <a:lstStyle/>
-                    <a:p>
-                      <a:pPr>
-                        <a:lnSpc>
-                          <a:spcPct val="100000"/>
-                        </a:lnSpc>
-                      </a:pPr>
-                      <a:r>
-                        <a:rPr lang="en-AU" dirty="0"/>
-                        <a:t>Permanent</a:t>
-                      </a:r>
-                      <a:endParaRPr dirty="0"/>
+                        <a:rPr lang="en-AU" b="1" u="sng" baseline="0" dirty="0" smtClean="0">
+                          <a:latin typeface="Tahoma" pitchFamily="34" charset="0"/>
+                          <a:ea typeface="Tahoma" pitchFamily="34" charset="0"/>
+                          <a:cs typeface="Tahoma" pitchFamily="34" charset="0"/>
+                        </a:rPr>
+                        <a:t>NOTE</a:t>
+                      </a:r>
+                      <a:r>
+                        <a:rPr lang="en-AU" b="1" u="sng" baseline="0" smtClean="0">
+                          <a:latin typeface="Tahoma" pitchFamily="34" charset="0"/>
+                          <a:ea typeface="Tahoma" pitchFamily="34" charset="0"/>
+                          <a:cs typeface="Tahoma" pitchFamily="34" charset="0"/>
+                        </a:rPr>
+                        <a:t>: </a:t>
+                      </a:r>
+                      <a:r>
+                        <a:rPr lang="en-AU" baseline="0" smtClean="0">
+                          <a:latin typeface="Tahoma" pitchFamily="34" charset="0"/>
+                          <a:ea typeface="Tahoma" pitchFamily="34" charset="0"/>
+                          <a:cs typeface="Tahoma" pitchFamily="34" charset="0"/>
+                        </a:rPr>
+                        <a:t>The lifetime </a:t>
+                      </a:r>
+                      <a:r>
+                        <a:rPr lang="en-AU" baseline="0" dirty="0" smtClean="0">
+                          <a:latin typeface="Tahoma" pitchFamily="34" charset="0"/>
+                          <a:ea typeface="Tahoma" pitchFamily="34" charset="0"/>
+                          <a:cs typeface="Tahoma" pitchFamily="34" charset="0"/>
+                        </a:rPr>
+                        <a:t>of </a:t>
+                      </a:r>
+                      <a:r>
+                        <a:rPr lang="en-AU" baseline="0" smtClean="0">
+                          <a:latin typeface="Tahoma" pitchFamily="34" charset="0"/>
+                          <a:ea typeface="Tahoma" pitchFamily="34" charset="0"/>
+                          <a:cs typeface="Tahoma" pitchFamily="34" charset="0"/>
+                        </a:rPr>
+                        <a:t>files on this disk is </a:t>
+                      </a:r>
+                      <a:r>
+                        <a:rPr lang="en-AU" baseline="0" dirty="0" smtClean="0">
+                          <a:latin typeface="Tahoma" pitchFamily="34" charset="0"/>
+                          <a:ea typeface="Tahoma" pitchFamily="34" charset="0"/>
+                          <a:cs typeface="Tahoma" pitchFamily="34" charset="0"/>
+                        </a:rPr>
+                        <a:t>only for the duration of the runtime of the job – The user must copy back results. If not, the next job will erase any files</a:t>
+                      </a:r>
+                      <a:endParaRPr dirty="0">
+                        <a:latin typeface="Tahoma" pitchFamily="34" charset="0"/>
+                        <a:ea typeface="Tahoma" pitchFamily="34" charset="0"/>
+                        <a:cs typeface="Tahoma" pitchFamily="34" charset="0"/>
+                      </a:endParaRPr>
                     </a:p>
                   </a:txBody>
                   <a:tcPr/>
@@ -18916,10 +18874,58 @@
           </a:p>
         </p:txBody>
       </p:sp>
+      <p:sp>
+        <p:nvSpPr>
+          <p:cNvPr id="2" name="Rectangle 1"/>
+          <p:cNvSpPr/>
+          <p:nvPr/>
+        </p:nvSpPr>
+        <p:spPr>
+          <a:xfrm>
+            <a:off x="457200" y="1268760"/>
+            <a:ext cx="7919272" cy="523220"/>
+          </a:xfrm>
+          <a:prstGeom prst="rect">
+            <a:avLst/>
+          </a:prstGeom>
+        </p:spPr>
+        <p:txBody>
+          <a:bodyPr wrap="square">
+            <a:spAutoFit/>
+          </a:bodyPr>
+          <a:lstStyle/>
+          <a:p>
+            <a:pPr marL="457200" indent="-457200">
+              <a:lnSpc>
+                <a:spcPct val="100000"/>
+              </a:lnSpc>
+              <a:buFont typeface="Arial" pitchFamily="34" charset="0"/>
+              <a:buChar char="•"/>
+            </a:pPr>
+            <a:r>
+              <a:rPr lang="en-US" sz="2800" dirty="0" smtClean="0">
+                <a:solidFill>
+                  <a:srgbClr val="000000"/>
+                </a:solidFill>
+                <a:latin typeface="Tahoma"/>
+                <a:ea typeface="ＭＳ Ｐゴシック"/>
+              </a:rPr>
+              <a:t>Which of the 3 disks to use and when?</a:t>
+            </a:r>
+            <a:endParaRPr lang="en-US" sz="2800" dirty="0">
+              <a:solidFill>
+                <a:srgbClr val="000000"/>
+              </a:solidFill>
+              <a:latin typeface="Tahoma"/>
+              <a:ea typeface="ＭＳ Ｐゴシック"/>
+            </a:endParaRPr>
+          </a:p>
+        </p:txBody>
+      </p:sp>
     </p:spTree>
     <p:extLst>
       <p:ext uri="{BB962C8B-B14F-4D97-AF65-F5344CB8AC3E}">
-        <p14:creationId xmlns:p14="http://schemas.microsoft.com/office/powerpoint/2010/main" val="3200908629"/>
+        <p14:creationId xmlns:p14="http://schemas.microsoft.com/office/powerpoint/2010/main" val="367910406"/>
       </p:ext>
     </p:extLst>
   </p:cSld>
@@ -18929,7 +18935,7 @@
   <p:timing>
     <p:tnLst>
       <p:par>
-        <p:cTn id="1" dur="indefinite" restart="never" nodeType="tmRoot">
+        <p:cTn xmlns:p14="http://schemas.microsoft.com/office/powerpoint/2010/main" id="1" dur="indefinite" restart="never" nodeType="tmRoot">
           <p:childTnLst>
             <p:seq>
               <p:cTn id="2" nodeType="mainSeq">
@@ -18981,7 +18987,7 @@
       </p:grpSpPr>
       <p:sp>
         <p:nvSpPr>
-          <p:cNvPr id="166" name="TextShape 1"/>
+          <p:cNvPr id="163" name="TextShape 1"/>
           <p:cNvSpPr txBox="1"/>
           <p:nvPr/>
         </p:nvSpPr>
@@ -19019,19 +19025,19 @@
       </p:sp>
       <p:graphicFrame>
         <p:nvGraphicFramePr>
-          <p:cNvPr id="167" name="Table 2"/>
+          <p:cNvPr id="164" name="Table 2"/>
           <p:cNvGraphicFramePr/>
           <p:nvPr>
             <p:extLst>
               <p:ext uri="{D42A27DB-BD31-4B8C-83A1-F6EECF244321}">
-                <p14:modId xmlns:p14="http://schemas.microsoft.com/office/powerpoint/2010/main" val="1945802852"/>
+                <p14:modId xmlns:p14="http://schemas.microsoft.com/office/powerpoint/2010/main" val="3747980639"/>
               </p:ext>
             </p:extLst>
           </p:nvPr>
         </p:nvGraphicFramePr>
         <p:xfrm>
           <a:off x="457200" y="1600200"/>
-          <a:ext cx="8229240" cy="2799936"/>
+          <a:ext cx="8229240" cy="2727928"/>
         </p:xfrm>
         <a:graphic>
           <a:graphicData uri="http://schemas.openxmlformats.org/drawingml/2006/table">
@@ -19040,11 +19046,11 @@
                 <a:tableStyleId>{3C2FFA5D-87B4-456A-9821-1D502468CF0F}</a:tableStyleId>
               </a:tblPr>
               <a:tblGrid>
-                <a:gridCol w="3034680"/>
-                <a:gridCol w="5194560"/>
+                <a:gridCol w="2530624"/>
+                <a:gridCol w="5698616"/>
               </a:tblGrid>
-              <a:tr h="532656">
-                <a:tc gridSpan="2">
+              <a:tr h="460648">
+                <a:tc>
                   <a:txBody>
                     <a:bodyPr/>
                     <a:lstStyle/>
@@ -19056,14 +19062,14 @@
                       </a:pPr>
                       <a:r>
                         <a:rPr lang="en-AU" sz="2400" dirty="0"/>
-                        <a:t>/projects/project-name</a:t>
+                        <a:t>/home</a:t>
                       </a:r>
                       <a:endParaRPr sz="2400" dirty="0"/>
                     </a:p>
                   </a:txBody>
                   <a:tcPr/>
                 </a:tc>
-                <a:tc hMerge="1">
+                <a:tc>
                   <a:txBody>
                     <a:bodyPr/>
                     <a:lstStyle/>
@@ -19108,7 +19114,7 @@
                         <a:rPr lang="en-AU" b="1" i="0" baseline="0" dirty="0">
                           <a:latin typeface="Courier New" pitchFamily="49" charset="0"/>
                         </a:rPr>
-                        <a:t>/projects/project-name</a:t>
+                        <a:t>/home/username</a:t>
                       </a:r>
                       <a:endParaRPr b="1" i="0" baseline="0" dirty="0">
                         <a:latin typeface="Courier New" pitchFamily="49" charset="0"/>
@@ -19124,16 +19130,27 @@
                     <a:bodyPr/>
                     <a:lstStyle/>
                     <a:p>
-                      <a:pPr>
+                      <a:pPr marL="0" marR="0" indent="0" algn="l" defTabSz="457200" rtl="0" eaLnBrk="1" fontAlgn="auto" latinLnBrk="0" hangingPunct="1">
                         <a:lnSpc>
                           <a:spcPct val="100000"/>
                         </a:lnSpc>
+                        <a:spcBef>
+                          <a:spcPts val="0"/>
+                        </a:spcBef>
+                        <a:spcAft>
+                          <a:spcPts val="0"/>
+                        </a:spcAft>
+                        <a:buClrTx/>
+                        <a:buSzTx/>
+                        <a:buFontTx/>
+                        <a:buNone/>
+                        <a:tabLst/>
+                        <a:defRPr/>
                       </a:pPr>
                       <a:r>
                         <a:rPr lang="en-AU" dirty="0" smtClean="0"/>
                         <a:t>Disk Type</a:t>
                       </a:r>
-                      <a:endParaRPr dirty="0"/>
                     </a:p>
                   </a:txBody>
                   <a:tcPr/>
@@ -19150,7 +19167,7 @@
                       </a:pPr>
                       <a:r>
                         <a:rPr lang="en-AU" dirty="0" smtClean="0"/>
-                        <a:t>Panasas Disk</a:t>
+                        <a:t>SGI Disks</a:t>
                       </a:r>
                       <a:endParaRPr dirty="0"/>
                     </a:p>
@@ -19190,7 +19207,7 @@
                       </a:pPr>
                       <a:r>
                         <a:rPr lang="en-AU" dirty="0"/>
-                        <a:t>no default size</a:t>
+                        <a:t>60GB default</a:t>
                       </a:r>
                       <a:endParaRPr dirty="0"/>
                     </a:p>
@@ -19269,8 +19286,8 @@
                         </a:lnSpc>
                       </a:pPr>
                       <a:r>
-                        <a:rPr lang="en-AU" dirty="0"/>
-                        <a:t>High speed</a:t>
+                        <a:rPr lang="en-AU" dirty="0" smtClean="0"/>
+                        <a:t>Intermediate disk (SGI Disks)</a:t>
                       </a:r>
                       <a:endParaRPr dirty="0"/>
                     </a:p>
@@ -19290,10 +19307,10 @@
                         </a:lnSpc>
                       </a:pPr>
                       <a:r>
-                        <a:rPr lang="en-AU" dirty="0"/>
+                        <a:rPr lang="en-AU"/>
                         <a:t>Life time:</a:t>
                       </a:r>
-                      <a:endParaRPr dirty="0"/>
+                      <a:endParaRPr/>
                     </a:p>
                   </a:txBody>
                   <a:tcPr/>
@@ -19310,7 +19327,7 @@
                       </a:pPr>
                       <a:r>
                         <a:rPr lang="en-AU" dirty="0"/>
-                        <a:t>Till end of the running year - merit allocation period</a:t>
+                        <a:t>Permanent</a:t>
                       </a:r>
                       <a:endParaRPr dirty="0"/>
                     </a:p>
@@ -19324,111 +19341,7 @@
       </p:graphicFrame>
       <p:sp>
         <p:nvSpPr>
-          <p:cNvPr id="168" name="CustomShape 3"/>
-          <p:cNvSpPr/>
-          <p:nvPr/>
-        </p:nvSpPr>
-        <p:spPr>
-          <a:xfrm>
-            <a:off x="491400" y="4771080"/>
-            <a:ext cx="8113048" cy="1538240"/>
-          </a:xfrm>
-          <a:prstGeom prst="rect">
-            <a:avLst/>
-          </a:prstGeom>
-        </p:spPr>
-        <p:txBody>
-          <a:bodyPr wrap="none" lIns="90000" tIns="45000" rIns="90000" bIns="45000"/>
-          <a:lstStyle/>
-          <a:p>
-            <a:pPr marL="285750" indent="-285750">
-              <a:lnSpc>
-                <a:spcPct val="100000"/>
-              </a:lnSpc>
-              <a:buFont typeface="Arial" pitchFamily="34" charset="0"/>
-              <a:buChar char="•"/>
-            </a:pPr>
-            <a:r>
-              <a:rPr lang="en-AU" sz="2800" dirty="0">
-                <a:solidFill>
-                  <a:srgbClr val="000000"/>
-                </a:solidFill>
-                <a:latin typeface="Tahoma" pitchFamily="34" charset="0"/>
-                <a:ea typeface="Tahoma" pitchFamily="34" charset="0"/>
-                <a:cs typeface="Tahoma" pitchFamily="34" charset="0"/>
-              </a:rPr>
-              <a:t>There will also be some “repository space” for </a:t>
-            </a:r>
-            <a:endParaRPr lang="en-AU" sz="2800" dirty="0" smtClean="0">
-              <a:solidFill>
-                <a:srgbClr val="000000"/>
-              </a:solidFill>
-              <a:latin typeface="Tahoma" pitchFamily="34" charset="0"/>
-              <a:ea typeface="Tahoma" pitchFamily="34" charset="0"/>
-              <a:cs typeface="Tahoma" pitchFamily="34" charset="0"/>
-            </a:endParaRPr>
-          </a:p>
-          <a:p>
-            <a:pPr>
-              <a:lnSpc>
-                <a:spcPct val="100000"/>
-              </a:lnSpc>
-            </a:pPr>
-            <a:r>
-              <a:rPr lang="en-AU" sz="2800" dirty="0" smtClean="0">
-                <a:solidFill>
-                  <a:srgbClr val="000000"/>
-                </a:solidFill>
-                <a:latin typeface="Tahoma" pitchFamily="34" charset="0"/>
-                <a:ea typeface="Tahoma" pitchFamily="34" charset="0"/>
-                <a:cs typeface="Tahoma" pitchFamily="34" charset="0"/>
-              </a:rPr>
-              <a:t>large </a:t>
-            </a:r>
-            <a:r>
-              <a:rPr lang="en-AU" sz="2800" dirty="0">
-                <a:solidFill>
-                  <a:srgbClr val="000000"/>
-                </a:solidFill>
-                <a:latin typeface="Tahoma" pitchFamily="34" charset="0"/>
-                <a:ea typeface="Tahoma" pitchFamily="34" charset="0"/>
-                <a:cs typeface="Tahoma" pitchFamily="34" charset="0"/>
-              </a:rPr>
-              <a:t>datasets, </a:t>
-            </a:r>
-            <a:r>
-              <a:rPr lang="en-AU" sz="2800" dirty="0" smtClean="0">
-                <a:solidFill>
-                  <a:srgbClr val="000000"/>
-                </a:solidFill>
-                <a:latin typeface="Tahoma" pitchFamily="34" charset="0"/>
-                <a:ea typeface="Tahoma" pitchFamily="34" charset="0"/>
-                <a:cs typeface="Tahoma" pitchFamily="34" charset="0"/>
-              </a:rPr>
-              <a:t>such as bioinformatics </a:t>
-            </a:r>
-            <a:r>
-              <a:rPr lang="en-AU" sz="2800" dirty="0">
-                <a:solidFill>
-                  <a:srgbClr val="000000"/>
-                </a:solidFill>
-                <a:latin typeface="Tahoma" pitchFamily="34" charset="0"/>
-                <a:ea typeface="Tahoma" pitchFamily="34" charset="0"/>
-                <a:cs typeface="Tahoma" pitchFamily="34" charset="0"/>
-              </a:rPr>
-              <a:t>databases</a:t>
-            </a:r>
-            <a:endParaRPr sz="2800" dirty="0">
-              <a:latin typeface="Tahoma" pitchFamily="34" charset="0"/>
-              <a:ea typeface="Tahoma" pitchFamily="34" charset="0"/>
-              <a:cs typeface="Tahoma" pitchFamily="34" charset="0"/>
-            </a:endParaRPr>
-          </a:p>
-        </p:txBody>
-      </p:sp>
-      <p:sp>
-        <p:nvSpPr>
-          <p:cNvPr id="169" name="TextShape 4"/>
+          <p:cNvPr id="165" name="TextShape 3"/>
           <p:cNvSpPr txBox="1"/>
           <p:nvPr/>
         </p:nvSpPr>
@@ -19459,7 +19372,7 @@
               </a:rPr>
               <a:t>Slide </a:t>
             </a:r>
-            <a:fld id="{C11191A1-0101-41B1-A181-41B111516141}" type="slidenum">
+            <a:fld id="{21B1B1D1-6171-4181-81D1-519111C16181}" type="slidenum">
               <a:rPr lang="en-AU">
                 <a:solidFill>
                   <a:srgbClr val="000000"/>
@@ -19473,6 +19386,11 @@
         </p:txBody>
       </p:sp>
     </p:spTree>
+    <p:extLst>
+      <p:ext uri="{BB962C8B-B14F-4D97-AF65-F5344CB8AC3E}">
+        <p14:creationId xmlns:p14="http://schemas.microsoft.com/office/powerpoint/2010/main" val="3200908629"/>
+      </p:ext>
+    </p:extLst>
   </p:cSld>
   <p:clrMapOvr>
     <a:masterClrMapping/>
@@ -19480,7 +19398,7 @@
   <p:timing>
     <p:tnLst>
       <p:par>
-        <p:cTn id="1" dur="indefinite" restart="never" nodeType="tmRoot">
+        <p:cTn xmlns:p14="http://schemas.microsoft.com/office/powerpoint/2010/main" id="1" dur="indefinite" restart="never" nodeType="tmRoot">
           <p:childTnLst>
             <p:seq>
               <p:cTn id="2" nodeType="mainSeq">
@@ -20010,7 +19928,7 @@
   <p:timing>
     <p:tnLst>
       <p:par>
-        <p:cTn id="1" dur="indefinite" restart="never" nodeType="tmRoot">
+        <p:cTn xmlns:p14="http://schemas.microsoft.com/office/powerpoint/2010/main" id="1" dur="indefinite" restart="never" nodeType="tmRoot">
           <p:childTnLst>
             <p:seq>
               <p:cTn id="2" nodeType="mainSeq">
@@ -20062,7 +19980,7 @@
       </p:grpSpPr>
       <p:sp>
         <p:nvSpPr>
-          <p:cNvPr id="170" name="TextShape 1"/>
+          <p:cNvPr id="166" name="TextShape 1"/>
           <p:cNvSpPr txBox="1"/>
           <p:nvPr/>
         </p:nvSpPr>
@@ -20100,19 +20018,19 @@
       </p:sp>
       <p:graphicFrame>
         <p:nvGraphicFramePr>
-          <p:cNvPr id="171" name="Table 2"/>
+          <p:cNvPr id="167" name="Table 2"/>
           <p:cNvGraphicFramePr/>
           <p:nvPr>
             <p:extLst>
               <p:ext uri="{D42A27DB-BD31-4B8C-83A1-F6EECF244321}">
-                <p14:modId xmlns:p14="http://schemas.microsoft.com/office/powerpoint/2010/main" val="3339351749"/>
+                <p14:modId xmlns:p14="http://schemas.microsoft.com/office/powerpoint/2010/main" val="1945802852"/>
               </p:ext>
             </p:extLst>
           </p:nvPr>
         </p:nvGraphicFramePr>
         <p:xfrm>
           <a:off x="457200" y="1600200"/>
-          <a:ext cx="8229240" cy="2727928"/>
+          <a:ext cx="8229240" cy="2799936"/>
         </p:xfrm>
         <a:graphic>
           <a:graphicData uri="http://schemas.openxmlformats.org/drawingml/2006/table">
@@ -20121,11 +20039,11 @@
                 <a:tableStyleId>{3C2FFA5D-87B4-456A-9821-1D502468CF0F}</a:tableStyleId>
               </a:tblPr>
               <a:tblGrid>
-                <a:gridCol w="2286000"/>
-                <a:gridCol w="5943240"/>
+                <a:gridCol w="3034680"/>
+                <a:gridCol w="5194560"/>
               </a:tblGrid>
-              <a:tr h="460648">
-                <a:tc>
+              <a:tr h="532656">
+                <a:tc gridSpan="2">
                   <a:txBody>
                     <a:bodyPr/>
                     <a:lstStyle/>
@@ -20137,14 +20055,14 @@
                       </a:pPr>
                       <a:r>
                         <a:rPr lang="en-AU" sz="2400" dirty="0"/>
-                        <a:t>/data2</a:t>
+                        <a:t>/projects/project-name</a:t>
                       </a:r>
                       <a:endParaRPr sz="2400" dirty="0"/>
                     </a:p>
                   </a:txBody>
                   <a:tcPr/>
                 </a:tc>
-                <a:tc>
+                <a:tc hMerge="1">
                   <a:txBody>
                     <a:bodyPr/>
                     <a:lstStyle/>
@@ -20189,13 +20107,11 @@
                         <a:rPr lang="en-AU" b="1" i="0" baseline="0" dirty="0">
                           <a:latin typeface="Courier New" pitchFamily="49" charset="0"/>
                         </a:rPr>
-                        <a:t>/data2 </a:t>
-                      </a:r>
-                      <a:r>
-                        <a:rPr lang="en-AU" dirty="0"/>
-                        <a:t>on each node</a:t>
-                      </a:r>
-                      <a:endParaRPr dirty="0"/>
+                        <a:t>/projects/project-name</a:t>
+                      </a:r>
+                      <a:endParaRPr b="1" i="0" baseline="0" dirty="0">
+                        <a:latin typeface="Courier New" pitchFamily="49" charset="0"/>
+                      </a:endParaRPr>
                     </a:p>
                   </a:txBody>
                   <a:tcPr/>
@@ -20207,27 +20123,16 @@
                     <a:bodyPr/>
                     <a:lstStyle/>
                     <a:p>
-                      <a:pPr marL="0" marR="0" indent="0" algn="l" defTabSz="457200" rtl="0" eaLnBrk="1" fontAlgn="auto" latinLnBrk="0" hangingPunct="1">
+                      <a:pPr>
                         <a:lnSpc>
                           <a:spcPct val="100000"/>
                         </a:lnSpc>
-                        <a:spcBef>
-                          <a:spcPts val="0"/>
-                        </a:spcBef>
-                        <a:spcAft>
-                          <a:spcPts val="0"/>
-                        </a:spcAft>
-                        <a:buClrTx/>
-                        <a:buSzTx/>
-                        <a:buFontTx/>
-                        <a:buNone/>
-                        <a:tabLst/>
-                        <a:defRPr/>
                       </a:pPr>
                       <a:r>
                         <a:rPr lang="en-AU" dirty="0" smtClean="0"/>
                         <a:t>Disk Type</a:t>
                       </a:r>
+                      <a:endParaRPr dirty="0"/>
                     </a:p>
                   </a:txBody>
                   <a:tcPr/>
@@ -20244,11 +20149,7 @@
                       </a:pPr>
                       <a:r>
                         <a:rPr lang="en-AU" dirty="0" smtClean="0"/>
-                        <a:t>Scratch</a:t>
-                      </a:r>
-                      <a:r>
-                        <a:rPr lang="en-AU" baseline="0" dirty="0" smtClean="0"/>
-                        <a:t> Disks</a:t>
+                        <a:t>Panasas Disk</a:t>
                       </a:r>
                       <a:endParaRPr dirty="0"/>
                     </a:p>
@@ -20288,7 +20189,7 @@
                       </a:pPr>
                       <a:r>
                         <a:rPr lang="en-AU" dirty="0"/>
-                        <a:t>Limit of disk - 2TB</a:t>
+                        <a:t>no default size</a:t>
                       </a:r>
                       <a:endParaRPr dirty="0"/>
                     </a:p>
@@ -20328,7 +20229,7 @@
                       </a:pPr>
                       <a:r>
                         <a:rPr lang="en-AU" dirty="0"/>
-                        <a:t>No</a:t>
+                        <a:t>Yes</a:t>
                       </a:r>
                       <a:endParaRPr dirty="0"/>
                     </a:p>
@@ -20368,7 +20269,7 @@
                       </a:pPr>
                       <a:r>
                         <a:rPr lang="en-AU" dirty="0"/>
-                        <a:t>Fastest</a:t>
+                        <a:t>High speed</a:t>
                       </a:r>
                       <a:endParaRPr dirty="0"/>
                     </a:p>
@@ -20388,10 +20289,10 @@
                         </a:lnSpc>
                       </a:pPr>
                       <a:r>
-                        <a:rPr lang="en-AU"/>
+                        <a:rPr lang="en-AU" dirty="0"/>
                         <a:t>Life time:</a:t>
                       </a:r>
-                      <a:endParaRPr/>
+                      <a:endParaRPr dirty="0"/>
                     </a:p>
                   </a:txBody>
                   <a:tcPr/>
@@ -20408,7 +20309,7 @@
                       </a:pPr>
                       <a:r>
                         <a:rPr lang="en-AU" dirty="0"/>
-                        <a:t>Job duration</a:t>
+                        <a:t>Till end of the running year - merit allocation period</a:t>
                       </a:r>
                       <a:endParaRPr dirty="0"/>
                     </a:p>
@@ -20422,14 +20323,14 @@
       </p:graphicFrame>
       <p:sp>
         <p:nvSpPr>
-          <p:cNvPr id="172" name="CustomShape 3"/>
+          <p:cNvPr id="168" name="CustomShape 3"/>
           <p:cNvSpPr/>
           <p:nvPr/>
         </p:nvSpPr>
         <p:spPr>
           <a:xfrm>
-            <a:off x="428961" y="4725144"/>
-            <a:ext cx="7694640" cy="1152128"/>
+            <a:off x="491400" y="4771080"/>
+            <a:ext cx="8113048" cy="1538240"/>
           </a:xfrm>
           <a:prstGeom prst="rect">
             <a:avLst/>
@@ -20439,92 +20340,94 @@
           <a:bodyPr wrap="none" lIns="90000" tIns="45000" rIns="90000" bIns="45000"/>
           <a:lstStyle/>
           <a:p>
-            <a:pPr algn="ctr">
+            <a:pPr marL="285750" indent="-285750">
               <a:lnSpc>
                 <a:spcPct val="100000"/>
               </a:lnSpc>
-            </a:pPr>
-            <a:r>
-              <a:rPr lang="en-AU" sz="2400" b="1" dirty="0">
-                <a:solidFill>
-                  <a:srgbClr val="000000"/>
-                </a:solidFill>
-                <a:latin typeface="Arial"/>
-                <a:ea typeface="ＭＳ Ｐゴシック"/>
-              </a:rPr>
-              <a:t>Warning</a:t>
-            </a:r>
-            <a:r>
-              <a:rPr lang="en-AU" sz="2400" dirty="0">
-                <a:solidFill>
-                  <a:srgbClr val="000000"/>
-                </a:solidFill>
-                <a:latin typeface="Arial"/>
-                <a:ea typeface="ＭＳ Ｐゴシック"/>
-              </a:rPr>
-              <a:t>: </a:t>
-            </a:r>
-            <a:r>
-              <a:rPr lang="en-AU" sz="2400" dirty="0" smtClean="0">
-                <a:solidFill>
-                  <a:srgbClr val="000000"/>
-                </a:solidFill>
-                <a:latin typeface="Arial"/>
-                <a:ea typeface="ＭＳ Ｐゴシック"/>
-              </a:rPr>
-              <a:t>This partition is shared </a:t>
-            </a:r>
-            <a:r>
-              <a:rPr lang="en-AU" sz="2400" dirty="0">
-                <a:solidFill>
-                  <a:srgbClr val="000000"/>
-                </a:solidFill>
-                <a:latin typeface="Arial"/>
-                <a:ea typeface="ＭＳ Ｐゴシック"/>
-              </a:rPr>
-              <a:t>among users, so can </a:t>
-            </a:r>
-            <a:endParaRPr lang="en-AU" sz="2400" dirty="0" smtClean="0">
+              <a:buFont typeface="Arial" pitchFamily="34" charset="0"/>
+              <a:buChar char="•"/>
+            </a:pPr>
+            <a:r>
+              <a:rPr lang="en-AU" sz="2800" dirty="0">
+                <a:solidFill>
+                  <a:srgbClr val="000000"/>
+                </a:solidFill>
+                <a:latin typeface="Tahoma" pitchFamily="34" charset="0"/>
+                <a:ea typeface="Tahoma" pitchFamily="34" charset="0"/>
+                <a:cs typeface="Tahoma" pitchFamily="34" charset="0"/>
+              </a:rPr>
+              <a:t>There will also be some “repository space” for </a:t>
+            </a:r>
+            <a:endParaRPr lang="en-AU" sz="2800" dirty="0" smtClean="0">
               <a:solidFill>
                 <a:srgbClr val="000000"/>
               </a:solidFill>
-              <a:latin typeface="Arial"/>
-              <a:ea typeface="ＭＳ Ｐゴシック"/>
+              <a:latin typeface="Tahoma" pitchFamily="34" charset="0"/>
+              <a:ea typeface="Tahoma" pitchFamily="34" charset="0"/>
+              <a:cs typeface="Tahoma" pitchFamily="34" charset="0"/>
             </a:endParaRPr>
           </a:p>
           <a:p>
-            <a:pPr algn="ctr">
+            <a:pPr>
               <a:lnSpc>
                 <a:spcPct val="100000"/>
               </a:lnSpc>
             </a:pPr>
             <a:r>
-              <a:rPr lang="en-AU" sz="2400" dirty="0" smtClean="0">
-                <a:solidFill>
-                  <a:srgbClr val="000000"/>
-                </a:solidFill>
-                <a:latin typeface="Arial"/>
-                <a:ea typeface="ＭＳ Ｐゴシック"/>
-              </a:rPr>
-              <a:t>be “filled up” (with other jobs)  while your job </a:t>
-            </a:r>
-            <a:r>
-              <a:rPr lang="en-AU" sz="2400" dirty="0">
-                <a:solidFill>
-                  <a:srgbClr val="000000"/>
-                </a:solidFill>
-                <a:latin typeface="Arial"/>
-                <a:ea typeface="ＭＳ Ｐゴシック"/>
-              </a:rPr>
-              <a:t>is running!</a:t>
-            </a:r>
-            <a:endParaRPr sz="2400" dirty="0"/>
+              <a:rPr lang="en-AU" sz="2800" dirty="0" smtClean="0">
+                <a:solidFill>
+                  <a:srgbClr val="000000"/>
+                </a:solidFill>
+                <a:latin typeface="Tahoma" pitchFamily="34" charset="0"/>
+                <a:ea typeface="Tahoma" pitchFamily="34" charset="0"/>
+                <a:cs typeface="Tahoma" pitchFamily="34" charset="0"/>
+              </a:rPr>
+              <a:t>large </a:t>
+            </a:r>
+            <a:r>
+              <a:rPr lang="en-AU" sz="2800" dirty="0">
+                <a:solidFill>
+                  <a:srgbClr val="000000"/>
+                </a:solidFill>
+                <a:latin typeface="Tahoma" pitchFamily="34" charset="0"/>
+                <a:ea typeface="Tahoma" pitchFamily="34" charset="0"/>
+                <a:cs typeface="Tahoma" pitchFamily="34" charset="0"/>
+              </a:rPr>
+              <a:t>datasets, </a:t>
+            </a:r>
+            <a:r>
+              <a:rPr lang="en-AU" sz="2800" dirty="0" smtClean="0">
+                <a:solidFill>
+                  <a:srgbClr val="000000"/>
+                </a:solidFill>
+                <a:latin typeface="Tahoma" pitchFamily="34" charset="0"/>
+                <a:ea typeface="Tahoma" pitchFamily="34" charset="0"/>
+                <a:cs typeface="Tahoma" pitchFamily="34" charset="0"/>
+              </a:rPr>
+              <a:t>such as bioinformatics </a:t>
+            </a:r>
+            <a:r>
+              <a:rPr lang="en-AU" sz="2800" dirty="0">
+                <a:solidFill>
+                  <a:srgbClr val="000000"/>
+                </a:solidFill>
+                <a:latin typeface="Tahoma" pitchFamily="34" charset="0"/>
+                <a:ea typeface="Tahoma" pitchFamily="34" charset="0"/>
+                <a:cs typeface="Tahoma" pitchFamily="34" charset="0"/>
+              </a:rPr>
+              <a:t>databases</a:t>
+            </a:r>
+            <a:endParaRPr sz="2800" dirty="0">
+              <a:latin typeface="Tahoma" pitchFamily="34" charset="0"/>
+              <a:ea typeface="Tahoma" pitchFamily="34" charset="0"/>
+              <a:cs typeface="Tahoma" pitchFamily="34" charset="0"/>
+            </a:endParaRPr>
           </a:p>
         </p:txBody>
       </p:sp>
       <p:sp>
         <p:nvSpPr>
-          <p:cNvPr id="173" name="TextShape 4"/>
+          <p:cNvPr id="169" name="TextShape 4"/>
           <p:cNvSpPr txBox="1"/>
           <p:nvPr/>
         </p:nvSpPr>
@@ -20555,7 +20458,7 @@
               </a:rPr>
               <a:t>Slide </a:t>
             </a:r>
-            <a:fld id="{F1F111F1-F1C1-41C1-B181-8181E1919111}" type="slidenum">
+            <a:fld id="{C11191A1-0101-41B1-A181-41B111516141}" type="slidenum">
               <a:rPr lang="en-AU">
                 <a:solidFill>
                   <a:srgbClr val="000000"/>
@@ -20576,7 +20479,7 @@
   <p:timing>
     <p:tnLst>
       <p:par>
-        <p:cTn id="1" dur="indefinite" restart="never" nodeType="tmRoot">
+        <p:cTn xmlns:p14="http://schemas.microsoft.com/office/powerpoint/2010/main" id="1" dur="indefinite" restart="never" nodeType="tmRoot">
           <p:childTnLst>
             <p:seq>
               <p:cTn id="2" nodeType="mainSeq">
@@ -20628,6 +20531,572 @@
       </p:grpSpPr>
       <p:sp>
         <p:nvSpPr>
+          <p:cNvPr id="170" name="TextShape 1"/>
+          <p:cNvSpPr txBox="1"/>
+          <p:nvPr/>
+        </p:nvSpPr>
+        <p:spPr>
+          <a:xfrm>
+            <a:off x="457200" y="274680"/>
+            <a:ext cx="8229240" cy="1142640"/>
+          </a:xfrm>
+          <a:prstGeom prst="rect">
+            <a:avLst/>
+          </a:prstGeom>
+        </p:spPr>
+        <p:txBody>
+          <a:bodyPr anchor="ctr"/>
+          <a:lstStyle/>
+          <a:p>
+            <a:pPr algn="ctr">
+              <a:lnSpc>
+                <a:spcPct val="100000"/>
+              </a:lnSpc>
+            </a:pPr>
+            <a:r>
+              <a:rPr lang="en-US" sz="4400">
+                <a:solidFill>
+                  <a:srgbClr val="E46C0A"/>
+                </a:solidFill>
+                <a:latin typeface="Tahoma"/>
+                <a:ea typeface="ＭＳ Ｐゴシック"/>
+              </a:rPr>
+              <a:t>Disk Partitions - Orange</a:t>
+            </a:r>
+            <a:endParaRPr/>
+          </a:p>
+        </p:txBody>
+      </p:sp>
+      <p:graphicFrame>
+        <p:nvGraphicFramePr>
+          <p:cNvPr id="171" name="Table 2"/>
+          <p:cNvGraphicFramePr/>
+          <p:nvPr>
+            <p:extLst>
+              <p:ext uri="{D42A27DB-BD31-4B8C-83A1-F6EECF244321}">
+                <p14:modId xmlns:p14="http://schemas.microsoft.com/office/powerpoint/2010/main" val="3339351749"/>
+              </p:ext>
+            </p:extLst>
+          </p:nvPr>
+        </p:nvGraphicFramePr>
+        <p:xfrm>
+          <a:off x="457200" y="1600200"/>
+          <a:ext cx="8229240" cy="2727928"/>
+        </p:xfrm>
+        <a:graphic>
+          <a:graphicData uri="http://schemas.openxmlformats.org/drawingml/2006/table">
+            <a:tbl>
+              <a:tblPr firstRow="1">
+                <a:tableStyleId>{3C2FFA5D-87B4-456A-9821-1D502468CF0F}</a:tableStyleId>
+              </a:tblPr>
+              <a:tblGrid>
+                <a:gridCol w="2286000"/>
+                <a:gridCol w="5943240"/>
+              </a:tblGrid>
+              <a:tr h="460648">
+                <a:tc>
+                  <a:txBody>
+                    <a:bodyPr/>
+                    <a:lstStyle/>
+                    <a:p>
+                      <a:pPr algn="l">
+                        <a:lnSpc>
+                          <a:spcPct val="100000"/>
+                        </a:lnSpc>
+                      </a:pPr>
+                      <a:r>
+                        <a:rPr lang="en-AU" sz="2400" dirty="0"/>
+                        <a:t>/data2</a:t>
+                      </a:r>
+                      <a:endParaRPr sz="2400" dirty="0"/>
+                    </a:p>
+                  </a:txBody>
+                  <a:tcPr/>
+                </a:tc>
+                <a:tc>
+                  <a:txBody>
+                    <a:bodyPr/>
+                    <a:lstStyle/>
+                    <a:p>
+                      <a:endParaRPr lang="en-AU" dirty="0"/>
+                    </a:p>
+                  </a:txBody>
+                  <a:tcPr/>
+                </a:tc>
+              </a:tr>
+              <a:tr h="377640">
+                <a:tc>
+                  <a:txBody>
+                    <a:bodyPr/>
+                    <a:lstStyle/>
+                    <a:p>
+                      <a:pPr>
+                        <a:lnSpc>
+                          <a:spcPct val="100000"/>
+                        </a:lnSpc>
+                      </a:pPr>
+                      <a:r>
+                        <a:rPr lang="en-AU"/>
+                        <a:t>Mounted under:</a:t>
+                      </a:r>
+                      <a:endParaRPr/>
+                    </a:p>
+                  </a:txBody>
+                  <a:tcPr/>
+                </a:tc>
+                <a:tc>
+                  <a:txBody>
+                    <a:bodyPr/>
+                    <a:lstStyle/>
+                    <a:p>
+                      <a:pPr>
+                        <a:lnSpc>
+                          <a:spcPct val="100000"/>
+                        </a:lnSpc>
+                      </a:pPr>
+                      <a:r>
+                        <a:rPr lang="en-AU" b="1" i="0" baseline="0" dirty="0">
+                          <a:latin typeface="Courier New" pitchFamily="49" charset="0"/>
+                        </a:rPr>
+                        <a:t>/data2 </a:t>
+                      </a:r>
+                      <a:r>
+                        <a:rPr lang="en-AU" dirty="0"/>
+                        <a:t>on each node</a:t>
+                      </a:r>
+                      <a:endParaRPr dirty="0"/>
+                    </a:p>
+                  </a:txBody>
+                  <a:tcPr/>
+                </a:tc>
+              </a:tr>
+              <a:tr h="377640">
+                <a:tc>
+                  <a:txBody>
+                    <a:bodyPr/>
+                    <a:lstStyle/>
+                    <a:p>
+                      <a:pPr marL="0" marR="0" indent="0" algn="l" defTabSz="457200" rtl="0" eaLnBrk="1" fontAlgn="auto" latinLnBrk="0" hangingPunct="1">
+                        <a:lnSpc>
+                          <a:spcPct val="100000"/>
+                        </a:lnSpc>
+                        <a:spcBef>
+                          <a:spcPts val="0"/>
+                        </a:spcBef>
+                        <a:spcAft>
+                          <a:spcPts val="0"/>
+                        </a:spcAft>
+                        <a:buClrTx/>
+                        <a:buSzTx/>
+                        <a:buFontTx/>
+                        <a:buNone/>
+                        <a:tabLst/>
+                        <a:defRPr/>
+                      </a:pPr>
+                      <a:r>
+                        <a:rPr lang="en-AU" dirty="0" smtClean="0"/>
+                        <a:t>Disk Type</a:t>
+                      </a:r>
+                    </a:p>
+                  </a:txBody>
+                  <a:tcPr/>
+                </a:tc>
+                <a:tc>
+                  <a:txBody>
+                    <a:bodyPr/>
+                    <a:lstStyle/>
+                    <a:p>
+                      <a:pPr>
+                        <a:lnSpc>
+                          <a:spcPct val="100000"/>
+                        </a:lnSpc>
+                      </a:pPr>
+                      <a:r>
+                        <a:rPr lang="en-AU" dirty="0" smtClean="0"/>
+                        <a:t>Scratch</a:t>
+                      </a:r>
+                      <a:r>
+                        <a:rPr lang="en-AU" baseline="0" dirty="0" smtClean="0"/>
+                        <a:t> Disks</a:t>
+                      </a:r>
+                      <a:endParaRPr dirty="0"/>
+                    </a:p>
+                  </a:txBody>
+                  <a:tcPr/>
+                </a:tc>
+              </a:tr>
+              <a:tr h="377640">
+                <a:tc>
+                  <a:txBody>
+                    <a:bodyPr/>
+                    <a:lstStyle/>
+                    <a:p>
+                      <a:pPr>
+                        <a:lnSpc>
+                          <a:spcPct val="100000"/>
+                        </a:lnSpc>
+                      </a:pPr>
+                      <a:r>
+                        <a:rPr lang="en-AU" dirty="0"/>
+                        <a:t>Size:</a:t>
+                      </a:r>
+                      <a:endParaRPr dirty="0"/>
+                    </a:p>
+                  </a:txBody>
+                  <a:tcPr/>
+                </a:tc>
+                <a:tc>
+                  <a:txBody>
+                    <a:bodyPr/>
+                    <a:lstStyle/>
+                    <a:p>
+                      <a:pPr>
+                        <a:lnSpc>
+                          <a:spcPct val="100000"/>
+                        </a:lnSpc>
+                      </a:pPr>
+                      <a:r>
+                        <a:rPr lang="en-AU" dirty="0"/>
+                        <a:t>Limit of disk - 2TB</a:t>
+                      </a:r>
+                      <a:endParaRPr dirty="0"/>
+                    </a:p>
+                  </a:txBody>
+                  <a:tcPr/>
+                </a:tc>
+              </a:tr>
+              <a:tr h="377640">
+                <a:tc>
+                  <a:txBody>
+                    <a:bodyPr/>
+                    <a:lstStyle/>
+                    <a:p>
+                      <a:pPr>
+                        <a:lnSpc>
+                          <a:spcPct val="100000"/>
+                        </a:lnSpc>
+                      </a:pPr>
+                      <a:r>
+                        <a:rPr lang="en-AU"/>
+                        <a:t>Backed up:</a:t>
+                      </a:r>
+                      <a:endParaRPr/>
+                    </a:p>
+                  </a:txBody>
+                  <a:tcPr/>
+                </a:tc>
+                <a:tc>
+                  <a:txBody>
+                    <a:bodyPr/>
+                    <a:lstStyle/>
+                    <a:p>
+                      <a:pPr>
+                        <a:lnSpc>
+                          <a:spcPct val="100000"/>
+                        </a:lnSpc>
+                      </a:pPr>
+                      <a:r>
+                        <a:rPr lang="en-AU" dirty="0"/>
+                        <a:t>No</a:t>
+                      </a:r>
+                      <a:endParaRPr dirty="0"/>
+                    </a:p>
+                  </a:txBody>
+                  <a:tcPr/>
+                </a:tc>
+              </a:tr>
+              <a:tr h="377640">
+                <a:tc>
+                  <a:txBody>
+                    <a:bodyPr/>
+                    <a:lstStyle/>
+                    <a:p>
+                      <a:pPr>
+                        <a:lnSpc>
+                          <a:spcPct val="100000"/>
+                        </a:lnSpc>
+                      </a:pPr>
+                      <a:r>
+                        <a:rPr lang="en-AU"/>
+                        <a:t>Speed:</a:t>
+                      </a:r>
+                      <a:endParaRPr/>
+                    </a:p>
+                  </a:txBody>
+                  <a:tcPr/>
+                </a:tc>
+                <a:tc>
+                  <a:txBody>
+                    <a:bodyPr/>
+                    <a:lstStyle/>
+                    <a:p>
+                      <a:pPr>
+                        <a:lnSpc>
+                          <a:spcPct val="100000"/>
+                        </a:lnSpc>
+                      </a:pPr>
+                      <a:r>
+                        <a:rPr lang="en-AU" dirty="0"/>
+                        <a:t>Fastest</a:t>
+                      </a:r>
+                      <a:endParaRPr dirty="0"/>
+                    </a:p>
+                  </a:txBody>
+                  <a:tcPr/>
+                </a:tc>
+              </a:tr>
+              <a:tr h="379080">
+                <a:tc>
+                  <a:txBody>
+                    <a:bodyPr/>
+                    <a:lstStyle/>
+                    <a:p>
+                      <a:pPr>
+                        <a:lnSpc>
+                          <a:spcPct val="100000"/>
+                        </a:lnSpc>
+                      </a:pPr>
+                      <a:r>
+                        <a:rPr lang="en-AU"/>
+                        <a:t>Life time:</a:t>
+                      </a:r>
+                      <a:endParaRPr/>
+                    </a:p>
+                  </a:txBody>
+                  <a:tcPr/>
+                </a:tc>
+                <a:tc>
+                  <a:txBody>
+                    <a:bodyPr/>
+                    <a:lstStyle/>
+                    <a:p>
+                      <a:pPr>
+                        <a:lnSpc>
+                          <a:spcPct val="100000"/>
+                        </a:lnSpc>
+                      </a:pPr>
+                      <a:r>
+                        <a:rPr lang="en-AU" dirty="0"/>
+                        <a:t>Job duration</a:t>
+                      </a:r>
+                      <a:endParaRPr dirty="0"/>
+                    </a:p>
+                  </a:txBody>
+                  <a:tcPr/>
+                </a:tc>
+              </a:tr>
+            </a:tbl>
+          </a:graphicData>
+        </a:graphic>
+      </p:graphicFrame>
+      <p:sp>
+        <p:nvSpPr>
+          <p:cNvPr id="172" name="CustomShape 3"/>
+          <p:cNvSpPr/>
+          <p:nvPr/>
+        </p:nvSpPr>
+        <p:spPr>
+          <a:xfrm>
+            <a:off x="428961" y="4725144"/>
+            <a:ext cx="7694640" cy="1152128"/>
+          </a:xfrm>
+          <a:prstGeom prst="rect">
+            <a:avLst/>
+          </a:prstGeom>
+        </p:spPr>
+        <p:txBody>
+          <a:bodyPr wrap="none" lIns="90000" tIns="45000" rIns="90000" bIns="45000"/>
+          <a:lstStyle/>
+          <a:p>
+            <a:pPr algn="ctr">
+              <a:lnSpc>
+                <a:spcPct val="100000"/>
+              </a:lnSpc>
+            </a:pPr>
+            <a:r>
+              <a:rPr lang="en-AU" sz="2400" b="1" dirty="0">
+                <a:solidFill>
+                  <a:srgbClr val="000000"/>
+                </a:solidFill>
+                <a:latin typeface="Arial"/>
+                <a:ea typeface="ＭＳ Ｐゴシック"/>
+              </a:rPr>
+              <a:t>Warning</a:t>
+            </a:r>
+            <a:r>
+              <a:rPr lang="en-AU" sz="2400" dirty="0">
+                <a:solidFill>
+                  <a:srgbClr val="000000"/>
+                </a:solidFill>
+                <a:latin typeface="Arial"/>
+                <a:ea typeface="ＭＳ Ｐゴシック"/>
+              </a:rPr>
+              <a:t>: </a:t>
+            </a:r>
+            <a:r>
+              <a:rPr lang="en-AU" sz="2400" dirty="0" smtClean="0">
+                <a:solidFill>
+                  <a:srgbClr val="000000"/>
+                </a:solidFill>
+                <a:latin typeface="Arial"/>
+                <a:ea typeface="ＭＳ Ｐゴシック"/>
+              </a:rPr>
+              <a:t>This partition is shared </a:t>
+            </a:r>
+            <a:r>
+              <a:rPr lang="en-AU" sz="2400" dirty="0">
+                <a:solidFill>
+                  <a:srgbClr val="000000"/>
+                </a:solidFill>
+                <a:latin typeface="Arial"/>
+                <a:ea typeface="ＭＳ Ｐゴシック"/>
+              </a:rPr>
+              <a:t>among users, so can </a:t>
+            </a:r>
+            <a:endParaRPr lang="en-AU" sz="2400" dirty="0" smtClean="0">
+              <a:solidFill>
+                <a:srgbClr val="000000"/>
+              </a:solidFill>
+              <a:latin typeface="Arial"/>
+              <a:ea typeface="ＭＳ Ｐゴシック"/>
+            </a:endParaRPr>
+          </a:p>
+          <a:p>
+            <a:pPr algn="ctr">
+              <a:lnSpc>
+                <a:spcPct val="100000"/>
+              </a:lnSpc>
+            </a:pPr>
+            <a:r>
+              <a:rPr lang="en-AU" sz="2400" dirty="0" smtClean="0">
+                <a:solidFill>
+                  <a:srgbClr val="000000"/>
+                </a:solidFill>
+                <a:latin typeface="Arial"/>
+                <a:ea typeface="ＭＳ Ｐゴシック"/>
+              </a:rPr>
+              <a:t>be “filled up” (with other jobs)  while your job </a:t>
+            </a:r>
+            <a:r>
+              <a:rPr lang="en-AU" sz="2400" dirty="0">
+                <a:solidFill>
+                  <a:srgbClr val="000000"/>
+                </a:solidFill>
+                <a:latin typeface="Arial"/>
+                <a:ea typeface="ＭＳ Ｐゴシック"/>
+              </a:rPr>
+              <a:t>is running!</a:t>
+            </a:r>
+            <a:endParaRPr sz="2400" dirty="0"/>
+          </a:p>
+        </p:txBody>
+      </p:sp>
+      <p:sp>
+        <p:nvSpPr>
+          <p:cNvPr id="173" name="TextShape 4"/>
+          <p:cNvSpPr txBox="1"/>
+          <p:nvPr/>
+        </p:nvSpPr>
+        <p:spPr>
+          <a:xfrm>
+            <a:off x="0" y="0"/>
+            <a:ext cx="0" cy="0"/>
+          </a:xfrm>
+          <a:prstGeom prst="rect">
+            <a:avLst/>
+          </a:prstGeom>
+        </p:spPr>
+        <p:txBody>
+          <a:bodyPr lIns="90000" tIns="45000" rIns="90000" bIns="45000"/>
+          <a:lstStyle/>
+          <a:p>
+            <a:pPr>
+              <a:lnSpc>
+                <a:spcPct val="100000"/>
+              </a:lnSpc>
+            </a:pPr>
+            <a:r>
+              <a:rPr lang="en-AU">
+                <a:solidFill>
+                  <a:srgbClr val="000000"/>
+                </a:solidFill>
+                <a:latin typeface="Calibri"/>
+              </a:rPr>
+              <a:t>Slide </a:t>
+            </a:r>
+            <a:fld id="{F1F111F1-F1C1-41C1-B181-8181E1919111}" type="slidenum">
+              <a:rPr lang="en-AU">
+                <a:solidFill>
+                  <a:srgbClr val="000000"/>
+                </a:solidFill>
+                <a:latin typeface="Calibri"/>
+              </a:rPr>
+              <a:t>41</a:t>
+            </a:fld>
+            <a:endParaRPr/>
+          </a:p>
+        </p:txBody>
+      </p:sp>
+    </p:spTree>
+  </p:cSld>
+  <p:clrMapOvr>
+    <a:masterClrMapping/>
+  </p:clrMapOvr>
+  <p:timing>
+    <p:tnLst>
+      <p:par>
+        <p:cTn xmlns:p14="http://schemas.microsoft.com/office/powerpoint/2010/main" id="1" dur="indefinite" restart="never" nodeType="tmRoot">
+          <p:childTnLst>
+            <p:seq>
+              <p:cTn id="2" nodeType="mainSeq">
+                <p:childTnLst>
+                  <p:par>
+                    <p:cTn id="3"/>
+                  </p:par>
+                </p:childTnLst>
+              </p:cTn>
+              <p:prevCondLst>
+                <p:cond evt="onPrev" delay="0">
+                  <p:tgtEl>
+                    <p:sldTgt/>
+                  </p:tgtEl>
+                </p:cond>
+              </p:prevCondLst>
+              <p:nextCondLst>
+                <p:cond evt="onNext" delay="0">
+                  <p:tgtEl>
+                    <p:sldTgt/>
+                  </p:tgtEl>
+                </p:cond>
+              </p:nextCondLst>
+            </p:seq>
+          </p:childTnLst>
+        </p:cTn>
+      </p:par>
+    </p:tnLst>
+  </p:timing>
+</p:sld>
+</file>
+
+<file path=ppt/slides/slide42.xml><?xml version="1.0" encoding="utf-8"?>
+<p:sld xmlns:a="http://schemas.openxmlformats.org/drawingml/2006/main" xmlns:r="http://schemas.openxmlformats.org/officeDocument/2006/relationships" xmlns:p="http://schemas.openxmlformats.org/presentationml/2006/main">
+  <p:cSld>
+    <p:spTree>
+      <p:nvGrpSpPr>
+        <p:cNvPr id="1" name=""/>
+        <p:cNvGrpSpPr/>
+        <p:nvPr/>
+      </p:nvGrpSpPr>
+      <p:grpSpPr>
+        <a:xfrm>
+          <a:off x="0" y="0"/>
+          <a:ext cx="0" cy="0"/>
+          <a:chOff x="0" y="0"/>
+          <a:chExt cx="0" cy="0"/>
+        </a:xfrm>
+      </p:grpSpPr>
+      <p:sp>
+        <p:nvSpPr>
           <p:cNvPr id="174" name="TextShape 1"/>
           <p:cNvSpPr txBox="1"/>
           <p:nvPr/>
@@ -21066,7 +21535,7 @@
                 </a:solidFill>
                 <a:latin typeface="Calibri"/>
               </a:rPr>
-              <a:t>41</a:t>
+              <a:t>42</a:t>
             </a:fld>
             <a:endParaRPr/>
           </a:p>
@@ -21080,7 +21549,7 @@
 </p:sld>
 </file>
 
-<file path=ppt/slides/slide42.xml><?xml version="1.0" encoding="utf-8"?>
+<file path=ppt/slides/slide43.xml><?xml version="1.0" encoding="utf-8"?>
 <p:sld xmlns:a="http://schemas.openxmlformats.org/drawingml/2006/main" xmlns:r="http://schemas.openxmlformats.org/officeDocument/2006/relationships" xmlns:p="http://schemas.openxmlformats.org/presentationml/2006/main">
   <p:cSld>
     <p:spTree>
@@ -21343,7 +21812,7 @@
                 </a:solidFill>
                 <a:latin typeface="Calibri"/>
               </a:rPr>
-              <a:t>42</a:t>
+              <a:t>43</a:t>
             </a:fld>
             <a:endParaRPr/>
           </a:p>
@@ -21357,7 +21826,7 @@
   <p:timing>
     <p:tnLst>
       <p:par>
-        <p:cTn id="1" dur="indefinite" restart="never" nodeType="tmRoot">
+        <p:cTn xmlns:p14="http://schemas.microsoft.com/office/powerpoint/2010/main" id="1" dur="indefinite" restart="never" nodeType="tmRoot">
           <p:childTnLst>
             <p:seq>
               <p:cTn id="2" nodeType="mainSeq">
@@ -21387,337 +21856,6 @@
       </p:par>
     </p:tnLst>
   </p:timing>
-</p:sld>
-</file>
-
-<file path=ppt/slides/slide43.xml><?xml version="1.0" encoding="utf-8"?>
-<p:sld xmlns:a="http://schemas.openxmlformats.org/drawingml/2006/main" xmlns:r="http://schemas.openxmlformats.org/officeDocument/2006/relationships" xmlns:p="http://schemas.openxmlformats.org/presentationml/2006/main">
-  <p:cSld>
-    <p:spTree>
-      <p:nvGrpSpPr>
-        <p:cNvPr id="1" name=""/>
-        <p:cNvGrpSpPr/>
-        <p:nvPr/>
-      </p:nvGrpSpPr>
-      <p:grpSpPr>
-        <a:xfrm>
-          <a:off x="0" y="0"/>
-          <a:ext cx="0" cy="0"/>
-          <a:chOff x="0" y="0"/>
-          <a:chExt cx="0" cy="0"/>
-        </a:xfrm>
-      </p:grpSpPr>
-      <p:sp>
-        <p:nvSpPr>
-          <p:cNvPr id="183" name="TextShape 1"/>
-          <p:cNvSpPr txBox="1"/>
-          <p:nvPr/>
-        </p:nvSpPr>
-        <p:spPr>
-          <a:xfrm>
-            <a:off x="457200" y="274680"/>
-            <a:ext cx="8229240" cy="1142640"/>
-          </a:xfrm>
-          <a:prstGeom prst="rect">
-            <a:avLst/>
-          </a:prstGeom>
-        </p:spPr>
-        <p:txBody>
-          <a:bodyPr anchor="ctr"/>
-          <a:lstStyle/>
-          <a:p>
-            <a:pPr algn="ctr">
-              <a:lnSpc>
-                <a:spcPct val="100000"/>
-              </a:lnSpc>
-            </a:pPr>
-            <a:r>
-              <a:rPr lang="en-US" sz="4400" dirty="0" smtClean="0">
-                <a:solidFill>
-                  <a:srgbClr val="E46C0A"/>
-                </a:solidFill>
-                <a:latin typeface="Tahoma"/>
-                <a:ea typeface="ＭＳ Ｐゴシック"/>
-              </a:rPr>
-              <a:t>More Info on NCI &amp; Orange</a:t>
-            </a:r>
-            <a:endParaRPr dirty="0"/>
-          </a:p>
-        </p:txBody>
-      </p:sp>
-      <p:sp>
-        <p:nvSpPr>
-          <p:cNvPr id="184" name="TextShape 2"/>
-          <p:cNvSpPr txBox="1"/>
-          <p:nvPr/>
-        </p:nvSpPr>
-        <p:spPr>
-          <a:xfrm>
-            <a:off x="464096" y="1628800"/>
-            <a:ext cx="8229240" cy="4525560"/>
-          </a:xfrm>
-          <a:prstGeom prst="rect">
-            <a:avLst/>
-          </a:prstGeom>
-        </p:spPr>
-        <p:txBody>
-          <a:bodyPr/>
-          <a:lstStyle/>
-          <a:p>
-            <a:pPr marL="457200" indent="-457200">
-              <a:buFont typeface="Arial" pitchFamily="34" charset="0"/>
-              <a:buChar char="•"/>
-            </a:pPr>
-            <a:r>
-              <a:rPr lang="en-US" sz="3200" dirty="0" smtClean="0">
-                <a:solidFill>
-                  <a:srgbClr val="000000"/>
-                </a:solidFill>
-                <a:latin typeface="Tahoma"/>
-                <a:ea typeface="ＭＳ Ｐゴシック"/>
-              </a:rPr>
-              <a:t>Read more about Orange and NCI Facilities</a:t>
-            </a:r>
-          </a:p>
-          <a:p>
-            <a:pPr marL="914400" lvl="1" indent="-457200">
-              <a:buFont typeface="Arial" pitchFamily="34" charset="0"/>
-              <a:buChar char="•"/>
-            </a:pPr>
-            <a:r>
-              <a:rPr lang="en-US" sz="3200" dirty="0" smtClean="0">
-                <a:solidFill>
-                  <a:srgbClr val="000000"/>
-                </a:solidFill>
-                <a:latin typeface="Tahoma"/>
-                <a:ea typeface="ＭＳ Ｐゴシック"/>
-                <a:hlinkClick r:id="rId3"/>
-              </a:rPr>
-              <a:t>http</a:t>
-            </a:r>
-            <a:r>
-              <a:rPr lang="en-US" sz="3200" dirty="0">
-                <a:solidFill>
-                  <a:srgbClr val="000000"/>
-                </a:solidFill>
-                <a:latin typeface="Tahoma"/>
-                <a:ea typeface="ＭＳ Ｐゴシック"/>
-                <a:hlinkClick r:id="rId3"/>
-              </a:rPr>
-              <a:t>://</a:t>
-            </a:r>
-            <a:r>
-              <a:rPr lang="en-US" sz="3200" dirty="0" smtClean="0">
-                <a:solidFill>
-                  <a:srgbClr val="000000"/>
-                </a:solidFill>
-                <a:latin typeface="Tahoma"/>
-                <a:ea typeface="ＭＳ Ｐゴシック"/>
-                <a:hlinkClick r:id="rId3"/>
-              </a:rPr>
-              <a:t>www.intersect.org.au/hpc-news</a:t>
-            </a:r>
-            <a:r>
-              <a:rPr lang="en-US" sz="3200" dirty="0" smtClean="0">
-                <a:solidFill>
-                  <a:srgbClr val="000000"/>
-                </a:solidFill>
-                <a:latin typeface="Tahoma"/>
-                <a:ea typeface="ＭＳ Ｐゴシック"/>
-              </a:rPr>
-              <a:t> </a:t>
-            </a:r>
-          </a:p>
-          <a:p>
-            <a:pPr marL="914400" lvl="1" indent="-457200">
-              <a:buFont typeface="Arial" pitchFamily="34" charset="0"/>
-              <a:buChar char="•"/>
-            </a:pPr>
-            <a:r>
-              <a:rPr lang="en-US" sz="3200" dirty="0">
-                <a:solidFill>
-                  <a:srgbClr val="000000"/>
-                </a:solidFill>
-                <a:latin typeface="Tahoma"/>
-                <a:ea typeface="ＭＳ Ｐゴシック"/>
-                <a:hlinkClick r:id="rId4"/>
-              </a:rPr>
-              <a:t>http://</a:t>
-            </a:r>
-            <a:r>
-              <a:rPr lang="en-US" sz="3200" dirty="0" smtClean="0">
-                <a:solidFill>
-                  <a:srgbClr val="000000"/>
-                </a:solidFill>
-                <a:latin typeface="Tahoma"/>
-                <a:ea typeface="ＭＳ Ｐゴシック"/>
-                <a:hlinkClick r:id="rId4"/>
-              </a:rPr>
-              <a:t>www.intersect.org.au/orange</a:t>
-            </a:r>
-            <a:r>
-              <a:rPr lang="en-US" sz="3200" dirty="0" smtClean="0">
-                <a:solidFill>
-                  <a:srgbClr val="000000"/>
-                </a:solidFill>
-                <a:latin typeface="Tahoma"/>
-                <a:ea typeface="ＭＳ Ｐゴシック"/>
-              </a:rPr>
-              <a:t> </a:t>
-            </a:r>
-          </a:p>
-          <a:p>
-            <a:pPr marL="914400" lvl="1" indent="-457200">
-              <a:buFont typeface="Arial" pitchFamily="34" charset="0"/>
-              <a:buChar char="•"/>
-            </a:pPr>
-            <a:r>
-              <a:rPr lang="en-US" sz="3200" dirty="0">
-                <a:solidFill>
-                  <a:srgbClr val="000000"/>
-                </a:solidFill>
-                <a:latin typeface="Tahoma"/>
-                <a:ea typeface="ＭＳ Ｐゴシック"/>
-                <a:hlinkClick r:id="rId5"/>
-              </a:rPr>
-              <a:t>http://</a:t>
-            </a:r>
-            <a:r>
-              <a:rPr lang="en-US" sz="3200" dirty="0" smtClean="0">
-                <a:solidFill>
-                  <a:srgbClr val="000000"/>
-                </a:solidFill>
-                <a:latin typeface="Tahoma"/>
-                <a:ea typeface="ＭＳ Ｐゴシック"/>
-                <a:hlinkClick r:id="rId5"/>
-              </a:rPr>
-              <a:t>www.intersect.org.au/nci_next</a:t>
-            </a:r>
-            <a:r>
-              <a:rPr lang="en-US" sz="3200" dirty="0" smtClean="0">
-                <a:solidFill>
-                  <a:srgbClr val="000000"/>
-                </a:solidFill>
-                <a:latin typeface="Tahoma"/>
-                <a:ea typeface="ＭＳ Ｐゴシック"/>
-              </a:rPr>
-              <a:t> </a:t>
-            </a:r>
-          </a:p>
-          <a:p>
-            <a:pPr marL="457200" indent="-457200">
-              <a:buFont typeface="Arial" pitchFamily="34" charset="0"/>
-              <a:buChar char="•"/>
-            </a:pPr>
-            <a:r>
-              <a:rPr lang="en-US" sz="3200" dirty="0" smtClean="0">
-                <a:solidFill>
-                  <a:srgbClr val="000000"/>
-                </a:solidFill>
-                <a:latin typeface="Tahoma"/>
-                <a:ea typeface="ＭＳ Ｐゴシック"/>
-              </a:rPr>
-              <a:t>Sample PBS Script &amp; Info on Orange</a:t>
-            </a:r>
-          </a:p>
-          <a:p>
-            <a:pPr marL="914400" lvl="1" indent="-457200">
-              <a:buFont typeface="Arial" pitchFamily="34" charset="0"/>
-              <a:buChar char="•"/>
-            </a:pPr>
-            <a:r>
-              <a:rPr lang="en-US" sz="3200" dirty="0">
-                <a:solidFill>
-                  <a:srgbClr val="000000"/>
-                </a:solidFill>
-                <a:latin typeface="Tahoma"/>
-                <a:ea typeface="ＭＳ Ｐゴシック"/>
-                <a:hlinkClick r:id="rId6"/>
-              </a:rPr>
-              <a:t>http://</a:t>
-            </a:r>
-            <a:r>
-              <a:rPr lang="en-US" sz="3200" dirty="0" smtClean="0">
-                <a:solidFill>
-                  <a:srgbClr val="000000"/>
-                </a:solidFill>
-                <a:latin typeface="Tahoma"/>
-                <a:ea typeface="ＭＳ Ｐゴシック"/>
-                <a:hlinkClick r:id="rId6"/>
-              </a:rPr>
-              <a:t>www.intersect.org.au/orange-handbook</a:t>
-            </a:r>
-            <a:r>
-              <a:rPr lang="en-US" sz="3200" dirty="0" smtClean="0">
-                <a:solidFill>
-                  <a:srgbClr val="000000"/>
-                </a:solidFill>
-                <a:latin typeface="Tahoma"/>
-                <a:ea typeface="ＭＳ Ｐゴシック"/>
-              </a:rPr>
-              <a:t> </a:t>
-            </a:r>
-            <a:endParaRPr lang="en-US" sz="3200" dirty="0">
-              <a:solidFill>
-                <a:srgbClr val="000000"/>
-              </a:solidFill>
-              <a:latin typeface="Tahoma"/>
-              <a:ea typeface="ＭＳ Ｐゴシック"/>
-            </a:endParaRPr>
-          </a:p>
-        </p:txBody>
-      </p:sp>
-      <p:sp>
-        <p:nvSpPr>
-          <p:cNvPr id="185" name="TextShape 3"/>
-          <p:cNvSpPr txBox="1"/>
-          <p:nvPr/>
-        </p:nvSpPr>
-        <p:spPr>
-          <a:xfrm>
-            <a:off x="0" y="0"/>
-            <a:ext cx="0" cy="0"/>
-          </a:xfrm>
-          <a:prstGeom prst="rect">
-            <a:avLst/>
-          </a:prstGeom>
-        </p:spPr>
-        <p:txBody>
-          <a:bodyPr lIns="90000" tIns="45000" rIns="90000" bIns="45000"/>
-          <a:lstStyle/>
-          <a:p>
-            <a:pPr>
-              <a:lnSpc>
-                <a:spcPct val="100000"/>
-              </a:lnSpc>
-            </a:pPr>
-            <a:r>
-              <a:rPr lang="en-AU">
-                <a:solidFill>
-                  <a:srgbClr val="000000"/>
-                </a:solidFill>
-                <a:latin typeface="Calibri"/>
-              </a:rPr>
-              <a:t>Slide </a:t>
-            </a:r>
-            <a:fld id="{51813181-F101-41B1-B131-1121F1E171C1}" type="slidenum">
-              <a:rPr lang="en-AU">
-                <a:solidFill>
-                  <a:srgbClr val="000000"/>
-                </a:solidFill>
-                <a:latin typeface="Calibri"/>
-              </a:rPr>
-              <a:t>43</a:t>
-            </a:fld>
-            <a:endParaRPr/>
-          </a:p>
-        </p:txBody>
-      </p:sp>
-    </p:spTree>
-  </p:cSld>
-  <p:clrMapOvr>
-    <a:masterClrMapping/>
-  </p:clrMapOvr>
 </p:sld>
 </file>
 
@@ -21770,7 +21908,7 @@
                 <a:latin typeface="Tahoma"/>
                 <a:ea typeface="ＭＳ Ｐゴシック"/>
               </a:rPr>
-              <a:t>Resource Allocation Round</a:t>
+              <a:t>More Info on NCI &amp; Orange</a:t>
             </a:r>
             <a:endParaRPr dirty="0"/>
           </a:p>
@@ -21784,7 +21922,7 @@
         </p:nvSpPr>
         <p:spPr>
           <a:xfrm>
-            <a:off x="436377" y="1393672"/>
+            <a:off x="464096" y="1628800"/>
             <a:ext cx="8229240" cy="4525560"/>
           </a:xfrm>
           <a:prstGeom prst="rect">
@@ -21800,64 +21938,139 @@
               <a:buChar char="•"/>
             </a:pPr>
             <a:r>
-              <a:rPr lang="en-AU" sz="2600" u="sng" dirty="0" smtClean="0">
+              <a:rPr lang="en-US" sz="3200" dirty="0" smtClean="0">
                 <a:solidFill>
                   <a:srgbClr val="000000"/>
                 </a:solidFill>
                 <a:latin typeface="Tahoma"/>
                 <a:ea typeface="ＭＳ Ｐゴシック"/>
               </a:rPr>
-              <a:t>Merit-based </a:t>
-            </a:r>
-            <a:r>
-              <a:rPr lang="en-AU" sz="2600" u="sng" dirty="0">
+              <a:t>Read more about Orange and NCI Facilities</a:t>
+            </a:r>
+          </a:p>
+          <a:p>
+            <a:pPr marL="914400" lvl="1" indent="-457200">
+              <a:buFont typeface="Arial" pitchFamily="34" charset="0"/>
+              <a:buChar char="•"/>
+            </a:pPr>
+            <a:r>
+              <a:rPr lang="en-US" sz="3200" dirty="0" smtClean="0">
                 <a:solidFill>
                   <a:srgbClr val="000000"/>
                 </a:solidFill>
                 <a:latin typeface="Tahoma"/>
                 <a:ea typeface="ＭＳ Ｐゴシック"/>
-              </a:rPr>
-              <a:t>system </a:t>
-            </a:r>
-            <a:r>
-              <a:rPr lang="en-AU" sz="2600" dirty="0">
+                <a:hlinkClick r:id="rId3"/>
+              </a:rPr>
+              <a:t>http</a:t>
+            </a:r>
+            <a:r>
+              <a:rPr lang="en-US" sz="3200" dirty="0">
                 <a:solidFill>
                   <a:srgbClr val="000000"/>
                 </a:solidFill>
                 <a:latin typeface="Tahoma"/>
                 <a:ea typeface="ＭＳ Ｐゴシック"/>
-              </a:rPr>
-              <a:t>by which </a:t>
-            </a:r>
-            <a:r>
-              <a:rPr lang="en-AU" sz="2600" dirty="0" smtClean="0">
+                <a:hlinkClick r:id="rId3"/>
+              </a:rPr>
+              <a:t>://</a:t>
+            </a:r>
+            <a:r>
+              <a:rPr lang="en-US" sz="3200" dirty="0" smtClean="0">
                 <a:solidFill>
                   <a:srgbClr val="000000"/>
                 </a:solidFill>
                 <a:latin typeface="Tahoma"/>
                 <a:ea typeface="ＭＳ Ｐゴシック"/>
-              </a:rPr>
-              <a:t>Intersect members </a:t>
-            </a:r>
-            <a:r>
-              <a:rPr lang="en-AU" sz="2600" dirty="0">
+                <a:hlinkClick r:id="rId3"/>
+              </a:rPr>
+              <a:t>www.intersect.org.au/hpc-news</a:t>
+            </a:r>
+            <a:r>
+              <a:rPr lang="en-US" sz="3200" dirty="0" smtClean="0">
                 <a:solidFill>
                   <a:srgbClr val="000000"/>
                 </a:solidFill>
                 <a:latin typeface="Tahoma"/>
                 <a:ea typeface="ＭＳ Ｐゴシック"/>
               </a:rPr>
-              <a:t>can gain access to our HPC </a:t>
-            </a:r>
-            <a:r>
-              <a:rPr lang="en-AU" sz="2600" dirty="0" smtClean="0">
+              <a:t> </a:t>
+            </a:r>
+          </a:p>
+          <a:p>
+            <a:pPr marL="914400" lvl="1" indent="-457200">
+              <a:buFont typeface="Arial" pitchFamily="34" charset="0"/>
+              <a:buChar char="•"/>
+            </a:pPr>
+            <a:r>
+              <a:rPr lang="en-US" sz="3200" dirty="0">
                 <a:solidFill>
                   <a:srgbClr val="000000"/>
                 </a:solidFill>
                 <a:latin typeface="Tahoma"/>
                 <a:ea typeface="ＭＳ Ｐゴシック"/>
-              </a:rPr>
-              <a:t>facilities</a:t>
+                <a:hlinkClick r:id="rId4"/>
+              </a:rPr>
+              <a:t>http://</a:t>
+            </a:r>
+            <a:r>
+              <a:rPr lang="en-US" sz="3200" dirty="0" smtClean="0">
+                <a:solidFill>
+                  <a:srgbClr val="000000"/>
+                </a:solidFill>
+                <a:latin typeface="Tahoma"/>
+                <a:ea typeface="ＭＳ Ｐゴシック"/>
+                <a:hlinkClick r:id="rId4"/>
+              </a:rPr>
+              <a:t>www.intersect.org.au/orange</a:t>
+            </a:r>
+            <a:r>
+              <a:rPr lang="en-US" sz="3200" dirty="0" smtClean="0">
+                <a:solidFill>
+                  <a:srgbClr val="000000"/>
+                </a:solidFill>
+                <a:latin typeface="Tahoma"/>
+                <a:ea typeface="ＭＳ Ｐゴシック"/>
+              </a:rPr>
+              <a:t> </a:t>
+            </a:r>
+          </a:p>
+          <a:p>
+            <a:pPr marL="914400" lvl="1" indent="-457200">
+              <a:buFont typeface="Arial" pitchFamily="34" charset="0"/>
+              <a:buChar char="•"/>
+            </a:pPr>
+            <a:r>
+              <a:rPr lang="en-US" sz="3200" dirty="0">
+                <a:solidFill>
+                  <a:srgbClr val="000000"/>
+                </a:solidFill>
+                <a:latin typeface="Tahoma"/>
+                <a:ea typeface="ＭＳ Ｐゴシック"/>
+                <a:hlinkClick r:id="rId5"/>
+              </a:rPr>
+              <a:t>http://</a:t>
+            </a:r>
+            <a:r>
+              <a:rPr lang="en-US" sz="3200" dirty="0" smtClean="0">
+                <a:solidFill>
+                  <a:srgbClr val="000000"/>
+                </a:solidFill>
+                <a:latin typeface="Tahoma"/>
+                <a:ea typeface="ＭＳ Ｐゴシック"/>
+                <a:hlinkClick r:id="rId5"/>
+              </a:rPr>
+              <a:t>www.intersect.org.au/nci_next</a:t>
+            </a:r>
+            <a:r>
+              <a:rPr lang="en-US" sz="3200" dirty="0" smtClean="0">
+                <a:solidFill>
+                  <a:srgbClr val="000000"/>
+                </a:solidFill>
+                <a:latin typeface="Tahoma"/>
+                <a:ea typeface="ＭＳ Ｐゴシック"/>
+              </a:rPr>
+              <a:t> </a:t>
             </a:r>
           </a:p>
           <a:p>
@@ -21866,381 +22079,59 @@
               <a:buChar char="•"/>
             </a:pPr>
             <a:r>
-              <a:rPr lang="en-AU" sz="2600" dirty="0">
+              <a:rPr lang="en-US" sz="3200" dirty="0" smtClean="0">
                 <a:solidFill>
                   <a:srgbClr val="000000"/>
                 </a:solidFill>
                 <a:latin typeface="Tahoma"/>
                 <a:ea typeface="ＭＳ Ｐゴシック"/>
-                <a:cs typeface="Tahoma" pitchFamily="34" charset="0"/>
-              </a:rPr>
-              <a:t>Applications </a:t>
-            </a:r>
-            <a:r>
-              <a:rPr lang="en-AU" sz="2600" dirty="0" smtClean="0">
+              </a:rPr>
+              <a:t>Sample PBS Script &amp; Info on Orange</a:t>
+            </a:r>
+          </a:p>
+          <a:p>
+            <a:pPr marL="914400" lvl="1" indent="-457200">
+              <a:buFont typeface="Arial" pitchFamily="34" charset="0"/>
+              <a:buChar char="•"/>
+            </a:pPr>
+            <a:r>
+              <a:rPr lang="en-US" sz="3200" dirty="0">
                 <a:solidFill>
                   <a:srgbClr val="000000"/>
                 </a:solidFill>
                 <a:latin typeface="Tahoma"/>
                 <a:ea typeface="ＭＳ Ｐゴシック"/>
-                <a:cs typeface="Tahoma" pitchFamily="34" charset="0"/>
-              </a:rPr>
-              <a:t>reviewed </a:t>
-            </a:r>
-            <a:r>
-              <a:rPr lang="en-AU" sz="2600" dirty="0">
+                <a:hlinkClick r:id="rId6"/>
+              </a:rPr>
+              <a:t>http://</a:t>
+            </a:r>
+            <a:r>
+              <a:rPr lang="en-US" sz="3200" dirty="0" smtClean="0">
                 <a:solidFill>
                   <a:srgbClr val="000000"/>
                 </a:solidFill>
                 <a:latin typeface="Tahoma"/>
                 <a:ea typeface="ＭＳ Ｐゴシック"/>
-                <a:cs typeface="Tahoma" pitchFamily="34" charset="0"/>
-              </a:rPr>
-              <a:t>by </a:t>
-            </a:r>
-            <a:r>
-              <a:rPr lang="en-AU" sz="2600" dirty="0" smtClean="0">
+                <a:hlinkClick r:id="rId6"/>
+              </a:rPr>
+              <a:t>www.intersect.org.au/orange-handbook</a:t>
+            </a:r>
+            <a:r>
+              <a:rPr lang="en-US" sz="3200" dirty="0" smtClean="0">
                 <a:solidFill>
                   <a:srgbClr val="000000"/>
                 </a:solidFill>
                 <a:latin typeface="Tahoma"/>
                 <a:ea typeface="ＭＳ Ｐゴシック"/>
-                <a:cs typeface="Tahoma" pitchFamily="34" charset="0"/>
-              </a:rPr>
-              <a:t>HPC </a:t>
-            </a:r>
-            <a:r>
-              <a:rPr lang="en-AU" sz="2600" dirty="0">
-                <a:solidFill>
-                  <a:srgbClr val="000000"/>
-                </a:solidFill>
-                <a:latin typeface="Tahoma"/>
-                <a:ea typeface="ＭＳ Ｐゴシック"/>
-                <a:cs typeface="Tahoma" pitchFamily="34" charset="0"/>
-              </a:rPr>
-              <a:t>staff (for </a:t>
-            </a:r>
-            <a:r>
-              <a:rPr lang="en-AU" sz="2600" u="sng" dirty="0">
-                <a:solidFill>
-                  <a:srgbClr val="000000"/>
-                </a:solidFill>
-                <a:latin typeface="Tahoma"/>
-                <a:ea typeface="ＭＳ Ｐゴシック"/>
-                <a:cs typeface="Tahoma" pitchFamily="34" charset="0"/>
-              </a:rPr>
-              <a:t>technical complexity</a:t>
-            </a:r>
-            <a:r>
-              <a:rPr lang="en-AU" sz="2600" dirty="0">
-                <a:solidFill>
-                  <a:srgbClr val="000000"/>
-                </a:solidFill>
-                <a:latin typeface="Tahoma"/>
-                <a:ea typeface="ＭＳ Ｐゴシック"/>
-                <a:cs typeface="Tahoma" pitchFamily="34" charset="0"/>
-              </a:rPr>
-              <a:t> and track record) </a:t>
-            </a:r>
-            <a:r>
-              <a:rPr lang="en-AU" sz="2600" dirty="0" smtClean="0">
-                <a:solidFill>
-                  <a:srgbClr val="000000"/>
-                </a:solidFill>
-                <a:latin typeface="Tahoma"/>
-                <a:ea typeface="ＭＳ Ｐゴシック"/>
-                <a:cs typeface="Tahoma" pitchFamily="34" charset="0"/>
-              </a:rPr>
-              <a:t>and the </a:t>
-            </a:r>
-            <a:r>
-              <a:rPr lang="en-AU" sz="2600" dirty="0">
-                <a:solidFill>
-                  <a:srgbClr val="000000"/>
-                </a:solidFill>
-                <a:latin typeface="Tahoma"/>
-                <a:ea typeface="ＭＳ Ｐゴシック"/>
-                <a:cs typeface="Tahoma" pitchFamily="34" charset="0"/>
-              </a:rPr>
-              <a:t>Intersect Resource Allocation Committee (for </a:t>
-            </a:r>
-            <a:r>
-              <a:rPr lang="en-AU" sz="2600" u="sng" dirty="0">
-                <a:solidFill>
-                  <a:srgbClr val="000000"/>
-                </a:solidFill>
-                <a:latin typeface="Tahoma"/>
-                <a:ea typeface="ＭＳ Ｐゴシック"/>
-                <a:cs typeface="Tahoma" pitchFamily="34" charset="0"/>
-              </a:rPr>
-              <a:t>research merit</a:t>
-            </a:r>
-            <a:r>
-              <a:rPr lang="en-AU" sz="2600" dirty="0" smtClean="0">
-                <a:solidFill>
-                  <a:srgbClr val="000000"/>
-                </a:solidFill>
-                <a:latin typeface="Tahoma"/>
-                <a:ea typeface="ＭＳ Ｐゴシック"/>
-                <a:cs typeface="Tahoma" pitchFamily="34" charset="0"/>
-              </a:rPr>
-              <a:t>)</a:t>
-            </a:r>
-          </a:p>
-          <a:p>
-            <a:pPr marL="457200" indent="-457200">
-              <a:buFont typeface="Arial" pitchFamily="34" charset="0"/>
-              <a:buChar char="•"/>
-            </a:pPr>
-            <a:r>
-              <a:rPr lang="en-AU" sz="2600" dirty="0">
-                <a:solidFill>
-                  <a:srgbClr val="000000"/>
-                </a:solidFill>
-                <a:latin typeface="Tahoma" pitchFamily="34" charset="0"/>
-                <a:ea typeface="Tahoma" pitchFamily="34" charset="0"/>
-                <a:cs typeface="Tahoma" pitchFamily="34" charset="0"/>
-              </a:rPr>
-              <a:t>A</a:t>
-            </a:r>
-            <a:r>
-              <a:rPr lang="en-AU" sz="2600" dirty="0" smtClean="0">
-                <a:solidFill>
-                  <a:srgbClr val="000000"/>
-                </a:solidFill>
-                <a:latin typeface="Tahoma" pitchFamily="34" charset="0"/>
-                <a:ea typeface="Tahoma" pitchFamily="34" charset="0"/>
-                <a:cs typeface="Tahoma" pitchFamily="34" charset="0"/>
-              </a:rPr>
-              <a:t>pplications </a:t>
-            </a:r>
-            <a:r>
-              <a:rPr lang="en-AU" sz="2600" dirty="0">
-                <a:solidFill>
-                  <a:srgbClr val="000000"/>
-                </a:solidFill>
-                <a:latin typeface="Tahoma" pitchFamily="34" charset="0"/>
-                <a:ea typeface="Tahoma" pitchFamily="34" charset="0"/>
-                <a:cs typeface="Tahoma" pitchFamily="34" charset="0"/>
-              </a:rPr>
-              <a:t>to Intersect's HPC systems will be made through </a:t>
-            </a:r>
-            <a:r>
-              <a:rPr lang="en-AU" sz="2600" u="sng" dirty="0" smtClean="0">
-                <a:solidFill>
-                  <a:srgbClr val="000000"/>
-                </a:solidFill>
-                <a:latin typeface="Tahoma" pitchFamily="34" charset="0"/>
-                <a:ea typeface="Tahoma" pitchFamily="34" charset="0"/>
-                <a:cs typeface="Tahoma" pitchFamily="34" charset="0"/>
-              </a:rPr>
-              <a:t>NCI's forms in October each year</a:t>
-            </a:r>
-          </a:p>
-          <a:p>
-            <a:pPr marL="457200" indent="-457200">
-              <a:buFont typeface="Arial" pitchFamily="34" charset="0"/>
-              <a:buChar char="•"/>
-            </a:pPr>
-            <a:r>
-              <a:rPr lang="en-AU" sz="2600" dirty="0" smtClean="0">
-                <a:solidFill>
-                  <a:srgbClr val="000000"/>
-                </a:solidFill>
-                <a:latin typeface="Tahoma" pitchFamily="34" charset="0"/>
-                <a:ea typeface="Tahoma" pitchFamily="34" charset="0"/>
-                <a:cs typeface="Tahoma" pitchFamily="34" charset="0"/>
-              </a:rPr>
-              <a:t>Applications </a:t>
-            </a:r>
-            <a:r>
-              <a:rPr lang="en-AU" sz="2600" dirty="0">
-                <a:solidFill>
-                  <a:srgbClr val="000000"/>
-                </a:solidFill>
-                <a:latin typeface="Tahoma" pitchFamily="34" charset="0"/>
-                <a:ea typeface="Tahoma" pitchFamily="34" charset="0"/>
-                <a:cs typeface="Tahoma" pitchFamily="34" charset="0"/>
-              </a:rPr>
-              <a:t>must be </a:t>
-            </a:r>
-            <a:r>
-              <a:rPr lang="en-AU" sz="2600" u="sng" dirty="0">
-                <a:solidFill>
-                  <a:srgbClr val="000000"/>
-                </a:solidFill>
-                <a:latin typeface="Tahoma" pitchFamily="34" charset="0"/>
-                <a:ea typeface="Tahoma" pitchFamily="34" charset="0"/>
-                <a:cs typeface="Tahoma" pitchFamily="34" charset="0"/>
-              </a:rPr>
-              <a:t>made by Academic Staff </a:t>
-            </a:r>
-            <a:r>
-              <a:rPr lang="en-AU" sz="2600" dirty="0">
-                <a:solidFill>
-                  <a:srgbClr val="000000"/>
-                </a:solidFill>
-                <a:latin typeface="Tahoma" pitchFamily="34" charset="0"/>
-                <a:ea typeface="Tahoma" pitchFamily="34" charset="0"/>
-                <a:cs typeface="Tahoma" pitchFamily="34" charset="0"/>
-              </a:rPr>
-              <a:t>at an Intersect </a:t>
-            </a:r>
-            <a:r>
-              <a:rPr lang="en-AU" sz="2600" dirty="0" smtClean="0">
-                <a:solidFill>
-                  <a:srgbClr val="000000"/>
-                </a:solidFill>
-                <a:latin typeface="Tahoma" pitchFamily="34" charset="0"/>
-                <a:ea typeface="Tahoma" pitchFamily="34" charset="0"/>
-                <a:cs typeface="Tahoma" pitchFamily="34" charset="0"/>
-              </a:rPr>
-              <a:t>member institutions</a:t>
-            </a:r>
-            <a:r>
-              <a:rPr lang="en-AU" sz="2600" dirty="0">
-                <a:solidFill>
-                  <a:srgbClr val="000000"/>
-                </a:solidFill>
-                <a:latin typeface="Tahoma" pitchFamily="34" charset="0"/>
-                <a:ea typeface="Tahoma" pitchFamily="34" charset="0"/>
-                <a:cs typeface="Tahoma" pitchFamily="34" charset="0"/>
-              </a:rPr>
-              <a:t>. </a:t>
-            </a:r>
-            <a:r>
-              <a:rPr lang="en-AU" sz="2600" dirty="0" smtClean="0">
-                <a:solidFill>
-                  <a:srgbClr val="000000"/>
-                </a:solidFill>
-                <a:latin typeface="Tahoma" pitchFamily="34" charset="0"/>
-                <a:ea typeface="Tahoma" pitchFamily="34" charset="0"/>
-                <a:cs typeface="Tahoma" pitchFamily="34" charset="0"/>
-              </a:rPr>
-              <a:t>PhD </a:t>
-            </a:r>
-            <a:r>
-              <a:rPr lang="en-AU" sz="2600" dirty="0">
-                <a:solidFill>
-                  <a:srgbClr val="000000"/>
-                </a:solidFill>
-                <a:latin typeface="Tahoma" pitchFamily="34" charset="0"/>
-                <a:ea typeface="Tahoma" pitchFamily="34" charset="0"/>
-                <a:cs typeface="Tahoma" pitchFamily="34" charset="0"/>
-              </a:rPr>
-              <a:t>students </a:t>
-            </a:r>
-            <a:r>
-              <a:rPr lang="en-AU" sz="2600" dirty="0" smtClean="0">
-                <a:solidFill>
-                  <a:srgbClr val="000000"/>
-                </a:solidFill>
-                <a:latin typeface="Tahoma" pitchFamily="34" charset="0"/>
-                <a:ea typeface="Tahoma" pitchFamily="34" charset="0"/>
-                <a:cs typeface="Tahoma" pitchFamily="34" charset="0"/>
-              </a:rPr>
-              <a:t>can make </a:t>
-            </a:r>
-            <a:r>
-              <a:rPr lang="en-AU" sz="2600" dirty="0">
-                <a:solidFill>
-                  <a:srgbClr val="000000"/>
-                </a:solidFill>
-                <a:latin typeface="Tahoma" pitchFamily="34" charset="0"/>
-                <a:ea typeface="Tahoma" pitchFamily="34" charset="0"/>
-                <a:cs typeface="Tahoma" pitchFamily="34" charset="0"/>
-              </a:rPr>
-              <a:t>use of the facilities, </a:t>
-            </a:r>
-            <a:r>
-              <a:rPr lang="en-AU" sz="2600" dirty="0" smtClean="0">
-                <a:solidFill>
-                  <a:srgbClr val="000000"/>
-                </a:solidFill>
-                <a:latin typeface="Tahoma" pitchFamily="34" charset="0"/>
-                <a:ea typeface="Tahoma" pitchFamily="34" charset="0"/>
-                <a:cs typeface="Tahoma" pitchFamily="34" charset="0"/>
-              </a:rPr>
-              <a:t>the </a:t>
-            </a:r>
-            <a:r>
-              <a:rPr lang="en-AU" sz="2600" dirty="0">
-                <a:solidFill>
-                  <a:srgbClr val="000000"/>
-                </a:solidFill>
-                <a:latin typeface="Tahoma" pitchFamily="34" charset="0"/>
-                <a:ea typeface="Tahoma" pitchFamily="34" charset="0"/>
-                <a:cs typeface="Tahoma" pitchFamily="34" charset="0"/>
-              </a:rPr>
-              <a:t>lead CI </a:t>
-            </a:r>
-            <a:r>
-              <a:rPr lang="en-AU" sz="2600" dirty="0" smtClean="0">
-                <a:solidFill>
-                  <a:srgbClr val="000000"/>
-                </a:solidFill>
-                <a:latin typeface="Tahoma" pitchFamily="34" charset="0"/>
-                <a:ea typeface="Tahoma" pitchFamily="34" charset="0"/>
-                <a:cs typeface="Tahoma" pitchFamily="34" charset="0"/>
-              </a:rPr>
-              <a:t>must be an academic </a:t>
-            </a:r>
-            <a:r>
-              <a:rPr lang="en-AU" sz="2600" dirty="0">
-                <a:solidFill>
-                  <a:srgbClr val="000000"/>
-                </a:solidFill>
-                <a:latin typeface="Tahoma" pitchFamily="34" charset="0"/>
-                <a:ea typeface="Tahoma" pitchFamily="34" charset="0"/>
-                <a:cs typeface="Tahoma" pitchFamily="34" charset="0"/>
-              </a:rPr>
-              <a:t>staff member</a:t>
-            </a:r>
-            <a:r>
-              <a:rPr lang="en-AU" sz="2600" dirty="0" smtClean="0">
-                <a:solidFill>
-                  <a:srgbClr val="000000"/>
-                </a:solidFill>
-                <a:latin typeface="Tahoma" pitchFamily="34" charset="0"/>
-                <a:ea typeface="Tahoma" pitchFamily="34" charset="0"/>
-                <a:cs typeface="Tahoma" pitchFamily="34" charset="0"/>
-              </a:rPr>
-              <a:t>.</a:t>
-            </a:r>
-          </a:p>
-          <a:p>
-            <a:pPr marL="457200" indent="-457200">
-              <a:buFont typeface="Arial" pitchFamily="34" charset="0"/>
-              <a:buChar char="•"/>
-            </a:pPr>
-            <a:r>
-              <a:rPr lang="en-AU" sz="2600" dirty="0" smtClean="0">
-                <a:solidFill>
-                  <a:srgbClr val="000000"/>
-                </a:solidFill>
-                <a:latin typeface="Tahoma" pitchFamily="34" charset="0"/>
-                <a:ea typeface="Tahoma" pitchFamily="34" charset="0"/>
-                <a:cs typeface="Tahoma" pitchFamily="34" charset="0"/>
-              </a:rPr>
-              <a:t>Questions to: </a:t>
-            </a:r>
-            <a:r>
-              <a:rPr lang="en-AU" sz="2800" dirty="0" smtClean="0">
-                <a:hlinkClick r:id="rId3"/>
-              </a:rPr>
-              <a:t>hpc_support@intersect.org.au</a:t>
-            </a:r>
-            <a:r>
-              <a:rPr lang="en-AU" sz="2800" dirty="0" smtClean="0"/>
+              </a:rPr>
               <a:t> </a:t>
             </a:r>
-            <a:endParaRPr lang="en-US" sz="2600" dirty="0">
+            <a:endParaRPr lang="en-US" sz="3200" dirty="0">
               <a:solidFill>
                 <a:srgbClr val="000000"/>
               </a:solidFill>
-              <a:latin typeface="Tahoma" pitchFamily="34" charset="0"/>
-              <a:ea typeface="Tahoma" pitchFamily="34" charset="0"/>
-              <a:cs typeface="Tahoma" pitchFamily="34" charset="0"/>
+              <a:latin typeface="Tahoma"/>
+              <a:ea typeface="ＭＳ Ｐゴシック"/>
             </a:endParaRPr>
           </a:p>
         </p:txBody>
@@ -22292,11 +22183,6 @@
         </p:txBody>
       </p:sp>
     </p:spTree>
-    <p:extLst>
-      <p:ext uri="{BB962C8B-B14F-4D97-AF65-F5344CB8AC3E}">
-        <p14:creationId xmlns:p14="http://schemas.microsoft.com/office/powerpoint/2010/main" val="651339294"/>
-      </p:ext>
-    </p:extLst>
   </p:cSld>
   <p:clrMapOvr>
     <a:masterClrMapping/>
@@ -22353,7 +22239,7 @@
                 <a:latin typeface="Tahoma"/>
                 <a:ea typeface="ＭＳ Ｐゴシック"/>
               </a:rPr>
-              <a:t>Register with NCI (step 1)</a:t>
+              <a:t>Resource Allocation Round</a:t>
             </a:r>
             <a:endParaRPr dirty="0"/>
           </a:p>
@@ -22367,7 +22253,7 @@
         </p:nvSpPr>
         <p:spPr>
           <a:xfrm>
-            <a:off x="457200" y="1600200"/>
+            <a:off x="436377" y="1393672"/>
             <a:ext cx="8229240" cy="4525560"/>
           </a:xfrm>
           <a:prstGeom prst="rect">
@@ -22378,106 +22264,446 @@
           <a:bodyPr/>
           <a:lstStyle/>
           <a:p>
-            <a:pPr lvl="1"/>
-            <a:r>
-              <a:rPr lang="en-AU" sz="2800" dirty="0" smtClean="0">
-                <a:solidFill>
-                  <a:srgbClr val="000000"/>
-                </a:solidFill>
-                <a:latin typeface="Tahoma" pitchFamily="34" charset="0"/>
-                <a:ea typeface="Tahoma" pitchFamily="34" charset="0"/>
-                <a:cs typeface="Tahoma" pitchFamily="34" charset="0"/>
-              </a:rPr>
-              <a:t>Register </a:t>
-            </a:r>
-            <a:r>
-              <a:rPr lang="en-AU" sz="2800" b="1" u="sng" dirty="0" smtClean="0">
-                <a:solidFill>
-                  <a:srgbClr val="000000"/>
-                </a:solidFill>
-                <a:latin typeface="Tahoma" pitchFamily="34" charset="0"/>
-                <a:ea typeface="Tahoma" pitchFamily="34" charset="0"/>
-                <a:cs typeface="Tahoma" pitchFamily="34" charset="0"/>
-              </a:rPr>
-              <a:t>a new Id with NCI</a:t>
-            </a:r>
-            <a:r>
-              <a:rPr lang="en-AU" sz="2800" dirty="0" smtClean="0">
-                <a:solidFill>
-                  <a:srgbClr val="000000"/>
-                </a:solidFill>
-                <a:latin typeface="Tahoma" pitchFamily="34" charset="0"/>
-                <a:ea typeface="Tahoma" pitchFamily="34" charset="0"/>
-                <a:cs typeface="Tahoma" pitchFamily="34" charset="0"/>
-              </a:rPr>
-              <a:t>:</a:t>
-            </a:r>
-          </a:p>
-          <a:p>
-            <a:pPr marL="914400" lvl="1" indent="-457200">
+            <a:pPr marL="457200" indent="-457200">
               <a:buFont typeface="Arial" pitchFamily="34" charset="0"/>
               <a:buChar char="•"/>
             </a:pPr>
-            <a:endParaRPr lang="en-AU" sz="2800" dirty="0">
-              <a:solidFill>
-                <a:srgbClr val="000000"/>
-              </a:solidFill>
-              <a:latin typeface="Tahoma" pitchFamily="34" charset="0"/>
-              <a:ea typeface="Tahoma" pitchFamily="34" charset="0"/>
-              <a:cs typeface="Tahoma" pitchFamily="34" charset="0"/>
-            </a:endParaRPr>
-          </a:p>
-          <a:p>
-            <a:pPr lvl="2"/>
-            <a:r>
-              <a:rPr lang="en-AU" sz="2800" u="sng" dirty="0">
-                <a:latin typeface="Tahoma" pitchFamily="34" charset="0"/>
-                <a:ea typeface="Tahoma" pitchFamily="34" charset="0"/>
-                <a:cs typeface="Tahoma" pitchFamily="34" charset="0"/>
-                <a:hlinkClick r:id="rId2"/>
-              </a:rPr>
-              <a:t>http://</a:t>
-            </a:r>
-            <a:r>
-              <a:rPr lang="en-AU" sz="2800" u="sng" dirty="0" smtClean="0">
-                <a:latin typeface="Tahoma" pitchFamily="34" charset="0"/>
-                <a:ea typeface="Tahoma" pitchFamily="34" charset="0"/>
-                <a:cs typeface="Tahoma" pitchFamily="34" charset="0"/>
-                <a:hlinkClick r:id="rId2"/>
-              </a:rPr>
-              <a:t>nf.nci.org.au/accounts/forms/user_registration.php</a:t>
-            </a:r>
-            <a:endParaRPr lang="en-AU" sz="2800" u="sng" dirty="0" smtClean="0">
-              <a:latin typeface="Tahoma" pitchFamily="34" charset="0"/>
-              <a:ea typeface="Tahoma" pitchFamily="34" charset="0"/>
-              <a:cs typeface="Tahoma" pitchFamily="34" charset="0"/>
-            </a:endParaRPr>
-          </a:p>
-          <a:p>
-            <a:pPr lvl="1"/>
-            <a:endParaRPr lang="en-AU" sz="2800" u="sng" dirty="0">
-              <a:solidFill>
-                <a:srgbClr val="000000"/>
-              </a:solidFill>
-              <a:latin typeface="Tahoma" pitchFamily="34" charset="0"/>
-              <a:ea typeface="Tahoma" pitchFamily="34" charset="0"/>
-              <a:cs typeface="Tahoma" pitchFamily="34" charset="0"/>
-            </a:endParaRPr>
-          </a:p>
-          <a:p>
-            <a:pPr lvl="1"/>
-            <a:r>
-              <a:rPr lang="en-AU" sz="2800" u="sng" dirty="0" smtClean="0">
-                <a:solidFill>
-                  <a:srgbClr val="000000"/>
-                </a:solidFill>
-                <a:latin typeface="Tahoma" pitchFamily="34" charset="0"/>
-                <a:ea typeface="Tahoma" pitchFamily="34" charset="0"/>
-                <a:cs typeface="Tahoma" pitchFamily="34" charset="0"/>
-              </a:rPr>
-              <a:t>This will provide your details to NCI</a:t>
-            </a:r>
-            <a:endParaRPr lang="en-US" sz="2800" u="sng" dirty="0" smtClean="0">
+            <a:r>
+              <a:rPr lang="en-AU" sz="2600" u="sng" dirty="0" smtClean="0">
+                <a:solidFill>
+                  <a:srgbClr val="000000"/>
+                </a:solidFill>
+                <a:latin typeface="Tahoma"/>
+                <a:ea typeface="ＭＳ Ｐゴシック"/>
+              </a:rPr>
+              <a:t>Merit-based </a:t>
+            </a:r>
+            <a:r>
+              <a:rPr lang="en-AU" sz="2600" u="sng" dirty="0">
+                <a:solidFill>
+                  <a:srgbClr val="000000"/>
+                </a:solidFill>
+                <a:latin typeface="Tahoma"/>
+                <a:ea typeface="ＭＳ Ｐゴシック"/>
+              </a:rPr>
+              <a:t>system </a:t>
+            </a:r>
+            <a:r>
+              <a:rPr lang="en-AU" sz="2600" dirty="0">
+                <a:solidFill>
+                  <a:srgbClr val="000000"/>
+                </a:solidFill>
+                <a:latin typeface="Tahoma"/>
+                <a:ea typeface="ＭＳ Ｐゴシック"/>
+              </a:rPr>
+              <a:t>by which </a:t>
+            </a:r>
+            <a:r>
+              <a:rPr lang="en-AU" sz="2600" dirty="0" smtClean="0">
+                <a:solidFill>
+                  <a:srgbClr val="000000"/>
+                </a:solidFill>
+                <a:latin typeface="Tahoma"/>
+                <a:ea typeface="ＭＳ Ｐゴシック"/>
+              </a:rPr>
+              <a:t>Intersect members </a:t>
+            </a:r>
+            <a:r>
+              <a:rPr lang="en-AU" sz="2600" dirty="0">
+                <a:solidFill>
+                  <a:srgbClr val="000000"/>
+                </a:solidFill>
+                <a:latin typeface="Tahoma"/>
+                <a:ea typeface="ＭＳ Ｐゴシック"/>
+              </a:rPr>
+              <a:t>can gain access to our HPC </a:t>
+            </a:r>
+            <a:r>
+              <a:rPr lang="en-AU" sz="2600" dirty="0" smtClean="0">
+                <a:solidFill>
+                  <a:srgbClr val="000000"/>
+                </a:solidFill>
+                <a:latin typeface="Tahoma"/>
+                <a:ea typeface="ＭＳ Ｐゴシック"/>
+              </a:rPr>
+              <a:t>facilities</a:t>
+            </a:r>
+          </a:p>
+          <a:p>
+            <a:pPr marL="457200" indent="-457200">
+              <a:buFont typeface="Arial" pitchFamily="34" charset="0"/>
+              <a:buChar char="•"/>
+            </a:pPr>
+            <a:r>
+              <a:rPr lang="en-AU" sz="2600" dirty="0">
+                <a:solidFill>
+                  <a:srgbClr val="000000"/>
+                </a:solidFill>
+                <a:latin typeface="Tahoma"/>
+                <a:ea typeface="ＭＳ Ｐゴシック"/>
+                <a:cs typeface="Tahoma" pitchFamily="34" charset="0"/>
+              </a:rPr>
+              <a:t>Applications </a:t>
+            </a:r>
+            <a:r>
+              <a:rPr lang="en-AU" sz="2600" dirty="0" smtClean="0">
+                <a:solidFill>
+                  <a:srgbClr val="000000"/>
+                </a:solidFill>
+                <a:latin typeface="Tahoma"/>
+                <a:ea typeface="ＭＳ Ｐゴシック"/>
+                <a:cs typeface="Tahoma" pitchFamily="34" charset="0"/>
+              </a:rPr>
+              <a:t>reviewed </a:t>
+            </a:r>
+            <a:r>
+              <a:rPr lang="en-AU" sz="2600" dirty="0">
+                <a:solidFill>
+                  <a:srgbClr val="000000"/>
+                </a:solidFill>
+                <a:latin typeface="Tahoma"/>
+                <a:ea typeface="ＭＳ Ｐゴシック"/>
+                <a:cs typeface="Tahoma" pitchFamily="34" charset="0"/>
+              </a:rPr>
+              <a:t>by </a:t>
+            </a:r>
+            <a:r>
+              <a:rPr lang="en-AU" sz="2600" dirty="0" smtClean="0">
+                <a:solidFill>
+                  <a:srgbClr val="000000"/>
+                </a:solidFill>
+                <a:latin typeface="Tahoma"/>
+                <a:ea typeface="ＭＳ Ｐゴシック"/>
+                <a:cs typeface="Tahoma" pitchFamily="34" charset="0"/>
+              </a:rPr>
+              <a:t>HPC </a:t>
+            </a:r>
+            <a:r>
+              <a:rPr lang="en-AU" sz="2600" dirty="0">
+                <a:solidFill>
+                  <a:srgbClr val="000000"/>
+                </a:solidFill>
+                <a:latin typeface="Tahoma"/>
+                <a:ea typeface="ＭＳ Ｐゴシック"/>
+                <a:cs typeface="Tahoma" pitchFamily="34" charset="0"/>
+              </a:rPr>
+              <a:t>staff (for </a:t>
+            </a:r>
+            <a:r>
+              <a:rPr lang="en-AU" sz="2600" u="sng" dirty="0">
+                <a:solidFill>
+                  <a:srgbClr val="000000"/>
+                </a:solidFill>
+                <a:latin typeface="Tahoma"/>
+                <a:ea typeface="ＭＳ Ｐゴシック"/>
+                <a:cs typeface="Tahoma" pitchFamily="34" charset="0"/>
+              </a:rPr>
+              <a:t>technical complexity</a:t>
+            </a:r>
+            <a:r>
+              <a:rPr lang="en-AU" sz="2600" dirty="0">
+                <a:solidFill>
+                  <a:srgbClr val="000000"/>
+                </a:solidFill>
+                <a:latin typeface="Tahoma"/>
+                <a:ea typeface="ＭＳ Ｐゴシック"/>
+                <a:cs typeface="Tahoma" pitchFamily="34" charset="0"/>
+              </a:rPr>
+              <a:t> and track record) </a:t>
+            </a:r>
+            <a:r>
+              <a:rPr lang="en-AU" sz="2600" dirty="0" smtClean="0">
+                <a:solidFill>
+                  <a:srgbClr val="000000"/>
+                </a:solidFill>
+                <a:latin typeface="Tahoma"/>
+                <a:ea typeface="ＭＳ Ｐゴシック"/>
+                <a:cs typeface="Tahoma" pitchFamily="34" charset="0"/>
+              </a:rPr>
+              <a:t>and the </a:t>
+            </a:r>
+            <a:r>
+              <a:rPr lang="en-AU" sz="2600" dirty="0">
+                <a:solidFill>
+                  <a:srgbClr val="000000"/>
+                </a:solidFill>
+                <a:latin typeface="Tahoma"/>
+                <a:ea typeface="ＭＳ Ｐゴシック"/>
+                <a:cs typeface="Tahoma" pitchFamily="34" charset="0"/>
+              </a:rPr>
+              <a:t>Intersect Resource Allocation Committee (for </a:t>
+            </a:r>
+            <a:r>
+              <a:rPr lang="en-AU" sz="2600" u="sng" dirty="0">
+                <a:solidFill>
+                  <a:srgbClr val="000000"/>
+                </a:solidFill>
+                <a:latin typeface="Tahoma"/>
+                <a:ea typeface="ＭＳ Ｐゴシック"/>
+                <a:cs typeface="Tahoma" pitchFamily="34" charset="0"/>
+              </a:rPr>
+              <a:t>research merit</a:t>
+            </a:r>
+            <a:r>
+              <a:rPr lang="en-AU" sz="2600" dirty="0" smtClean="0">
+                <a:solidFill>
+                  <a:srgbClr val="000000"/>
+                </a:solidFill>
+                <a:latin typeface="Tahoma"/>
+                <a:ea typeface="ＭＳ Ｐゴシック"/>
+                <a:cs typeface="Tahoma" pitchFamily="34" charset="0"/>
+              </a:rPr>
+              <a:t>)</a:t>
+            </a:r>
+          </a:p>
+          <a:p>
+            <a:pPr marL="457200" indent="-457200">
+              <a:buFont typeface="Arial" pitchFamily="34" charset="0"/>
+              <a:buChar char="•"/>
+            </a:pPr>
+            <a:r>
+              <a:rPr lang="en-AU" sz="2600" dirty="0">
+                <a:solidFill>
+                  <a:srgbClr val="000000"/>
+                </a:solidFill>
+                <a:latin typeface="Tahoma" pitchFamily="34" charset="0"/>
+                <a:ea typeface="Tahoma" pitchFamily="34" charset="0"/>
+                <a:cs typeface="Tahoma" pitchFamily="34" charset="0"/>
+              </a:rPr>
+              <a:t>A</a:t>
+            </a:r>
+            <a:r>
+              <a:rPr lang="en-AU" sz="2600" dirty="0" smtClean="0">
+                <a:solidFill>
+                  <a:srgbClr val="000000"/>
+                </a:solidFill>
+                <a:latin typeface="Tahoma" pitchFamily="34" charset="0"/>
+                <a:ea typeface="Tahoma" pitchFamily="34" charset="0"/>
+                <a:cs typeface="Tahoma" pitchFamily="34" charset="0"/>
+              </a:rPr>
+              <a:t>pplications </a:t>
+            </a:r>
+            <a:r>
+              <a:rPr lang="en-AU" sz="2600" dirty="0">
+                <a:solidFill>
+                  <a:srgbClr val="000000"/>
+                </a:solidFill>
+                <a:latin typeface="Tahoma" pitchFamily="34" charset="0"/>
+                <a:ea typeface="Tahoma" pitchFamily="34" charset="0"/>
+                <a:cs typeface="Tahoma" pitchFamily="34" charset="0"/>
+              </a:rPr>
+              <a:t>to Intersect's HPC systems will be made through </a:t>
+            </a:r>
+            <a:r>
+              <a:rPr lang="en-AU" sz="2600" u="sng" dirty="0" smtClean="0">
+                <a:solidFill>
+                  <a:srgbClr val="000000"/>
+                </a:solidFill>
+                <a:latin typeface="Tahoma" pitchFamily="34" charset="0"/>
+                <a:ea typeface="Tahoma" pitchFamily="34" charset="0"/>
+                <a:cs typeface="Tahoma" pitchFamily="34" charset="0"/>
+              </a:rPr>
+              <a:t>NCI's forms in October each year</a:t>
+            </a:r>
+          </a:p>
+          <a:p>
+            <a:pPr marL="457200" indent="-457200">
+              <a:buFont typeface="Arial" pitchFamily="34" charset="0"/>
+              <a:buChar char="•"/>
+            </a:pPr>
+            <a:r>
+              <a:rPr lang="en-AU" sz="2600" dirty="0" smtClean="0">
+                <a:solidFill>
+                  <a:srgbClr val="000000"/>
+                </a:solidFill>
+                <a:latin typeface="Tahoma" pitchFamily="34" charset="0"/>
+                <a:ea typeface="Tahoma" pitchFamily="34" charset="0"/>
+                <a:cs typeface="Tahoma" pitchFamily="34" charset="0"/>
+              </a:rPr>
+              <a:t>Applications </a:t>
+            </a:r>
+            <a:r>
+              <a:rPr lang="en-AU" sz="2600" dirty="0">
+                <a:solidFill>
+                  <a:srgbClr val="000000"/>
+                </a:solidFill>
+                <a:latin typeface="Tahoma" pitchFamily="34" charset="0"/>
+                <a:ea typeface="Tahoma" pitchFamily="34" charset="0"/>
+                <a:cs typeface="Tahoma" pitchFamily="34" charset="0"/>
+              </a:rPr>
+              <a:t>must be </a:t>
+            </a:r>
+            <a:r>
+              <a:rPr lang="en-AU" sz="2600" u="sng" dirty="0">
+                <a:solidFill>
+                  <a:srgbClr val="000000"/>
+                </a:solidFill>
+                <a:latin typeface="Tahoma" pitchFamily="34" charset="0"/>
+                <a:ea typeface="Tahoma" pitchFamily="34" charset="0"/>
+                <a:cs typeface="Tahoma" pitchFamily="34" charset="0"/>
+              </a:rPr>
+              <a:t>made by Academic Staff </a:t>
+            </a:r>
+            <a:r>
+              <a:rPr lang="en-AU" sz="2600" dirty="0">
+                <a:solidFill>
+                  <a:srgbClr val="000000"/>
+                </a:solidFill>
+                <a:latin typeface="Tahoma" pitchFamily="34" charset="0"/>
+                <a:ea typeface="Tahoma" pitchFamily="34" charset="0"/>
+                <a:cs typeface="Tahoma" pitchFamily="34" charset="0"/>
+              </a:rPr>
+              <a:t>at an Intersect </a:t>
+            </a:r>
+            <a:r>
+              <a:rPr lang="en-AU" sz="2600" dirty="0" smtClean="0">
+                <a:solidFill>
+                  <a:srgbClr val="000000"/>
+                </a:solidFill>
+                <a:latin typeface="Tahoma" pitchFamily="34" charset="0"/>
+                <a:ea typeface="Tahoma" pitchFamily="34" charset="0"/>
+                <a:cs typeface="Tahoma" pitchFamily="34" charset="0"/>
+              </a:rPr>
+              <a:t>member institutions</a:t>
+            </a:r>
+            <a:r>
+              <a:rPr lang="en-AU" sz="2600" dirty="0">
+                <a:solidFill>
+                  <a:srgbClr val="000000"/>
+                </a:solidFill>
+                <a:latin typeface="Tahoma" pitchFamily="34" charset="0"/>
+                <a:ea typeface="Tahoma" pitchFamily="34" charset="0"/>
+                <a:cs typeface="Tahoma" pitchFamily="34" charset="0"/>
+              </a:rPr>
+              <a:t>. </a:t>
+            </a:r>
+            <a:r>
+              <a:rPr lang="en-AU" sz="2600" dirty="0" smtClean="0">
+                <a:solidFill>
+                  <a:srgbClr val="000000"/>
+                </a:solidFill>
+                <a:latin typeface="Tahoma" pitchFamily="34" charset="0"/>
+                <a:ea typeface="Tahoma" pitchFamily="34" charset="0"/>
+                <a:cs typeface="Tahoma" pitchFamily="34" charset="0"/>
+              </a:rPr>
+              <a:t>PhD </a:t>
+            </a:r>
+            <a:r>
+              <a:rPr lang="en-AU" sz="2600" dirty="0">
+                <a:solidFill>
+                  <a:srgbClr val="000000"/>
+                </a:solidFill>
+                <a:latin typeface="Tahoma" pitchFamily="34" charset="0"/>
+                <a:ea typeface="Tahoma" pitchFamily="34" charset="0"/>
+                <a:cs typeface="Tahoma" pitchFamily="34" charset="0"/>
+              </a:rPr>
+              <a:t>students </a:t>
+            </a:r>
+            <a:r>
+              <a:rPr lang="en-AU" sz="2600" dirty="0" smtClean="0">
+                <a:solidFill>
+                  <a:srgbClr val="000000"/>
+                </a:solidFill>
+                <a:latin typeface="Tahoma" pitchFamily="34" charset="0"/>
+                <a:ea typeface="Tahoma" pitchFamily="34" charset="0"/>
+                <a:cs typeface="Tahoma" pitchFamily="34" charset="0"/>
+              </a:rPr>
+              <a:t>can make </a:t>
+            </a:r>
+            <a:r>
+              <a:rPr lang="en-AU" sz="2600" dirty="0">
+                <a:solidFill>
+                  <a:srgbClr val="000000"/>
+                </a:solidFill>
+                <a:latin typeface="Tahoma" pitchFamily="34" charset="0"/>
+                <a:ea typeface="Tahoma" pitchFamily="34" charset="0"/>
+                <a:cs typeface="Tahoma" pitchFamily="34" charset="0"/>
+              </a:rPr>
+              <a:t>use of the facilities, </a:t>
+            </a:r>
+            <a:r>
+              <a:rPr lang="en-AU" sz="2600" dirty="0" smtClean="0">
+                <a:solidFill>
+                  <a:srgbClr val="000000"/>
+                </a:solidFill>
+                <a:latin typeface="Tahoma" pitchFamily="34" charset="0"/>
+                <a:ea typeface="Tahoma" pitchFamily="34" charset="0"/>
+                <a:cs typeface="Tahoma" pitchFamily="34" charset="0"/>
+              </a:rPr>
+              <a:t>the </a:t>
+            </a:r>
+            <a:r>
+              <a:rPr lang="en-AU" sz="2600" dirty="0">
+                <a:solidFill>
+                  <a:srgbClr val="000000"/>
+                </a:solidFill>
+                <a:latin typeface="Tahoma" pitchFamily="34" charset="0"/>
+                <a:ea typeface="Tahoma" pitchFamily="34" charset="0"/>
+                <a:cs typeface="Tahoma" pitchFamily="34" charset="0"/>
+              </a:rPr>
+              <a:t>lead CI </a:t>
+            </a:r>
+            <a:r>
+              <a:rPr lang="en-AU" sz="2600" dirty="0" smtClean="0">
+                <a:solidFill>
+                  <a:srgbClr val="000000"/>
+                </a:solidFill>
+                <a:latin typeface="Tahoma" pitchFamily="34" charset="0"/>
+                <a:ea typeface="Tahoma" pitchFamily="34" charset="0"/>
+                <a:cs typeface="Tahoma" pitchFamily="34" charset="0"/>
+              </a:rPr>
+              <a:t>must be an academic </a:t>
+            </a:r>
+            <a:r>
+              <a:rPr lang="en-AU" sz="2600" dirty="0">
+                <a:solidFill>
+                  <a:srgbClr val="000000"/>
+                </a:solidFill>
+                <a:latin typeface="Tahoma" pitchFamily="34" charset="0"/>
+                <a:ea typeface="Tahoma" pitchFamily="34" charset="0"/>
+                <a:cs typeface="Tahoma" pitchFamily="34" charset="0"/>
+              </a:rPr>
+              <a:t>staff member</a:t>
+            </a:r>
+            <a:r>
+              <a:rPr lang="en-AU" sz="2600" dirty="0" smtClean="0">
+                <a:solidFill>
+                  <a:srgbClr val="000000"/>
+                </a:solidFill>
+                <a:latin typeface="Tahoma" pitchFamily="34" charset="0"/>
+                <a:ea typeface="Tahoma" pitchFamily="34" charset="0"/>
+                <a:cs typeface="Tahoma" pitchFamily="34" charset="0"/>
+              </a:rPr>
+              <a:t>.</a:t>
+            </a:r>
+          </a:p>
+          <a:p>
+            <a:pPr marL="457200" indent="-457200">
+              <a:buFont typeface="Arial" pitchFamily="34" charset="0"/>
+              <a:buChar char="•"/>
+            </a:pPr>
+            <a:r>
+              <a:rPr lang="en-AU" sz="2600" dirty="0" smtClean="0">
+                <a:solidFill>
+                  <a:srgbClr val="000000"/>
+                </a:solidFill>
+                <a:latin typeface="Tahoma" pitchFamily="34" charset="0"/>
+                <a:ea typeface="Tahoma" pitchFamily="34" charset="0"/>
+                <a:cs typeface="Tahoma" pitchFamily="34" charset="0"/>
+              </a:rPr>
+              <a:t>Questions to: </a:t>
+            </a:r>
+            <a:r>
+              <a:rPr lang="en-AU" sz="2800" dirty="0" smtClean="0">
+                <a:hlinkClick r:id="rId3"/>
+              </a:rPr>
+              <a:t>hpc_support@intersect.org.au</a:t>
+            </a:r>
+            <a:r>
+              <a:rPr lang="en-AU" sz="2800" dirty="0" smtClean="0"/>
+              <a:t> </a:t>
+            </a:r>
+            <a:endParaRPr lang="en-US" sz="2600" dirty="0">
               <a:solidFill>
                 <a:srgbClr val="000000"/>
               </a:solidFill>
@@ -22537,7 +22763,7 @@
     </p:spTree>
     <p:extLst>
       <p:ext uri="{BB962C8B-B14F-4D97-AF65-F5344CB8AC3E}">
-        <p14:creationId xmlns:p14="http://schemas.microsoft.com/office/powerpoint/2010/main" val="2503921704"/>
+        <p14:creationId xmlns:p14="http://schemas.microsoft.com/office/powerpoint/2010/main" val="651339294"/>
       </p:ext>
     </p:extLst>
   </p:cSld>
@@ -22589,26 +22815,16 @@
               </a:lnSpc>
             </a:pPr>
             <a:r>
-              <a:rPr lang="en-AU" sz="4400" dirty="0">
+              <a:rPr lang="en-US" sz="4400" dirty="0" smtClean="0">
                 <a:solidFill>
                   <a:srgbClr val="E46C0A"/>
                 </a:solidFill>
                 <a:latin typeface="Tahoma"/>
                 <a:ea typeface="ＭＳ Ｐゴシック"/>
               </a:rPr>
-              <a:t>Register with NCI (step 2</a:t>
-            </a:r>
-            <a:r>
-              <a:rPr lang="en-AU" sz="4400" dirty="0" smtClean="0">
-                <a:solidFill>
-                  <a:srgbClr val="E46C0A"/>
-                </a:solidFill>
-                <a:latin typeface="Tahoma"/>
-                <a:ea typeface="ＭＳ Ｐゴシック"/>
-              </a:rPr>
-              <a:t>)</a:t>
-            </a:r>
-            <a:endParaRPr lang="en-AU" sz="4400" dirty="0"/>
+              <a:t>To Apply</a:t>
+            </a:r>
+            <a:endParaRPr dirty="0"/>
           </a:p>
         </p:txBody>
       </p:sp>
@@ -22633,41 +22849,20 @@
           <a:p>
             <a:pPr lvl="1"/>
             <a:r>
-              <a:rPr lang="en-US" sz="2800" dirty="0" smtClean="0">
-                <a:solidFill>
-                  <a:srgbClr val="000000"/>
-                </a:solidFill>
-                <a:latin typeface="Tahoma" pitchFamily="34" charset="0"/>
-                <a:ea typeface="Tahoma" pitchFamily="34" charset="0"/>
-                <a:cs typeface="Tahoma" pitchFamily="34" charset="0"/>
-              </a:rPr>
-              <a:t>Apply for </a:t>
-            </a:r>
-            <a:r>
-              <a:rPr lang="en-US" sz="2800" b="1" u="sng" dirty="0" smtClean="0">
-                <a:solidFill>
-                  <a:srgbClr val="000000"/>
-                </a:solidFill>
-                <a:latin typeface="Tahoma" pitchFamily="34" charset="0"/>
-                <a:ea typeface="Tahoma" pitchFamily="34" charset="0"/>
-                <a:cs typeface="Tahoma" pitchFamily="34" charset="0"/>
-              </a:rPr>
-              <a:t>a project from NCI</a:t>
-            </a:r>
-            <a:r>
-              <a:rPr lang="en-US" sz="2800" dirty="0" smtClean="0">
-                <a:solidFill>
-                  <a:srgbClr val="000000"/>
-                </a:solidFill>
-                <a:latin typeface="Tahoma" pitchFamily="34" charset="0"/>
-                <a:ea typeface="Tahoma" pitchFamily="34" charset="0"/>
-                <a:cs typeface="Tahoma" pitchFamily="34" charset="0"/>
-              </a:rPr>
-              <a:t>:</a:t>
-            </a:r>
-          </a:p>
-          <a:p>
-            <a:endParaRPr lang="en-US" sz="2800" dirty="0" smtClean="0">
+              <a:rPr lang="en-AU" sz="2800" dirty="0" smtClean="0">
+                <a:solidFill>
+                  <a:srgbClr val="000000"/>
+                </a:solidFill>
+                <a:latin typeface="Tahoma" pitchFamily="34" charset="0"/>
+                <a:ea typeface="Tahoma" pitchFamily="34" charset="0"/>
+                <a:cs typeface="Tahoma" pitchFamily="34" charset="0"/>
+              </a:rPr>
+              <a:t>Please follow the instructions at:</a:t>
+            </a:r>
+          </a:p>
+          <a:p>
+            <a:pPr lvl="1"/>
+            <a:endParaRPr lang="en-AU" sz="2800" dirty="0">
               <a:solidFill>
                 <a:srgbClr val="000000"/>
               </a:solidFill>
@@ -22677,43 +22872,44 @@
             </a:endParaRPr>
           </a:p>
           <a:p>
-            <a:pPr lvl="2"/>
-            <a:r>
-              <a:rPr lang="en-AU" sz="2800" u="sng" dirty="0" smtClean="0">
-                <a:latin typeface="Tahoma" pitchFamily="34" charset="0"/>
-                <a:ea typeface="Tahoma" pitchFamily="34" charset="0"/>
-                <a:cs typeface="Tahoma" pitchFamily="34" charset="0"/>
-                <a:hlinkClick r:id="rId3"/>
-              </a:rPr>
-              <a:t>https</a:t>
-            </a:r>
-            <a:r>
-              <a:rPr lang="en-AU" sz="2800" u="sng" dirty="0">
-                <a:latin typeface="Tahoma" pitchFamily="34" charset="0"/>
-                <a:ea typeface="Tahoma" pitchFamily="34" charset="0"/>
-                <a:cs typeface="Tahoma" pitchFamily="34" charset="0"/>
-                <a:hlinkClick r:id="rId3"/>
-              </a:rPr>
-              <a:t>://</a:t>
-            </a:r>
-            <a:r>
-              <a:rPr lang="en-AU" sz="2800" u="sng" dirty="0" smtClean="0">
-                <a:latin typeface="Tahoma" pitchFamily="34" charset="0"/>
-                <a:ea typeface="Tahoma" pitchFamily="34" charset="0"/>
-                <a:cs typeface="Tahoma" pitchFamily="34" charset="0"/>
-                <a:hlinkClick r:id="rId3"/>
-              </a:rPr>
-              <a:t>nf.nci.org.au/accounts/projects_new/APP_form.php</a:t>
-            </a:r>
-            <a:endParaRPr lang="en-AU" sz="2800" u="sng" dirty="0">
-              <a:latin typeface="Tahoma" pitchFamily="34" charset="0"/>
-              <a:ea typeface="Tahoma" pitchFamily="34" charset="0"/>
-              <a:cs typeface="Tahoma" pitchFamily="34" charset="0"/>
-            </a:endParaRPr>
-          </a:p>
-          <a:p>
-            <a:pPr lvl="3"/>
-            <a:endParaRPr lang="en-AU" sz="2800" u="sng" dirty="0">
+            <a:pPr lvl="1"/>
+            <a:r>
+              <a:rPr lang="en-AU" sz="2800" dirty="0" smtClean="0">
+                <a:solidFill>
+                  <a:srgbClr val="000000"/>
+                </a:solidFill>
+                <a:latin typeface="Tahoma" pitchFamily="34" charset="0"/>
+                <a:ea typeface="Tahoma" pitchFamily="34" charset="0"/>
+                <a:cs typeface="Tahoma" pitchFamily="34" charset="0"/>
+                <a:hlinkClick r:id="rId2"/>
+              </a:rPr>
+              <a:t>http</a:t>
+            </a:r>
+            <a:r>
+              <a:rPr lang="en-AU" sz="2800" dirty="0">
+                <a:solidFill>
+                  <a:srgbClr val="000000"/>
+                </a:solidFill>
+                <a:latin typeface="Tahoma" pitchFamily="34" charset="0"/>
+                <a:ea typeface="Tahoma" pitchFamily="34" charset="0"/>
+                <a:cs typeface="Tahoma" pitchFamily="34" charset="0"/>
+                <a:hlinkClick r:id="rId2"/>
+              </a:rPr>
+              <a:t>://intersect.org.au/time/</a:t>
+            </a:r>
+            <a:r>
+              <a:rPr lang="en-AU" sz="2800" dirty="0" smtClean="0">
+                <a:solidFill>
+                  <a:srgbClr val="000000"/>
+                </a:solidFill>
+                <a:latin typeface="Tahoma" pitchFamily="34" charset="0"/>
+                <a:ea typeface="Tahoma" pitchFamily="34" charset="0"/>
+                <a:cs typeface="Tahoma" pitchFamily="34" charset="0"/>
+                <a:hlinkClick r:id="rId2"/>
+              </a:rPr>
+              <a:t>merit</a:t>
+            </a:r>
+            <a:endParaRPr lang="en-AU" sz="2800" dirty="0" smtClean="0">
               <a:solidFill>
                 <a:srgbClr val="000000"/>
               </a:solidFill>
@@ -22724,43 +22920,111 @@
           </a:p>
           <a:p>
             <a:pPr lvl="1"/>
-            <a:r>
-              <a:rPr lang="en-AU" sz="2800" u="sng" dirty="0" smtClean="0">
-                <a:solidFill>
-                  <a:srgbClr val="000000"/>
-                </a:solidFill>
-                <a:latin typeface="Tahoma" pitchFamily="34" charset="0"/>
-                <a:ea typeface="Tahoma" pitchFamily="34" charset="0"/>
-                <a:cs typeface="Tahoma" pitchFamily="34" charset="0"/>
-              </a:rPr>
-              <a:t>This </a:t>
-            </a:r>
-            <a:r>
-              <a:rPr lang="en-AU" sz="2800" u="sng" dirty="0">
-                <a:solidFill>
-                  <a:srgbClr val="000000"/>
-                </a:solidFill>
-                <a:latin typeface="Tahoma" pitchFamily="34" charset="0"/>
-                <a:ea typeface="Tahoma" pitchFamily="34" charset="0"/>
-                <a:cs typeface="Tahoma" pitchFamily="34" charset="0"/>
-              </a:rPr>
-              <a:t>will provide </a:t>
-            </a:r>
-            <a:r>
-              <a:rPr lang="en-AU" sz="2800" u="sng" dirty="0" smtClean="0">
-                <a:solidFill>
-                  <a:srgbClr val="000000"/>
-                </a:solidFill>
-                <a:latin typeface="Tahoma" pitchFamily="34" charset="0"/>
-                <a:ea typeface="Tahoma" pitchFamily="34" charset="0"/>
-                <a:cs typeface="Tahoma" pitchFamily="34" charset="0"/>
-              </a:rPr>
-              <a:t>link your Id to your Project</a:t>
-            </a:r>
+            <a:endParaRPr lang="en-AU" sz="2800" dirty="0">
+              <a:solidFill>
+                <a:srgbClr val="000000"/>
+              </a:solidFill>
+              <a:latin typeface="Tahoma" pitchFamily="34" charset="0"/>
+              <a:ea typeface="Tahoma" pitchFamily="34" charset="0"/>
+              <a:cs typeface="Tahoma" pitchFamily="34" charset="0"/>
+            </a:endParaRPr>
           </a:p>
           <a:p>
             <a:pPr lvl="1"/>
-            <a:endParaRPr lang="en-AU" sz="2800" u="sng" dirty="0" smtClean="0">
+            <a:r>
+              <a:rPr lang="en-AU" sz="2800" dirty="0" smtClean="0">
+                <a:solidFill>
+                  <a:srgbClr val="000000"/>
+                </a:solidFill>
+                <a:latin typeface="Tahoma" pitchFamily="34" charset="0"/>
+                <a:ea typeface="Tahoma" pitchFamily="34" charset="0"/>
+                <a:cs typeface="Tahoma" pitchFamily="34" charset="0"/>
+              </a:rPr>
+              <a:t>Briefly this involves:</a:t>
+            </a:r>
+          </a:p>
+          <a:p>
+            <a:pPr marL="914400" lvl="1" indent="-457200">
+              <a:buFont typeface="Arial"/>
+              <a:buChar char="•"/>
+            </a:pPr>
+            <a:r>
+              <a:rPr lang="en-AU" sz="2800" dirty="0" smtClean="0">
+                <a:solidFill>
+                  <a:srgbClr val="000000"/>
+                </a:solidFill>
+                <a:latin typeface="Tahoma" pitchFamily="34" charset="0"/>
+                <a:ea typeface="Tahoma" pitchFamily="34" charset="0"/>
+                <a:cs typeface="Tahoma" pitchFamily="34" charset="0"/>
+              </a:rPr>
+              <a:t>Registering for a user account</a:t>
+            </a:r>
+          </a:p>
+          <a:p>
+            <a:pPr marL="914400" lvl="1" indent="-457200">
+              <a:buFont typeface="Arial"/>
+              <a:buChar char="•"/>
+            </a:pPr>
+            <a:r>
+              <a:rPr lang="en-AU" sz="2800" dirty="0" smtClean="0">
+                <a:solidFill>
+                  <a:srgbClr val="000000"/>
+                </a:solidFill>
+                <a:latin typeface="Tahoma" pitchFamily="34" charset="0"/>
+                <a:ea typeface="Tahoma" pitchFamily="34" charset="0"/>
+                <a:cs typeface="Tahoma" pitchFamily="34" charset="0"/>
+              </a:rPr>
+              <a:t>Completing personal and career profiles</a:t>
+            </a:r>
+          </a:p>
+          <a:p>
+            <a:pPr marL="914400" lvl="1" indent="-457200">
+              <a:buFont typeface="Arial"/>
+              <a:buChar char="•"/>
+            </a:pPr>
+            <a:r>
+              <a:rPr lang="en-AU" sz="2800" dirty="0" smtClean="0">
+                <a:solidFill>
+                  <a:srgbClr val="000000"/>
+                </a:solidFill>
+                <a:latin typeface="Tahoma" pitchFamily="34" charset="0"/>
+                <a:ea typeface="Tahoma" pitchFamily="34" charset="0"/>
+                <a:cs typeface="Tahoma" pitchFamily="34" charset="0"/>
+              </a:rPr>
+              <a:t>Registering a new project</a:t>
+            </a:r>
+          </a:p>
+          <a:p>
+            <a:pPr marL="914400" lvl="1" indent="-457200">
+              <a:buFont typeface="Arial"/>
+              <a:buChar char="•"/>
+            </a:pPr>
+            <a:r>
+              <a:rPr lang="en-AU" sz="2800" dirty="0" smtClean="0">
+                <a:solidFill>
+                  <a:srgbClr val="000000"/>
+                </a:solidFill>
+                <a:latin typeface="Tahoma" pitchFamily="34" charset="0"/>
+                <a:ea typeface="Tahoma" pitchFamily="34" charset="0"/>
+                <a:cs typeface="Tahoma" pitchFamily="34" charset="0"/>
+              </a:rPr>
+              <a:t>Completing an application for resources for the project</a:t>
+            </a:r>
+          </a:p>
+          <a:p>
+            <a:pPr lvl="1" algn="ctr"/>
+            <a:endParaRPr lang="en-AU" sz="2800" dirty="0" smtClean="0">
+              <a:solidFill>
+                <a:srgbClr val="000000"/>
+              </a:solidFill>
+              <a:latin typeface="Tahoma" pitchFamily="34" charset="0"/>
+              <a:ea typeface="Tahoma" pitchFamily="34" charset="0"/>
+              <a:cs typeface="Tahoma" pitchFamily="34" charset="0"/>
+            </a:endParaRPr>
+          </a:p>
+          <a:p>
+            <a:pPr lvl="1" algn="ctr"/>
+            <a:endParaRPr lang="en-AU" sz="2800" dirty="0" smtClean="0">
               <a:solidFill>
                 <a:srgbClr val="000000"/>
               </a:solidFill>
@@ -22817,10 +23081,41 @@
           </a:p>
         </p:txBody>
       </p:sp>
+      <p:sp>
+        <p:nvSpPr>
+          <p:cNvPr id="7" name="TextShape 2"/>
+          <p:cNvSpPr txBox="1"/>
+          <p:nvPr/>
+        </p:nvSpPr>
+        <p:spPr>
+          <a:xfrm>
+            <a:off x="683568" y="1916832"/>
+            <a:ext cx="8229240" cy="4525560"/>
+          </a:xfrm>
+          <a:prstGeom prst="rect">
+            <a:avLst/>
+          </a:prstGeom>
+        </p:spPr>
+        <p:txBody>
+          <a:bodyPr/>
+          <a:lstStyle/>
+          <a:p>
+            <a:pPr lvl="1"/>
+            <a:endParaRPr lang="en-AU" sz="2800" u="sng" dirty="0" smtClean="0">
+              <a:solidFill>
+                <a:srgbClr val="000000"/>
+              </a:solidFill>
+              <a:latin typeface="Tahoma" pitchFamily="34" charset="0"/>
+              <a:ea typeface="Tahoma" pitchFamily="34" charset="0"/>
+              <a:cs typeface="Tahoma" pitchFamily="34" charset="0"/>
+            </a:endParaRPr>
+          </a:p>
+        </p:txBody>
+      </p:sp>
     </p:spTree>
     <p:extLst>
       <p:ext uri="{BB962C8B-B14F-4D97-AF65-F5344CB8AC3E}">
-        <p14:creationId xmlns:p14="http://schemas.microsoft.com/office/powerpoint/2010/main" val="3644052957"/>
+        <p14:creationId xmlns:p14="http://schemas.microsoft.com/office/powerpoint/2010/main" val="2503921704"/>
       </p:ext>
     </p:extLst>
   </p:cSld>
@@ -22879,7 +23174,7 @@
                 <a:latin typeface="Tahoma"/>
                 <a:ea typeface="ＭＳ Ｐゴシック"/>
               </a:rPr>
-              <a:t>Project Registration Form</a:t>
+              <a:t>Applications continued</a:t>
             </a:r>
             <a:endParaRPr lang="en-AU" sz="4400" dirty="0"/>
           </a:p>
@@ -22913,47 +23208,6 @@
               <a:ea typeface="Tahoma" pitchFamily="34" charset="0"/>
               <a:cs typeface="Tahoma" pitchFamily="34" charset="0"/>
             </a:endParaRPr>
-          </a:p>
-          <a:p>
-            <a:pPr marL="457200" indent="-457200">
-              <a:buFont typeface="Arial" pitchFamily="34" charset="0"/>
-              <a:buChar char="•"/>
-            </a:pPr>
-            <a:r>
-              <a:rPr lang="en-AU" sz="2800" dirty="0" smtClean="0">
-                <a:solidFill>
-                  <a:srgbClr val="000000"/>
-                </a:solidFill>
-                <a:latin typeface="Tahoma" pitchFamily="34" charset="0"/>
-                <a:ea typeface="Tahoma" pitchFamily="34" charset="0"/>
-                <a:cs typeface="Tahoma" pitchFamily="34" charset="0"/>
-              </a:rPr>
-              <a:t>P</a:t>
-            </a:r>
-            <a:r>
-              <a:rPr lang="en-AU" sz="2800" dirty="0" smtClean="0">
-                <a:latin typeface="Tahoma" pitchFamily="34" charset="0"/>
-                <a:ea typeface="Tahoma" pitchFamily="34" charset="0"/>
-                <a:cs typeface="Tahoma" pitchFamily="34" charset="0"/>
-              </a:rPr>
-              <a:t>ick </a:t>
-            </a:r>
-            <a:r>
-              <a:rPr lang="en-AU" sz="2800" u="sng" dirty="0" smtClean="0">
-                <a:latin typeface="Tahoma" pitchFamily="34" charset="0"/>
-                <a:ea typeface="Tahoma" pitchFamily="34" charset="0"/>
-                <a:cs typeface="Tahoma" pitchFamily="34" charset="0"/>
-              </a:rPr>
-              <a:t>INTERSECT under partner/scheme </a:t>
-            </a:r>
-            <a:r>
-              <a:rPr lang="en-AU" sz="2800" dirty="0" smtClean="0">
-                <a:latin typeface="Tahoma" pitchFamily="34" charset="0"/>
-                <a:ea typeface="Tahoma" pitchFamily="34" charset="0"/>
-                <a:cs typeface="Tahoma" pitchFamily="34" charset="0"/>
-              </a:rPr>
-              <a:t>on the first page of the project registration form or else you won’t get access to Orange</a:t>
-            </a:r>
           </a:p>
           <a:p>
             <a:pPr marL="457200" indent="-457200">
@@ -23157,7 +23411,7 @@
         </p:nvSpPr>
         <p:spPr>
           <a:xfrm>
-            <a:off x="457200" y="1600200"/>
+            <a:off x="457200" y="1268760"/>
             <a:ext cx="8229240" cy="4525560"/>
           </a:xfrm>
           <a:prstGeom prst="rect">
@@ -23307,7 +23561,18 @@
                 <a:ea typeface="Tahoma" pitchFamily="34" charset="0"/>
                 <a:cs typeface="Tahoma" pitchFamily="34" charset="0"/>
               </a:rPr>
-              <a:t>As different machines have different PBS systems, scripts that work on Octane may not work on NCI </a:t>
+              <a:t>As different machines have different PBS systems, scripts that work on Orange may need to be adapted for </a:t>
+            </a:r>
+            <a:r>
+              <a:rPr lang="en-US" sz="3200" dirty="0" err="1" smtClean="0">
+                <a:solidFill>
+                  <a:srgbClr val="000000"/>
+                </a:solidFill>
+                <a:latin typeface="Tahoma" pitchFamily="34" charset="0"/>
+                <a:ea typeface="Tahoma" pitchFamily="34" charset="0"/>
+                <a:cs typeface="Tahoma" pitchFamily="34" charset="0"/>
+              </a:rPr>
+              <a:t>Raijin</a:t>
             </a:r>
             <a:r>
               <a:rPr lang="en-US" sz="3200" dirty="0" smtClean="0">
@@ -23318,7 +23583,7 @@
                 <a:ea typeface="Tahoma" pitchFamily="34" charset="0"/>
                 <a:cs typeface="Tahoma" pitchFamily="34" charset="0"/>
               </a:rPr>
-              <a:t>facilities</a:t>
+              <a:t> (NCI) and vice-versa</a:t>
             </a:r>
           </a:p>
           <a:p>
@@ -23473,7 +23738,7 @@
   <p:timing>
     <p:tnLst>
       <p:par>
-        <p:cTn id="1" dur="indefinite" restart="never" nodeType="tmRoot"/>
+        <p:cTn xmlns:p14="http://schemas.microsoft.com/office/powerpoint/2010/main" id="1" dur="indefinite" restart="never" nodeType="tmRoot"/>
       </p:par>
     </p:tnLst>
   </p:timing>
@@ -23643,7 +23908,7 @@
   <p:timing>
     <p:tnLst>
       <p:par>
-        <p:cTn id="1" dur="indefinite" restart="never" nodeType="tmRoot"/>
+        <p:cTn xmlns:p14="http://schemas.microsoft.com/office/powerpoint/2010/main" id="1" dur="indefinite" restart="never" nodeType="tmRoot"/>
       </p:par>
     </p:tnLst>
   </p:timing>
@@ -23963,7 +24228,7 @@
   <p:timing>
     <p:tnLst>
       <p:par>
-        <p:cTn id="1" dur="indefinite" restart="never" nodeType="tmRoot">
+        <p:cTn xmlns:p14="http://schemas.microsoft.com/office/powerpoint/2010/main" id="1" dur="indefinite" restart="never" nodeType="tmRoot">
           <p:childTnLst>
             <p:seq>
               <p:cTn id="2" nodeType="mainSeq">
@@ -24537,7 +24802,7 @@
   <p:timing>
     <p:tnLst>
       <p:par>
-        <p:cTn id="1" dur="indefinite" restart="never" nodeType="tmRoot">
+        <p:cTn xmlns:p14="http://schemas.microsoft.com/office/powerpoint/2010/main" id="1" dur="indefinite" restart="never" nodeType="tmRoot">
           <p:childTnLst>
             <p:seq>
               <p:cTn id="2" nodeType="mainSeq">
@@ -25124,7 +25389,7 @@
   <p:timing>
     <p:tnLst>
       <p:par>
-        <p:cTn id="1" dur="indefinite" restart="never" nodeType="tmRoot">
+        <p:cTn xmlns:p14="http://schemas.microsoft.com/office/powerpoint/2010/main" id="1" dur="indefinite" restart="never" nodeType="tmRoot">
           <p:childTnLst>
             <p:seq>
               <p:cTn id="2" nodeType="mainSeq">
@@ -25292,14 +25557,14 @@
             <a:noFill/>
           </a:ln>
           <a:extLst>
-            <a:ext uri="{909E8E84-426E-40DD-AFC4-6F175D3DCCD1}">
+            <a:ext uri="{909E8E84-426E-40dd-AFC4-6F175D3DCCD1}">
               <a14:hiddenFill xmlns:a14="http://schemas.microsoft.com/office/drawing/2010/main">
                 <a:solidFill>
                   <a:schemeClr val="accent1"/>
                 </a:solidFill>
               </a14:hiddenFill>
             </a:ext>
-            <a:ext uri="{91240B29-F687-4F45-9708-019B960494DF}">
+            <a:ext uri="{91240B29-F687-4f45-9708-019B960494DF}">
               <a14:hiddenLine xmlns:a14="http://schemas.microsoft.com/office/drawing/2010/main" w="9525">
                 <a:solidFill>
                   <a:schemeClr val="tx1"/>
@@ -25592,14 +25857,14 @@
             <a:noFill/>
           </a:ln>
           <a:extLst>
-            <a:ext uri="{909E8E84-426E-40DD-AFC4-6F175D3DCCD1}">
+            <a:ext uri="{909E8E84-426E-40dd-AFC4-6F175D3DCCD1}">
               <a14:hiddenFill xmlns:a14="http://schemas.microsoft.com/office/drawing/2010/main">
                 <a:solidFill>
                   <a:schemeClr val="accent1"/>
                 </a:solidFill>
               </a14:hiddenFill>
             </a:ext>
-            <a:ext uri="{91240B29-F687-4F45-9708-019B960494DF}">
+            <a:ext uri="{91240B29-F687-4f45-9708-019B960494DF}">
               <a14:hiddenLine xmlns:a14="http://schemas.microsoft.com/office/drawing/2010/main" w="9525">
                 <a:solidFill>
                   <a:schemeClr val="tx1"/>

--- a/IntroToUnixHPC/03 HPC - Slides.pptx
+++ b/IntroToUnixHPC/03 HPC - Slides.pptx
@@ -11355,49 +11355,88 @@
                 <a:latin typeface="Courier New"/>
                 <a:ea typeface="ＭＳ Ｐゴシック"/>
               </a:rPr>
-              <a:t># * 1 node, 1 processor</a:t>
-            </a:r>
-          </a:p>
-          <a:p>
-            <a:r>
-              <a:rPr lang="en-AU" b="1" dirty="0">
+              <a:t># * 1 node, 1 </a:t>
+            </a:r>
+            <a:r>
+              <a:rPr lang="en-AU" dirty="0" smtClean="0">
                 <a:solidFill>
                   <a:srgbClr val="000000"/>
                 </a:solidFill>
                 <a:latin typeface="Courier New"/>
                 <a:ea typeface="ＭＳ Ｐゴシック"/>
               </a:rPr>
-              <a:t>#PBS </a:t>
-            </a:r>
-            <a:r>
-              <a:rPr lang="en-AU" b="1" dirty="0" smtClean="0">
-                <a:solidFill>
-                  <a:srgbClr val="FF0000"/>
+              <a:t>processor</a:t>
+            </a:r>
+          </a:p>
+          <a:p>
+            <a:r>
+              <a:rPr lang="en-AU" dirty="0">
+                <a:solidFill>
+                  <a:srgbClr val="000000"/>
                 </a:solidFill>
                 <a:latin typeface="Courier New"/>
                 <a:ea typeface="ＭＳ Ｐゴシック"/>
               </a:rPr>
-              <a:t>–l</a:t>
-            </a:r>
-            <a:r>
-              <a:rPr lang="en-AU" b="1" dirty="0" smtClean="0">
+              <a:t># * 100 megabytes physical memory allocated to </a:t>
+            </a:r>
+            <a:r>
+              <a:rPr lang="en-AU" dirty="0" smtClean="0">
                 <a:solidFill>
                   <a:srgbClr val="000000"/>
                 </a:solidFill>
                 <a:latin typeface="Courier New"/>
                 <a:ea typeface="ＭＳ Ｐゴシック"/>
               </a:rPr>
-              <a:t> select=1:ncpus=</a:t>
-            </a:r>
-            <a:r>
-              <a:rPr lang="en-AU" b="1" dirty="0" smtClean="0">
+              <a:t>job</a:t>
+            </a:r>
+            <a:endParaRPr lang="en-AU" dirty="0">
+              <a:solidFill>
+                <a:srgbClr val="000000"/>
+              </a:solidFill>
+              <a:latin typeface="Courier New"/>
+              <a:ea typeface="ＭＳ Ｐゴシック"/>
+            </a:endParaRPr>
+          </a:p>
+          <a:p>
+            <a:r>
+              <a:rPr lang="en-AU" b="1" dirty="0">
                 <a:solidFill>
                   <a:srgbClr val="000000"/>
                 </a:solidFill>
                 <a:latin typeface="Courier New"/>
                 <a:ea typeface="ＭＳ Ｐゴシック"/>
               </a:rPr>
-              <a:t>1</a:t>
+              <a:t>#PBS </a:t>
+            </a:r>
+            <a:r>
+              <a:rPr lang="en-AU" b="1" dirty="0" smtClean="0">
+                <a:solidFill>
+                  <a:srgbClr val="FF0000"/>
+                </a:solidFill>
+                <a:latin typeface="Courier New"/>
+                <a:ea typeface="ＭＳ Ｐゴシック"/>
+              </a:rPr>
+              <a:t>–l</a:t>
+            </a:r>
+            <a:r>
+              <a:rPr lang="en-AU" b="1" dirty="0" smtClean="0">
+                <a:solidFill>
+                  <a:srgbClr val="000000"/>
+                </a:solidFill>
+                <a:latin typeface="Courier New"/>
+                <a:ea typeface="ＭＳ Ｐゴシック"/>
+              </a:rPr>
+              <a:t> select=1:ncpus=</a:t>
+            </a:r>
+            <a:r>
+              <a:rPr lang="en-AU" b="1" dirty="0" smtClean="0">
+                <a:solidFill>
+                  <a:srgbClr val="000000"/>
+                </a:solidFill>
+                <a:latin typeface="Courier New"/>
+                <a:ea typeface="ＭＳ Ｐゴシック"/>
+              </a:rPr>
+              <a:t>1:mem=100mb</a:t>
             </a:r>
             <a:endParaRPr lang="en-AU" b="1" dirty="0" smtClean="0">
               <a:solidFill>
@@ -11406,85 +11445,6 @@
               <a:latin typeface="Courier New"/>
               <a:ea typeface="ＭＳ Ｐゴシック"/>
             </a:endParaRPr>
-          </a:p>
-          <a:p>
-            <a:r>
-              <a:rPr lang="en-AU" dirty="0" smtClean="0">
-                <a:solidFill>
-                  <a:srgbClr val="000000"/>
-                </a:solidFill>
-                <a:latin typeface="Courier New"/>
-                <a:ea typeface="ＭＳ Ｐゴシック"/>
-              </a:rPr>
-              <a:t># </a:t>
-            </a:r>
-            <a:r>
-              <a:rPr lang="en-AU" dirty="0">
-                <a:solidFill>
-                  <a:srgbClr val="000000"/>
-                </a:solidFill>
-                <a:latin typeface="Courier New"/>
-                <a:ea typeface="ＭＳ Ｐゴシック"/>
-              </a:rPr>
-              <a:t>* 100 megabytes physical memory allocated to job</a:t>
-            </a:r>
-          </a:p>
-          <a:p>
-            <a:pPr>
-              <a:lnSpc>
-                <a:spcPct val="100000"/>
-              </a:lnSpc>
-            </a:pPr>
-            <a:r>
-              <a:rPr lang="en-AU" b="1" dirty="0">
-                <a:solidFill>
-                  <a:srgbClr val="000000"/>
-                </a:solidFill>
-                <a:latin typeface="Courier New"/>
-                <a:ea typeface="ＭＳ Ｐゴシック"/>
-              </a:rPr>
-              <a:t>#PBS </a:t>
-            </a:r>
-            <a:r>
-              <a:rPr lang="en-AU" b="1" dirty="0">
-                <a:solidFill>
-                  <a:srgbClr val="FF0000"/>
-                </a:solidFill>
-                <a:latin typeface="Courier New"/>
-                <a:ea typeface="ＭＳ Ｐゴシック"/>
-              </a:rPr>
-              <a:t>-l</a:t>
-            </a:r>
-            <a:r>
-              <a:rPr lang="en-AU" b="1" dirty="0">
-                <a:solidFill>
-                  <a:srgbClr val="000000"/>
-                </a:solidFill>
-                <a:latin typeface="Courier New"/>
-                <a:ea typeface="ＭＳ Ｐゴシック"/>
-              </a:rPr>
-              <a:t> </a:t>
-            </a:r>
-            <a:r>
-              <a:rPr lang="en-AU" b="1" dirty="0" err="1">
-                <a:solidFill>
-                  <a:srgbClr val="000000"/>
-                </a:solidFill>
-                <a:latin typeface="Courier New"/>
-                <a:ea typeface="ＭＳ Ｐゴシック"/>
-              </a:rPr>
-              <a:t>mem</a:t>
-            </a:r>
-            <a:r>
-              <a:rPr lang="en-AU" b="1" dirty="0">
-                <a:solidFill>
-                  <a:srgbClr val="000000"/>
-                </a:solidFill>
-                <a:latin typeface="Courier New"/>
-                <a:ea typeface="ＭＳ Ｐゴシック"/>
-              </a:rPr>
-              <a:t>=100mb</a:t>
-            </a:r>
           </a:p>
           <a:p>
             <a:pPr>
@@ -12250,7 +12210,7 @@
           </a:p>
           <a:p>
             <a:r>
-              <a:rPr lang="en-AU" b="1" dirty="0">
+              <a:rPr lang="en-AU" dirty="0">
                 <a:solidFill>
                   <a:schemeClr val="bg1">
                     <a:lumMod val="50000"/>
@@ -12259,10 +12219,10 @@
                 <a:latin typeface="Courier New"/>
                 <a:ea typeface="ＭＳ Ｐゴシック"/>
               </a:rPr>
-              <a:t>#PBS </a:t>
-            </a:r>
-            <a:r>
-              <a:rPr lang="en-AU" b="1" dirty="0" smtClean="0">
+              <a:t># * 100 megabytes physical memory allocated to </a:t>
+            </a:r>
+            <a:r>
+              <a:rPr lang="en-AU" dirty="0" smtClean="0">
                 <a:solidFill>
                   <a:schemeClr val="bg1">
                     <a:lumMod val="50000"/>
@@ -12271,8 +12231,19 @@
                 <a:latin typeface="Courier New"/>
                 <a:ea typeface="ＭＳ Ｐゴシック"/>
               </a:rPr>
-              <a:t>–l select=1:ncpus=</a:t>
-            </a:r>
+              <a:t>job</a:t>
+            </a:r>
+            <a:endParaRPr lang="en-AU" b="1" dirty="0" smtClean="0">
+              <a:solidFill>
+                <a:schemeClr val="bg1">
+                  <a:lumMod val="50000"/>
+                </a:schemeClr>
+              </a:solidFill>
+              <a:latin typeface="Courier New"/>
+              <a:ea typeface="ＭＳ Ｐゴシック"/>
+            </a:endParaRPr>
+          </a:p>
+          <a:p>
             <a:r>
               <a:rPr lang="en-AU" b="1" dirty="0" smtClean="0">
                 <a:solidFill>
@@ -12283,12 +12254,10 @@
                 <a:latin typeface="Courier New"/>
                 <a:ea typeface="ＭＳ Ｐゴシック"/>
               </a:rPr>
-              <a:t>1</a:t>
-            </a:r>
-          </a:p>
-          <a:p>
-            <a:r>
-              <a:rPr lang="en-AU" dirty="0" smtClean="0">
+              <a:t>#</a:t>
+            </a:r>
+            <a:r>
+              <a:rPr lang="en-AU" b="1" dirty="0">
                 <a:solidFill>
                   <a:schemeClr val="bg1">
                     <a:lumMod val="50000"/>
@@ -12297,10 +12266,10 @@
                 <a:latin typeface="Courier New"/>
                 <a:ea typeface="ＭＳ Ｐゴシック"/>
               </a:rPr>
-              <a:t># </a:t>
-            </a:r>
-            <a:r>
-              <a:rPr lang="en-AU" dirty="0">
+              <a:t>PBS </a:t>
+            </a:r>
+            <a:r>
+              <a:rPr lang="en-AU" b="1" dirty="0" smtClean="0">
                 <a:solidFill>
                   <a:schemeClr val="bg1">
                     <a:lumMod val="50000"/>
@@ -12309,17 +12278,10 @@
                 <a:latin typeface="Courier New"/>
                 <a:ea typeface="ＭＳ Ｐゴシック"/>
               </a:rPr>
-              <a:t>* 100 megabytes physical memory allocated to job</a:t>
-            </a:r>
-          </a:p>
-          <a:p>
-            <a:pPr>
-              <a:lnSpc>
-                <a:spcPct val="100000"/>
-              </a:lnSpc>
-            </a:pPr>
-            <a:r>
-              <a:rPr lang="en-AU" b="1" dirty="0">
+              <a:t>–l select=1:ncpus=</a:t>
+            </a:r>
+            <a:r>
+              <a:rPr lang="en-AU" b="1" dirty="0" smtClean="0">
                 <a:solidFill>
                   <a:schemeClr val="bg1">
                     <a:lumMod val="50000"/>
@@ -12328,19 +12290,7 @@
                 <a:latin typeface="Courier New"/>
                 <a:ea typeface="ＭＳ Ｐゴシック"/>
               </a:rPr>
-              <a:t>#PBS -l </a:t>
-            </a:r>
-            <a:r>
-              <a:rPr lang="en-AU" b="1" dirty="0" err="1">
-                <a:solidFill>
-                  <a:schemeClr val="bg1">
-                    <a:lumMod val="50000"/>
-                  </a:schemeClr>
-                </a:solidFill>
-                <a:latin typeface="Courier New"/>
-                <a:ea typeface="ＭＳ Ｐゴシック"/>
-              </a:rPr>
-              <a:t>mem</a:t>
+              <a:t>1:mem</a:t>
             </a:r>
             <a:r>
               <a:rPr lang="en-AU" b="1" dirty="0">
